--- a/Präsentation/Abschluss_Präsentation_Keijo.pptx
+++ b/Präsentation/Abschluss_Präsentation_Keijo.pptx
@@ -11,8 +11,8 @@
     <p:handoutMasterId r:id="rId22"/>
   </p:handoutMasterIdLst>
   <p:sldIdLst>
-    <p:sldId id="256" r:id="rId3"/>
-    <p:sldId id="266" r:id="rId4"/>
+    <p:sldId id="281" r:id="rId3"/>
+    <p:sldId id="282" r:id="rId4"/>
     <p:sldId id="267" r:id="rId5"/>
     <p:sldId id="268" r:id="rId6"/>
     <p:sldId id="269" r:id="rId7"/>
@@ -1380,7 +1380,7 @@
     </p:spTree>
     <p:extLst>
       <p:ext uri="{BB962C8B-B14F-4D97-AF65-F5344CB8AC3E}">
-        <p14:creationId xmlns:p14="http://schemas.microsoft.com/office/powerpoint/2010/main" val="1170222192"/>
+        <p14:creationId xmlns:p14="http://schemas.microsoft.com/office/powerpoint/2010/main" val="1839109389"/>
       </p:ext>
     </p:extLst>
   </p:cSld>
@@ -2533,7 +2533,7 @@
     </p:spTree>
     <p:extLst>
       <p:ext uri="{BB962C8B-B14F-4D97-AF65-F5344CB8AC3E}">
-        <p14:creationId xmlns:p14="http://schemas.microsoft.com/office/powerpoint/2010/main" val="1613023689"/>
+        <p14:creationId xmlns:p14="http://schemas.microsoft.com/office/powerpoint/2010/main" val="2608810005"/>
       </p:ext>
     </p:extLst>
   </p:cSld>
@@ -4778,7 +4778,7 @@
           <a:lstStyle>
             <a:lvl1pPr marL="342900" indent="-342900">
               <a:buClr>
-                <a:srgbClr val="005088"/>
+                <a:srgbClr val="004E8A"/>
               </a:buClr>
               <a:buFont typeface="Wingdings" panose="05000000000000000000" pitchFamily="2" charset="2"/>
               <a:buChar char="§"/>
@@ -6451,7 +6451,7 @@
           <a:spcPts val="230"/>
         </a:spcAft>
         <a:buClr>
-          <a:srgbClr val="005088"/>
+          <a:srgbClr val="004E8A"/>
         </a:buClr>
         <a:buFont typeface="Wingdings" pitchFamily="2" charset="2"/>
         <a:buChar char="§"/>
@@ -6775,10 +6775,10 @@
       </p:sp>
       <p:pic>
         <p:nvPicPr>
-          <p:cNvPr id="5" name="Grafik 4">
+          <p:cNvPr id="4" name="Grafik 3">
             <a:extLst>
               <a:ext uri="{FF2B5EF4-FFF2-40B4-BE49-F238E27FC236}">
-                <a16:creationId xmlns:a16="http://schemas.microsoft.com/office/drawing/2014/main" id="{E227F886-3FC4-4EC8-B699-37820BA7E278}"/>
+                <a16:creationId xmlns:a16="http://schemas.microsoft.com/office/drawing/2014/main" id="{18A4F8C9-BC47-4597-A341-7BD061B63621}"/>
               </a:ext>
             </a:extLst>
           </p:cNvPr>
@@ -6788,37 +6788,130 @@
           <p:nvPr/>
         </p:nvPicPr>
         <p:blipFill>
-          <a:blip r:embed="rId3" cstate="print">
-            <a:extLst>
-              <a:ext uri="{BEBA8EAE-BF5A-486C-A8C5-ECC9F3942E4B}">
-                <a14:imgProps xmlns:a14="http://schemas.microsoft.com/office/drawing/2010/main">
-                  <a14:imgLayer r:embed="rId4">
-                    <a14:imgEffect>
-                      <a14:colorTemperature colorTemp="8242"/>
-                    </a14:imgEffect>
-                  </a14:imgLayer>
-                </a14:imgProps>
-              </a:ext>
-              <a:ext uri="{28A0092B-C50C-407E-A947-70E740481C1C}">
-                <a14:useLocalDpi xmlns:a14="http://schemas.microsoft.com/office/drawing/2010/main" val="0"/>
-              </a:ext>
-            </a:extLst>
-          </a:blip>
+          <a:blip r:embed="rId3"/>
           <a:stretch>
             <a:fillRect/>
           </a:stretch>
         </p:blipFill>
         <p:spPr>
           <a:xfrm>
-            <a:off x="1629927" y="2780928"/>
-            <a:ext cx="5884146" cy="3309832"/>
+            <a:off x="1666875" y="2708920"/>
+            <a:ext cx="5810250" cy="3286125"/>
           </a:xfrm>
           <a:prstGeom prst="rect">
             <a:avLst/>
           </a:prstGeom>
         </p:spPr>
       </p:pic>
+      <p:cxnSp>
+        <p:nvCxnSpPr>
+          <p:cNvPr id="8" name="Gerade Verbindung mit Pfeil 7">
+            <a:extLst>
+              <a:ext uri="{FF2B5EF4-FFF2-40B4-BE49-F238E27FC236}">
+                <a16:creationId xmlns:a16="http://schemas.microsoft.com/office/drawing/2014/main" id="{6AEE5332-9F2B-40A4-B03C-0CA4C32B5711}"/>
+              </a:ext>
+            </a:extLst>
+          </p:cNvPr>
+          <p:cNvCxnSpPr>
+            <a:cxnSpLocks/>
+          </p:cNvCxnSpPr>
+          <p:nvPr/>
+        </p:nvCxnSpPr>
+        <p:spPr>
+          <a:xfrm flipV="1">
+            <a:off x="5796137" y="4626893"/>
+            <a:ext cx="0" cy="818331"/>
+          </a:xfrm>
+          <a:prstGeom prst="straightConnector1">
+            <a:avLst/>
+          </a:prstGeom>
+          <a:ln w="57150">
+            <a:solidFill>
+              <a:srgbClr val="004E8A"/>
+            </a:solidFill>
+            <a:tailEnd type="triangle"/>
+          </a:ln>
+        </p:spPr>
+        <p:style>
+          <a:lnRef idx="1">
+            <a:schemeClr val="accent1"/>
+          </a:lnRef>
+          <a:fillRef idx="0">
+            <a:schemeClr val="accent1"/>
+          </a:fillRef>
+          <a:effectRef idx="0">
+            <a:schemeClr val="accent1"/>
+          </a:effectRef>
+          <a:fontRef idx="minor">
+            <a:schemeClr val="tx1"/>
+          </a:fontRef>
+        </p:style>
+      </p:cxnSp>
+      <p:sp>
+        <p:nvSpPr>
+          <p:cNvPr id="9" name="Rechteck 8">
+            <a:extLst>
+              <a:ext uri="{FF2B5EF4-FFF2-40B4-BE49-F238E27FC236}">
+                <a16:creationId xmlns:a16="http://schemas.microsoft.com/office/drawing/2014/main" id="{3778A54C-BCC7-4667-8D22-D645A2858F58}"/>
+              </a:ext>
+            </a:extLst>
+          </p:cNvPr>
+          <p:cNvSpPr/>
+          <p:nvPr/>
+        </p:nvSpPr>
+        <p:spPr>
+          <a:xfrm>
+            <a:off x="4788024" y="5441465"/>
+            <a:ext cx="3096344" cy="795847"/>
+          </a:xfrm>
+          <a:prstGeom prst="rect">
+            <a:avLst/>
+          </a:prstGeom>
+          <a:noFill/>
+          <a:ln>
+            <a:solidFill>
+              <a:srgbClr val="004E8A"/>
+            </a:solidFill>
+          </a:ln>
+        </p:spPr>
+        <p:style>
+          <a:lnRef idx="2">
+            <a:schemeClr val="accent1">
+              <a:shade val="50000"/>
+            </a:schemeClr>
+          </a:lnRef>
+          <a:fillRef idx="1">
+            <a:schemeClr val="accent1"/>
+          </a:fillRef>
+          <a:effectRef idx="0">
+            <a:schemeClr val="accent1"/>
+          </a:effectRef>
+          <a:fontRef idx="minor">
+            <a:schemeClr val="lt1"/>
+          </a:fontRef>
+        </p:style>
+        <p:txBody>
+          <a:bodyPr rtlCol="0" anchor="ctr"/>
+          <a:lstStyle/>
+          <a:p>
+            <a:pPr algn="ctr"/>
+            <a:r>
+              <a:rPr lang="de-DE" dirty="0">
+                <a:solidFill>
+                  <a:srgbClr val="004E8A"/>
+                </a:solidFill>
+              </a:rPr>
+              <a:t>Hochdruckturbine nach der Brennkammer</a:t>
+            </a:r>
+          </a:p>
+        </p:txBody>
+      </p:sp>
     </p:spTree>
+    <p:extLst>
+      <p:ext uri="{BB962C8B-B14F-4D97-AF65-F5344CB8AC3E}">
+        <p14:creationId xmlns:p14="http://schemas.microsoft.com/office/powerpoint/2010/main" val="2655577268"/>
+      </p:ext>
+    </p:extLst>
   </p:cSld>
   <p:clrMapOvr>
     <a:masterClrMapping/>
@@ -8335,21 +8428,19 @@
             <p:ph idx="1"/>
           </p:nvPr>
         </p:nvSpPr>
-        <p:spPr/>
-        <p:txBody>
-          <a:bodyPr/>
-          <a:lstStyle/>
-          <a:p>
-            <a:r>
-              <a:rPr lang="de-DE" dirty="0"/>
-              <a:t>Grundlagen</a:t>
-            </a:r>
-          </a:p>
-          <a:p>
-            <a:pPr lvl="2"/>
-            <a:r>
-              <a:rPr lang="de-DE" dirty="0"/>
-              <a:t>Wirkungsgraddefinitionen</a:t>
+        <p:spPr>
+          <a:xfrm>
+            <a:off x="360000" y="1620000"/>
+            <a:ext cx="7164328" cy="4479943"/>
+          </a:xfrm>
+        </p:spPr>
+        <p:txBody>
+          <a:bodyPr/>
+          <a:lstStyle/>
+          <a:p>
+            <a:r>
+              <a:rPr lang="de-DE" dirty="0"/>
+              <a:t>Grundlagen der Thermodynamik und von Wirkungsgraden</a:t>
             </a:r>
           </a:p>
           <a:p>
@@ -8359,35 +8450,18 @@
             </a:r>
           </a:p>
           <a:p>
-            <a:pPr lvl="2"/>
-            <a:r>
-              <a:rPr lang="de-DE" dirty="0"/>
-              <a:t>Strukturiert</a:t>
-            </a:r>
-          </a:p>
-          <a:p>
-            <a:pPr lvl="2"/>
-            <a:r>
-              <a:rPr lang="de-DE" dirty="0"/>
-              <a:t>Unstrukturiert</a:t>
-            </a:r>
-          </a:p>
-          <a:p>
-            <a:pPr lvl="1"/>
             <a:r>
               <a:rPr lang="de-DE" dirty="0"/>
               <a:t>Kanalströmung</a:t>
             </a:r>
           </a:p>
           <a:p>
-            <a:pPr lvl="1"/>
-            <a:r>
-              <a:rPr lang="de-DE" dirty="0"/>
-              <a:t>Auswertungstool</a:t>
-            </a:r>
-          </a:p>
-          <a:p>
-            <a:pPr lvl="1"/>
+            <a:r>
+              <a:rPr lang="de-DE" dirty="0"/>
+              <a:t>Auswertungstool für Gitterstudien</a:t>
+            </a:r>
+          </a:p>
+          <a:p>
             <a:r>
               <a:rPr lang="de-DE" dirty="0"/>
               <a:t>Fazit</a:t>
@@ -8402,7 +8476,7 @@
     </p:spTree>
     <p:extLst>
       <p:ext uri="{BB962C8B-B14F-4D97-AF65-F5344CB8AC3E}">
-        <p14:creationId xmlns:p14="http://schemas.microsoft.com/office/powerpoint/2010/main" val="305700967"/>
+        <p14:creationId xmlns:p14="http://schemas.microsoft.com/office/powerpoint/2010/main" val="3165109670"/>
       </p:ext>
     </p:extLst>
   </p:cSld>

--- a/Präsentation/Abschluss_Präsentation_Keijo.pptx
+++ b/Präsentation/Abschluss_Präsentation_Keijo.pptx
@@ -1728,8 +1728,32 @@
           <a:lstStyle/>
           <a:p>
             <a:r>
-              <a:rPr lang="de-DE" dirty="0" err="1"/>
-              <a:t>Keijo</a:t>
+              <a:rPr lang="de-DE" dirty="0" smtClean="0"/>
+              <a:t>Drall</a:t>
+            </a:r>
+            <a:r>
+              <a:rPr lang="de-DE" baseline="0" dirty="0" smtClean="0"/>
+              <a:t> + </a:t>
+            </a:r>
+            <a:r>
+              <a:rPr lang="de-DE" baseline="0" dirty="0" err="1" smtClean="0"/>
+              <a:t>Temp</a:t>
+            </a:r>
+            <a:r>
+              <a:rPr lang="de-DE" baseline="0" dirty="0" smtClean="0"/>
+              <a:t>.: </a:t>
+            </a:r>
+            <a:r>
+              <a:rPr lang="de-DE" baseline="0" dirty="0" err="1" smtClean="0"/>
+              <a:t>pt</a:t>
+            </a:r>
+            <a:r>
+              <a:rPr lang="de-DE" baseline="0" dirty="0" smtClean="0"/>
+              <a:t>-max.: </a:t>
+            </a:r>
+            <a:r>
+              <a:rPr lang="de-DE" baseline="0" smtClean="0"/>
+              <a:t>-93,0</a:t>
             </a:r>
             <a:endParaRPr lang="de-DE" dirty="0"/>
           </a:p>
@@ -6778,7 +6802,7 @@
           <p:cNvPr id="4" name="Grafik 3">
             <a:extLst>
               <a:ext uri="{FF2B5EF4-FFF2-40B4-BE49-F238E27FC236}">
-                <a16:creationId xmlns:a16="http://schemas.microsoft.com/office/drawing/2014/main" id="{18A4F8C9-BC47-4597-A341-7BD061B63621}"/>
+                <a16:creationId xmlns:a16="http://schemas.microsoft.com/office/drawing/2014/main" xmlns="" id="{18A4F8C9-BC47-4597-A341-7BD061B63621}"/>
               </a:ext>
             </a:extLst>
           </p:cNvPr>
@@ -6808,7 +6832,7 @@
           <p:cNvPr id="8" name="Gerade Verbindung mit Pfeil 7">
             <a:extLst>
               <a:ext uri="{FF2B5EF4-FFF2-40B4-BE49-F238E27FC236}">
-                <a16:creationId xmlns:a16="http://schemas.microsoft.com/office/drawing/2014/main" id="{6AEE5332-9F2B-40A4-B03C-0CA4C32B5711}"/>
+                <a16:creationId xmlns:a16="http://schemas.microsoft.com/office/drawing/2014/main" xmlns="" id="{6AEE5332-9F2B-40A4-B03C-0CA4C32B5711}"/>
               </a:ext>
             </a:extLst>
           </p:cNvPr>
@@ -6852,7 +6876,7 @@
           <p:cNvPr id="9" name="Rechteck 8">
             <a:extLst>
               <a:ext uri="{FF2B5EF4-FFF2-40B4-BE49-F238E27FC236}">
-                <a16:creationId xmlns:a16="http://schemas.microsoft.com/office/drawing/2014/main" id="{3778A54C-BCC7-4667-8D22-D645A2858F58}"/>
+                <a16:creationId xmlns:a16="http://schemas.microsoft.com/office/drawing/2014/main" xmlns="" id="{3778A54C-BCC7-4667-8D22-D645A2858F58}"/>
               </a:ext>
             </a:extLst>
           </p:cNvPr>
@@ -6916,6 +6940,13 @@
   <p:clrMapOvr>
     <a:masterClrMapping/>
   </p:clrMapOvr>
+  <p:timing>
+    <p:tnLst>
+      <p:par>
+        <p:cTn id="1" dur="indefinite" restart="never" nodeType="tmRoot"/>
+      </p:par>
+    </p:tnLst>
+  </p:timing>
 </p:sld>
 </file>
 
@@ -6941,7 +6972,7 @@
           <p:cNvPr id="2" name="Titel 1">
             <a:extLst>
               <a:ext uri="{FF2B5EF4-FFF2-40B4-BE49-F238E27FC236}">
-                <a16:creationId xmlns:a16="http://schemas.microsoft.com/office/drawing/2014/main" id="{98E30EB0-62A0-4D55-AF97-782AB848AE3B}"/>
+                <a16:creationId xmlns:a16="http://schemas.microsoft.com/office/drawing/2014/main" xmlns="" id="{98E30EB0-62A0-4D55-AF97-782AB848AE3B}"/>
               </a:ext>
             </a:extLst>
           </p:cNvPr>
@@ -6969,7 +7000,7 @@
           <p:cNvPr id="3" name="Inhaltsplatzhalter 2">
             <a:extLst>
               <a:ext uri="{FF2B5EF4-FFF2-40B4-BE49-F238E27FC236}">
-                <a16:creationId xmlns:a16="http://schemas.microsoft.com/office/drawing/2014/main" id="{5CE73134-BC2B-467B-B2FE-58257A89BDB4}"/>
+                <a16:creationId xmlns:a16="http://schemas.microsoft.com/office/drawing/2014/main" xmlns="" id="{5CE73134-BC2B-467B-B2FE-58257A89BDB4}"/>
               </a:ext>
             </a:extLst>
           </p:cNvPr>
@@ -6985,7 +7016,873 @@
           <a:bodyPr/>
           <a:lstStyle/>
           <a:p>
+            <a:r>
+              <a:rPr lang="de-DE" dirty="0" smtClean="0"/>
+              <a:t>Kreisring-Rohrströmung</a:t>
+            </a:r>
+          </a:p>
+          <a:p>
+            <a:r>
+              <a:rPr lang="de-DE" dirty="0" smtClean="0"/>
+              <a:t>1. Teil stationär</a:t>
+            </a:r>
+          </a:p>
+          <a:p>
+            <a:r>
+              <a:rPr lang="de-DE" dirty="0" smtClean="0"/>
+              <a:t>2. Teil rotiert</a:t>
+            </a:r>
             <a:endParaRPr lang="de-DE" dirty="0"/>
+          </a:p>
+        </p:txBody>
+      </p:sp>
+      <p:pic>
+        <p:nvPicPr>
+          <p:cNvPr id="5" name="Grafik 4"/>
+          <p:cNvPicPr>
+            <a:picLocks noChangeAspect="1"/>
+          </p:cNvPicPr>
+          <p:nvPr/>
+        </p:nvPicPr>
+        <p:blipFill>
+          <a:blip r:embed="rId3">
+            <a:extLst>
+              <a:ext uri="{28A0092B-C50C-407E-A947-70E740481C1C}">
+                <a14:useLocalDpi xmlns:a14="http://schemas.microsoft.com/office/drawing/2010/main" val="0"/>
+              </a:ext>
+            </a:extLst>
+          </a:blip>
+          <a:stretch>
+            <a:fillRect/>
+          </a:stretch>
+        </p:blipFill>
+        <p:spPr>
+          <a:xfrm>
+            <a:off x="2483768" y="2945250"/>
+            <a:ext cx="6419897" cy="3401778"/>
+          </a:xfrm>
+          <a:prstGeom prst="rect">
+            <a:avLst/>
+          </a:prstGeom>
+        </p:spPr>
+      </p:pic>
+      <p:sp>
+        <p:nvSpPr>
+          <p:cNvPr id="9" name="Bogen 8"/>
+          <p:cNvSpPr/>
+          <p:nvPr/>
+        </p:nvSpPr>
+        <p:spPr>
+          <a:xfrm rot="1163074">
+            <a:off x="5478666" y="2842305"/>
+            <a:ext cx="3280604" cy="2118538"/>
+          </a:xfrm>
+          <a:prstGeom prst="arc">
+            <a:avLst>
+              <a:gd name="adj1" fmla="val 11184062"/>
+              <a:gd name="adj2" fmla="val 0"/>
+            </a:avLst>
+          </a:prstGeom>
+          <a:ln w="57150">
+            <a:solidFill>
+              <a:srgbClr val="004E8A"/>
+            </a:solidFill>
+            <a:tailEnd type="triangle"/>
+          </a:ln>
+        </p:spPr>
+        <p:style>
+          <a:lnRef idx="1">
+            <a:schemeClr val="accent1"/>
+          </a:lnRef>
+          <a:fillRef idx="0">
+            <a:schemeClr val="accent1"/>
+          </a:fillRef>
+          <a:effectRef idx="0">
+            <a:schemeClr val="accent1"/>
+          </a:effectRef>
+          <a:fontRef idx="minor">
+            <a:schemeClr val="tx1"/>
+          </a:fontRef>
+        </p:style>
+        <p:txBody>
+          <a:bodyPr rtlCol="0" anchor="ctr"/>
+          <a:lstStyle/>
+          <a:p>
+            <a:pPr algn="ctr"/>
+            <a:endParaRPr lang="de-DE"/>
+          </a:p>
+        </p:txBody>
+      </p:sp>
+      <p:sp>
+        <p:nvSpPr>
+          <p:cNvPr id="10" name="Freihandform 9"/>
+          <p:cNvSpPr/>
+          <p:nvPr/>
+        </p:nvSpPr>
+        <p:spPr>
+          <a:xfrm>
+            <a:off x="4400208" y="3738690"/>
+            <a:ext cx="2497251" cy="1431462"/>
+          </a:xfrm>
+          <a:custGeom>
+            <a:avLst/>
+            <a:gdLst>
+              <a:gd name="connsiteX0" fmla="*/ 15807 w 2540918"/>
+              <a:gd name="connsiteY0" fmla="*/ 130234 h 1376899"/>
+              <a:gd name="connsiteX1" fmla="*/ 854792 w 2540918"/>
+              <a:gd name="connsiteY1" fmla="*/ 7685 h 1376899"/>
+              <a:gd name="connsiteX2" fmla="*/ 1627790 w 2540918"/>
+              <a:gd name="connsiteY2" fmla="*/ 167941 h 1376899"/>
+              <a:gd name="connsiteX3" fmla="*/ 2504483 w 2540918"/>
+              <a:gd name="connsiteY3" fmla="*/ 648708 h 1376899"/>
+              <a:gd name="connsiteX4" fmla="*/ 2334800 w 2540918"/>
+              <a:gd name="connsiteY4" fmla="*/ 1355718 h 1376899"/>
+              <a:gd name="connsiteX5" fmla="*/ 1967155 w 2540918"/>
+              <a:gd name="connsiteY5" fmla="*/ 1167182 h 1376899"/>
+              <a:gd name="connsiteX6" fmla="*/ 1344986 w 2540918"/>
+              <a:gd name="connsiteY6" fmla="*/ 912658 h 1376899"/>
+              <a:gd name="connsiteX7" fmla="*/ 703963 w 2540918"/>
+              <a:gd name="connsiteY7" fmla="*/ 865524 h 1376899"/>
+              <a:gd name="connsiteX8" fmla="*/ 336318 w 2540918"/>
+              <a:gd name="connsiteY8" fmla="*/ 997500 h 1376899"/>
+              <a:gd name="connsiteX9" fmla="*/ 15807 w 2540918"/>
+              <a:gd name="connsiteY9" fmla="*/ 130234 h 1376899"/>
+              <a:gd name="connsiteX0" fmla="*/ 15807 w 2529585"/>
+              <a:gd name="connsiteY0" fmla="*/ 130234 h 1375599"/>
+              <a:gd name="connsiteX1" fmla="*/ 854792 w 2529585"/>
+              <a:gd name="connsiteY1" fmla="*/ 7685 h 1375599"/>
+              <a:gd name="connsiteX2" fmla="*/ 1627790 w 2529585"/>
+              <a:gd name="connsiteY2" fmla="*/ 167941 h 1375599"/>
+              <a:gd name="connsiteX3" fmla="*/ 2491783 w 2529585"/>
+              <a:gd name="connsiteY3" fmla="*/ 670933 h 1375599"/>
+              <a:gd name="connsiteX4" fmla="*/ 2334800 w 2529585"/>
+              <a:gd name="connsiteY4" fmla="*/ 1355718 h 1375599"/>
+              <a:gd name="connsiteX5" fmla="*/ 1967155 w 2529585"/>
+              <a:gd name="connsiteY5" fmla="*/ 1167182 h 1375599"/>
+              <a:gd name="connsiteX6" fmla="*/ 1344986 w 2529585"/>
+              <a:gd name="connsiteY6" fmla="*/ 912658 h 1375599"/>
+              <a:gd name="connsiteX7" fmla="*/ 703963 w 2529585"/>
+              <a:gd name="connsiteY7" fmla="*/ 865524 h 1375599"/>
+              <a:gd name="connsiteX8" fmla="*/ 336318 w 2529585"/>
+              <a:gd name="connsiteY8" fmla="*/ 997500 h 1375599"/>
+              <a:gd name="connsiteX9" fmla="*/ 15807 w 2529585"/>
+              <a:gd name="connsiteY9" fmla="*/ 130234 h 1375599"/>
+              <a:gd name="connsiteX0" fmla="*/ 15807 w 2529585"/>
+              <a:gd name="connsiteY0" fmla="*/ 138699 h 1384064"/>
+              <a:gd name="connsiteX1" fmla="*/ 854792 w 2529585"/>
+              <a:gd name="connsiteY1" fmla="*/ 16150 h 1384064"/>
+              <a:gd name="connsiteX2" fmla="*/ 1627790 w 2529585"/>
+              <a:gd name="connsiteY2" fmla="*/ 176406 h 1384064"/>
+              <a:gd name="connsiteX3" fmla="*/ 2491783 w 2529585"/>
+              <a:gd name="connsiteY3" fmla="*/ 679398 h 1384064"/>
+              <a:gd name="connsiteX4" fmla="*/ 2334800 w 2529585"/>
+              <a:gd name="connsiteY4" fmla="*/ 1364183 h 1384064"/>
+              <a:gd name="connsiteX5" fmla="*/ 1967155 w 2529585"/>
+              <a:gd name="connsiteY5" fmla="*/ 1175647 h 1384064"/>
+              <a:gd name="connsiteX6" fmla="*/ 1344986 w 2529585"/>
+              <a:gd name="connsiteY6" fmla="*/ 921123 h 1384064"/>
+              <a:gd name="connsiteX7" fmla="*/ 703963 w 2529585"/>
+              <a:gd name="connsiteY7" fmla="*/ 873989 h 1384064"/>
+              <a:gd name="connsiteX8" fmla="*/ 336318 w 2529585"/>
+              <a:gd name="connsiteY8" fmla="*/ 1005965 h 1384064"/>
+              <a:gd name="connsiteX9" fmla="*/ 15807 w 2529585"/>
+              <a:gd name="connsiteY9" fmla="*/ 138699 h 1384064"/>
+              <a:gd name="connsiteX0" fmla="*/ 15503 w 2529281"/>
+              <a:gd name="connsiteY0" fmla="*/ 138699 h 1384064"/>
+              <a:gd name="connsiteX1" fmla="*/ 848138 w 2529281"/>
+              <a:gd name="connsiteY1" fmla="*/ 16150 h 1384064"/>
+              <a:gd name="connsiteX2" fmla="*/ 1627486 w 2529281"/>
+              <a:gd name="connsiteY2" fmla="*/ 176406 h 1384064"/>
+              <a:gd name="connsiteX3" fmla="*/ 2491479 w 2529281"/>
+              <a:gd name="connsiteY3" fmla="*/ 679398 h 1384064"/>
+              <a:gd name="connsiteX4" fmla="*/ 2334496 w 2529281"/>
+              <a:gd name="connsiteY4" fmla="*/ 1364183 h 1384064"/>
+              <a:gd name="connsiteX5" fmla="*/ 1966851 w 2529281"/>
+              <a:gd name="connsiteY5" fmla="*/ 1175647 h 1384064"/>
+              <a:gd name="connsiteX6" fmla="*/ 1344682 w 2529281"/>
+              <a:gd name="connsiteY6" fmla="*/ 921123 h 1384064"/>
+              <a:gd name="connsiteX7" fmla="*/ 703659 w 2529281"/>
+              <a:gd name="connsiteY7" fmla="*/ 873989 h 1384064"/>
+              <a:gd name="connsiteX8" fmla="*/ 336014 w 2529281"/>
+              <a:gd name="connsiteY8" fmla="*/ 1005965 h 1384064"/>
+              <a:gd name="connsiteX9" fmla="*/ 15503 w 2529281"/>
+              <a:gd name="connsiteY9" fmla="*/ 138699 h 1384064"/>
+              <a:gd name="connsiteX0" fmla="*/ 46290 w 2560068"/>
+              <a:gd name="connsiteY0" fmla="*/ 130188 h 1375553"/>
+              <a:gd name="connsiteX1" fmla="*/ 878925 w 2560068"/>
+              <a:gd name="connsiteY1" fmla="*/ 7639 h 1375553"/>
+              <a:gd name="connsiteX2" fmla="*/ 1658273 w 2560068"/>
+              <a:gd name="connsiteY2" fmla="*/ 167895 h 1375553"/>
+              <a:gd name="connsiteX3" fmla="*/ 2522266 w 2560068"/>
+              <a:gd name="connsiteY3" fmla="*/ 670887 h 1375553"/>
+              <a:gd name="connsiteX4" fmla="*/ 2365283 w 2560068"/>
+              <a:gd name="connsiteY4" fmla="*/ 1355672 h 1375553"/>
+              <a:gd name="connsiteX5" fmla="*/ 1997638 w 2560068"/>
+              <a:gd name="connsiteY5" fmla="*/ 1167136 h 1375553"/>
+              <a:gd name="connsiteX6" fmla="*/ 1375469 w 2560068"/>
+              <a:gd name="connsiteY6" fmla="*/ 912612 h 1375553"/>
+              <a:gd name="connsiteX7" fmla="*/ 734446 w 2560068"/>
+              <a:gd name="connsiteY7" fmla="*/ 865478 h 1375553"/>
+              <a:gd name="connsiteX8" fmla="*/ 366801 w 2560068"/>
+              <a:gd name="connsiteY8" fmla="*/ 997454 h 1375553"/>
+              <a:gd name="connsiteX9" fmla="*/ 46290 w 2560068"/>
+              <a:gd name="connsiteY9" fmla="*/ 130188 h 1375553"/>
+              <a:gd name="connsiteX0" fmla="*/ 56962 w 2570740"/>
+              <a:gd name="connsiteY0" fmla="*/ 128656 h 1374021"/>
+              <a:gd name="connsiteX1" fmla="*/ 889597 w 2570740"/>
+              <a:gd name="connsiteY1" fmla="*/ 6107 h 1374021"/>
+              <a:gd name="connsiteX2" fmla="*/ 1668945 w 2570740"/>
+              <a:gd name="connsiteY2" fmla="*/ 166363 h 1374021"/>
+              <a:gd name="connsiteX3" fmla="*/ 2532938 w 2570740"/>
+              <a:gd name="connsiteY3" fmla="*/ 669355 h 1374021"/>
+              <a:gd name="connsiteX4" fmla="*/ 2375955 w 2570740"/>
+              <a:gd name="connsiteY4" fmla="*/ 1354140 h 1374021"/>
+              <a:gd name="connsiteX5" fmla="*/ 2008310 w 2570740"/>
+              <a:gd name="connsiteY5" fmla="*/ 1165604 h 1374021"/>
+              <a:gd name="connsiteX6" fmla="*/ 1386141 w 2570740"/>
+              <a:gd name="connsiteY6" fmla="*/ 911080 h 1374021"/>
+              <a:gd name="connsiteX7" fmla="*/ 745118 w 2570740"/>
+              <a:gd name="connsiteY7" fmla="*/ 863946 h 1374021"/>
+              <a:gd name="connsiteX8" fmla="*/ 377473 w 2570740"/>
+              <a:gd name="connsiteY8" fmla="*/ 995922 h 1374021"/>
+              <a:gd name="connsiteX9" fmla="*/ 56962 w 2570740"/>
+              <a:gd name="connsiteY9" fmla="*/ 128656 h 1374021"/>
+              <a:gd name="connsiteX0" fmla="*/ 2850 w 2516628"/>
+              <a:gd name="connsiteY0" fmla="*/ 126300 h 1371665"/>
+              <a:gd name="connsiteX1" fmla="*/ 835485 w 2516628"/>
+              <a:gd name="connsiteY1" fmla="*/ 3751 h 1371665"/>
+              <a:gd name="connsiteX2" fmla="*/ 1614833 w 2516628"/>
+              <a:gd name="connsiteY2" fmla="*/ 164007 h 1371665"/>
+              <a:gd name="connsiteX3" fmla="*/ 2478826 w 2516628"/>
+              <a:gd name="connsiteY3" fmla="*/ 666999 h 1371665"/>
+              <a:gd name="connsiteX4" fmla="*/ 2321843 w 2516628"/>
+              <a:gd name="connsiteY4" fmla="*/ 1351784 h 1371665"/>
+              <a:gd name="connsiteX5" fmla="*/ 1954198 w 2516628"/>
+              <a:gd name="connsiteY5" fmla="*/ 1163248 h 1371665"/>
+              <a:gd name="connsiteX6" fmla="*/ 1332029 w 2516628"/>
+              <a:gd name="connsiteY6" fmla="*/ 908724 h 1371665"/>
+              <a:gd name="connsiteX7" fmla="*/ 691006 w 2516628"/>
+              <a:gd name="connsiteY7" fmla="*/ 861590 h 1371665"/>
+              <a:gd name="connsiteX8" fmla="*/ 323361 w 2516628"/>
+              <a:gd name="connsiteY8" fmla="*/ 993566 h 1371665"/>
+              <a:gd name="connsiteX9" fmla="*/ 2850 w 2516628"/>
+              <a:gd name="connsiteY9" fmla="*/ 126300 h 1371665"/>
+              <a:gd name="connsiteX0" fmla="*/ 2850 w 2486828"/>
+              <a:gd name="connsiteY0" fmla="*/ 126300 h 1371665"/>
+              <a:gd name="connsiteX1" fmla="*/ 835485 w 2486828"/>
+              <a:gd name="connsiteY1" fmla="*/ 3751 h 1371665"/>
+              <a:gd name="connsiteX2" fmla="*/ 1614833 w 2486828"/>
+              <a:gd name="connsiteY2" fmla="*/ 164007 h 1371665"/>
+              <a:gd name="connsiteX3" fmla="*/ 2478826 w 2486828"/>
+              <a:gd name="connsiteY3" fmla="*/ 666999 h 1371665"/>
+              <a:gd name="connsiteX4" fmla="*/ 2321843 w 2486828"/>
+              <a:gd name="connsiteY4" fmla="*/ 1351784 h 1371665"/>
+              <a:gd name="connsiteX5" fmla="*/ 1954198 w 2486828"/>
+              <a:gd name="connsiteY5" fmla="*/ 1163248 h 1371665"/>
+              <a:gd name="connsiteX6" fmla="*/ 1332029 w 2486828"/>
+              <a:gd name="connsiteY6" fmla="*/ 908724 h 1371665"/>
+              <a:gd name="connsiteX7" fmla="*/ 691006 w 2486828"/>
+              <a:gd name="connsiteY7" fmla="*/ 861590 h 1371665"/>
+              <a:gd name="connsiteX8" fmla="*/ 323361 w 2486828"/>
+              <a:gd name="connsiteY8" fmla="*/ 993566 h 1371665"/>
+              <a:gd name="connsiteX9" fmla="*/ 2850 w 2486828"/>
+              <a:gd name="connsiteY9" fmla="*/ 126300 h 1371665"/>
+              <a:gd name="connsiteX0" fmla="*/ 2850 w 2479237"/>
+              <a:gd name="connsiteY0" fmla="*/ 126300 h 1371665"/>
+              <a:gd name="connsiteX1" fmla="*/ 835485 w 2479237"/>
+              <a:gd name="connsiteY1" fmla="*/ 3751 h 1371665"/>
+              <a:gd name="connsiteX2" fmla="*/ 1614833 w 2479237"/>
+              <a:gd name="connsiteY2" fmla="*/ 164007 h 1371665"/>
+              <a:gd name="connsiteX3" fmla="*/ 2478826 w 2479237"/>
+              <a:gd name="connsiteY3" fmla="*/ 666999 h 1371665"/>
+              <a:gd name="connsiteX4" fmla="*/ 2321843 w 2479237"/>
+              <a:gd name="connsiteY4" fmla="*/ 1351784 h 1371665"/>
+              <a:gd name="connsiteX5" fmla="*/ 1954198 w 2479237"/>
+              <a:gd name="connsiteY5" fmla="*/ 1163248 h 1371665"/>
+              <a:gd name="connsiteX6" fmla="*/ 1332029 w 2479237"/>
+              <a:gd name="connsiteY6" fmla="*/ 908724 h 1371665"/>
+              <a:gd name="connsiteX7" fmla="*/ 691006 w 2479237"/>
+              <a:gd name="connsiteY7" fmla="*/ 861590 h 1371665"/>
+              <a:gd name="connsiteX8" fmla="*/ 323361 w 2479237"/>
+              <a:gd name="connsiteY8" fmla="*/ 993566 h 1371665"/>
+              <a:gd name="connsiteX9" fmla="*/ 2850 w 2479237"/>
+              <a:gd name="connsiteY9" fmla="*/ 126300 h 1371665"/>
+              <a:gd name="connsiteX0" fmla="*/ 2850 w 2516628"/>
+              <a:gd name="connsiteY0" fmla="*/ 126300 h 1422715"/>
+              <a:gd name="connsiteX1" fmla="*/ 835485 w 2516628"/>
+              <a:gd name="connsiteY1" fmla="*/ 3751 h 1422715"/>
+              <a:gd name="connsiteX2" fmla="*/ 1614833 w 2516628"/>
+              <a:gd name="connsiteY2" fmla="*/ 164007 h 1422715"/>
+              <a:gd name="connsiteX3" fmla="*/ 2478826 w 2516628"/>
+              <a:gd name="connsiteY3" fmla="*/ 666999 h 1422715"/>
+              <a:gd name="connsiteX4" fmla="*/ 2321843 w 2516628"/>
+              <a:gd name="connsiteY4" fmla="*/ 1405759 h 1422715"/>
+              <a:gd name="connsiteX5" fmla="*/ 1954198 w 2516628"/>
+              <a:gd name="connsiteY5" fmla="*/ 1163248 h 1422715"/>
+              <a:gd name="connsiteX6" fmla="*/ 1332029 w 2516628"/>
+              <a:gd name="connsiteY6" fmla="*/ 908724 h 1422715"/>
+              <a:gd name="connsiteX7" fmla="*/ 691006 w 2516628"/>
+              <a:gd name="connsiteY7" fmla="*/ 861590 h 1422715"/>
+              <a:gd name="connsiteX8" fmla="*/ 323361 w 2516628"/>
+              <a:gd name="connsiteY8" fmla="*/ 993566 h 1422715"/>
+              <a:gd name="connsiteX9" fmla="*/ 2850 w 2516628"/>
+              <a:gd name="connsiteY9" fmla="*/ 126300 h 1422715"/>
+              <a:gd name="connsiteX0" fmla="*/ 2850 w 2509606"/>
+              <a:gd name="connsiteY0" fmla="*/ 126300 h 1406786"/>
+              <a:gd name="connsiteX1" fmla="*/ 835485 w 2509606"/>
+              <a:gd name="connsiteY1" fmla="*/ 3751 h 1406786"/>
+              <a:gd name="connsiteX2" fmla="*/ 1614833 w 2509606"/>
+              <a:gd name="connsiteY2" fmla="*/ 164007 h 1406786"/>
+              <a:gd name="connsiteX3" fmla="*/ 2478826 w 2509606"/>
+              <a:gd name="connsiteY3" fmla="*/ 666999 h 1406786"/>
+              <a:gd name="connsiteX4" fmla="*/ 2321843 w 2509606"/>
+              <a:gd name="connsiteY4" fmla="*/ 1405759 h 1406786"/>
+              <a:gd name="connsiteX5" fmla="*/ 1954198 w 2509606"/>
+              <a:gd name="connsiteY5" fmla="*/ 1163248 h 1406786"/>
+              <a:gd name="connsiteX6" fmla="*/ 1332029 w 2509606"/>
+              <a:gd name="connsiteY6" fmla="*/ 908724 h 1406786"/>
+              <a:gd name="connsiteX7" fmla="*/ 691006 w 2509606"/>
+              <a:gd name="connsiteY7" fmla="*/ 861590 h 1406786"/>
+              <a:gd name="connsiteX8" fmla="*/ 323361 w 2509606"/>
+              <a:gd name="connsiteY8" fmla="*/ 993566 h 1406786"/>
+              <a:gd name="connsiteX9" fmla="*/ 2850 w 2509606"/>
+              <a:gd name="connsiteY9" fmla="*/ 126300 h 1406786"/>
+              <a:gd name="connsiteX0" fmla="*/ 2850 w 2509082"/>
+              <a:gd name="connsiteY0" fmla="*/ 126300 h 1408158"/>
+              <a:gd name="connsiteX1" fmla="*/ 835485 w 2509082"/>
+              <a:gd name="connsiteY1" fmla="*/ 3751 h 1408158"/>
+              <a:gd name="connsiteX2" fmla="*/ 1614833 w 2509082"/>
+              <a:gd name="connsiteY2" fmla="*/ 164007 h 1408158"/>
+              <a:gd name="connsiteX3" fmla="*/ 2478826 w 2509082"/>
+              <a:gd name="connsiteY3" fmla="*/ 666999 h 1408158"/>
+              <a:gd name="connsiteX4" fmla="*/ 2321843 w 2509082"/>
+              <a:gd name="connsiteY4" fmla="*/ 1405759 h 1408158"/>
+              <a:gd name="connsiteX5" fmla="*/ 1954198 w 2509082"/>
+              <a:gd name="connsiteY5" fmla="*/ 1163248 h 1408158"/>
+              <a:gd name="connsiteX6" fmla="*/ 1332029 w 2509082"/>
+              <a:gd name="connsiteY6" fmla="*/ 908724 h 1408158"/>
+              <a:gd name="connsiteX7" fmla="*/ 691006 w 2509082"/>
+              <a:gd name="connsiteY7" fmla="*/ 861590 h 1408158"/>
+              <a:gd name="connsiteX8" fmla="*/ 323361 w 2509082"/>
+              <a:gd name="connsiteY8" fmla="*/ 993566 h 1408158"/>
+              <a:gd name="connsiteX9" fmla="*/ 2850 w 2509082"/>
+              <a:gd name="connsiteY9" fmla="*/ 126300 h 1408158"/>
+              <a:gd name="connsiteX0" fmla="*/ 2850 w 2533663"/>
+              <a:gd name="connsiteY0" fmla="*/ 126300 h 1423719"/>
+              <a:gd name="connsiteX1" fmla="*/ 835485 w 2533663"/>
+              <a:gd name="connsiteY1" fmla="*/ 3751 h 1423719"/>
+              <a:gd name="connsiteX2" fmla="*/ 1614833 w 2533663"/>
+              <a:gd name="connsiteY2" fmla="*/ 164007 h 1423719"/>
+              <a:gd name="connsiteX3" fmla="*/ 2497876 w 2533663"/>
+              <a:gd name="connsiteY3" fmla="*/ 647949 h 1423719"/>
+              <a:gd name="connsiteX4" fmla="*/ 2321843 w 2533663"/>
+              <a:gd name="connsiteY4" fmla="*/ 1405759 h 1423719"/>
+              <a:gd name="connsiteX5" fmla="*/ 1954198 w 2533663"/>
+              <a:gd name="connsiteY5" fmla="*/ 1163248 h 1423719"/>
+              <a:gd name="connsiteX6" fmla="*/ 1332029 w 2533663"/>
+              <a:gd name="connsiteY6" fmla="*/ 908724 h 1423719"/>
+              <a:gd name="connsiteX7" fmla="*/ 691006 w 2533663"/>
+              <a:gd name="connsiteY7" fmla="*/ 861590 h 1423719"/>
+              <a:gd name="connsiteX8" fmla="*/ 323361 w 2533663"/>
+              <a:gd name="connsiteY8" fmla="*/ 993566 h 1423719"/>
+              <a:gd name="connsiteX9" fmla="*/ 2850 w 2533663"/>
+              <a:gd name="connsiteY9" fmla="*/ 126300 h 1423719"/>
+              <a:gd name="connsiteX0" fmla="*/ 2850 w 2499597"/>
+              <a:gd name="connsiteY0" fmla="*/ 126300 h 1423719"/>
+              <a:gd name="connsiteX1" fmla="*/ 835485 w 2499597"/>
+              <a:gd name="connsiteY1" fmla="*/ 3751 h 1423719"/>
+              <a:gd name="connsiteX2" fmla="*/ 1614833 w 2499597"/>
+              <a:gd name="connsiteY2" fmla="*/ 164007 h 1423719"/>
+              <a:gd name="connsiteX3" fmla="*/ 2497876 w 2499597"/>
+              <a:gd name="connsiteY3" fmla="*/ 647949 h 1423719"/>
+              <a:gd name="connsiteX4" fmla="*/ 2321843 w 2499597"/>
+              <a:gd name="connsiteY4" fmla="*/ 1405759 h 1423719"/>
+              <a:gd name="connsiteX5" fmla="*/ 1954198 w 2499597"/>
+              <a:gd name="connsiteY5" fmla="*/ 1163248 h 1423719"/>
+              <a:gd name="connsiteX6" fmla="*/ 1332029 w 2499597"/>
+              <a:gd name="connsiteY6" fmla="*/ 908724 h 1423719"/>
+              <a:gd name="connsiteX7" fmla="*/ 691006 w 2499597"/>
+              <a:gd name="connsiteY7" fmla="*/ 861590 h 1423719"/>
+              <a:gd name="connsiteX8" fmla="*/ 323361 w 2499597"/>
+              <a:gd name="connsiteY8" fmla="*/ 993566 h 1423719"/>
+              <a:gd name="connsiteX9" fmla="*/ 2850 w 2499597"/>
+              <a:gd name="connsiteY9" fmla="*/ 126300 h 1423719"/>
+              <a:gd name="connsiteX0" fmla="*/ 2850 w 2499597"/>
+              <a:gd name="connsiteY0" fmla="*/ 126300 h 1423216"/>
+              <a:gd name="connsiteX1" fmla="*/ 835485 w 2499597"/>
+              <a:gd name="connsiteY1" fmla="*/ 3751 h 1423216"/>
+              <a:gd name="connsiteX2" fmla="*/ 1614833 w 2499597"/>
+              <a:gd name="connsiteY2" fmla="*/ 164007 h 1423216"/>
+              <a:gd name="connsiteX3" fmla="*/ 2497876 w 2499597"/>
+              <a:gd name="connsiteY3" fmla="*/ 647949 h 1423216"/>
+              <a:gd name="connsiteX4" fmla="*/ 2321843 w 2499597"/>
+              <a:gd name="connsiteY4" fmla="*/ 1405759 h 1423216"/>
+              <a:gd name="connsiteX5" fmla="*/ 1954198 w 2499597"/>
+              <a:gd name="connsiteY5" fmla="*/ 1163248 h 1423216"/>
+              <a:gd name="connsiteX6" fmla="*/ 1332029 w 2499597"/>
+              <a:gd name="connsiteY6" fmla="*/ 908724 h 1423216"/>
+              <a:gd name="connsiteX7" fmla="*/ 691006 w 2499597"/>
+              <a:gd name="connsiteY7" fmla="*/ 861590 h 1423216"/>
+              <a:gd name="connsiteX8" fmla="*/ 323361 w 2499597"/>
+              <a:gd name="connsiteY8" fmla="*/ 993566 h 1423216"/>
+              <a:gd name="connsiteX9" fmla="*/ 2850 w 2499597"/>
+              <a:gd name="connsiteY9" fmla="*/ 126300 h 1423216"/>
+              <a:gd name="connsiteX0" fmla="*/ 2850 w 2499497"/>
+              <a:gd name="connsiteY0" fmla="*/ 126300 h 1427319"/>
+              <a:gd name="connsiteX1" fmla="*/ 835485 w 2499497"/>
+              <a:gd name="connsiteY1" fmla="*/ 3751 h 1427319"/>
+              <a:gd name="connsiteX2" fmla="*/ 1614833 w 2499497"/>
+              <a:gd name="connsiteY2" fmla="*/ 164007 h 1427319"/>
+              <a:gd name="connsiteX3" fmla="*/ 2497876 w 2499497"/>
+              <a:gd name="connsiteY3" fmla="*/ 647949 h 1427319"/>
+              <a:gd name="connsiteX4" fmla="*/ 2321843 w 2499497"/>
+              <a:gd name="connsiteY4" fmla="*/ 1405759 h 1427319"/>
+              <a:gd name="connsiteX5" fmla="*/ 1998648 w 2499497"/>
+              <a:gd name="connsiteY5" fmla="*/ 1198173 h 1427319"/>
+              <a:gd name="connsiteX6" fmla="*/ 1332029 w 2499497"/>
+              <a:gd name="connsiteY6" fmla="*/ 908724 h 1427319"/>
+              <a:gd name="connsiteX7" fmla="*/ 691006 w 2499497"/>
+              <a:gd name="connsiteY7" fmla="*/ 861590 h 1427319"/>
+              <a:gd name="connsiteX8" fmla="*/ 323361 w 2499497"/>
+              <a:gd name="connsiteY8" fmla="*/ 993566 h 1427319"/>
+              <a:gd name="connsiteX9" fmla="*/ 2850 w 2499497"/>
+              <a:gd name="connsiteY9" fmla="*/ 126300 h 1427319"/>
+              <a:gd name="connsiteX0" fmla="*/ 2850 w 2499497"/>
+              <a:gd name="connsiteY0" fmla="*/ 126300 h 1426896"/>
+              <a:gd name="connsiteX1" fmla="*/ 835485 w 2499497"/>
+              <a:gd name="connsiteY1" fmla="*/ 3751 h 1426896"/>
+              <a:gd name="connsiteX2" fmla="*/ 1614833 w 2499497"/>
+              <a:gd name="connsiteY2" fmla="*/ 164007 h 1426896"/>
+              <a:gd name="connsiteX3" fmla="*/ 2497876 w 2499497"/>
+              <a:gd name="connsiteY3" fmla="*/ 647949 h 1426896"/>
+              <a:gd name="connsiteX4" fmla="*/ 2321843 w 2499497"/>
+              <a:gd name="connsiteY4" fmla="*/ 1405759 h 1426896"/>
+              <a:gd name="connsiteX5" fmla="*/ 1998648 w 2499497"/>
+              <a:gd name="connsiteY5" fmla="*/ 1198173 h 1426896"/>
+              <a:gd name="connsiteX6" fmla="*/ 1332029 w 2499497"/>
+              <a:gd name="connsiteY6" fmla="*/ 908724 h 1426896"/>
+              <a:gd name="connsiteX7" fmla="*/ 691006 w 2499497"/>
+              <a:gd name="connsiteY7" fmla="*/ 861590 h 1426896"/>
+              <a:gd name="connsiteX8" fmla="*/ 323361 w 2499497"/>
+              <a:gd name="connsiteY8" fmla="*/ 993566 h 1426896"/>
+              <a:gd name="connsiteX9" fmla="*/ 2850 w 2499497"/>
+              <a:gd name="connsiteY9" fmla="*/ 126300 h 1426896"/>
+              <a:gd name="connsiteX0" fmla="*/ 2850 w 2499497"/>
+              <a:gd name="connsiteY0" fmla="*/ 126300 h 1426896"/>
+              <a:gd name="connsiteX1" fmla="*/ 835485 w 2499497"/>
+              <a:gd name="connsiteY1" fmla="*/ 3751 h 1426896"/>
+              <a:gd name="connsiteX2" fmla="*/ 1614833 w 2499497"/>
+              <a:gd name="connsiteY2" fmla="*/ 164007 h 1426896"/>
+              <a:gd name="connsiteX3" fmla="*/ 2497876 w 2499497"/>
+              <a:gd name="connsiteY3" fmla="*/ 647949 h 1426896"/>
+              <a:gd name="connsiteX4" fmla="*/ 2321843 w 2499497"/>
+              <a:gd name="connsiteY4" fmla="*/ 1405759 h 1426896"/>
+              <a:gd name="connsiteX5" fmla="*/ 1998648 w 2499497"/>
+              <a:gd name="connsiteY5" fmla="*/ 1198173 h 1426896"/>
+              <a:gd name="connsiteX6" fmla="*/ 1332029 w 2499497"/>
+              <a:gd name="connsiteY6" fmla="*/ 908724 h 1426896"/>
+              <a:gd name="connsiteX7" fmla="*/ 691006 w 2499497"/>
+              <a:gd name="connsiteY7" fmla="*/ 861590 h 1426896"/>
+              <a:gd name="connsiteX8" fmla="*/ 323361 w 2499497"/>
+              <a:gd name="connsiteY8" fmla="*/ 993566 h 1426896"/>
+              <a:gd name="connsiteX9" fmla="*/ 2850 w 2499497"/>
+              <a:gd name="connsiteY9" fmla="*/ 126300 h 1426896"/>
+              <a:gd name="connsiteX0" fmla="*/ 2850 w 2499401"/>
+              <a:gd name="connsiteY0" fmla="*/ 126300 h 1431292"/>
+              <a:gd name="connsiteX1" fmla="*/ 835485 w 2499401"/>
+              <a:gd name="connsiteY1" fmla="*/ 3751 h 1431292"/>
+              <a:gd name="connsiteX2" fmla="*/ 1614833 w 2499401"/>
+              <a:gd name="connsiteY2" fmla="*/ 164007 h 1431292"/>
+              <a:gd name="connsiteX3" fmla="*/ 2497876 w 2499401"/>
+              <a:gd name="connsiteY3" fmla="*/ 647949 h 1431292"/>
+              <a:gd name="connsiteX4" fmla="*/ 2321843 w 2499401"/>
+              <a:gd name="connsiteY4" fmla="*/ 1405759 h 1431292"/>
+              <a:gd name="connsiteX5" fmla="*/ 2046273 w 2499401"/>
+              <a:gd name="connsiteY5" fmla="*/ 1229923 h 1431292"/>
+              <a:gd name="connsiteX6" fmla="*/ 1332029 w 2499401"/>
+              <a:gd name="connsiteY6" fmla="*/ 908724 h 1431292"/>
+              <a:gd name="connsiteX7" fmla="*/ 691006 w 2499401"/>
+              <a:gd name="connsiteY7" fmla="*/ 861590 h 1431292"/>
+              <a:gd name="connsiteX8" fmla="*/ 323361 w 2499401"/>
+              <a:gd name="connsiteY8" fmla="*/ 993566 h 1431292"/>
+              <a:gd name="connsiteX9" fmla="*/ 2850 w 2499401"/>
+              <a:gd name="connsiteY9" fmla="*/ 126300 h 1431292"/>
+              <a:gd name="connsiteX0" fmla="*/ 2850 w 2499401"/>
+              <a:gd name="connsiteY0" fmla="*/ 126300 h 1432206"/>
+              <a:gd name="connsiteX1" fmla="*/ 835485 w 2499401"/>
+              <a:gd name="connsiteY1" fmla="*/ 3751 h 1432206"/>
+              <a:gd name="connsiteX2" fmla="*/ 1614833 w 2499401"/>
+              <a:gd name="connsiteY2" fmla="*/ 164007 h 1432206"/>
+              <a:gd name="connsiteX3" fmla="*/ 2497876 w 2499401"/>
+              <a:gd name="connsiteY3" fmla="*/ 647949 h 1432206"/>
+              <a:gd name="connsiteX4" fmla="*/ 2321843 w 2499401"/>
+              <a:gd name="connsiteY4" fmla="*/ 1405759 h 1432206"/>
+              <a:gd name="connsiteX5" fmla="*/ 2046273 w 2499401"/>
+              <a:gd name="connsiteY5" fmla="*/ 1229923 h 1432206"/>
+              <a:gd name="connsiteX6" fmla="*/ 1332029 w 2499401"/>
+              <a:gd name="connsiteY6" fmla="*/ 940474 h 1432206"/>
+              <a:gd name="connsiteX7" fmla="*/ 691006 w 2499401"/>
+              <a:gd name="connsiteY7" fmla="*/ 861590 h 1432206"/>
+              <a:gd name="connsiteX8" fmla="*/ 323361 w 2499401"/>
+              <a:gd name="connsiteY8" fmla="*/ 993566 h 1432206"/>
+              <a:gd name="connsiteX9" fmla="*/ 2850 w 2499401"/>
+              <a:gd name="connsiteY9" fmla="*/ 126300 h 1432206"/>
+              <a:gd name="connsiteX0" fmla="*/ 2839 w 2499390"/>
+              <a:gd name="connsiteY0" fmla="*/ 126300 h 1432206"/>
+              <a:gd name="connsiteX1" fmla="*/ 835474 w 2499390"/>
+              <a:gd name="connsiteY1" fmla="*/ 3751 h 1432206"/>
+              <a:gd name="connsiteX2" fmla="*/ 1614822 w 2499390"/>
+              <a:gd name="connsiteY2" fmla="*/ 164007 h 1432206"/>
+              <a:gd name="connsiteX3" fmla="*/ 2497865 w 2499390"/>
+              <a:gd name="connsiteY3" fmla="*/ 647949 h 1432206"/>
+              <a:gd name="connsiteX4" fmla="*/ 2321832 w 2499390"/>
+              <a:gd name="connsiteY4" fmla="*/ 1405759 h 1432206"/>
+              <a:gd name="connsiteX5" fmla="*/ 2046262 w 2499390"/>
+              <a:gd name="connsiteY5" fmla="*/ 1229923 h 1432206"/>
+              <a:gd name="connsiteX6" fmla="*/ 1332018 w 2499390"/>
+              <a:gd name="connsiteY6" fmla="*/ 940474 h 1432206"/>
+              <a:gd name="connsiteX7" fmla="*/ 694170 w 2499390"/>
+              <a:gd name="connsiteY7" fmla="*/ 896515 h 1432206"/>
+              <a:gd name="connsiteX8" fmla="*/ 323350 w 2499390"/>
+              <a:gd name="connsiteY8" fmla="*/ 993566 h 1432206"/>
+              <a:gd name="connsiteX9" fmla="*/ 2839 w 2499390"/>
+              <a:gd name="connsiteY9" fmla="*/ 126300 h 1432206"/>
+              <a:gd name="connsiteX0" fmla="*/ 2272 w 2498823"/>
+              <a:gd name="connsiteY0" fmla="*/ 126300 h 1432206"/>
+              <a:gd name="connsiteX1" fmla="*/ 834907 w 2498823"/>
+              <a:gd name="connsiteY1" fmla="*/ 3751 h 1432206"/>
+              <a:gd name="connsiteX2" fmla="*/ 1614255 w 2498823"/>
+              <a:gd name="connsiteY2" fmla="*/ 164007 h 1432206"/>
+              <a:gd name="connsiteX3" fmla="*/ 2497298 w 2498823"/>
+              <a:gd name="connsiteY3" fmla="*/ 647949 h 1432206"/>
+              <a:gd name="connsiteX4" fmla="*/ 2321265 w 2498823"/>
+              <a:gd name="connsiteY4" fmla="*/ 1405759 h 1432206"/>
+              <a:gd name="connsiteX5" fmla="*/ 2045695 w 2498823"/>
+              <a:gd name="connsiteY5" fmla="*/ 1229923 h 1432206"/>
+              <a:gd name="connsiteX6" fmla="*/ 1331451 w 2498823"/>
+              <a:gd name="connsiteY6" fmla="*/ 940474 h 1432206"/>
+              <a:gd name="connsiteX7" fmla="*/ 693603 w 2498823"/>
+              <a:gd name="connsiteY7" fmla="*/ 896515 h 1432206"/>
+              <a:gd name="connsiteX8" fmla="*/ 322783 w 2498823"/>
+              <a:gd name="connsiteY8" fmla="*/ 993566 h 1432206"/>
+              <a:gd name="connsiteX9" fmla="*/ 2272 w 2498823"/>
+              <a:gd name="connsiteY9" fmla="*/ 126300 h 1432206"/>
+              <a:gd name="connsiteX0" fmla="*/ 2272 w 2529868"/>
+              <a:gd name="connsiteY0" fmla="*/ 126300 h 1455688"/>
+              <a:gd name="connsiteX1" fmla="*/ 834907 w 2529868"/>
+              <a:gd name="connsiteY1" fmla="*/ 3751 h 1455688"/>
+              <a:gd name="connsiteX2" fmla="*/ 1614255 w 2529868"/>
+              <a:gd name="connsiteY2" fmla="*/ 164007 h 1455688"/>
+              <a:gd name="connsiteX3" fmla="*/ 2497298 w 2529868"/>
+              <a:gd name="connsiteY3" fmla="*/ 647949 h 1455688"/>
+              <a:gd name="connsiteX4" fmla="*/ 2311740 w 2529868"/>
+              <a:gd name="connsiteY4" fmla="*/ 1431159 h 1455688"/>
+              <a:gd name="connsiteX5" fmla="*/ 2045695 w 2529868"/>
+              <a:gd name="connsiteY5" fmla="*/ 1229923 h 1455688"/>
+              <a:gd name="connsiteX6" fmla="*/ 1331451 w 2529868"/>
+              <a:gd name="connsiteY6" fmla="*/ 940474 h 1455688"/>
+              <a:gd name="connsiteX7" fmla="*/ 693603 w 2529868"/>
+              <a:gd name="connsiteY7" fmla="*/ 896515 h 1455688"/>
+              <a:gd name="connsiteX8" fmla="*/ 322783 w 2529868"/>
+              <a:gd name="connsiteY8" fmla="*/ 993566 h 1455688"/>
+              <a:gd name="connsiteX9" fmla="*/ 2272 w 2529868"/>
+              <a:gd name="connsiteY9" fmla="*/ 126300 h 1455688"/>
+              <a:gd name="connsiteX0" fmla="*/ 2272 w 2527888"/>
+              <a:gd name="connsiteY0" fmla="*/ 126300 h 1431526"/>
+              <a:gd name="connsiteX1" fmla="*/ 834907 w 2527888"/>
+              <a:gd name="connsiteY1" fmla="*/ 3751 h 1431526"/>
+              <a:gd name="connsiteX2" fmla="*/ 1614255 w 2527888"/>
+              <a:gd name="connsiteY2" fmla="*/ 164007 h 1431526"/>
+              <a:gd name="connsiteX3" fmla="*/ 2497298 w 2527888"/>
+              <a:gd name="connsiteY3" fmla="*/ 647949 h 1431526"/>
+              <a:gd name="connsiteX4" fmla="*/ 2311740 w 2527888"/>
+              <a:gd name="connsiteY4" fmla="*/ 1431159 h 1431526"/>
+              <a:gd name="connsiteX5" fmla="*/ 2045695 w 2527888"/>
+              <a:gd name="connsiteY5" fmla="*/ 1229923 h 1431526"/>
+              <a:gd name="connsiteX6" fmla="*/ 1331451 w 2527888"/>
+              <a:gd name="connsiteY6" fmla="*/ 940474 h 1431526"/>
+              <a:gd name="connsiteX7" fmla="*/ 693603 w 2527888"/>
+              <a:gd name="connsiteY7" fmla="*/ 896515 h 1431526"/>
+              <a:gd name="connsiteX8" fmla="*/ 322783 w 2527888"/>
+              <a:gd name="connsiteY8" fmla="*/ 993566 h 1431526"/>
+              <a:gd name="connsiteX9" fmla="*/ 2272 w 2527888"/>
+              <a:gd name="connsiteY9" fmla="*/ 126300 h 1431526"/>
+              <a:gd name="connsiteX0" fmla="*/ 2272 w 2525639"/>
+              <a:gd name="connsiteY0" fmla="*/ 126300 h 1431526"/>
+              <a:gd name="connsiteX1" fmla="*/ 834907 w 2525639"/>
+              <a:gd name="connsiteY1" fmla="*/ 3751 h 1431526"/>
+              <a:gd name="connsiteX2" fmla="*/ 1614255 w 2525639"/>
+              <a:gd name="connsiteY2" fmla="*/ 164007 h 1431526"/>
+              <a:gd name="connsiteX3" fmla="*/ 2497298 w 2525639"/>
+              <a:gd name="connsiteY3" fmla="*/ 647949 h 1431526"/>
+              <a:gd name="connsiteX4" fmla="*/ 2311740 w 2525639"/>
+              <a:gd name="connsiteY4" fmla="*/ 1431159 h 1431526"/>
+              <a:gd name="connsiteX5" fmla="*/ 2045695 w 2525639"/>
+              <a:gd name="connsiteY5" fmla="*/ 1229923 h 1431526"/>
+              <a:gd name="connsiteX6" fmla="*/ 1331451 w 2525639"/>
+              <a:gd name="connsiteY6" fmla="*/ 940474 h 1431526"/>
+              <a:gd name="connsiteX7" fmla="*/ 693603 w 2525639"/>
+              <a:gd name="connsiteY7" fmla="*/ 896515 h 1431526"/>
+              <a:gd name="connsiteX8" fmla="*/ 322783 w 2525639"/>
+              <a:gd name="connsiteY8" fmla="*/ 993566 h 1431526"/>
+              <a:gd name="connsiteX9" fmla="*/ 2272 w 2525639"/>
+              <a:gd name="connsiteY9" fmla="*/ 126300 h 1431526"/>
+              <a:gd name="connsiteX0" fmla="*/ 2272 w 2497413"/>
+              <a:gd name="connsiteY0" fmla="*/ 126300 h 1431526"/>
+              <a:gd name="connsiteX1" fmla="*/ 834907 w 2497413"/>
+              <a:gd name="connsiteY1" fmla="*/ 3751 h 1431526"/>
+              <a:gd name="connsiteX2" fmla="*/ 1614255 w 2497413"/>
+              <a:gd name="connsiteY2" fmla="*/ 164007 h 1431526"/>
+              <a:gd name="connsiteX3" fmla="*/ 2497298 w 2497413"/>
+              <a:gd name="connsiteY3" fmla="*/ 647949 h 1431526"/>
+              <a:gd name="connsiteX4" fmla="*/ 2311740 w 2497413"/>
+              <a:gd name="connsiteY4" fmla="*/ 1431159 h 1431526"/>
+              <a:gd name="connsiteX5" fmla="*/ 2045695 w 2497413"/>
+              <a:gd name="connsiteY5" fmla="*/ 1229923 h 1431526"/>
+              <a:gd name="connsiteX6" fmla="*/ 1331451 w 2497413"/>
+              <a:gd name="connsiteY6" fmla="*/ 940474 h 1431526"/>
+              <a:gd name="connsiteX7" fmla="*/ 693603 w 2497413"/>
+              <a:gd name="connsiteY7" fmla="*/ 896515 h 1431526"/>
+              <a:gd name="connsiteX8" fmla="*/ 322783 w 2497413"/>
+              <a:gd name="connsiteY8" fmla="*/ 993566 h 1431526"/>
+              <a:gd name="connsiteX9" fmla="*/ 2272 w 2497413"/>
+              <a:gd name="connsiteY9" fmla="*/ 126300 h 1431526"/>
+              <a:gd name="connsiteX0" fmla="*/ 2110 w 2497251"/>
+              <a:gd name="connsiteY0" fmla="*/ 126300 h 1431526"/>
+              <a:gd name="connsiteX1" fmla="*/ 834745 w 2497251"/>
+              <a:gd name="connsiteY1" fmla="*/ 3751 h 1431526"/>
+              <a:gd name="connsiteX2" fmla="*/ 1614093 w 2497251"/>
+              <a:gd name="connsiteY2" fmla="*/ 164007 h 1431526"/>
+              <a:gd name="connsiteX3" fmla="*/ 2497136 w 2497251"/>
+              <a:gd name="connsiteY3" fmla="*/ 647949 h 1431526"/>
+              <a:gd name="connsiteX4" fmla="*/ 2311578 w 2497251"/>
+              <a:gd name="connsiteY4" fmla="*/ 1431159 h 1431526"/>
+              <a:gd name="connsiteX5" fmla="*/ 2045533 w 2497251"/>
+              <a:gd name="connsiteY5" fmla="*/ 1229923 h 1431526"/>
+              <a:gd name="connsiteX6" fmla="*/ 1331289 w 2497251"/>
+              <a:gd name="connsiteY6" fmla="*/ 940474 h 1431526"/>
+              <a:gd name="connsiteX7" fmla="*/ 693441 w 2497251"/>
+              <a:gd name="connsiteY7" fmla="*/ 896515 h 1431526"/>
+              <a:gd name="connsiteX8" fmla="*/ 322621 w 2497251"/>
+              <a:gd name="connsiteY8" fmla="*/ 993566 h 1431526"/>
+              <a:gd name="connsiteX9" fmla="*/ 2110 w 2497251"/>
+              <a:gd name="connsiteY9" fmla="*/ 126300 h 1431526"/>
+              <a:gd name="connsiteX0" fmla="*/ 2110 w 2497251"/>
+              <a:gd name="connsiteY0" fmla="*/ 126300 h 1431462"/>
+              <a:gd name="connsiteX1" fmla="*/ 834745 w 2497251"/>
+              <a:gd name="connsiteY1" fmla="*/ 3751 h 1431462"/>
+              <a:gd name="connsiteX2" fmla="*/ 1614093 w 2497251"/>
+              <a:gd name="connsiteY2" fmla="*/ 164007 h 1431462"/>
+              <a:gd name="connsiteX3" fmla="*/ 2497136 w 2497251"/>
+              <a:gd name="connsiteY3" fmla="*/ 647949 h 1431462"/>
+              <a:gd name="connsiteX4" fmla="*/ 2311578 w 2497251"/>
+              <a:gd name="connsiteY4" fmla="*/ 1431159 h 1431462"/>
+              <a:gd name="connsiteX5" fmla="*/ 2045533 w 2497251"/>
+              <a:gd name="connsiteY5" fmla="*/ 1229923 h 1431462"/>
+              <a:gd name="connsiteX6" fmla="*/ 1331289 w 2497251"/>
+              <a:gd name="connsiteY6" fmla="*/ 940474 h 1431462"/>
+              <a:gd name="connsiteX7" fmla="*/ 693441 w 2497251"/>
+              <a:gd name="connsiteY7" fmla="*/ 896515 h 1431462"/>
+              <a:gd name="connsiteX8" fmla="*/ 322621 w 2497251"/>
+              <a:gd name="connsiteY8" fmla="*/ 993566 h 1431462"/>
+              <a:gd name="connsiteX9" fmla="*/ 2110 w 2497251"/>
+              <a:gd name="connsiteY9" fmla="*/ 126300 h 1431462"/>
+            </a:gdLst>
+            <a:ahLst/>
+            <a:cxnLst>
+              <a:cxn ang="0">
+                <a:pos x="connsiteX0" y="connsiteY0"/>
+              </a:cxn>
+              <a:cxn ang="0">
+                <a:pos x="connsiteX1" y="connsiteY1"/>
+              </a:cxn>
+              <a:cxn ang="0">
+                <a:pos x="connsiteX2" y="connsiteY2"/>
+              </a:cxn>
+              <a:cxn ang="0">
+                <a:pos x="connsiteX3" y="connsiteY3"/>
+              </a:cxn>
+              <a:cxn ang="0">
+                <a:pos x="connsiteX4" y="connsiteY4"/>
+              </a:cxn>
+              <a:cxn ang="0">
+                <a:pos x="connsiteX5" y="connsiteY5"/>
+              </a:cxn>
+              <a:cxn ang="0">
+                <a:pos x="connsiteX6" y="connsiteY6"/>
+              </a:cxn>
+              <a:cxn ang="0">
+                <a:pos x="connsiteX7" y="connsiteY7"/>
+              </a:cxn>
+              <a:cxn ang="0">
+                <a:pos x="connsiteX8" y="connsiteY8"/>
+              </a:cxn>
+              <a:cxn ang="0">
+                <a:pos x="connsiteX9" y="connsiteY9"/>
+              </a:cxn>
+            </a:cxnLst>
+            <a:rect l="l" t="t" r="r" b="b"/>
+            <a:pathLst>
+              <a:path w="2497251" h="1431462">
+                <a:moveTo>
+                  <a:pt x="2110" y="126300"/>
+                </a:moveTo>
+                <a:cubicBezTo>
+                  <a:pt x="33489" y="88331"/>
+                  <a:pt x="562906" y="-21583"/>
+                  <a:pt x="834745" y="3751"/>
+                </a:cubicBezTo>
+                <a:cubicBezTo>
+                  <a:pt x="1106584" y="29085"/>
+                  <a:pt x="1337028" y="56641"/>
+                  <a:pt x="1614093" y="164007"/>
+                </a:cubicBezTo>
+                <a:cubicBezTo>
+                  <a:pt x="1891158" y="271373"/>
+                  <a:pt x="2492013" y="595507"/>
+                  <a:pt x="2497136" y="647949"/>
+                </a:cubicBezTo>
+                <a:cubicBezTo>
+                  <a:pt x="2502259" y="700391"/>
+                  <a:pt x="2336045" y="1423063"/>
+                  <a:pt x="2311578" y="1431159"/>
+                </a:cubicBezTo>
+                <a:cubicBezTo>
+                  <a:pt x="2287111" y="1439255"/>
+                  <a:pt x="2158115" y="1283129"/>
+                  <a:pt x="2045533" y="1229923"/>
+                </a:cubicBezTo>
+                <a:cubicBezTo>
+                  <a:pt x="1932951" y="1176717"/>
+                  <a:pt x="1556638" y="996042"/>
+                  <a:pt x="1331289" y="940474"/>
+                </a:cubicBezTo>
+                <a:cubicBezTo>
+                  <a:pt x="1105940" y="884906"/>
+                  <a:pt x="861552" y="882375"/>
+                  <a:pt x="693441" y="896515"/>
+                </a:cubicBezTo>
+                <a:cubicBezTo>
+                  <a:pt x="525330" y="910655"/>
+                  <a:pt x="345768" y="988585"/>
+                  <a:pt x="322621" y="993566"/>
+                </a:cubicBezTo>
+                <a:cubicBezTo>
+                  <a:pt x="299474" y="998547"/>
+                  <a:pt x="-29269" y="164269"/>
+                  <a:pt x="2110" y="126300"/>
+                </a:cubicBezTo>
+                <a:close/>
+              </a:path>
+            </a:pathLst>
+          </a:custGeom>
+          <a:solidFill>
+            <a:srgbClr val="FFC000">
+              <a:alpha val="61176"/>
+            </a:srgbClr>
+          </a:solidFill>
+        </p:spPr>
+        <p:style>
+          <a:lnRef idx="2">
+            <a:schemeClr val="accent1">
+              <a:shade val="50000"/>
+            </a:schemeClr>
+          </a:lnRef>
+          <a:fillRef idx="1">
+            <a:schemeClr val="accent1"/>
+          </a:fillRef>
+          <a:effectRef idx="0">
+            <a:schemeClr val="accent1"/>
+          </a:effectRef>
+          <a:fontRef idx="minor">
+            <a:schemeClr val="lt1"/>
+          </a:fontRef>
+        </p:style>
+        <p:txBody>
+          <a:bodyPr rtlCol="0" anchor="ctr"/>
+          <a:lstStyle/>
+          <a:p>
+            <a:pPr algn="ctr"/>
+            <a:endParaRPr lang="de-DE"/>
+          </a:p>
+        </p:txBody>
+      </p:sp>
+      <p:cxnSp>
+        <p:nvCxnSpPr>
+          <p:cNvPr id="12" name="Gerade Verbindung mit Pfeil 11"/>
+          <p:cNvCxnSpPr>
+            <a:stCxn id="13" idx="3"/>
+          </p:cNvCxnSpPr>
+          <p:nvPr/>
+        </p:nvCxnSpPr>
+        <p:spPr>
+          <a:xfrm>
+            <a:off x="2411760" y="3627842"/>
+            <a:ext cx="2376264" cy="477516"/>
+          </a:xfrm>
+          <a:prstGeom prst="straightConnector1">
+            <a:avLst/>
+          </a:prstGeom>
+          <a:ln w="28575">
+            <a:solidFill>
+              <a:srgbClr val="004E8A"/>
+            </a:solidFill>
+            <a:headEnd w="lg" len="lg"/>
+            <a:tailEnd type="triangle" w="lg" len="lg"/>
+          </a:ln>
+        </p:spPr>
+        <p:style>
+          <a:lnRef idx="1">
+            <a:schemeClr val="accent1"/>
+          </a:lnRef>
+          <a:fillRef idx="0">
+            <a:schemeClr val="accent1"/>
+          </a:fillRef>
+          <a:effectRef idx="0">
+            <a:schemeClr val="accent1"/>
+          </a:effectRef>
+          <a:fontRef idx="minor">
+            <a:schemeClr val="tx1"/>
+          </a:fontRef>
+        </p:style>
+      </p:cxnSp>
+      <p:sp>
+        <p:nvSpPr>
+          <p:cNvPr id="13" name="Textfeld 12"/>
+          <p:cNvSpPr txBox="1"/>
+          <p:nvPr/>
+        </p:nvSpPr>
+        <p:spPr>
+          <a:xfrm>
+            <a:off x="864056" y="3443176"/>
+            <a:ext cx="1547704" cy="369332"/>
+          </a:xfrm>
+          <a:prstGeom prst="rect">
+            <a:avLst/>
+          </a:prstGeom>
+          <a:solidFill>
+            <a:srgbClr val="004E8A"/>
+          </a:solidFill>
+        </p:spPr>
+        <p:txBody>
+          <a:bodyPr wrap="square" rtlCol="0" anchor="ctr">
+            <a:spAutoFit/>
+          </a:bodyPr>
+          <a:lstStyle/>
+          <a:p>
+            <a:r>
+              <a:rPr lang="de-DE" dirty="0" smtClean="0">
+                <a:solidFill>
+                  <a:schemeClr val="bg1"/>
+                </a:solidFill>
+              </a:rPr>
+              <a:t>Mixing Plane</a:t>
+            </a:r>
+            <a:endParaRPr lang="de-DE" dirty="0">
+              <a:solidFill>
+                <a:schemeClr val="bg1"/>
+              </a:solidFill>
+            </a:endParaRPr>
           </a:p>
         </p:txBody>
       </p:sp>
@@ -6999,6 +7896,13 @@
   <p:clrMapOvr>
     <a:masterClrMapping/>
   </p:clrMapOvr>
+  <p:timing>
+    <p:tnLst>
+      <p:par>
+        <p:cTn id="1" dur="indefinite" restart="never" nodeType="tmRoot"/>
+      </p:par>
+    </p:tnLst>
+  </p:timing>
 </p:sld>
 </file>
 
@@ -7024,7 +7928,7 @@
           <p:cNvPr id="2" name="Titel 1">
             <a:extLst>
               <a:ext uri="{FF2B5EF4-FFF2-40B4-BE49-F238E27FC236}">
-                <a16:creationId xmlns:a16="http://schemas.microsoft.com/office/drawing/2014/main" id="{92BC8844-D44E-4A34-A3E9-BBC46793D01F}"/>
+                <a16:creationId xmlns:a16="http://schemas.microsoft.com/office/drawing/2014/main" xmlns="" id="{92BC8844-D44E-4A34-A3E9-BBC46793D01F}"/>
               </a:ext>
             </a:extLst>
           </p:cNvPr>
@@ -7052,7 +7956,7 @@
           <p:cNvPr id="3" name="Inhaltsplatzhalter 2">
             <a:extLst>
               <a:ext uri="{FF2B5EF4-FFF2-40B4-BE49-F238E27FC236}">
-                <a16:creationId xmlns:a16="http://schemas.microsoft.com/office/drawing/2014/main" id="{226BDF4D-EA65-4EB5-9166-5B6F009BEDE8}"/>
+                <a16:creationId xmlns:a16="http://schemas.microsoft.com/office/drawing/2014/main" xmlns="" id="{226BDF4D-EA65-4EB5-9166-5B6F009BEDE8}"/>
               </a:ext>
             </a:extLst>
           </p:cNvPr>
@@ -7069,12 +7973,141 @@
           <a:lstStyle/>
           <a:p>
             <a:r>
-              <a:rPr lang="de-DE" dirty="0"/>
-              <a:t>Verschiedenen RBs</a:t>
-            </a:r>
-          </a:p>
-        </p:txBody>
-      </p:sp>
+              <a:rPr lang="de-DE" dirty="0" smtClean="0"/>
+              <a:t>Schräge Eintrittsströmung:</a:t>
+            </a:r>
+          </a:p>
+          <a:p>
+            <a:endParaRPr lang="de-DE" dirty="0"/>
+          </a:p>
+          <a:p>
+            <a:endParaRPr lang="de-DE" dirty="0" smtClean="0"/>
+          </a:p>
+          <a:p>
+            <a:r>
+              <a:rPr lang="de-DE" dirty="0" err="1" smtClean="0"/>
+              <a:t>Drallbehaftete</a:t>
+            </a:r>
+            <a:r>
+              <a:rPr lang="de-DE" dirty="0" smtClean="0"/>
+              <a:t> Strömung:</a:t>
+            </a:r>
+          </a:p>
+          <a:p>
+            <a:endParaRPr lang="de-DE" dirty="0"/>
+          </a:p>
+          <a:p>
+            <a:endParaRPr lang="de-DE" dirty="0" smtClean="0"/>
+          </a:p>
+          <a:p>
+            <a:endParaRPr lang="de-DE" dirty="0"/>
+          </a:p>
+          <a:p>
+            <a:r>
+              <a:rPr lang="de-DE" dirty="0" smtClean="0"/>
+              <a:t>Inhomogener Temperaturverlauf:</a:t>
+            </a:r>
+          </a:p>
+          <a:p>
+            <a:pPr lvl="2"/>
+            <a:r>
+              <a:rPr lang="de-DE" dirty="0" smtClean="0"/>
+              <a:t>Hot-Spot</a:t>
+            </a:r>
+            <a:endParaRPr lang="de-DE" dirty="0"/>
+          </a:p>
+        </p:txBody>
+      </p:sp>
+      <p:pic>
+        <p:nvPicPr>
+          <p:cNvPr id="4" name="Grafik 3"/>
+          <p:cNvPicPr>
+            <a:picLocks noChangeAspect="1"/>
+          </p:cNvPicPr>
+          <p:nvPr/>
+        </p:nvPicPr>
+        <p:blipFill>
+          <a:blip r:embed="rId3" cstate="print">
+            <a:extLst>
+              <a:ext uri="{28A0092B-C50C-407E-A947-70E740481C1C}">
+                <a14:useLocalDpi xmlns:a14="http://schemas.microsoft.com/office/drawing/2010/main" val="0"/>
+              </a:ext>
+            </a:extLst>
+          </a:blip>
+          <a:stretch>
+            <a:fillRect/>
+          </a:stretch>
+        </p:blipFill>
+        <p:spPr>
+          <a:xfrm>
+            <a:off x="5080894" y="1572917"/>
+            <a:ext cx="3019498" cy="1402421"/>
+          </a:xfrm>
+          <a:prstGeom prst="rect">
+            <a:avLst/>
+          </a:prstGeom>
+        </p:spPr>
+      </p:pic>
+      <p:pic>
+        <p:nvPicPr>
+          <p:cNvPr id="5" name="Grafik 4"/>
+          <p:cNvPicPr>
+            <a:picLocks noChangeAspect="1"/>
+          </p:cNvPicPr>
+          <p:nvPr/>
+        </p:nvPicPr>
+        <p:blipFill>
+          <a:blip r:embed="rId4" cstate="print">
+            <a:extLst>
+              <a:ext uri="{28A0092B-C50C-407E-A947-70E740481C1C}">
+                <a14:useLocalDpi xmlns:a14="http://schemas.microsoft.com/office/drawing/2010/main" val="0"/>
+              </a:ext>
+            </a:extLst>
+          </a:blip>
+          <a:stretch>
+            <a:fillRect/>
+          </a:stretch>
+        </p:blipFill>
+        <p:spPr>
+          <a:xfrm>
+            <a:off x="5080895" y="4595055"/>
+            <a:ext cx="2904543" cy="1548855"/>
+          </a:xfrm>
+          <a:prstGeom prst="rect">
+            <a:avLst/>
+          </a:prstGeom>
+        </p:spPr>
+      </p:pic>
+      <p:pic>
+        <p:nvPicPr>
+          <p:cNvPr id="6" name="Grafik 5"/>
+          <p:cNvPicPr>
+            <a:picLocks noChangeAspect="1"/>
+          </p:cNvPicPr>
+          <p:nvPr/>
+        </p:nvPicPr>
+        <p:blipFill>
+          <a:blip r:embed="rId5" cstate="print">
+            <a:extLst>
+              <a:ext uri="{28A0092B-C50C-407E-A947-70E740481C1C}">
+                <a14:useLocalDpi xmlns:a14="http://schemas.microsoft.com/office/drawing/2010/main" val="0"/>
+              </a:ext>
+            </a:extLst>
+          </a:blip>
+          <a:stretch>
+            <a:fillRect/>
+          </a:stretch>
+        </p:blipFill>
+        <p:spPr>
+          <a:xfrm>
+            <a:off x="5080895" y="2969030"/>
+            <a:ext cx="2904544" cy="1333175"/>
+          </a:xfrm>
+          <a:prstGeom prst="rect">
+            <a:avLst/>
+          </a:prstGeom>
+        </p:spPr>
+      </p:pic>
     </p:spTree>
     <p:extLst>
       <p:ext uri="{BB962C8B-B14F-4D97-AF65-F5344CB8AC3E}">
@@ -7085,6 +8118,13 @@
   <p:clrMapOvr>
     <a:masterClrMapping/>
   </p:clrMapOvr>
+  <p:timing>
+    <p:tnLst>
+      <p:par>
+        <p:cTn id="1" dur="indefinite" restart="never" nodeType="tmRoot"/>
+      </p:par>
+    </p:tnLst>
+  </p:timing>
 </p:sld>
 </file>
 
@@ -7110,7 +8150,7 @@
           <p:cNvPr id="2" name="Titel 1">
             <a:extLst>
               <a:ext uri="{FF2B5EF4-FFF2-40B4-BE49-F238E27FC236}">
-                <a16:creationId xmlns:a16="http://schemas.microsoft.com/office/drawing/2014/main" id="{B021C1F3-433C-41E3-8587-65D5BDA4F317}"/>
+                <a16:creationId xmlns:a16="http://schemas.microsoft.com/office/drawing/2014/main" xmlns="" id="{B021C1F3-433C-41E3-8587-65D5BDA4F317}"/>
               </a:ext>
             </a:extLst>
           </p:cNvPr>
@@ -7133,34 +8173,1138 @@
           </a:p>
         </p:txBody>
       </p:sp>
-      <p:sp>
-        <p:nvSpPr>
-          <p:cNvPr id="3" name="Inhaltsplatzhalter 2">
-            <a:extLst>
-              <a:ext uri="{FF2B5EF4-FFF2-40B4-BE49-F238E27FC236}">
-                <a16:creationId xmlns:a16="http://schemas.microsoft.com/office/drawing/2014/main" id="{CF5061C2-25E2-4A53-BCDE-093C837A0F45}"/>
-              </a:ext>
-            </a:extLst>
-          </p:cNvPr>
-          <p:cNvSpPr>
-            <a:spLocks noGrp="1"/>
-          </p:cNvSpPr>
-          <p:nvPr>
-            <p:ph idx="1"/>
-          </p:nvPr>
-        </p:nvSpPr>
-        <p:spPr/>
-        <p:txBody>
-          <a:bodyPr/>
-          <a:lstStyle/>
-          <a:p>
-            <a:r>
-              <a:rPr lang="de-DE" dirty="0"/>
-              <a:t>Tabelle mit Differenzen über Mixing Plane</a:t>
-            </a:r>
-          </a:p>
-        </p:txBody>
-      </p:sp>
+      <mc:AlternateContent xmlns:mc="http://schemas.openxmlformats.org/markup-compatibility/2006">
+        <mc:Choice xmlns:a14="http://schemas.microsoft.com/office/drawing/2010/main" Requires="a14">
+          <p:graphicFrame>
+            <p:nvGraphicFramePr>
+              <p:cNvPr id="4" name="Inhaltsplatzhalter 3"/>
+              <p:cNvGraphicFramePr>
+                <a:graphicFrameLocks/>
+              </p:cNvGraphicFramePr>
+              <p:nvPr>
+                <p:extLst>
+                  <p:ext uri="{D42A27DB-BD31-4B8C-83A1-F6EECF244321}">
+                    <p14:modId xmlns:p14="http://schemas.microsoft.com/office/powerpoint/2010/main" val="138222847"/>
+                  </p:ext>
+                </p:extLst>
+              </p:nvPr>
+            </p:nvGraphicFramePr>
+            <p:xfrm>
+              <a:off x="251520" y="1628800"/>
+              <a:ext cx="8640960" cy="3560365"/>
+            </p:xfrm>
+            <a:graphic>
+              <a:graphicData uri="http://schemas.openxmlformats.org/drawingml/2006/table">
+                <a:tbl>
+                  <a:tblPr firstRow="1" firstCol="1" bandRow="1">
+                    <a:tableStyleId>{93296810-A885-4BE3-A3E7-6D5BEEA58F35}</a:tableStyleId>
+                  </a:tblPr>
+                  <a:tblGrid>
+                    <a:gridCol w="2880320">
+                      <a:extLst>
+                        <a:ext uri="{9D8B030D-6E8A-4147-A177-3AD203B41FA5}">
+                          <a16:colId xmlns:a16="http://schemas.microsoft.com/office/drawing/2014/main" xmlns="" val="20000"/>
+                        </a:ext>
+                      </a:extLst>
+                    </a:gridCol>
+                    <a:gridCol w="2016224">
+                      <a:extLst>
+                        <a:ext uri="{9D8B030D-6E8A-4147-A177-3AD203B41FA5}">
+                          <a16:colId xmlns:a16="http://schemas.microsoft.com/office/drawing/2014/main" xmlns="" val="20001"/>
+                        </a:ext>
+                      </a:extLst>
+                    </a:gridCol>
+                    <a:gridCol w="1584176"/>
+                    <a:gridCol w="2160240"/>
+                  </a:tblGrid>
+                  <a:tr h="880277">
+                    <a:tc>
+                      <a:txBody>
+                        <a:bodyPr/>
+                        <a:lstStyle/>
+                        <a:p>
+                          <a:r>
+                            <a:rPr lang="de-DE" dirty="0" smtClean="0"/>
+                            <a:t>Einstromrandbedingung</a:t>
+                          </a:r>
+                          <a:endParaRPr lang="de-DE" dirty="0"/>
+                        </a:p>
+                      </a:txBody>
+                      <a:tcPr anchor="ctr"/>
+                    </a:tc>
+                    <a:tc>
+                      <a:txBody>
+                        <a:bodyPr/>
+                        <a:lstStyle/>
+                        <a:p>
+                          <a14:m>
+                            <m:oMathPara xmlns:m="http://schemas.openxmlformats.org/officeDocument/2006/math">
+                              <m:oMathParaPr>
+                                <m:jc m:val="centerGroup"/>
+                              </m:oMathParaPr>
+                              <m:oMath xmlns:m="http://schemas.openxmlformats.org/officeDocument/2006/math">
+                                <m:r>
+                                  <a:rPr lang="de-DE" i="1" smtClean="0">
+                                    <a:latin typeface="Cambria Math" panose="02040503050406030204" pitchFamily="18" charset="0"/>
+                                    <a:ea typeface="Cambria Math" panose="02040503050406030204" pitchFamily="18" charset="0"/>
+                                  </a:rPr>
+                                  <m:t>𝚫</m:t>
+                                </m:r>
+                                <m:acc>
+                                  <m:accPr>
+                                    <m:chr m:val="̇"/>
+                                    <m:ctrlPr>
+                                      <a:rPr lang="de-DE" i="1" smtClean="0">
+                                        <a:latin typeface="Cambria Math" panose="02040503050406030204" pitchFamily="18" charset="0"/>
+                                      </a:rPr>
+                                    </m:ctrlPr>
+                                  </m:accPr>
+                                  <m:e>
+                                    <m:r>
+                                      <a:rPr lang="de-DE" b="1" i="1" smtClean="0">
+                                        <a:latin typeface="Cambria Math" panose="02040503050406030204" pitchFamily="18" charset="0"/>
+                                      </a:rPr>
+                                      <m:t>𝒎</m:t>
+                                    </m:r>
+                                  </m:e>
+                                </m:acc>
+                                <m:r>
+                                  <a:rPr lang="de-DE" b="1" i="1" smtClean="0">
+                                    <a:latin typeface="Cambria Math" panose="02040503050406030204" pitchFamily="18" charset="0"/>
+                                  </a:rPr>
+                                  <m:t>  [</m:t>
+                                </m:r>
+                                <m:f>
+                                  <m:fPr>
+                                    <m:ctrlPr>
+                                      <a:rPr lang="de-DE" b="1" i="1" smtClean="0">
+                                        <a:latin typeface="Cambria Math" panose="02040503050406030204" pitchFamily="18" charset="0"/>
+                                      </a:rPr>
+                                    </m:ctrlPr>
+                                  </m:fPr>
+                                  <m:num>
+                                    <m:r>
+                                      <a:rPr lang="de-DE" b="1" i="1" smtClean="0">
+                                        <a:latin typeface="Cambria Math" panose="02040503050406030204" pitchFamily="18" charset="0"/>
+                                      </a:rPr>
+                                      <m:t>𝒌𝒈</m:t>
+                                    </m:r>
+                                  </m:num>
+                                  <m:den>
+                                    <m:r>
+                                      <a:rPr lang="de-DE" b="1" i="1" smtClean="0">
+                                        <a:latin typeface="Cambria Math" panose="02040503050406030204" pitchFamily="18" charset="0"/>
+                                      </a:rPr>
+                                      <m:t>𝒔</m:t>
+                                    </m:r>
+                                  </m:den>
+                                </m:f>
+                                <m:r>
+                                  <a:rPr lang="de-DE" b="1" i="1" smtClean="0">
+                                    <a:latin typeface="Cambria Math" panose="02040503050406030204" pitchFamily="18" charset="0"/>
+                                  </a:rPr>
+                                  <m:t>]</m:t>
+                                </m:r>
+                              </m:oMath>
+                            </m:oMathPara>
+                          </a14:m>
+                          <a:endParaRPr lang="de-DE" dirty="0"/>
+                        </a:p>
+                      </a:txBody>
+                      <a:tcPr anchor="ctr"/>
+                    </a:tc>
+                    <a:tc>
+                      <a:txBody>
+                        <a:bodyPr/>
+                        <a:lstStyle/>
+                        <a:p>
+                          <a14:m>
+                            <m:oMathPara xmlns:m="http://schemas.openxmlformats.org/officeDocument/2006/math">
+                              <m:oMathParaPr>
+                                <m:jc m:val="centerGroup"/>
+                              </m:oMathParaPr>
+                              <m:oMath xmlns:m="http://schemas.openxmlformats.org/officeDocument/2006/math">
+                                <m:r>
+                                  <a:rPr lang="de-DE" i="1" smtClean="0">
+                                    <a:latin typeface="Cambria Math" panose="02040503050406030204" pitchFamily="18" charset="0"/>
+                                    <a:ea typeface="Cambria Math" panose="02040503050406030204" pitchFamily="18" charset="0"/>
+                                  </a:rPr>
+                                  <m:t>𝚫</m:t>
+                                </m:r>
+                                <m:sSub>
+                                  <m:sSubPr>
+                                    <m:ctrlPr>
+                                      <a:rPr lang="de-DE" i="1" smtClean="0">
+                                        <a:latin typeface="Cambria Math" panose="02040503050406030204" pitchFamily="18" charset="0"/>
+                                        <a:ea typeface="Cambria Math" panose="02040503050406030204" pitchFamily="18" charset="0"/>
+                                      </a:rPr>
+                                    </m:ctrlPr>
+                                  </m:sSubPr>
+                                  <m:e>
+                                    <m:r>
+                                      <a:rPr lang="de-DE" b="1" i="1" smtClean="0">
+                                        <a:latin typeface="Cambria Math" panose="02040503050406030204" pitchFamily="18" charset="0"/>
+                                        <a:ea typeface="Cambria Math" panose="02040503050406030204" pitchFamily="18" charset="0"/>
+                                      </a:rPr>
+                                      <m:t>𝒑</m:t>
+                                    </m:r>
+                                  </m:e>
+                                  <m:sub>
+                                    <m:r>
+                                      <a:rPr lang="de-DE" b="1" i="1" smtClean="0">
+                                        <a:latin typeface="Cambria Math" panose="02040503050406030204" pitchFamily="18" charset="0"/>
+                                        <a:ea typeface="Cambria Math" panose="02040503050406030204" pitchFamily="18" charset="0"/>
+                                      </a:rPr>
+                                      <m:t>𝒕</m:t>
+                                    </m:r>
+                                  </m:sub>
+                                </m:sSub>
+                                <m:r>
+                                  <a:rPr lang="de-DE" b="1" i="1" smtClean="0">
+                                    <a:latin typeface="Cambria Math" panose="02040503050406030204" pitchFamily="18" charset="0"/>
+                                    <a:ea typeface="Cambria Math" panose="02040503050406030204" pitchFamily="18" charset="0"/>
+                                  </a:rPr>
+                                  <m:t>  [</m:t>
+                                </m:r>
+                                <m:r>
+                                  <a:rPr lang="de-DE" b="1" i="1" smtClean="0">
+                                    <a:latin typeface="Cambria Math" panose="02040503050406030204" pitchFamily="18" charset="0"/>
+                                    <a:ea typeface="Cambria Math" panose="02040503050406030204" pitchFamily="18" charset="0"/>
+                                  </a:rPr>
+                                  <m:t>𝑷𝒂</m:t>
+                                </m:r>
+                                <m:r>
+                                  <a:rPr lang="de-DE" b="1" i="1" smtClean="0">
+                                    <a:latin typeface="Cambria Math" panose="02040503050406030204" pitchFamily="18" charset="0"/>
+                                    <a:ea typeface="Cambria Math" panose="02040503050406030204" pitchFamily="18" charset="0"/>
+                                  </a:rPr>
+                                  <m:t>]</m:t>
+                                </m:r>
+                              </m:oMath>
+                            </m:oMathPara>
+                          </a14:m>
+                          <a:endParaRPr lang="de-DE" dirty="0"/>
+                        </a:p>
+                      </a:txBody>
+                      <a:tcPr anchor="ctr"/>
+                    </a:tc>
+                    <a:tc>
+                      <a:txBody>
+                        <a:bodyPr/>
+                        <a:lstStyle/>
+                        <a:p>
+                          <a14:m>
+                            <m:oMathPara xmlns:m="http://schemas.openxmlformats.org/officeDocument/2006/math">
+                              <m:oMathParaPr>
+                                <m:jc m:val="centerGroup"/>
+                              </m:oMathParaPr>
+                              <m:oMath xmlns:m="http://schemas.openxmlformats.org/officeDocument/2006/math">
+                                <m:r>
+                                  <a:rPr lang="de-DE" i="1" smtClean="0">
+                                    <a:latin typeface="Cambria Math" panose="02040503050406030204" pitchFamily="18" charset="0"/>
+                                    <a:ea typeface="Cambria Math" panose="02040503050406030204" pitchFamily="18" charset="0"/>
+                                  </a:rPr>
+                                  <m:t>𝚫</m:t>
+                                </m:r>
+                                <m:sSub>
+                                  <m:sSubPr>
+                                    <m:ctrlPr>
+                                      <a:rPr lang="de-DE" i="1" smtClean="0">
+                                        <a:latin typeface="Cambria Math" panose="02040503050406030204" pitchFamily="18" charset="0"/>
+                                        <a:ea typeface="Cambria Math" panose="02040503050406030204" pitchFamily="18" charset="0"/>
+                                      </a:rPr>
+                                    </m:ctrlPr>
+                                  </m:sSubPr>
+                                  <m:e>
+                                    <m:r>
+                                      <a:rPr lang="de-DE" b="1" i="1" smtClean="0">
+                                        <a:latin typeface="Cambria Math" panose="02040503050406030204" pitchFamily="18" charset="0"/>
+                                        <a:ea typeface="Cambria Math" panose="02040503050406030204" pitchFamily="18" charset="0"/>
+                                      </a:rPr>
+                                      <m:t>𝑻</m:t>
+                                    </m:r>
+                                  </m:e>
+                                  <m:sub>
+                                    <m:r>
+                                      <a:rPr lang="de-DE" b="1" i="1" smtClean="0">
+                                        <a:latin typeface="Cambria Math" panose="02040503050406030204" pitchFamily="18" charset="0"/>
+                                        <a:ea typeface="Cambria Math" panose="02040503050406030204" pitchFamily="18" charset="0"/>
+                                      </a:rPr>
+                                      <m:t>𝒕</m:t>
+                                    </m:r>
+                                  </m:sub>
+                                </m:sSub>
+                                <m:r>
+                                  <a:rPr lang="de-DE" b="1" i="1" smtClean="0">
+                                    <a:latin typeface="Cambria Math" panose="02040503050406030204" pitchFamily="18" charset="0"/>
+                                    <a:ea typeface="Cambria Math" panose="02040503050406030204" pitchFamily="18" charset="0"/>
+                                  </a:rPr>
+                                  <m:t>  [</m:t>
+                                </m:r>
+                                <m:r>
+                                  <a:rPr lang="de-DE" b="1" i="1" smtClean="0">
+                                    <a:latin typeface="Cambria Math" panose="02040503050406030204" pitchFamily="18" charset="0"/>
+                                    <a:ea typeface="Cambria Math" panose="02040503050406030204" pitchFamily="18" charset="0"/>
+                                  </a:rPr>
+                                  <m:t>𝑲</m:t>
+                                </m:r>
+                                <m:r>
+                                  <a:rPr lang="de-DE" b="1" i="1" smtClean="0">
+                                    <a:latin typeface="Cambria Math" panose="02040503050406030204" pitchFamily="18" charset="0"/>
+                                    <a:ea typeface="Cambria Math" panose="02040503050406030204" pitchFamily="18" charset="0"/>
+                                  </a:rPr>
+                                  <m:t>]</m:t>
+                                </m:r>
+                              </m:oMath>
+                            </m:oMathPara>
+                          </a14:m>
+                          <a:endParaRPr lang="de-DE" dirty="0"/>
+                        </a:p>
+                      </a:txBody>
+                      <a:tcPr anchor="ctr"/>
+                    </a:tc>
+                    <a:extLst>
+                      <a:ext uri="{0D108BD9-81ED-4DB2-BD59-A6C34878D82A}">
+                        <a16:rowId xmlns:a16="http://schemas.microsoft.com/office/drawing/2014/main" xmlns="" val="10000"/>
+                      </a:ext>
+                    </a:extLst>
+                  </a:tr>
+                  <a:tr h="510002">
+                    <a:tc>
+                      <a:txBody>
+                        <a:bodyPr/>
+                        <a:lstStyle/>
+                        <a:p>
+                          <a:r>
+                            <a:rPr lang="de-DE" dirty="0" smtClean="0"/>
+                            <a:t>Normal</a:t>
+                          </a:r>
+                          <a:endParaRPr lang="de-DE" dirty="0"/>
+                        </a:p>
+                      </a:txBody>
+                      <a:tcPr/>
+                    </a:tc>
+                    <a:tc>
+                      <a:txBody>
+                        <a:bodyPr/>
+                        <a:lstStyle/>
+                        <a:p>
+                          <a:r>
+                            <a:rPr lang="de-DE" dirty="0" smtClean="0"/>
+                            <a:t>+1,252e-05</a:t>
+                          </a:r>
+                          <a:endParaRPr lang="de-DE" dirty="0"/>
+                        </a:p>
+                      </a:txBody>
+                      <a:tcPr/>
+                    </a:tc>
+                    <a:tc>
+                      <a:txBody>
+                        <a:bodyPr/>
+                        <a:lstStyle/>
+                        <a:p>
+                          <a:r>
+                            <a:rPr lang="de-DE" dirty="0" smtClean="0"/>
+                            <a:t>-40,04</a:t>
+                          </a:r>
+                          <a:endParaRPr lang="de-DE" dirty="0"/>
+                        </a:p>
+                      </a:txBody>
+                      <a:tcPr/>
+                    </a:tc>
+                    <a:tc>
+                      <a:txBody>
+                        <a:bodyPr/>
+                        <a:lstStyle/>
+                        <a:p>
+                          <a:r>
+                            <a:rPr lang="de-DE" dirty="0" smtClean="0"/>
+                            <a:t>+0,043</a:t>
+                          </a:r>
+                          <a:endParaRPr lang="de-DE" dirty="0"/>
+                        </a:p>
+                      </a:txBody>
+                      <a:tcPr/>
+                    </a:tc>
+                    <a:extLst>
+                      <a:ext uri="{0D108BD9-81ED-4DB2-BD59-A6C34878D82A}">
+                        <a16:rowId xmlns:a16="http://schemas.microsoft.com/office/drawing/2014/main" xmlns="" val="10001"/>
+                      </a:ext>
+                    </a:extLst>
+                  </a:tr>
+                  <a:tr h="510002">
+                    <a:tc>
+                      <a:txBody>
+                        <a:bodyPr/>
+                        <a:lstStyle/>
+                        <a:p>
+                          <a:r>
+                            <a:rPr lang="de-DE" dirty="0" smtClean="0"/>
+                            <a:t>Schräg</a:t>
+                          </a:r>
+                          <a:endParaRPr lang="de-DE" dirty="0"/>
+                        </a:p>
+                      </a:txBody>
+                      <a:tcPr/>
+                    </a:tc>
+                    <a:tc>
+                      <a:txBody>
+                        <a:bodyPr/>
+                        <a:lstStyle/>
+                        <a:p>
+                          <a:r>
+                            <a:rPr lang="de-DE" sz="1800" kern="1200" dirty="0" smtClean="0">
+                              <a:solidFill>
+                                <a:schemeClr val="dk1"/>
+                              </a:solidFill>
+                              <a:effectLst/>
+                              <a:latin typeface="+mn-lt"/>
+                              <a:ea typeface="+mn-ea"/>
+                              <a:cs typeface="+mn-cs"/>
+                            </a:rPr>
+                            <a:t>-7,368e-06</a:t>
+                          </a:r>
+                          <a:endParaRPr lang="de-DE" dirty="0"/>
+                        </a:p>
+                      </a:txBody>
+                      <a:tcPr/>
+                    </a:tc>
+                    <a:tc>
+                      <a:txBody>
+                        <a:bodyPr/>
+                        <a:lstStyle/>
+                        <a:p>
+                          <a:r>
+                            <a:rPr lang="de-DE" dirty="0" smtClean="0"/>
+                            <a:t>-35,45</a:t>
+                          </a:r>
+                          <a:endParaRPr lang="de-DE" dirty="0"/>
+                        </a:p>
+                      </a:txBody>
+                      <a:tcPr/>
+                    </a:tc>
+                    <a:tc>
+                      <a:txBody>
+                        <a:bodyPr/>
+                        <a:lstStyle/>
+                        <a:p>
+                          <a:r>
+                            <a:rPr lang="de-DE" dirty="0" smtClean="0"/>
+                            <a:t>+0,026</a:t>
+                          </a:r>
+                          <a:endParaRPr lang="de-DE" dirty="0"/>
+                        </a:p>
+                      </a:txBody>
+                      <a:tcPr/>
+                    </a:tc>
+                    <a:extLst>
+                      <a:ext uri="{0D108BD9-81ED-4DB2-BD59-A6C34878D82A}">
+                        <a16:rowId xmlns:a16="http://schemas.microsoft.com/office/drawing/2014/main" xmlns="" val="10002"/>
+                      </a:ext>
+                    </a:extLst>
+                  </a:tr>
+                  <a:tr h="510002">
+                    <a:tc>
+                      <a:txBody>
+                        <a:bodyPr/>
+                        <a:lstStyle/>
+                        <a:p>
+                          <a:r>
+                            <a:rPr lang="de-DE" dirty="0" smtClean="0"/>
+                            <a:t>Inhomogene</a:t>
+                          </a:r>
+                          <a:r>
+                            <a:rPr lang="de-DE" baseline="0" dirty="0" smtClean="0"/>
+                            <a:t> Temperatur</a:t>
+                          </a:r>
+                          <a:endParaRPr lang="de-DE" dirty="0"/>
+                        </a:p>
+                      </a:txBody>
+                      <a:tcPr/>
+                    </a:tc>
+                    <a:tc>
+                      <a:txBody>
+                        <a:bodyPr/>
+                        <a:lstStyle/>
+                        <a:p>
+                          <a:r>
+                            <a:rPr lang="de-DE" sz="1800" kern="1200" dirty="0" smtClean="0">
+                              <a:solidFill>
+                                <a:schemeClr val="dk1"/>
+                              </a:solidFill>
+                              <a:effectLst/>
+                              <a:latin typeface="+mn-lt"/>
+                              <a:ea typeface="+mn-ea"/>
+                              <a:cs typeface="+mn-cs"/>
+                            </a:rPr>
+                            <a:t>+1,078e-06</a:t>
+                          </a:r>
+                          <a:endParaRPr lang="de-DE" dirty="0"/>
+                        </a:p>
+                      </a:txBody>
+                      <a:tcPr/>
+                    </a:tc>
+                    <a:tc>
+                      <a:txBody>
+                        <a:bodyPr/>
+                        <a:lstStyle/>
+                        <a:p>
+                          <a:r>
+                            <a:rPr lang="de-DE" dirty="0" smtClean="0"/>
+                            <a:t>+10,36</a:t>
+                          </a:r>
+                          <a:endParaRPr lang="de-DE" dirty="0"/>
+                        </a:p>
+                      </a:txBody>
+                      <a:tcPr/>
+                    </a:tc>
+                    <a:tc>
+                      <a:txBody>
+                        <a:bodyPr/>
+                        <a:lstStyle/>
+                        <a:p>
+                          <a:r>
+                            <a:rPr lang="de-DE" dirty="0" smtClean="0"/>
+                            <a:t>+0,794</a:t>
+                          </a:r>
+                          <a:endParaRPr lang="de-DE" dirty="0"/>
+                        </a:p>
+                      </a:txBody>
+                      <a:tcPr/>
+                    </a:tc>
+                    <a:extLst>
+                      <a:ext uri="{0D108BD9-81ED-4DB2-BD59-A6C34878D82A}">
+                        <a16:rowId xmlns:a16="http://schemas.microsoft.com/office/drawing/2014/main" xmlns="" val="10003"/>
+                      </a:ext>
+                    </a:extLst>
+                  </a:tr>
+                  <a:tr h="510002">
+                    <a:tc>
+                      <a:txBody>
+                        <a:bodyPr/>
+                        <a:lstStyle/>
+                        <a:p>
+                          <a:r>
+                            <a:rPr lang="de-DE" dirty="0" smtClean="0"/>
+                            <a:t>Drall</a:t>
+                          </a:r>
+                          <a:endParaRPr lang="de-DE" dirty="0"/>
+                        </a:p>
+                      </a:txBody>
+                      <a:tcPr/>
+                    </a:tc>
+                    <a:tc>
+                      <a:txBody>
+                        <a:bodyPr/>
+                        <a:lstStyle/>
+                        <a:p>
+                          <a:r>
+                            <a:rPr lang="de-DE" sz="1800" kern="1200" dirty="0" smtClean="0">
+                              <a:solidFill>
+                                <a:schemeClr val="dk1"/>
+                              </a:solidFill>
+                              <a:effectLst/>
+                              <a:latin typeface="+mn-lt"/>
+                              <a:ea typeface="+mn-ea"/>
+                              <a:cs typeface="+mn-cs"/>
+                            </a:rPr>
+                            <a:t>+9.611e-06</a:t>
+                          </a:r>
+                          <a:endParaRPr lang="de-DE" dirty="0"/>
+                        </a:p>
+                      </a:txBody>
+                      <a:tcPr/>
+                    </a:tc>
+                    <a:tc>
+                      <a:txBody>
+                        <a:bodyPr/>
+                        <a:lstStyle/>
+                        <a:p>
+                          <a:r>
+                            <a:rPr lang="de-DE" dirty="0" smtClean="0"/>
+                            <a:t>+20.17</a:t>
+                          </a:r>
+                          <a:endParaRPr lang="de-DE" dirty="0"/>
+                        </a:p>
+                      </a:txBody>
+                      <a:tcPr/>
+                    </a:tc>
+                    <a:tc>
+                      <a:txBody>
+                        <a:bodyPr/>
+                        <a:lstStyle/>
+                        <a:p>
+                          <a:r>
+                            <a:rPr lang="de-DE" dirty="0" smtClean="0"/>
+                            <a:t>+0.012</a:t>
+                          </a:r>
+                          <a:endParaRPr lang="de-DE" dirty="0"/>
+                        </a:p>
+                      </a:txBody>
+                      <a:tcPr/>
+                    </a:tc>
+                    <a:extLst>
+                      <a:ext uri="{0D108BD9-81ED-4DB2-BD59-A6C34878D82A}">
+                        <a16:rowId xmlns:a16="http://schemas.microsoft.com/office/drawing/2014/main" xmlns="" val="10004"/>
+                      </a:ext>
+                    </a:extLst>
+                  </a:tr>
+                  <a:tr h="510002">
+                    <a:tc>
+                      <a:txBody>
+                        <a:bodyPr/>
+                        <a:lstStyle/>
+                        <a:p>
+                          <a:r>
+                            <a:rPr lang="de-DE" dirty="0" smtClean="0"/>
+                            <a:t>Drall</a:t>
+                          </a:r>
+                          <a:r>
+                            <a:rPr lang="de-DE" baseline="0" dirty="0" smtClean="0"/>
+                            <a:t> + Inhomogene Temperatur</a:t>
+                          </a:r>
+                          <a:endParaRPr lang="de-DE" dirty="0"/>
+                        </a:p>
+                      </a:txBody>
+                      <a:tcPr/>
+                    </a:tc>
+                    <a:tc>
+                      <a:txBody>
+                        <a:bodyPr/>
+                        <a:lstStyle/>
+                        <a:p>
+                          <a:r>
+                            <a:rPr lang="de-DE" sz="1800" kern="1200" dirty="0" smtClean="0">
+                              <a:solidFill>
+                                <a:schemeClr val="dk1"/>
+                              </a:solidFill>
+                              <a:effectLst/>
+                              <a:latin typeface="+mn-lt"/>
+                              <a:ea typeface="+mn-ea"/>
+                              <a:cs typeface="+mn-cs"/>
+                            </a:rPr>
+                            <a:t>-1,051e-05</a:t>
+                          </a:r>
+                          <a:endParaRPr lang="de-DE" dirty="0"/>
+                        </a:p>
+                      </a:txBody>
+                      <a:tcPr/>
+                    </a:tc>
+                    <a:tc>
+                      <a:txBody>
+                        <a:bodyPr/>
+                        <a:lstStyle/>
+                        <a:p>
+                          <a:r>
+                            <a:rPr lang="de-DE" dirty="0" smtClean="0"/>
+                            <a:t>-38,59</a:t>
+                          </a:r>
+                          <a:endParaRPr lang="de-DE" dirty="0"/>
+                        </a:p>
+                      </a:txBody>
+                      <a:tcPr/>
+                    </a:tc>
+                    <a:tc>
+                      <a:txBody>
+                        <a:bodyPr/>
+                        <a:lstStyle/>
+                        <a:p>
+                          <a:r>
+                            <a:rPr lang="de-DE" dirty="0" smtClean="0"/>
+                            <a:t>+1,764</a:t>
+                          </a:r>
+                          <a:endParaRPr lang="de-DE" dirty="0"/>
+                        </a:p>
+                      </a:txBody>
+                      <a:tcPr/>
+                    </a:tc>
+                    <a:extLst>
+                      <a:ext uri="{0D108BD9-81ED-4DB2-BD59-A6C34878D82A}">
+                        <a16:rowId xmlns:a16="http://schemas.microsoft.com/office/drawing/2014/main" xmlns="" val="10005"/>
+                      </a:ext>
+                    </a:extLst>
+                  </a:tr>
+                </a:tbl>
+              </a:graphicData>
+            </a:graphic>
+          </p:graphicFrame>
+        </mc:Choice>
+        <mc:Fallback>
+          <p:graphicFrame>
+            <p:nvGraphicFramePr>
+              <p:cNvPr id="4" name="Inhaltsplatzhalter 3"/>
+              <p:cNvGraphicFramePr>
+                <a:graphicFrameLocks/>
+              </p:cNvGraphicFramePr>
+              <p:nvPr>
+                <p:extLst>
+                  <p:ext uri="{D42A27DB-BD31-4B8C-83A1-F6EECF244321}">
+                    <p14:modId xmlns:p14="http://schemas.microsoft.com/office/powerpoint/2010/main" val="138222847"/>
+                  </p:ext>
+                </p:extLst>
+              </p:nvPr>
+            </p:nvGraphicFramePr>
+            <p:xfrm>
+              <a:off x="251520" y="1628800"/>
+              <a:ext cx="8640960" cy="3560365"/>
+            </p:xfrm>
+            <a:graphic>
+              <a:graphicData uri="http://schemas.openxmlformats.org/drawingml/2006/table">
+                <a:tbl>
+                  <a:tblPr firstRow="1" firstCol="1" bandRow="1">
+                    <a:tableStyleId>{93296810-A885-4BE3-A3E7-6D5BEEA58F35}</a:tableStyleId>
+                  </a:tblPr>
+                  <a:tblGrid>
+                    <a:gridCol w="2880320">
+                      <a:extLst>
+                        <a:ext uri="{9D8B030D-6E8A-4147-A177-3AD203B41FA5}">
+                          <a16:colId xmlns:a16="http://schemas.microsoft.com/office/drawing/2014/main" xmlns="" val="20000"/>
+                        </a:ext>
+                      </a:extLst>
+                    </a:gridCol>
+                    <a:gridCol w="2016224">
+                      <a:extLst>
+                        <a:ext uri="{9D8B030D-6E8A-4147-A177-3AD203B41FA5}">
+                          <a16:colId xmlns:a16="http://schemas.microsoft.com/office/drawing/2014/main" xmlns="" val="20001"/>
+                        </a:ext>
+                      </a:extLst>
+                    </a:gridCol>
+                    <a:gridCol w="1584176"/>
+                    <a:gridCol w="2160240"/>
+                  </a:tblGrid>
+                  <a:tr h="880277">
+                    <a:tc>
+                      <a:txBody>
+                        <a:bodyPr/>
+                        <a:lstStyle/>
+                        <a:p>
+                          <a:r>
+                            <a:rPr lang="de-DE" dirty="0" smtClean="0"/>
+                            <a:t>Einstromrandbedingung</a:t>
+                          </a:r>
+                          <a:endParaRPr lang="de-DE" dirty="0"/>
+                        </a:p>
+                      </a:txBody>
+                      <a:tcPr anchor="ctr"/>
+                    </a:tc>
+                    <a:tc>
+                      <a:txBody>
+                        <a:bodyPr/>
+                        <a:lstStyle/>
+                        <a:p>
+                          <a:endParaRPr lang="de-DE"/>
+                        </a:p>
+                      </a:txBody>
+                      <a:tcPr anchor="ctr">
+                        <a:blipFill rotWithShape="0">
+                          <a:blip r:embed="rId3"/>
+                          <a:stretch>
+                            <a:fillRect l="-143202" t="-690" r="-186707" b="-313793"/>
+                          </a:stretch>
+                        </a:blipFill>
+                      </a:tcPr>
+                    </a:tc>
+                    <a:tc>
+                      <a:txBody>
+                        <a:bodyPr/>
+                        <a:lstStyle/>
+                        <a:p>
+                          <a:endParaRPr lang="de-DE"/>
+                        </a:p>
+                      </a:txBody>
+                      <a:tcPr anchor="ctr">
+                        <a:blipFill rotWithShape="0">
+                          <a:blip r:embed="rId3"/>
+                          <a:stretch>
+                            <a:fillRect l="-309615" t="-690" r="-137692" b="-313793"/>
+                          </a:stretch>
+                        </a:blipFill>
+                      </a:tcPr>
+                    </a:tc>
+                    <a:tc>
+                      <a:txBody>
+                        <a:bodyPr/>
+                        <a:lstStyle/>
+                        <a:p>
+                          <a:endParaRPr lang="de-DE"/>
+                        </a:p>
+                      </a:txBody>
+                      <a:tcPr anchor="ctr">
+                        <a:blipFill rotWithShape="0">
+                          <a:blip r:embed="rId3"/>
+                          <a:stretch>
+                            <a:fillRect l="-300847" t="-690" r="-1130" b="-313793"/>
+                          </a:stretch>
+                        </a:blipFill>
+                      </a:tcPr>
+                    </a:tc>
+                    <a:extLst>
+                      <a:ext uri="{0D108BD9-81ED-4DB2-BD59-A6C34878D82A}">
+                        <a16:rowId xmlns:a16="http://schemas.microsoft.com/office/drawing/2014/main" xmlns="" val="10000"/>
+                      </a:ext>
+                    </a:extLst>
+                  </a:tr>
+                  <a:tr h="510002">
+                    <a:tc>
+                      <a:txBody>
+                        <a:bodyPr/>
+                        <a:lstStyle/>
+                        <a:p>
+                          <a:r>
+                            <a:rPr lang="de-DE" dirty="0" smtClean="0"/>
+                            <a:t>Normal</a:t>
+                          </a:r>
+                          <a:endParaRPr lang="de-DE" dirty="0"/>
+                        </a:p>
+                      </a:txBody>
+                      <a:tcPr/>
+                    </a:tc>
+                    <a:tc>
+                      <a:txBody>
+                        <a:bodyPr/>
+                        <a:lstStyle/>
+                        <a:p>
+                          <a:r>
+                            <a:rPr lang="de-DE" dirty="0" smtClean="0"/>
+                            <a:t>+1,252e-05</a:t>
+                          </a:r>
+                          <a:endParaRPr lang="de-DE" dirty="0"/>
+                        </a:p>
+                      </a:txBody>
+                      <a:tcPr/>
+                    </a:tc>
+                    <a:tc>
+                      <a:txBody>
+                        <a:bodyPr/>
+                        <a:lstStyle/>
+                        <a:p>
+                          <a:r>
+                            <a:rPr lang="de-DE" dirty="0" smtClean="0"/>
+                            <a:t>-40,04</a:t>
+                          </a:r>
+                          <a:endParaRPr lang="de-DE" dirty="0"/>
+                        </a:p>
+                      </a:txBody>
+                      <a:tcPr/>
+                    </a:tc>
+                    <a:tc>
+                      <a:txBody>
+                        <a:bodyPr/>
+                        <a:lstStyle/>
+                        <a:p>
+                          <a:r>
+                            <a:rPr lang="de-DE" dirty="0" smtClean="0"/>
+                            <a:t>+0,043</a:t>
+                          </a:r>
+                          <a:endParaRPr lang="de-DE" dirty="0"/>
+                        </a:p>
+                      </a:txBody>
+                      <a:tcPr/>
+                    </a:tc>
+                    <a:extLst>
+                      <a:ext uri="{0D108BD9-81ED-4DB2-BD59-A6C34878D82A}">
+                        <a16:rowId xmlns:a16="http://schemas.microsoft.com/office/drawing/2014/main" xmlns="" val="10001"/>
+                      </a:ext>
+                    </a:extLst>
+                  </a:tr>
+                  <a:tr h="510002">
+                    <a:tc>
+                      <a:txBody>
+                        <a:bodyPr/>
+                        <a:lstStyle/>
+                        <a:p>
+                          <a:r>
+                            <a:rPr lang="de-DE" dirty="0" smtClean="0"/>
+                            <a:t>Schräg</a:t>
+                          </a:r>
+                          <a:endParaRPr lang="de-DE" dirty="0"/>
+                        </a:p>
+                      </a:txBody>
+                      <a:tcPr/>
+                    </a:tc>
+                    <a:tc>
+                      <a:txBody>
+                        <a:bodyPr/>
+                        <a:lstStyle/>
+                        <a:p>
+                          <a:r>
+                            <a:rPr lang="de-DE" sz="1800" kern="1200" dirty="0" smtClean="0">
+                              <a:solidFill>
+                                <a:schemeClr val="dk1"/>
+                              </a:solidFill>
+                              <a:effectLst/>
+                              <a:latin typeface="+mn-lt"/>
+                              <a:ea typeface="+mn-ea"/>
+                              <a:cs typeface="+mn-cs"/>
+                            </a:rPr>
+                            <a:t>-7,368e-06</a:t>
+                          </a:r>
+                          <a:endParaRPr lang="de-DE" dirty="0"/>
+                        </a:p>
+                      </a:txBody>
+                      <a:tcPr/>
+                    </a:tc>
+                    <a:tc>
+                      <a:txBody>
+                        <a:bodyPr/>
+                        <a:lstStyle/>
+                        <a:p>
+                          <a:r>
+                            <a:rPr lang="de-DE" dirty="0" smtClean="0"/>
+                            <a:t>-35,45</a:t>
+                          </a:r>
+                          <a:endParaRPr lang="de-DE" dirty="0"/>
+                        </a:p>
+                      </a:txBody>
+                      <a:tcPr/>
+                    </a:tc>
+                    <a:tc>
+                      <a:txBody>
+                        <a:bodyPr/>
+                        <a:lstStyle/>
+                        <a:p>
+                          <a:r>
+                            <a:rPr lang="de-DE" dirty="0" smtClean="0"/>
+                            <a:t>+0,026</a:t>
+                          </a:r>
+                          <a:endParaRPr lang="de-DE" dirty="0"/>
+                        </a:p>
+                      </a:txBody>
+                      <a:tcPr/>
+                    </a:tc>
+                    <a:extLst>
+                      <a:ext uri="{0D108BD9-81ED-4DB2-BD59-A6C34878D82A}">
+                        <a16:rowId xmlns:a16="http://schemas.microsoft.com/office/drawing/2014/main" xmlns="" val="10002"/>
+                      </a:ext>
+                    </a:extLst>
+                  </a:tr>
+                  <a:tr h="510002">
+                    <a:tc>
+                      <a:txBody>
+                        <a:bodyPr/>
+                        <a:lstStyle/>
+                        <a:p>
+                          <a:r>
+                            <a:rPr lang="de-DE" dirty="0" smtClean="0"/>
+                            <a:t>Inhomogene</a:t>
+                          </a:r>
+                          <a:r>
+                            <a:rPr lang="de-DE" baseline="0" dirty="0" smtClean="0"/>
+                            <a:t> Temperatur</a:t>
+                          </a:r>
+                          <a:endParaRPr lang="de-DE" dirty="0"/>
+                        </a:p>
+                      </a:txBody>
+                      <a:tcPr/>
+                    </a:tc>
+                    <a:tc>
+                      <a:txBody>
+                        <a:bodyPr/>
+                        <a:lstStyle/>
+                        <a:p>
+                          <a:r>
+                            <a:rPr lang="de-DE" sz="1800" kern="1200" dirty="0" smtClean="0">
+                              <a:solidFill>
+                                <a:schemeClr val="dk1"/>
+                              </a:solidFill>
+                              <a:effectLst/>
+                              <a:latin typeface="+mn-lt"/>
+                              <a:ea typeface="+mn-ea"/>
+                              <a:cs typeface="+mn-cs"/>
+                            </a:rPr>
+                            <a:t>+1,078e-06</a:t>
+                          </a:r>
+                          <a:endParaRPr lang="de-DE" dirty="0"/>
+                        </a:p>
+                      </a:txBody>
+                      <a:tcPr/>
+                    </a:tc>
+                    <a:tc>
+                      <a:txBody>
+                        <a:bodyPr/>
+                        <a:lstStyle/>
+                        <a:p>
+                          <a:r>
+                            <a:rPr lang="de-DE" dirty="0" smtClean="0"/>
+                            <a:t>+10,36</a:t>
+                          </a:r>
+                          <a:endParaRPr lang="de-DE" dirty="0"/>
+                        </a:p>
+                      </a:txBody>
+                      <a:tcPr/>
+                    </a:tc>
+                    <a:tc>
+                      <a:txBody>
+                        <a:bodyPr/>
+                        <a:lstStyle/>
+                        <a:p>
+                          <a:r>
+                            <a:rPr lang="de-DE" dirty="0" smtClean="0"/>
+                            <a:t>+0,794</a:t>
+                          </a:r>
+                          <a:endParaRPr lang="de-DE" dirty="0"/>
+                        </a:p>
+                      </a:txBody>
+                      <a:tcPr/>
+                    </a:tc>
+                    <a:extLst>
+                      <a:ext uri="{0D108BD9-81ED-4DB2-BD59-A6C34878D82A}">
+                        <a16:rowId xmlns:a16="http://schemas.microsoft.com/office/drawing/2014/main" xmlns="" val="10003"/>
+                      </a:ext>
+                    </a:extLst>
+                  </a:tr>
+                  <a:tr h="510002">
+                    <a:tc>
+                      <a:txBody>
+                        <a:bodyPr/>
+                        <a:lstStyle/>
+                        <a:p>
+                          <a:r>
+                            <a:rPr lang="de-DE" dirty="0" smtClean="0"/>
+                            <a:t>Drall</a:t>
+                          </a:r>
+                          <a:endParaRPr lang="de-DE" dirty="0"/>
+                        </a:p>
+                      </a:txBody>
+                      <a:tcPr/>
+                    </a:tc>
+                    <a:tc>
+                      <a:txBody>
+                        <a:bodyPr/>
+                        <a:lstStyle/>
+                        <a:p>
+                          <a:r>
+                            <a:rPr lang="de-DE" sz="1800" kern="1200" dirty="0" smtClean="0">
+                              <a:solidFill>
+                                <a:schemeClr val="dk1"/>
+                              </a:solidFill>
+                              <a:effectLst/>
+                              <a:latin typeface="+mn-lt"/>
+                              <a:ea typeface="+mn-ea"/>
+                              <a:cs typeface="+mn-cs"/>
+                            </a:rPr>
+                            <a:t>+9.611e-06</a:t>
+                          </a:r>
+                          <a:endParaRPr lang="de-DE" dirty="0"/>
+                        </a:p>
+                      </a:txBody>
+                      <a:tcPr/>
+                    </a:tc>
+                    <a:tc>
+                      <a:txBody>
+                        <a:bodyPr/>
+                        <a:lstStyle/>
+                        <a:p>
+                          <a:r>
+                            <a:rPr lang="de-DE" dirty="0" smtClean="0"/>
+                            <a:t>+20.17</a:t>
+                          </a:r>
+                          <a:endParaRPr lang="de-DE" dirty="0"/>
+                        </a:p>
+                      </a:txBody>
+                      <a:tcPr/>
+                    </a:tc>
+                    <a:tc>
+                      <a:txBody>
+                        <a:bodyPr/>
+                        <a:lstStyle/>
+                        <a:p>
+                          <a:r>
+                            <a:rPr lang="de-DE" dirty="0" smtClean="0"/>
+                            <a:t>+0.012</a:t>
+                          </a:r>
+                          <a:endParaRPr lang="de-DE" dirty="0"/>
+                        </a:p>
+                      </a:txBody>
+                      <a:tcPr/>
+                    </a:tc>
+                    <a:extLst>
+                      <a:ext uri="{0D108BD9-81ED-4DB2-BD59-A6C34878D82A}">
+                        <a16:rowId xmlns:a16="http://schemas.microsoft.com/office/drawing/2014/main" xmlns="" val="10004"/>
+                      </a:ext>
+                    </a:extLst>
+                  </a:tr>
+                  <a:tr h="640080">
+                    <a:tc>
+                      <a:txBody>
+                        <a:bodyPr/>
+                        <a:lstStyle/>
+                        <a:p>
+                          <a:r>
+                            <a:rPr lang="de-DE" dirty="0" smtClean="0"/>
+                            <a:t>Drall</a:t>
+                          </a:r>
+                          <a:r>
+                            <a:rPr lang="de-DE" baseline="0" dirty="0" smtClean="0"/>
+                            <a:t> + Inhomogene Temperatur</a:t>
+                          </a:r>
+                          <a:endParaRPr lang="de-DE" dirty="0"/>
+                        </a:p>
+                      </a:txBody>
+                      <a:tcPr/>
+                    </a:tc>
+                    <a:tc>
+                      <a:txBody>
+                        <a:bodyPr/>
+                        <a:lstStyle/>
+                        <a:p>
+                          <a:r>
+                            <a:rPr lang="de-DE" sz="1800" kern="1200" dirty="0" smtClean="0">
+                              <a:solidFill>
+                                <a:schemeClr val="dk1"/>
+                              </a:solidFill>
+                              <a:effectLst/>
+                              <a:latin typeface="+mn-lt"/>
+                              <a:ea typeface="+mn-ea"/>
+                              <a:cs typeface="+mn-cs"/>
+                            </a:rPr>
+                            <a:t>-1,051e-05</a:t>
+                          </a:r>
+                          <a:endParaRPr lang="de-DE" dirty="0"/>
+                        </a:p>
+                      </a:txBody>
+                      <a:tcPr/>
+                    </a:tc>
+                    <a:tc>
+                      <a:txBody>
+                        <a:bodyPr/>
+                        <a:lstStyle/>
+                        <a:p>
+                          <a:r>
+                            <a:rPr lang="de-DE" dirty="0" smtClean="0"/>
+                            <a:t>-38,59</a:t>
+                          </a:r>
+                          <a:endParaRPr lang="de-DE" dirty="0"/>
+                        </a:p>
+                      </a:txBody>
+                      <a:tcPr/>
+                    </a:tc>
+                    <a:tc>
+                      <a:txBody>
+                        <a:bodyPr/>
+                        <a:lstStyle/>
+                        <a:p>
+                          <a:r>
+                            <a:rPr lang="de-DE" dirty="0" smtClean="0"/>
+                            <a:t>+1,764</a:t>
+                          </a:r>
+                          <a:endParaRPr lang="de-DE" dirty="0"/>
+                        </a:p>
+                      </a:txBody>
+                      <a:tcPr/>
+                    </a:tc>
+                    <a:extLst>
+                      <a:ext uri="{0D108BD9-81ED-4DB2-BD59-A6C34878D82A}">
+                        <a16:rowId xmlns:a16="http://schemas.microsoft.com/office/drawing/2014/main" xmlns="" val="10005"/>
+                      </a:ext>
+                    </a:extLst>
+                  </a:tr>
+                </a:tbl>
+              </a:graphicData>
+            </a:graphic>
+          </p:graphicFrame>
+        </mc:Fallback>
+      </mc:AlternateContent>
     </p:spTree>
     <p:extLst>
       <p:ext uri="{BB962C8B-B14F-4D97-AF65-F5344CB8AC3E}">
@@ -7171,6 +9315,13 @@
   <p:clrMapOvr>
     <a:masterClrMapping/>
   </p:clrMapOvr>
+  <p:timing>
+    <p:tnLst>
+      <p:par>
+        <p:cTn id="1" dur="indefinite" restart="never" nodeType="tmRoot"/>
+      </p:par>
+    </p:tnLst>
+  </p:timing>
 </p:sld>
 </file>
 
@@ -7196,7 +9347,7 @@
           <p:cNvPr id="2" name="Titel 1">
             <a:extLst>
               <a:ext uri="{FF2B5EF4-FFF2-40B4-BE49-F238E27FC236}">
-                <a16:creationId xmlns:a16="http://schemas.microsoft.com/office/drawing/2014/main" id="{D329A526-CE1D-48AD-8C37-10B31DD1A94A}"/>
+                <a16:creationId xmlns:a16="http://schemas.microsoft.com/office/drawing/2014/main" xmlns="" id="{D329A526-CE1D-48AD-8C37-10B31DD1A94A}"/>
               </a:ext>
             </a:extLst>
           </p:cNvPr>
@@ -7224,7 +9375,7 @@
           <p:cNvPr id="3" name="Inhaltsplatzhalter 2">
             <a:extLst>
               <a:ext uri="{FF2B5EF4-FFF2-40B4-BE49-F238E27FC236}">
-                <a16:creationId xmlns:a16="http://schemas.microsoft.com/office/drawing/2014/main" id="{BA4C428F-6F17-477B-9503-2C9FE4D7286D}"/>
+                <a16:creationId xmlns:a16="http://schemas.microsoft.com/office/drawing/2014/main" xmlns="" id="{BA4C428F-6F17-477B-9503-2C9FE4D7286D}"/>
               </a:ext>
             </a:extLst>
           </p:cNvPr>
@@ -7271,6 +9422,13 @@
   <p:clrMapOvr>
     <a:masterClrMapping/>
   </p:clrMapOvr>
+  <p:timing>
+    <p:tnLst>
+      <p:par>
+        <p:cTn id="1" dur="indefinite" restart="never" nodeType="tmRoot"/>
+      </p:par>
+    </p:tnLst>
+  </p:timing>
 </p:sld>
 </file>
 
@@ -7296,7 +9454,7 @@
           <p:cNvPr id="2" name="Titel 1">
             <a:extLst>
               <a:ext uri="{FF2B5EF4-FFF2-40B4-BE49-F238E27FC236}">
-                <a16:creationId xmlns:a16="http://schemas.microsoft.com/office/drawing/2014/main" id="{8643BECD-9FC8-4139-AF9D-AAB9BD9ABF1F}"/>
+                <a16:creationId xmlns:a16="http://schemas.microsoft.com/office/drawing/2014/main" xmlns="" id="{8643BECD-9FC8-4139-AF9D-AAB9BD9ABF1F}"/>
               </a:ext>
             </a:extLst>
           </p:cNvPr>
@@ -7324,7 +9482,7 @@
           <p:cNvPr id="3" name="Inhaltsplatzhalter 2">
             <a:extLst>
               <a:ext uri="{FF2B5EF4-FFF2-40B4-BE49-F238E27FC236}">
-                <a16:creationId xmlns:a16="http://schemas.microsoft.com/office/drawing/2014/main" id="{E42A3100-1EC4-4CA1-8073-DBF9AE2DE022}"/>
+                <a16:creationId xmlns:a16="http://schemas.microsoft.com/office/drawing/2014/main" xmlns="" id="{E42A3100-1EC4-4CA1-8073-DBF9AE2DE022}"/>
               </a:ext>
             </a:extLst>
           </p:cNvPr>
@@ -7382,7 +9540,7 @@
           <p:cNvPr id="2" name="Titel 1">
             <a:extLst>
               <a:ext uri="{FF2B5EF4-FFF2-40B4-BE49-F238E27FC236}">
-                <a16:creationId xmlns:a16="http://schemas.microsoft.com/office/drawing/2014/main" id="{A6803A1C-048A-4BD5-BB5C-6AD0F129ECC9}"/>
+                <a16:creationId xmlns:a16="http://schemas.microsoft.com/office/drawing/2014/main" xmlns="" id="{A6803A1C-048A-4BD5-BB5C-6AD0F129ECC9}"/>
               </a:ext>
             </a:extLst>
           </p:cNvPr>
@@ -7410,7 +9568,7 @@
           <p:cNvPr id="3" name="Inhaltsplatzhalter 2">
             <a:extLst>
               <a:ext uri="{FF2B5EF4-FFF2-40B4-BE49-F238E27FC236}">
-                <a16:creationId xmlns:a16="http://schemas.microsoft.com/office/drawing/2014/main" id="{13708A06-7247-4796-B127-BA1268EFB4F0}"/>
+                <a16:creationId xmlns:a16="http://schemas.microsoft.com/office/drawing/2014/main" xmlns="" id="{13708A06-7247-4796-B127-BA1268EFB4F0}"/>
               </a:ext>
             </a:extLst>
           </p:cNvPr>
@@ -7755,14 +9913,14 @@
                 <a:gridCol w="3411538">
                   <a:extLst>
                     <a:ext uri="{9D8B030D-6E8A-4147-A177-3AD203B41FA5}">
-                      <a16:colId xmlns:a16="http://schemas.microsoft.com/office/drawing/2014/main" val="20000"/>
+                      <a16:colId xmlns:a16="http://schemas.microsoft.com/office/drawing/2014/main" xmlns="" val="20000"/>
                     </a:ext>
                   </a:extLst>
                 </a:gridCol>
                 <a:gridCol w="3411538">
                   <a:extLst>
                     <a:ext uri="{9D8B030D-6E8A-4147-A177-3AD203B41FA5}">
-                      <a16:colId xmlns:a16="http://schemas.microsoft.com/office/drawing/2014/main" val="20001"/>
+                      <a16:colId xmlns:a16="http://schemas.microsoft.com/office/drawing/2014/main" xmlns="" val="20001"/>
                     </a:ext>
                   </a:extLst>
                 </a:gridCol>
@@ -7804,7 +9962,7 @@
                 </a:tc>
                 <a:extLst>
                   <a:ext uri="{0D108BD9-81ED-4DB2-BD59-A6C34878D82A}">
-                    <a16:rowId xmlns:a16="http://schemas.microsoft.com/office/drawing/2014/main" val="10000"/>
+                    <a16:rowId xmlns:a16="http://schemas.microsoft.com/office/drawing/2014/main" xmlns="" val="10000"/>
                   </a:ext>
                 </a:extLst>
               </a:tr>
@@ -7842,7 +10000,7 @@
                 </a:tc>
                 <a:extLst>
                   <a:ext uri="{0D108BD9-81ED-4DB2-BD59-A6C34878D82A}">
-                    <a16:rowId xmlns:a16="http://schemas.microsoft.com/office/drawing/2014/main" val="10001"/>
+                    <a16:rowId xmlns:a16="http://schemas.microsoft.com/office/drawing/2014/main" xmlns="" val="10001"/>
                   </a:ext>
                 </a:extLst>
               </a:tr>
@@ -7896,7 +10054,7 @@
                 </a:tc>
                 <a:extLst>
                   <a:ext uri="{0D108BD9-81ED-4DB2-BD59-A6C34878D82A}">
-                    <a16:rowId xmlns:a16="http://schemas.microsoft.com/office/drawing/2014/main" val="10002"/>
+                    <a16:rowId xmlns:a16="http://schemas.microsoft.com/office/drawing/2014/main" xmlns="" val="10002"/>
                   </a:ext>
                 </a:extLst>
               </a:tr>
@@ -7950,7 +10108,7 @@
                 </a:tc>
                 <a:extLst>
                   <a:ext uri="{0D108BD9-81ED-4DB2-BD59-A6C34878D82A}">
-                    <a16:rowId xmlns:a16="http://schemas.microsoft.com/office/drawing/2014/main" val="10003"/>
+                    <a16:rowId xmlns:a16="http://schemas.microsoft.com/office/drawing/2014/main" xmlns="" val="10003"/>
                   </a:ext>
                 </a:extLst>
               </a:tr>
@@ -8004,7 +10162,7 @@
                 </a:tc>
                 <a:extLst>
                   <a:ext uri="{0D108BD9-81ED-4DB2-BD59-A6C34878D82A}">
-                    <a16:rowId xmlns:a16="http://schemas.microsoft.com/office/drawing/2014/main" val="10004"/>
+                    <a16:rowId xmlns:a16="http://schemas.microsoft.com/office/drawing/2014/main" xmlns="" val="10004"/>
                   </a:ext>
                 </a:extLst>
               </a:tr>
@@ -8058,7 +10216,7 @@
                 </a:tc>
                 <a:extLst>
                   <a:ext uri="{0D108BD9-81ED-4DB2-BD59-A6C34878D82A}">
-                    <a16:rowId xmlns:a16="http://schemas.microsoft.com/office/drawing/2014/main" val="10005"/>
+                    <a16:rowId xmlns:a16="http://schemas.microsoft.com/office/drawing/2014/main" xmlns="" val="10005"/>
                   </a:ext>
                 </a:extLst>
               </a:tr>
@@ -8112,7 +10270,7 @@
                 </a:tc>
                 <a:extLst>
                   <a:ext uri="{0D108BD9-81ED-4DB2-BD59-A6C34878D82A}">
-                    <a16:rowId xmlns:a16="http://schemas.microsoft.com/office/drawing/2014/main" val="10006"/>
+                    <a16:rowId xmlns:a16="http://schemas.microsoft.com/office/drawing/2014/main" xmlns="" val="10006"/>
                   </a:ext>
                 </a:extLst>
               </a:tr>
@@ -8166,7 +10324,7 @@
                 </a:tc>
                 <a:extLst>
                   <a:ext uri="{0D108BD9-81ED-4DB2-BD59-A6C34878D82A}">
-                    <a16:rowId xmlns:a16="http://schemas.microsoft.com/office/drawing/2014/main" val="10007"/>
+                    <a16:rowId xmlns:a16="http://schemas.microsoft.com/office/drawing/2014/main" xmlns="" val="10007"/>
                   </a:ext>
                 </a:extLst>
               </a:tr>
@@ -8364,6 +10522,13 @@
   <p:clrMapOvr>
     <a:masterClrMapping/>
   </p:clrMapOvr>
+  <p:timing>
+    <p:tnLst>
+      <p:par>
+        <p:cTn id="1" dur="indefinite" restart="never" nodeType="tmRoot"/>
+      </p:par>
+    </p:tnLst>
+  </p:timing>
 </p:sld>
 </file>
 
@@ -8389,7 +10554,7 @@
           <p:cNvPr id="2" name="Titel 1">
             <a:extLst>
               <a:ext uri="{FF2B5EF4-FFF2-40B4-BE49-F238E27FC236}">
-                <a16:creationId xmlns:a16="http://schemas.microsoft.com/office/drawing/2014/main" id="{D27A44A1-7D5C-4ED1-B1CC-16A1827DE5CE}"/>
+                <a16:creationId xmlns:a16="http://schemas.microsoft.com/office/drawing/2014/main" xmlns="" id="{D27A44A1-7D5C-4ED1-B1CC-16A1827DE5CE}"/>
               </a:ext>
             </a:extLst>
           </p:cNvPr>
@@ -8417,7 +10582,7 @@
           <p:cNvPr id="3" name="Inhaltsplatzhalter 2">
             <a:extLst>
               <a:ext uri="{FF2B5EF4-FFF2-40B4-BE49-F238E27FC236}">
-                <a16:creationId xmlns:a16="http://schemas.microsoft.com/office/drawing/2014/main" id="{0A11E94A-080C-4F4A-B9ED-FC1B878B8CE0}"/>
+                <a16:creationId xmlns:a16="http://schemas.microsoft.com/office/drawing/2014/main" xmlns="" id="{0A11E94A-080C-4F4A-B9ED-FC1B878B8CE0}"/>
               </a:ext>
             </a:extLst>
           </p:cNvPr>
@@ -8483,6 +10648,13 @@
   <p:clrMapOvr>
     <a:masterClrMapping/>
   </p:clrMapOvr>
+  <p:timing>
+    <p:tnLst>
+      <p:par>
+        <p:cTn id="1" dur="indefinite" restart="never" nodeType="tmRoot"/>
+      </p:par>
+    </p:tnLst>
+  </p:timing>
 </p:sld>
 </file>
 
@@ -8508,7 +10680,7 @@
           <p:cNvPr id="2" name="Titel 1">
             <a:extLst>
               <a:ext uri="{FF2B5EF4-FFF2-40B4-BE49-F238E27FC236}">
-                <a16:creationId xmlns:a16="http://schemas.microsoft.com/office/drawing/2014/main" id="{097E6A6D-464E-4766-AAF3-C4FECB9FA991}"/>
+                <a16:creationId xmlns:a16="http://schemas.microsoft.com/office/drawing/2014/main" xmlns="" id="{097E6A6D-464E-4766-AAF3-C4FECB9FA991}"/>
               </a:ext>
             </a:extLst>
           </p:cNvPr>
@@ -8536,7 +10708,7 @@
           <p:cNvPr id="3" name="Inhaltsplatzhalter 2">
             <a:extLst>
               <a:ext uri="{FF2B5EF4-FFF2-40B4-BE49-F238E27FC236}">
-                <a16:creationId xmlns:a16="http://schemas.microsoft.com/office/drawing/2014/main" id="{0E9598F0-1E7C-41F5-AC85-FE84123CF1DA}"/>
+                <a16:creationId xmlns:a16="http://schemas.microsoft.com/office/drawing/2014/main" xmlns="" id="{0E9598F0-1E7C-41F5-AC85-FE84123CF1DA}"/>
               </a:ext>
             </a:extLst>
           </p:cNvPr>
@@ -8590,6 +10762,13 @@
   <p:clrMapOvr>
     <a:masterClrMapping/>
   </p:clrMapOvr>
+  <p:timing>
+    <p:tnLst>
+      <p:par>
+        <p:cTn id="1" dur="indefinite" restart="never" nodeType="tmRoot"/>
+      </p:par>
+    </p:tnLst>
+  </p:timing>
 </p:sld>
 </file>
 
@@ -8615,7 +10794,7 @@
           <p:cNvPr id="2" name="Titel 1">
             <a:extLst>
               <a:ext uri="{FF2B5EF4-FFF2-40B4-BE49-F238E27FC236}">
-                <a16:creationId xmlns:a16="http://schemas.microsoft.com/office/drawing/2014/main" id="{2466B14E-2CAE-450A-835B-07642C6772FC}"/>
+                <a16:creationId xmlns:a16="http://schemas.microsoft.com/office/drawing/2014/main" xmlns="" id="{2466B14E-2CAE-450A-835B-07642C6772FC}"/>
               </a:ext>
             </a:extLst>
           </p:cNvPr>
@@ -8643,7 +10822,7 @@
           <p:cNvPr id="3" name="Inhaltsplatzhalter 2">
             <a:extLst>
               <a:ext uri="{FF2B5EF4-FFF2-40B4-BE49-F238E27FC236}">
-                <a16:creationId xmlns:a16="http://schemas.microsoft.com/office/drawing/2014/main" id="{CCE11E07-3335-434C-8B03-5B1BAEAEC7C5}"/>
+                <a16:creationId xmlns:a16="http://schemas.microsoft.com/office/drawing/2014/main" xmlns="" id="{CCE11E07-3335-434C-8B03-5B1BAEAEC7C5}"/>
               </a:ext>
             </a:extLst>
           </p:cNvPr>
@@ -8659,22 +10838,146 @@
           <a:bodyPr/>
           <a:lstStyle/>
           <a:p>
-            <a:r>
-              <a:rPr lang="de-DE" dirty="0" err="1"/>
-              <a:t>cp</a:t>
-            </a:r>
-            <a:r>
-              <a:rPr lang="de-DE" dirty="0"/>
-              <a:t> = </a:t>
-            </a:r>
-            <a:r>
-              <a:rPr lang="de-DE" dirty="0" err="1"/>
-              <a:t>const</a:t>
-            </a:r>
             <a:endParaRPr lang="de-DE" dirty="0"/>
           </a:p>
         </p:txBody>
       </p:sp>
+      <p:pic>
+        <p:nvPicPr>
+          <p:cNvPr id="4" name="Grafik 3"/>
+          <p:cNvPicPr>
+            <a:picLocks noChangeAspect="1"/>
+          </p:cNvPicPr>
+          <p:nvPr>
+            <p:custDataLst>
+              <p:tags r:id="rId1"/>
+            </p:custDataLst>
+          </p:nvPr>
+        </p:nvPicPr>
+        <p:blipFill>
+          <a:blip r:embed="rId7" cstate="print">
+            <a:extLst>
+              <a:ext uri="{28A0092B-C50C-407E-A947-70E740481C1C}">
+                <a14:useLocalDpi xmlns:a14="http://schemas.microsoft.com/office/drawing/2010/main" val="0"/>
+              </a:ext>
+            </a:extLst>
+          </a:blip>
+          <a:stretch>
+            <a:fillRect/>
+          </a:stretch>
+        </p:blipFill>
+        <p:spPr>
+          <a:xfrm>
+            <a:off x="1547664" y="2153123"/>
+            <a:ext cx="1078857" cy="374857"/>
+          </a:xfrm>
+          <a:prstGeom prst="rect">
+            <a:avLst/>
+          </a:prstGeom>
+        </p:spPr>
+      </p:pic>
+      <p:pic>
+        <p:nvPicPr>
+          <p:cNvPr id="5" name="Grafik 4"/>
+          <p:cNvPicPr>
+            <a:picLocks noChangeAspect="1"/>
+          </p:cNvPicPr>
+          <p:nvPr>
+            <p:custDataLst>
+              <p:tags r:id="rId2"/>
+            </p:custDataLst>
+          </p:nvPr>
+        </p:nvPicPr>
+        <p:blipFill>
+          <a:blip r:embed="rId8" cstate="print">
+            <a:extLst>
+              <a:ext uri="{28A0092B-C50C-407E-A947-70E740481C1C}">
+                <a14:useLocalDpi xmlns:a14="http://schemas.microsoft.com/office/drawing/2010/main" val="0"/>
+              </a:ext>
+            </a:extLst>
+          </a:blip>
+          <a:stretch>
+            <a:fillRect/>
+          </a:stretch>
+        </p:blipFill>
+        <p:spPr>
+          <a:xfrm>
+            <a:off x="1106119" y="3101144"/>
+            <a:ext cx="5147428" cy="262095"/>
+          </a:xfrm>
+          <a:prstGeom prst="rect">
+            <a:avLst/>
+          </a:prstGeom>
+        </p:spPr>
+      </p:pic>
+      <p:pic>
+        <p:nvPicPr>
+          <p:cNvPr id="6" name="Grafik 5"/>
+          <p:cNvPicPr>
+            <a:picLocks noChangeAspect="1"/>
+          </p:cNvPicPr>
+          <p:nvPr>
+            <p:custDataLst>
+              <p:tags r:id="rId3"/>
+            </p:custDataLst>
+          </p:nvPr>
+        </p:nvPicPr>
+        <p:blipFill>
+          <a:blip r:embed="rId9" cstate="print">
+            <a:extLst>
+              <a:ext uri="{28A0092B-C50C-407E-A947-70E740481C1C}">
+                <a14:useLocalDpi xmlns:a14="http://schemas.microsoft.com/office/drawing/2010/main" val="0"/>
+              </a:ext>
+            </a:extLst>
+          </a:blip>
+          <a:stretch>
+            <a:fillRect/>
+          </a:stretch>
+        </p:blipFill>
+        <p:spPr>
+          <a:xfrm>
+            <a:off x="1136221" y="3528851"/>
+            <a:ext cx="4321524" cy="254476"/>
+          </a:xfrm>
+          <a:prstGeom prst="rect">
+            <a:avLst/>
+          </a:prstGeom>
+        </p:spPr>
+      </p:pic>
+      <p:pic>
+        <p:nvPicPr>
+          <p:cNvPr id="7" name="Grafik 6"/>
+          <p:cNvPicPr>
+            <a:picLocks noChangeAspect="1"/>
+          </p:cNvPicPr>
+          <p:nvPr>
+            <p:custDataLst>
+              <p:tags r:id="rId4"/>
+            </p:custDataLst>
+          </p:nvPr>
+        </p:nvPicPr>
+        <p:blipFill>
+          <a:blip r:embed="rId10" cstate="print">
+            <a:extLst>
+              <a:ext uri="{28A0092B-C50C-407E-A947-70E740481C1C}">
+                <a14:useLocalDpi xmlns:a14="http://schemas.microsoft.com/office/drawing/2010/main" val="0"/>
+              </a:ext>
+            </a:extLst>
+          </a:blip>
+          <a:stretch>
+            <a:fillRect/>
+          </a:stretch>
+        </p:blipFill>
+        <p:spPr>
+          <a:xfrm>
+            <a:off x="1106119" y="4153547"/>
+            <a:ext cx="3669333" cy="245333"/>
+          </a:xfrm>
+          <a:prstGeom prst="rect">
+            <a:avLst/>
+          </a:prstGeom>
+        </p:spPr>
+      </p:pic>
     </p:spTree>
     <p:extLst>
       <p:ext uri="{BB962C8B-B14F-4D97-AF65-F5344CB8AC3E}">
@@ -8685,6 +10988,13 @@
   <p:clrMapOvr>
     <a:masterClrMapping/>
   </p:clrMapOvr>
+  <p:timing>
+    <p:tnLst>
+      <p:par>
+        <p:cTn id="1" dur="indefinite" restart="never" nodeType="tmRoot"/>
+      </p:par>
+    </p:tnLst>
+  </p:timing>
 </p:sld>
 </file>
 
@@ -8710,7 +11020,7 @@
           <p:cNvPr id="2" name="Titel 1">
             <a:extLst>
               <a:ext uri="{FF2B5EF4-FFF2-40B4-BE49-F238E27FC236}">
-                <a16:creationId xmlns:a16="http://schemas.microsoft.com/office/drawing/2014/main" id="{B0EB02CB-0053-457A-BB5F-5D64278141CC}"/>
+                <a16:creationId xmlns:a16="http://schemas.microsoft.com/office/drawing/2014/main" xmlns="" id="{B0EB02CB-0053-457A-BB5F-5D64278141CC}"/>
               </a:ext>
             </a:extLst>
           </p:cNvPr>
@@ -8738,7 +11048,7 @@
           <p:cNvPr id="3" name="Inhaltsplatzhalter 2">
             <a:extLst>
               <a:ext uri="{FF2B5EF4-FFF2-40B4-BE49-F238E27FC236}">
-                <a16:creationId xmlns:a16="http://schemas.microsoft.com/office/drawing/2014/main" id="{756355A6-13F9-40C1-8AD3-1534717E7B09}"/>
+                <a16:creationId xmlns:a16="http://schemas.microsoft.com/office/drawing/2014/main" xmlns="" id="{756355A6-13F9-40C1-8AD3-1534717E7B09}"/>
               </a:ext>
             </a:extLst>
           </p:cNvPr>
@@ -8765,6 +11075,142 @@
           </a:p>
         </p:txBody>
       </p:sp>
+      <p:pic>
+        <p:nvPicPr>
+          <p:cNvPr id="4" name="Grafik 3"/>
+          <p:cNvPicPr>
+            <a:picLocks noChangeAspect="1"/>
+          </p:cNvPicPr>
+          <p:nvPr>
+            <p:custDataLst>
+              <p:tags r:id="rId1"/>
+            </p:custDataLst>
+          </p:nvPr>
+        </p:nvPicPr>
+        <p:blipFill>
+          <a:blip r:embed="rId7" cstate="print">
+            <a:extLst>
+              <a:ext uri="{28A0092B-C50C-407E-A947-70E740481C1C}">
+                <a14:useLocalDpi xmlns:a14="http://schemas.microsoft.com/office/drawing/2010/main" val="0"/>
+              </a:ext>
+            </a:extLst>
+          </a:blip>
+          <a:stretch>
+            <a:fillRect/>
+          </a:stretch>
+        </p:blipFill>
+        <p:spPr>
+          <a:xfrm>
+            <a:off x="467544" y="2739618"/>
+            <a:ext cx="8399238" cy="399238"/>
+          </a:xfrm>
+          <a:prstGeom prst="rect">
+            <a:avLst/>
+          </a:prstGeom>
+        </p:spPr>
+      </p:pic>
+      <p:pic>
+        <p:nvPicPr>
+          <p:cNvPr id="5" name="Grafik 4"/>
+          <p:cNvPicPr>
+            <a:picLocks noChangeAspect="1"/>
+          </p:cNvPicPr>
+          <p:nvPr>
+            <p:custDataLst>
+              <p:tags r:id="rId2"/>
+            </p:custDataLst>
+          </p:nvPr>
+        </p:nvPicPr>
+        <p:blipFill>
+          <a:blip r:embed="rId8" cstate="print">
+            <a:extLst>
+              <a:ext uri="{28A0092B-C50C-407E-A947-70E740481C1C}">
+                <a14:useLocalDpi xmlns:a14="http://schemas.microsoft.com/office/drawing/2010/main" val="0"/>
+              </a:ext>
+            </a:extLst>
+          </a:blip>
+          <a:stretch>
+            <a:fillRect/>
+          </a:stretch>
+        </p:blipFill>
+        <p:spPr>
+          <a:xfrm>
+            <a:off x="1788019" y="3597876"/>
+            <a:ext cx="2855619" cy="262095"/>
+          </a:xfrm>
+          <a:prstGeom prst="rect">
+            <a:avLst/>
+          </a:prstGeom>
+        </p:spPr>
+      </p:pic>
+      <p:pic>
+        <p:nvPicPr>
+          <p:cNvPr id="6" name="Grafik 5"/>
+          <p:cNvPicPr>
+            <a:picLocks noChangeAspect="1"/>
+          </p:cNvPicPr>
+          <p:nvPr>
+            <p:custDataLst>
+              <p:tags r:id="rId3"/>
+            </p:custDataLst>
+          </p:nvPr>
+        </p:nvPicPr>
+        <p:blipFill>
+          <a:blip r:embed="rId9" cstate="print">
+            <a:extLst>
+              <a:ext uri="{28A0092B-C50C-407E-A947-70E740481C1C}">
+                <a14:useLocalDpi xmlns:a14="http://schemas.microsoft.com/office/drawing/2010/main" val="0"/>
+              </a:ext>
+            </a:extLst>
+          </a:blip>
+          <a:stretch>
+            <a:fillRect/>
+          </a:stretch>
+        </p:blipFill>
+        <p:spPr>
+          <a:xfrm>
+            <a:off x="1752190" y="3972366"/>
+            <a:ext cx="1575619" cy="286476"/>
+          </a:xfrm>
+          <a:prstGeom prst="rect">
+            <a:avLst/>
+          </a:prstGeom>
+        </p:spPr>
+      </p:pic>
+      <p:pic>
+        <p:nvPicPr>
+          <p:cNvPr id="7" name="Grafik 6"/>
+          <p:cNvPicPr>
+            <a:picLocks noChangeAspect="1"/>
+          </p:cNvPicPr>
+          <p:nvPr>
+            <p:custDataLst>
+              <p:tags r:id="rId4"/>
+            </p:custDataLst>
+          </p:nvPr>
+        </p:nvPicPr>
+        <p:blipFill>
+          <a:blip r:embed="rId10" cstate="print">
+            <a:extLst>
+              <a:ext uri="{28A0092B-C50C-407E-A947-70E740481C1C}">
+                <a14:useLocalDpi xmlns:a14="http://schemas.microsoft.com/office/drawing/2010/main" val="0"/>
+              </a:ext>
+            </a:extLst>
+          </a:blip>
+          <a:stretch>
+            <a:fillRect/>
+          </a:stretch>
+        </p:blipFill>
+        <p:spPr>
+          <a:xfrm>
+            <a:off x="1736210" y="4551692"/>
+            <a:ext cx="2907428" cy="400762"/>
+          </a:xfrm>
+          <a:prstGeom prst="rect">
+            <a:avLst/>
+          </a:prstGeom>
+        </p:spPr>
+      </p:pic>
     </p:spTree>
     <p:extLst>
       <p:ext uri="{BB962C8B-B14F-4D97-AF65-F5344CB8AC3E}">
@@ -8775,6 +11221,13 @@
   <p:clrMapOvr>
     <a:masterClrMapping/>
   </p:clrMapOvr>
+  <p:timing>
+    <p:tnLst>
+      <p:par>
+        <p:cTn id="1" dur="indefinite" restart="never" nodeType="tmRoot"/>
+      </p:par>
+    </p:tnLst>
+  </p:timing>
 </p:sld>
 </file>
 
@@ -8800,7 +11253,7 @@
           <p:cNvPr id="2" name="Titel 1">
             <a:extLst>
               <a:ext uri="{FF2B5EF4-FFF2-40B4-BE49-F238E27FC236}">
-                <a16:creationId xmlns:a16="http://schemas.microsoft.com/office/drawing/2014/main" id="{8DE61EE4-0A2E-4DFD-BE73-F3D4D2210025}"/>
+                <a16:creationId xmlns:a16="http://schemas.microsoft.com/office/drawing/2014/main" xmlns="" id="{8DE61EE4-0A2E-4DFD-BE73-F3D4D2210025}"/>
               </a:ext>
             </a:extLst>
           </p:cNvPr>
@@ -8828,7 +11281,7 @@
           <p:cNvPr id="3" name="Inhaltsplatzhalter 2">
             <a:extLst>
               <a:ext uri="{FF2B5EF4-FFF2-40B4-BE49-F238E27FC236}">
-                <a16:creationId xmlns:a16="http://schemas.microsoft.com/office/drawing/2014/main" id="{D3AA39F9-9931-48BD-9CE6-A9A42797156C}"/>
+                <a16:creationId xmlns:a16="http://schemas.microsoft.com/office/drawing/2014/main" xmlns="" id="{D3AA39F9-9931-48BD-9CE6-A9A42797156C}"/>
               </a:ext>
             </a:extLst>
           </p:cNvPr>
@@ -8858,6 +11311,13 @@
   <p:clrMapOvr>
     <a:masterClrMapping/>
   </p:clrMapOvr>
+  <p:timing>
+    <p:tnLst>
+      <p:par>
+        <p:cTn id="1" dur="indefinite" restart="never" nodeType="tmRoot"/>
+      </p:par>
+    </p:tnLst>
+  </p:timing>
 </p:sld>
 </file>
 
@@ -8883,7 +11343,7 @@
           <p:cNvPr id="2" name="Titel 1">
             <a:extLst>
               <a:ext uri="{FF2B5EF4-FFF2-40B4-BE49-F238E27FC236}">
-                <a16:creationId xmlns:a16="http://schemas.microsoft.com/office/drawing/2014/main" id="{5468A21C-5F1B-49A9-9615-E49303F1DFD8}"/>
+                <a16:creationId xmlns:a16="http://schemas.microsoft.com/office/drawing/2014/main" xmlns="" id="{5468A21C-5F1B-49A9-9615-E49303F1DFD8}"/>
               </a:ext>
             </a:extLst>
           </p:cNvPr>
@@ -8911,7 +11371,7 @@
           <p:cNvPr id="3" name="Inhaltsplatzhalter 2">
             <a:extLst>
               <a:ext uri="{FF2B5EF4-FFF2-40B4-BE49-F238E27FC236}">
-                <a16:creationId xmlns:a16="http://schemas.microsoft.com/office/drawing/2014/main" id="{71D6F8BC-B1F4-4464-B16C-BE0C1ED3F521}"/>
+                <a16:creationId xmlns:a16="http://schemas.microsoft.com/office/drawing/2014/main" xmlns="" id="{71D6F8BC-B1F4-4464-B16C-BE0C1ED3F521}"/>
               </a:ext>
             </a:extLst>
           </p:cNvPr>
@@ -8966,6 +11426,13 @@
   <p:clrMapOvr>
     <a:masterClrMapping/>
   </p:clrMapOvr>
+  <p:timing>
+    <p:tnLst>
+      <p:par>
+        <p:cTn id="1" dur="indefinite" restart="never" nodeType="tmRoot"/>
+      </p:par>
+    </p:tnLst>
+  </p:timing>
 </p:sld>
 </file>
 
@@ -8991,7 +11458,7 @@
           <p:cNvPr id="2" name="Titel 1">
             <a:extLst>
               <a:ext uri="{FF2B5EF4-FFF2-40B4-BE49-F238E27FC236}">
-                <a16:creationId xmlns:a16="http://schemas.microsoft.com/office/drawing/2014/main" id="{094F379C-23F4-4D35-86D6-1D1C29CAB88B}"/>
+                <a16:creationId xmlns:a16="http://schemas.microsoft.com/office/drawing/2014/main" xmlns="" id="{094F379C-23F4-4D35-86D6-1D1C29CAB88B}"/>
               </a:ext>
             </a:extLst>
           </p:cNvPr>
@@ -9019,7 +11486,7 @@
           <p:cNvPr id="3" name="Inhaltsplatzhalter 2">
             <a:extLst>
               <a:ext uri="{FF2B5EF4-FFF2-40B4-BE49-F238E27FC236}">
-                <a16:creationId xmlns:a16="http://schemas.microsoft.com/office/drawing/2014/main" id="{1C3E671A-136E-4360-89A9-AD9DB1ED1606}"/>
+                <a16:creationId xmlns:a16="http://schemas.microsoft.com/office/drawing/2014/main" xmlns="" id="{1C3E671A-136E-4360-89A9-AD9DB1ED1606}"/>
               </a:ext>
             </a:extLst>
           </p:cNvPr>
@@ -9080,6 +11547,13 @@
   <p:clrMapOvr>
     <a:masterClrMapping/>
   </p:clrMapOvr>
+  <p:timing>
+    <p:tnLst>
+      <p:par>
+        <p:cTn id="1" dur="indefinite" restart="never" nodeType="tmRoot"/>
+      </p:par>
+    </p:tnLst>
+  </p:timing>
 </p:sld>
 </file>
 
@@ -9105,7 +11579,7 @@
           <p:cNvPr id="2" name="Titel 1">
             <a:extLst>
               <a:ext uri="{FF2B5EF4-FFF2-40B4-BE49-F238E27FC236}">
-                <a16:creationId xmlns:a16="http://schemas.microsoft.com/office/drawing/2014/main" id="{E94AB448-E08C-4FC1-AAC0-98431019A5B8}"/>
+                <a16:creationId xmlns:a16="http://schemas.microsoft.com/office/drawing/2014/main" xmlns="" id="{E94AB448-E08C-4FC1-AAC0-98431019A5B8}"/>
               </a:ext>
             </a:extLst>
           </p:cNvPr>
@@ -9138,7 +11612,7 @@
           <p:cNvPr id="3" name="Inhaltsplatzhalter 2">
             <a:extLst>
               <a:ext uri="{FF2B5EF4-FFF2-40B4-BE49-F238E27FC236}">
-                <a16:creationId xmlns:a16="http://schemas.microsoft.com/office/drawing/2014/main" id="{EE905004-B708-4F44-A14B-50934B89FAB0}"/>
+                <a16:creationId xmlns:a16="http://schemas.microsoft.com/office/drawing/2014/main" xmlns="" id="{EE905004-B708-4F44-A14B-50934B89FAB0}"/>
               </a:ext>
             </a:extLst>
           </p:cNvPr>
@@ -9231,7 +11705,166 @@
   <p:clrMapOvr>
     <a:masterClrMapping/>
   </p:clrMapOvr>
+  <p:timing>
+    <p:tnLst>
+      <p:par>
+        <p:cTn id="1" dur="indefinite" restart="never" nodeType="tmRoot"/>
+      </p:par>
+    </p:tnLst>
+  </p:timing>
 </p:sld>
+</file>
+
+<file path=ppt/tags/tag1.xml><?xml version="1.0" encoding="utf-8"?>
+<p:tagLst xmlns:a="http://schemas.openxmlformats.org/drawingml/2006/main" xmlns:r="http://schemas.openxmlformats.org/officeDocument/2006/relationships" xmlns:p="http://schemas.openxmlformats.org/presentationml/2006/main">
+  <p:tag name="OUTPUTDPI" val="1200"/>
+  <p:tag name="ORIGINALHEIGHT" val="184,4769"/>
+  <p:tag name="ORIGINALWIDTH" val="530,9336"/>
+  <p:tag name="LATEXADDIN" val="\documentclass{article}&#10;\usepackage{amsmath}&#10;\pagestyle{empty}&#10;\begin{document}&#10;&#10;$\eta =\frac{P}{\Delta H_{t_{is}}}$&#10;&#10;&#10;\end{document}"/>
+  <p:tag name="IGUANATEXSIZE" val="20"/>
+  <p:tag name="IGUANATEXCURSOR" val="87"/>
+  <p:tag name="TRANSPARENCY" val="Wahr"/>
+  <p:tag name="FILENAME" val=""/>
+  <p:tag name="LATEXENGINEID" val="0"/>
+  <p:tag name="TEMPFOLDER" val="c:\temp\"/>
+  <p:tag name="LATEXFORMHEIGHT" val="312"/>
+  <p:tag name="LATEXFORMWIDTH" val="384"/>
+  <p:tag name="LATEXFORMWRAP" val="Wahr"/>
+  <p:tag name="BITMAPVECTOR" val="0"/>
+</p:tagLst>
+</file>
+
+<file path=ppt/tags/tag2.xml><?xml version="1.0" encoding="utf-8"?>
+<p:tagLst xmlns:a="http://schemas.openxmlformats.org/drawingml/2006/main" xmlns:r="http://schemas.openxmlformats.org/officeDocument/2006/relationships" xmlns:p="http://schemas.openxmlformats.org/presentationml/2006/main">
+  <p:tag name="OUTPUTDPI" val="1200"/>
+  <p:tag name="ORIGINALHEIGHT" val="128,9839"/>
+  <p:tag name="ORIGINALWIDTH" val="2533,183"/>
+  <p:tag name="LATEXADDIN" val="\documentclass{article}&#10;\usepackage{amsmath}&#10;\pagestyle{empty}&#10;\begin{document}&#10;&#10;$P_{\Delta T_t} = \dot m \cdot c_p \cdot \Delta T_t = \dot m \cdot c_p \cdot \left( T_{t_{inlet}}-T_{t_{outlet}} \right)$&#10;&#10;&#10;\end{document}"/>
+  <p:tag name="IGUANATEXSIZE" val="20"/>
+  <p:tag name="IGUANATEXCURSOR" val="201"/>
+  <p:tag name="TRANSPARENCY" val="Wahr"/>
+  <p:tag name="FILENAME" val=""/>
+  <p:tag name="LATEXENGINEID" val="0"/>
+  <p:tag name="TEMPFOLDER" val="c:\temp\"/>
+  <p:tag name="LATEXFORMHEIGHT" val="312"/>
+  <p:tag name="LATEXFORMWIDTH" val="384"/>
+  <p:tag name="LATEXFORMWRAP" val="Wahr"/>
+  <p:tag name="BITMAPVECTOR" val="0"/>
+</p:tagLst>
+</file>
+
+<file path=ppt/tags/tag3.xml><?xml version="1.0" encoding="utf-8"?>
+<p:tagLst xmlns:a="http://schemas.openxmlformats.org/drawingml/2006/main" xmlns:r="http://schemas.openxmlformats.org/officeDocument/2006/relationships" xmlns:p="http://schemas.openxmlformats.org/presentationml/2006/main">
+  <p:tag name="OUTPUTDPI" val="1200"/>
+  <p:tag name="ORIGINALHEIGHT" val="125,2343"/>
+  <p:tag name="ORIGINALWIDTH" val="2126,734"/>
+  <p:tag name="LATEXADDIN" val="\documentclass{article}&#10;\usepackage{amsmath}&#10;\pagestyle{empty}&#10;\begin{document}&#10;&#10;&#10;$P_{\Delta h_t} = \dot m \cdot \Delta h_t = \dot m \cdot \left( h_{t_{inlet}}-h_{t_{outlet}} \right)$&#10;&#10;\end{document}"/>
+  <p:tag name="IGUANATEXSIZE" val="20"/>
+  <p:tag name="IGUANATEXCURSOR" val="182"/>
+  <p:tag name="TRANSPARENCY" val="Wahr"/>
+  <p:tag name="FILENAME" val=""/>
+  <p:tag name="LATEXENGINEID" val="0"/>
+  <p:tag name="TEMPFOLDER" val="c:\temp\"/>
+  <p:tag name="LATEXFORMHEIGHT" val="312"/>
+  <p:tag name="LATEXFORMWIDTH" val="384"/>
+  <p:tag name="LATEXFORMWRAP" val="Wahr"/>
+  <p:tag name="BITMAPVECTOR" val="0"/>
+</p:tagLst>
+</file>
+
+<file path=ppt/tags/tag4.xml><?xml version="1.0" encoding="utf-8"?>
+<p:tagLst xmlns:a="http://schemas.openxmlformats.org/drawingml/2006/main" xmlns:r="http://schemas.openxmlformats.org/officeDocument/2006/relationships" xmlns:p="http://schemas.openxmlformats.org/presentationml/2006/main">
+  <p:tag name="OUTPUTDPI" val="1200"/>
+  <p:tag name="ORIGINALHEIGHT" val="120,7349"/>
+  <p:tag name="ORIGINALWIDTH" val="1805,774"/>
+  <p:tag name="LATEXADDIN" val="\documentclass{article}&#10;\usepackage{amsmath}&#10;\pagestyle{empty}&#10;\begin{document}&#10;&#10;$P_{torque} = M_{Rotor} \cdot N_{Rotor} \cdot \omega_{Rotor}$&#10;&#10;&#10;\end{document}"/>
+  <p:tag name="IGUANATEXSIZE" val="20"/>
+  <p:tag name="IGUANATEXCURSOR" val="141"/>
+  <p:tag name="TRANSPARENCY" val="Wahr"/>
+  <p:tag name="FILENAME" val=""/>
+  <p:tag name="LATEXENGINEID" val="0"/>
+  <p:tag name="TEMPFOLDER" val="c:\temp\"/>
+  <p:tag name="LATEXFORMHEIGHT" val="312"/>
+  <p:tag name="LATEXFORMWIDTH" val="384"/>
+  <p:tag name="LATEXFORMWRAP" val="Wahr"/>
+  <p:tag name="BITMAPVECTOR" val="0"/>
+</p:tagLst>
+</file>
+
+<file path=ppt/tags/tag5.xml><?xml version="1.0" encoding="utf-8"?>
+<p:tagLst xmlns:a="http://schemas.openxmlformats.org/drawingml/2006/main" xmlns:r="http://schemas.openxmlformats.org/officeDocument/2006/relationships" xmlns:p="http://schemas.openxmlformats.org/presentationml/2006/main">
+  <p:tag name="OUTPUTDPI" val="1200"/>
+  <p:tag name="ORIGINALHEIGHT" val="196,4754"/>
+  <p:tag name="ORIGINALWIDTH" val="4133,483"/>
+  <p:tag name="LATEXADDIN" val="\documentclass{article}&#10;\usepackage{amsmath}&#10;\pagestyle{empty}&#10;\begin{document}&#10;&#10;&#10;$c_p = \frac{0.12934K^{-4}\cdot T^4-596.633K^{-3}\cdot T^3+933833K^{-2}\cdot T^2-373,61\cdot10^6K^{-1}\cdot T+105,01\cdot10^{10}}{10^9}\frac{J} {kg \cdot K}$&#10;&#10;\end{document}"/>
+  <p:tag name="IGUANATEXSIZE" val="20"/>
+  <p:tag name="IGUANATEXCURSOR" val="239"/>
+  <p:tag name="TRANSPARENCY" val="Wahr"/>
+  <p:tag name="FILENAME" val=""/>
+  <p:tag name="LATEXENGINEID" val="0"/>
+  <p:tag name="TEMPFOLDER" val="c:\temp\"/>
+  <p:tag name="LATEXFORMHEIGHT" val="312"/>
+  <p:tag name="LATEXFORMWIDTH" val="384"/>
+  <p:tag name="LATEXFORMWRAP" val="Wahr"/>
+  <p:tag name="BITMAPVECTOR" val="0"/>
+</p:tagLst>
+</file>
+
+<file path=ppt/tags/tag6.xml><?xml version="1.0" encoding="utf-8"?>
+<p:tagLst xmlns:a="http://schemas.openxmlformats.org/drawingml/2006/main" xmlns:r="http://schemas.openxmlformats.org/officeDocument/2006/relationships" xmlns:p="http://schemas.openxmlformats.org/presentationml/2006/main">
+  <p:tag name="OUTPUTDPI" val="1200"/>
+  <p:tag name="ORIGINALHEIGHT" val="128,9839"/>
+  <p:tag name="ORIGINALWIDTH" val="1405,324"/>
+  <p:tag name="LATEXADDIN" val="\documentclass{article}&#10;\usepackage{amsmath}&#10;\pagestyle{empty}&#10;\begin{document}&#10;&#10;$c_{p_1} = c_p(T_1)\, ;\, c_{p_3} = c_p(T_3)$&#10;&#10;&#10;\end{document}"/>
+  <p:tag name="IGUANATEXSIZE" val="20"/>
+  <p:tag name="IGUANATEXCURSOR" val="126"/>
+  <p:tag name="TRANSPARENCY" val="Wahr"/>
+  <p:tag name="FILENAME" val=""/>
+  <p:tag name="LATEXENGINEID" val="0"/>
+  <p:tag name="TEMPFOLDER" val="c:\temp\"/>
+  <p:tag name="LATEXFORMHEIGHT" val="312"/>
+  <p:tag name="LATEXFORMWIDTH" val="384"/>
+  <p:tag name="LATEXFORMWRAP" val="Wahr"/>
+  <p:tag name="BITMAPVECTOR" val="0"/>
+</p:tagLst>
+</file>
+
+<file path=ppt/tags/tag7.xml><?xml version="1.0" encoding="utf-8"?>
+<p:tagLst xmlns:a="http://schemas.openxmlformats.org/drawingml/2006/main" xmlns:r="http://schemas.openxmlformats.org/officeDocument/2006/relationships" xmlns:p="http://schemas.openxmlformats.org/presentationml/2006/main">
+  <p:tag name="OUTPUTDPI" val="1200"/>
+  <p:tag name="ORIGINALHEIGHT" val="140,9824"/>
+  <p:tag name="ORIGINALWIDTH" val="775,4031"/>
+  <p:tag name="LATEXADDIN" val="\documentclass{article}&#10;\usepackage{amsmath}&#10;\pagestyle{empty}&#10;\begin{document}&#10;$c_{p_3}^* = c_{p_3}(T_{3_{is}})$&#10;&#10;&#10;&#10;\end{document}"/>
+  <p:tag name="IGUANATEXSIZE" val="20"/>
+  <p:tag name="IGUANATEXCURSOR" val="113"/>
+  <p:tag name="TRANSPARENCY" val="Wahr"/>
+  <p:tag name="FILENAME" val=""/>
+  <p:tag name="LATEXENGINEID" val="0"/>
+  <p:tag name="TEMPFOLDER" val="c:\temp\"/>
+  <p:tag name="LATEXFORMHEIGHT" val="312"/>
+  <p:tag name="LATEXFORMWIDTH" val="384"/>
+  <p:tag name="LATEXFORMWRAP" val="Wahr"/>
+  <p:tag name="BITMAPVECTOR" val="0"/>
+</p:tagLst>
+</file>
+
+<file path=ppt/tags/tag8.xml><?xml version="1.0" encoding="utf-8"?>
+<p:tagLst xmlns:a="http://schemas.openxmlformats.org/drawingml/2006/main" xmlns:r="http://schemas.openxmlformats.org/officeDocument/2006/relationships" xmlns:p="http://schemas.openxmlformats.org/presentationml/2006/main">
+  <p:tag name="OUTPUTDPI" val="1200"/>
+  <p:tag name="ORIGINALHEIGHT" val="197,2254"/>
+  <p:tag name="ORIGINALWIDTH" val="1430,821"/>
+  <p:tag name="LATEXADDIN" val="\documentclass{article}&#10;\usepackage{amsmath}&#10;\pagestyle{empty}&#10;\begin{document}&#10;&#10;&#10;$\overline{c_p} = \frac{c_{p_1} + c_{p_3}}{2}\, ;\, \overline{c_p^*} = \frac{c_{p_1} + c_{p_3}^*}{2}$&#10;&#10;\end{document}"/>
+  <p:tag name="IGUANATEXSIZE" val="20"/>
+  <p:tag name="IGUANATEXCURSOR" val="183"/>
+  <p:tag name="TRANSPARENCY" val="Wahr"/>
+  <p:tag name="FILENAME" val=""/>
+  <p:tag name="LATEXENGINEID" val="0"/>
+  <p:tag name="TEMPFOLDER" val="c:\temp\"/>
+  <p:tag name="LATEXFORMHEIGHT" val="312"/>
+  <p:tag name="LATEXFORMWIDTH" val="384"/>
+  <p:tag name="LATEXFORMWRAP" val="Wahr"/>
+  <p:tag name="BITMAPVECTOR" val="0"/>
+</p:tagLst>
 </file>
 
 <file path=ppt/theme/theme1.xml><?xml version="1.0" encoding="utf-8"?>

--- a/Präsentation/Abschluss_Präsentation_Keijo.pptx
+++ b/Präsentation/Abschluss_Präsentation_Keijo.pptx
@@ -5,10 +5,10 @@
     <p:sldMasterId id="2147483648" r:id="rId2"/>
   </p:sldMasterIdLst>
   <p:notesMasterIdLst>
-    <p:notesMasterId r:id="rId21"/>
+    <p:notesMasterId r:id="rId23"/>
   </p:notesMasterIdLst>
   <p:handoutMasterIdLst>
-    <p:handoutMasterId r:id="rId22"/>
+    <p:handoutMasterId r:id="rId24"/>
   </p:handoutMasterIdLst>
   <p:sldIdLst>
     <p:sldId id="281" r:id="rId3"/>
@@ -16,19 +16,21 @@
     <p:sldId id="267" r:id="rId5"/>
     <p:sldId id="268" r:id="rId6"/>
     <p:sldId id="269" r:id="rId7"/>
-    <p:sldId id="270" r:id="rId8"/>
-    <p:sldId id="271" r:id="rId9"/>
-    <p:sldId id="272" r:id="rId10"/>
-    <p:sldId id="273" r:id="rId11"/>
-    <p:sldId id="274" r:id="rId12"/>
-    <p:sldId id="275" r:id="rId13"/>
-    <p:sldId id="276" r:id="rId14"/>
-    <p:sldId id="277" r:id="rId15"/>
-    <p:sldId id="278" r:id="rId16"/>
-    <p:sldId id="279" r:id="rId17"/>
-    <p:sldId id="280" r:id="rId18"/>
-    <p:sldId id="257" r:id="rId19"/>
-    <p:sldId id="265" r:id="rId20"/>
+    <p:sldId id="284" r:id="rId8"/>
+    <p:sldId id="270" r:id="rId9"/>
+    <p:sldId id="271" r:id="rId10"/>
+    <p:sldId id="272" r:id="rId11"/>
+    <p:sldId id="273" r:id="rId12"/>
+    <p:sldId id="274" r:id="rId13"/>
+    <p:sldId id="285" r:id="rId14"/>
+    <p:sldId id="286" r:id="rId15"/>
+    <p:sldId id="276" r:id="rId16"/>
+    <p:sldId id="277" r:id="rId17"/>
+    <p:sldId id="278" r:id="rId18"/>
+    <p:sldId id="279" r:id="rId19"/>
+    <p:sldId id="280" r:id="rId20"/>
+    <p:sldId id="257" r:id="rId21"/>
+    <p:sldId id="265" r:id="rId22"/>
   </p:sldIdLst>
   <p:sldSz cx="9144000" cy="6858000" type="screen4x3"/>
   <p:notesSz cx="6858000" cy="9144000"/>
@@ -300,7 +302,7 @@
             <a:fld id="{A32DC80D-291A-4ABB-A78B-0417274A267C}" type="datetime4">
               <a:rPr lang="de-DE"/>
               <a:pPr/>
-              <a:t>5. Juli 2017</a:t>
+              <a:t>6. Juli 2017</a:t>
             </a:fld>
             <a:endParaRPr lang="de-DE"/>
           </a:p>
@@ -683,7 +685,7 @@
             <a:fld id="{065B079B-E513-489A-8A1B-D7C78493EA86}" type="datetime4">
               <a:rPr lang="de-DE"/>
               <a:pPr/>
-              <a:t>5. Juli 2017</a:t>
+              <a:t>6. Juli 2017</a:t>
             </a:fld>
             <a:endParaRPr lang="de-DE"/>
           </a:p>
@@ -1321,7 +1323,7 @@
             <a:fld id="{065B079B-E513-489A-8A1B-D7C78493EA86}" type="datetime4">
               <a:rPr lang="de-DE" smtClean="0"/>
               <a:pPr/>
-              <a:t>5. Juli 2017</a:t>
+              <a:t>6. Juli 2017</a:t>
             </a:fld>
             <a:endParaRPr lang="de-DE"/>
           </a:p>
@@ -1465,7 +1467,7 @@
             <a:fld id="{065B079B-E513-489A-8A1B-D7C78493EA86}" type="datetime4">
               <a:rPr lang="de-DE" smtClean="0"/>
               <a:pPr/>
-              <a:t>5. Juli 2017</a:t>
+              <a:t>6. Juli 2017</a:t>
             </a:fld>
             <a:endParaRPr lang="de-DE"/>
           </a:p>
@@ -1515,7 +1517,7 @@
             <a:fld id="{C36AA9A4-5D0B-4134-89A6-D8B9DAA4F25C}" type="slidenum">
               <a:rPr lang="de-DE" smtClean="0"/>
               <a:pPr/>
-              <a:t>10</a:t>
+              <a:t>11</a:t>
             </a:fld>
             <a:endParaRPr lang="de-DE"/>
           </a:p>
@@ -1584,8 +1586,32 @@
           <a:lstStyle/>
           <a:p>
             <a:r>
-              <a:rPr lang="de-DE" dirty="0" err="1"/>
-              <a:t>Keijo</a:t>
+              <a:rPr lang="de-DE" dirty="0" smtClean="0"/>
+              <a:t>Drall</a:t>
+            </a:r>
+            <a:r>
+              <a:rPr lang="de-DE" baseline="0" dirty="0" smtClean="0"/>
+              <a:t> + </a:t>
+            </a:r>
+            <a:r>
+              <a:rPr lang="de-DE" baseline="0" dirty="0" err="1" smtClean="0"/>
+              <a:t>Temp</a:t>
+            </a:r>
+            <a:r>
+              <a:rPr lang="de-DE" baseline="0" dirty="0" smtClean="0"/>
+              <a:t>.: </a:t>
+            </a:r>
+            <a:r>
+              <a:rPr lang="de-DE" baseline="0" dirty="0" err="1" smtClean="0"/>
+              <a:t>pt</a:t>
+            </a:r>
+            <a:r>
+              <a:rPr lang="de-DE" baseline="0" dirty="0" smtClean="0"/>
+              <a:t>-max.: </a:t>
+            </a:r>
+            <a:r>
+              <a:rPr lang="de-DE" baseline="0" smtClean="0"/>
+              <a:t>-93,0</a:t>
             </a:r>
             <a:endParaRPr lang="de-DE" dirty="0"/>
           </a:p>
@@ -1609,7 +1635,7 @@
             <a:fld id="{065B079B-E513-489A-8A1B-D7C78493EA86}" type="datetime4">
               <a:rPr lang="de-DE" smtClean="0"/>
               <a:pPr/>
-              <a:t>5. Juli 2017</a:t>
+              <a:t>6. Juli 2017</a:t>
             </a:fld>
             <a:endParaRPr lang="de-DE"/>
           </a:p>
@@ -1659,7 +1685,7 @@
             <a:fld id="{C36AA9A4-5D0B-4134-89A6-D8B9DAA4F25C}" type="slidenum">
               <a:rPr lang="de-DE" smtClean="0"/>
               <a:pPr/>
-              <a:t>11</a:t>
+              <a:t>14</a:t>
             </a:fld>
             <a:endParaRPr lang="de-DE"/>
           </a:p>
@@ -1668,7 +1694,7 @@
     </p:spTree>
     <p:extLst>
       <p:ext uri="{BB962C8B-B14F-4D97-AF65-F5344CB8AC3E}">
-        <p14:creationId xmlns:p14="http://schemas.microsoft.com/office/powerpoint/2010/main" val="253144170"/>
+        <p14:creationId xmlns:p14="http://schemas.microsoft.com/office/powerpoint/2010/main" val="4182406061"/>
       </p:ext>
     </p:extLst>
   </p:cSld>
@@ -1728,34 +1754,9 @@
           <a:lstStyle/>
           <a:p>
             <a:r>
-              <a:rPr lang="de-DE" dirty="0" smtClean="0"/>
-              <a:t>Drall</a:t>
-            </a:r>
-            <a:r>
-              <a:rPr lang="de-DE" baseline="0" dirty="0" smtClean="0"/>
-              <a:t> + </a:t>
-            </a:r>
-            <a:r>
-              <a:rPr lang="de-DE" baseline="0" dirty="0" err="1" smtClean="0"/>
-              <a:t>Temp</a:t>
-            </a:r>
-            <a:r>
-              <a:rPr lang="de-DE" baseline="0" dirty="0" smtClean="0"/>
-              <a:t>.: </a:t>
-            </a:r>
-            <a:r>
-              <a:rPr lang="de-DE" baseline="0" dirty="0" err="1" smtClean="0"/>
-              <a:t>pt</a:t>
-            </a:r>
-            <a:r>
-              <a:rPr lang="de-DE" baseline="0" dirty="0" smtClean="0"/>
-              <a:t>-max.: </a:t>
-            </a:r>
-            <a:r>
-              <a:rPr lang="de-DE" baseline="0" smtClean="0"/>
-              <a:t>-93,0</a:t>
-            </a:r>
-            <a:endParaRPr lang="de-DE" dirty="0"/>
+              <a:rPr lang="de-DE" dirty="0"/>
+              <a:t>Simon</a:t>
+            </a:r>
           </a:p>
         </p:txBody>
       </p:sp>
@@ -1777,7 +1778,7 @@
             <a:fld id="{065B079B-E513-489A-8A1B-D7C78493EA86}" type="datetime4">
               <a:rPr lang="de-DE" smtClean="0"/>
               <a:pPr/>
-              <a:t>5. Juli 2017</a:t>
+              <a:t>6. Juli 2017</a:t>
             </a:fld>
             <a:endParaRPr lang="de-DE"/>
           </a:p>
@@ -1827,7 +1828,7 @@
             <a:fld id="{C36AA9A4-5D0B-4134-89A6-D8B9DAA4F25C}" type="slidenum">
               <a:rPr lang="de-DE" smtClean="0"/>
               <a:pPr/>
-              <a:t>12</a:t>
+              <a:t>15</a:t>
             </a:fld>
             <a:endParaRPr lang="de-DE"/>
           </a:p>
@@ -1836,7 +1837,7 @@
     </p:spTree>
     <p:extLst>
       <p:ext uri="{BB962C8B-B14F-4D97-AF65-F5344CB8AC3E}">
-        <p14:creationId xmlns:p14="http://schemas.microsoft.com/office/powerpoint/2010/main" val="4182406061"/>
+        <p14:creationId xmlns:p14="http://schemas.microsoft.com/office/powerpoint/2010/main" val="4015711157"/>
       </p:ext>
     </p:extLst>
   </p:cSld>
@@ -1920,7 +1921,7 @@
             <a:fld id="{065B079B-E513-489A-8A1B-D7C78493EA86}" type="datetime4">
               <a:rPr lang="de-DE" smtClean="0"/>
               <a:pPr/>
-              <a:t>5. Juli 2017</a:t>
+              <a:t>6. Juli 2017</a:t>
             </a:fld>
             <a:endParaRPr lang="de-DE"/>
           </a:p>
@@ -1970,7 +1971,7 @@
             <a:fld id="{C36AA9A4-5D0B-4134-89A6-D8B9DAA4F25C}" type="slidenum">
               <a:rPr lang="de-DE" smtClean="0"/>
               <a:pPr/>
-              <a:t>13</a:t>
+              <a:t>16</a:t>
             </a:fld>
             <a:endParaRPr lang="de-DE"/>
           </a:p>
@@ -1979,7 +1980,7 @@
     </p:spTree>
     <p:extLst>
       <p:ext uri="{BB962C8B-B14F-4D97-AF65-F5344CB8AC3E}">
-        <p14:creationId xmlns:p14="http://schemas.microsoft.com/office/powerpoint/2010/main" val="4015711157"/>
+        <p14:creationId xmlns:p14="http://schemas.microsoft.com/office/powerpoint/2010/main" val="3325593232"/>
       </p:ext>
     </p:extLst>
   </p:cSld>
@@ -2063,7 +2064,7 @@
             <a:fld id="{065B079B-E513-489A-8A1B-D7C78493EA86}" type="datetime4">
               <a:rPr lang="de-DE" smtClean="0"/>
               <a:pPr/>
-              <a:t>5. Juli 2017</a:t>
+              <a:t>6. Juli 2017</a:t>
             </a:fld>
             <a:endParaRPr lang="de-DE"/>
           </a:p>
@@ -2113,7 +2114,7 @@
             <a:fld id="{C36AA9A4-5D0B-4134-89A6-D8B9DAA4F25C}" type="slidenum">
               <a:rPr lang="de-DE" smtClean="0"/>
               <a:pPr/>
-              <a:t>14</a:t>
+              <a:t>17</a:t>
             </a:fld>
             <a:endParaRPr lang="de-DE"/>
           </a:p>
@@ -2122,7 +2123,7 @@
     </p:spTree>
     <p:extLst>
       <p:ext uri="{BB962C8B-B14F-4D97-AF65-F5344CB8AC3E}">
-        <p14:creationId xmlns:p14="http://schemas.microsoft.com/office/powerpoint/2010/main" val="3325593232"/>
+        <p14:creationId xmlns:p14="http://schemas.microsoft.com/office/powerpoint/2010/main" val="1055495334"/>
       </p:ext>
     </p:extLst>
   </p:cSld>
@@ -2183,7 +2184,13 @@
           <a:p>
             <a:r>
               <a:rPr lang="de-DE" dirty="0"/>
-              <a:t>Simon</a:t>
+              <a:t>Design: Simon</a:t>
+            </a:r>
+          </a:p>
+          <a:p>
+            <a:r>
+              <a:rPr lang="de-DE" dirty="0"/>
+              <a:t>Vortrag: Simon</a:t>
             </a:r>
           </a:p>
         </p:txBody>
@@ -2206,7 +2213,7 @@
             <a:fld id="{065B079B-E513-489A-8A1B-D7C78493EA86}" type="datetime4">
               <a:rPr lang="de-DE" smtClean="0"/>
               <a:pPr/>
-              <a:t>5. Juli 2017</a:t>
+              <a:t>6. Juli 2017</a:t>
             </a:fld>
             <a:endParaRPr lang="de-DE"/>
           </a:p>
@@ -2256,156 +2263,7 @@
             <a:fld id="{C36AA9A4-5D0B-4134-89A6-D8B9DAA4F25C}" type="slidenum">
               <a:rPr lang="de-DE" smtClean="0"/>
               <a:pPr/>
-              <a:t>15</a:t>
-            </a:fld>
-            <a:endParaRPr lang="de-DE"/>
-          </a:p>
-        </p:txBody>
-      </p:sp>
-    </p:spTree>
-    <p:extLst>
-      <p:ext uri="{BB962C8B-B14F-4D97-AF65-F5344CB8AC3E}">
-        <p14:creationId xmlns:p14="http://schemas.microsoft.com/office/powerpoint/2010/main" val="1055495334"/>
-      </p:ext>
-    </p:extLst>
-  </p:cSld>
-  <p:clrMapOvr>
-    <a:masterClrMapping/>
-  </p:clrMapOvr>
-</p:notes>
-</file>
-
-<file path=ppt/notesSlides/notesSlide16.xml><?xml version="1.0" encoding="utf-8"?>
-<p:notes xmlns:a="http://schemas.openxmlformats.org/drawingml/2006/main" xmlns:r="http://schemas.openxmlformats.org/officeDocument/2006/relationships" xmlns:p="http://schemas.openxmlformats.org/presentationml/2006/main">
-  <p:cSld>
-    <p:spTree>
-      <p:nvGrpSpPr>
-        <p:cNvPr id="1" name=""/>
-        <p:cNvGrpSpPr/>
-        <p:nvPr/>
-      </p:nvGrpSpPr>
-      <p:grpSpPr>
-        <a:xfrm>
-          <a:off x="0" y="0"/>
-          <a:ext cx="0" cy="0"/>
-          <a:chOff x="0" y="0"/>
-          <a:chExt cx="0" cy="0"/>
-        </a:xfrm>
-      </p:grpSpPr>
-      <p:sp>
-        <p:nvSpPr>
-          <p:cNvPr id="2" name="Folienbildplatzhalter 1"/>
-          <p:cNvSpPr>
-            <a:spLocks noGrp="1" noRot="1" noChangeAspect="1"/>
-          </p:cNvSpPr>
-          <p:nvPr>
-            <p:ph type="sldImg"/>
-          </p:nvPr>
-        </p:nvSpPr>
-        <p:spPr>
-          <a:xfrm>
-            <a:off x="1371600" y="923925"/>
-            <a:ext cx="4095750" cy="3071813"/>
-          </a:xfrm>
-        </p:spPr>
-      </p:sp>
-      <p:sp>
-        <p:nvSpPr>
-          <p:cNvPr id="3" name="Notizenplatzhalter 2"/>
-          <p:cNvSpPr>
-            <a:spLocks noGrp="1"/>
-          </p:cNvSpPr>
-          <p:nvPr>
-            <p:ph type="body" idx="1"/>
-          </p:nvPr>
-        </p:nvSpPr>
-        <p:spPr/>
-        <p:txBody>
-          <a:bodyPr/>
-          <a:lstStyle/>
-          <a:p>
-            <a:r>
-              <a:rPr lang="de-DE" dirty="0"/>
-              <a:t>Design: Simon</a:t>
-            </a:r>
-          </a:p>
-          <a:p>
-            <a:r>
-              <a:rPr lang="de-DE" dirty="0"/>
-              <a:t>Vortrag: Simon</a:t>
-            </a:r>
-          </a:p>
-        </p:txBody>
-      </p:sp>
-      <p:sp>
-        <p:nvSpPr>
-          <p:cNvPr id="4" name="Datumsplatzhalter 3"/>
-          <p:cNvSpPr>
-            <a:spLocks noGrp="1"/>
-          </p:cNvSpPr>
-          <p:nvPr>
-            <p:ph type="dt" idx="10"/>
-          </p:nvPr>
-        </p:nvSpPr>
-        <p:spPr/>
-        <p:txBody>
-          <a:bodyPr/>
-          <a:lstStyle/>
-          <a:p>
-            <a:fld id="{065B079B-E513-489A-8A1B-D7C78493EA86}" type="datetime4">
-              <a:rPr lang="de-DE" smtClean="0"/>
-              <a:pPr/>
-              <a:t>5. Juli 2017</a:t>
-            </a:fld>
-            <a:endParaRPr lang="de-DE"/>
-          </a:p>
-        </p:txBody>
-      </p:sp>
-      <p:sp>
-        <p:nvSpPr>
-          <p:cNvPr id="5" name="Fußzeilenplatzhalter 4"/>
-          <p:cNvSpPr>
-            <a:spLocks noGrp="1"/>
-          </p:cNvSpPr>
-          <p:nvPr>
-            <p:ph type="ftr" sz="quarter" idx="11"/>
-          </p:nvPr>
-        </p:nvSpPr>
-        <p:spPr/>
-        <p:txBody>
-          <a:bodyPr/>
-          <a:lstStyle/>
-          <a:p>
-            <a:r>
-              <a:rPr lang="de-DE"/>
-              <a:t>|  </a:t>
-            </a:r>
-          </a:p>
-        </p:txBody>
-      </p:sp>
-      <p:sp>
-        <p:nvSpPr>
-          <p:cNvPr id="6" name="Foliennummernplatzhalter 5"/>
-          <p:cNvSpPr>
-            <a:spLocks noGrp="1"/>
-          </p:cNvSpPr>
-          <p:nvPr>
-            <p:ph type="sldNum" sz="quarter" idx="12"/>
-          </p:nvPr>
-        </p:nvSpPr>
-        <p:spPr/>
-        <p:txBody>
-          <a:bodyPr/>
-          <a:lstStyle/>
-          <a:p>
-            <a:r>
-              <a:rPr lang="de-DE"/>
-              <a:t>|  </a:t>
-            </a:r>
-            <a:fld id="{C36AA9A4-5D0B-4134-89A6-D8B9DAA4F25C}" type="slidenum">
-              <a:rPr lang="de-DE" smtClean="0"/>
-              <a:pPr/>
-              <a:t>16</a:t>
+              <a:t>18</a:t>
             </a:fld>
             <a:endParaRPr lang="de-DE"/>
           </a:p>
@@ -2498,7 +2356,7 @@
             <a:fld id="{065B079B-E513-489A-8A1B-D7C78493EA86}" type="datetime4">
               <a:rPr lang="de-DE" smtClean="0"/>
               <a:pPr/>
-              <a:t>5. Juli 2017</a:t>
+              <a:t>6. Juli 2017</a:t>
             </a:fld>
             <a:endParaRPr lang="de-DE"/>
           </a:p>
@@ -2641,7 +2499,7 @@
             <a:fld id="{065B079B-E513-489A-8A1B-D7C78493EA86}" type="datetime4">
               <a:rPr lang="de-DE" smtClean="0"/>
               <a:pPr/>
-              <a:t>5. Juli 2017</a:t>
+              <a:t>6. Juli 2017</a:t>
             </a:fld>
             <a:endParaRPr lang="de-DE"/>
           </a:p>
@@ -2785,7 +2643,7 @@
             <a:fld id="{065B079B-E513-489A-8A1B-D7C78493EA86}" type="datetime4">
               <a:rPr lang="de-DE" smtClean="0"/>
               <a:pPr/>
-              <a:t>5. Juli 2017</a:t>
+              <a:t>6. Juli 2017</a:t>
             </a:fld>
             <a:endParaRPr lang="de-DE"/>
           </a:p>
@@ -2929,7 +2787,7 @@
             <a:fld id="{065B079B-E513-489A-8A1B-D7C78493EA86}" type="datetime4">
               <a:rPr lang="de-DE" smtClean="0"/>
               <a:pPr/>
-              <a:t>5. Juli 2017</a:t>
+              <a:t>6. Juli 2017</a:t>
             </a:fld>
             <a:endParaRPr lang="de-DE"/>
           </a:p>
@@ -3072,7 +2930,7 @@
             <a:fld id="{065B079B-E513-489A-8A1B-D7C78493EA86}" type="datetime4">
               <a:rPr lang="de-DE" smtClean="0"/>
               <a:pPr/>
-              <a:t>5. Juli 2017</a:t>
+              <a:t>6. Juli 2017</a:t>
             </a:fld>
             <a:endParaRPr lang="de-DE"/>
           </a:p>
@@ -3122,7 +2980,7 @@
             <a:fld id="{C36AA9A4-5D0B-4134-89A6-D8B9DAA4F25C}" type="slidenum">
               <a:rPr lang="de-DE" smtClean="0"/>
               <a:pPr/>
-              <a:t>6</a:t>
+              <a:t>7</a:t>
             </a:fld>
             <a:endParaRPr lang="de-DE"/>
           </a:p>
@@ -3215,7 +3073,7 @@
             <a:fld id="{065B079B-E513-489A-8A1B-D7C78493EA86}" type="datetime4">
               <a:rPr lang="de-DE" smtClean="0"/>
               <a:pPr/>
-              <a:t>5. Juli 2017</a:t>
+              <a:t>6. Juli 2017</a:t>
             </a:fld>
             <a:endParaRPr lang="de-DE"/>
           </a:p>
@@ -3265,7 +3123,7 @@
             <a:fld id="{C36AA9A4-5D0B-4134-89A6-D8B9DAA4F25C}" type="slidenum">
               <a:rPr lang="de-DE" smtClean="0"/>
               <a:pPr/>
-              <a:t>7</a:t>
+              <a:t>8</a:t>
             </a:fld>
             <a:endParaRPr lang="de-DE"/>
           </a:p>
@@ -3358,7 +3216,7 @@
             <a:fld id="{065B079B-E513-489A-8A1B-D7C78493EA86}" type="datetime4">
               <a:rPr lang="de-DE" smtClean="0"/>
               <a:pPr/>
-              <a:t>5. Juli 2017</a:t>
+              <a:t>6. Juli 2017</a:t>
             </a:fld>
             <a:endParaRPr lang="de-DE"/>
           </a:p>
@@ -3408,7 +3266,7 @@
             <a:fld id="{C36AA9A4-5D0B-4134-89A6-D8B9DAA4F25C}" type="slidenum">
               <a:rPr lang="de-DE" smtClean="0"/>
               <a:pPr/>
-              <a:t>8</a:t>
+              <a:t>9</a:t>
             </a:fld>
             <a:endParaRPr lang="de-DE"/>
           </a:p>
@@ -3498,7 +3356,7 @@
             <a:fld id="{065B079B-E513-489A-8A1B-D7C78493EA86}" type="datetime4">
               <a:rPr lang="de-DE" smtClean="0"/>
               <a:pPr/>
-              <a:t>5. Juli 2017</a:t>
+              <a:t>6. Juli 2017</a:t>
             </a:fld>
             <a:endParaRPr lang="de-DE"/>
           </a:p>
@@ -3548,7 +3406,7 @@
             <a:fld id="{C36AA9A4-5D0B-4134-89A6-D8B9DAA4F25C}" type="slidenum">
               <a:rPr lang="de-DE" smtClean="0"/>
               <a:pPr/>
-              <a:t>9</a:t>
+              <a:t>10</a:t>
             </a:fld>
             <a:endParaRPr lang="de-DE"/>
           </a:p>
@@ -3934,7 +3792,7 @@
                 <a:tabLst/>
                 <a:defRPr/>
               </a:pPr>
-              <a:t>05.07.2017</a:t>
+              <a:t>06.07.2017</a:t>
             </a:fld>
             <a:r>
               <a:rPr kumimoji="0" lang="de-DE" sz="1000" b="0" i="0" u="none" strike="noStrike" kern="1200" cap="none" spc="0" normalizeH="0" baseline="0" noProof="0" dirty="0">
@@ -4380,7 +4238,7 @@
                 <a:tabLst/>
                 <a:defRPr/>
               </a:pPr>
-              <a:t>05.07.2017</a:t>
+              <a:t>06.07.2017</a:t>
             </a:fld>
             <a:r>
               <a:rPr kumimoji="0" lang="de-DE" sz="1000" b="0" i="0" u="none" strike="noStrike" kern="1200" cap="none" spc="0" normalizeH="0" baseline="0" noProof="0" dirty="0">
@@ -6083,7 +5941,7 @@
                 <a:tabLst/>
                 <a:defRPr/>
               </a:pPr>
-              <a:t>05.07.2017</a:t>
+              <a:t>06.07.2017</a:t>
             </a:fld>
             <a:r>
               <a:rPr kumimoji="0" lang="de-DE" sz="1000" b="0" i="0" u="none" strike="noStrike" kern="1200" cap="none" spc="0" normalizeH="0" baseline="0" noProof="0" dirty="0">
@@ -6802,7 +6660,7 @@
           <p:cNvPr id="4" name="Grafik 3">
             <a:extLst>
               <a:ext uri="{FF2B5EF4-FFF2-40B4-BE49-F238E27FC236}">
-                <a16:creationId xmlns:a16="http://schemas.microsoft.com/office/drawing/2014/main" xmlns="" id="{18A4F8C9-BC47-4597-A341-7BD061B63621}"/>
+                <a16:creationId xmlns="" xmlns:a16="http://schemas.microsoft.com/office/drawing/2014/main" id="{18A4F8C9-BC47-4597-A341-7BD061B63621}"/>
               </a:ext>
             </a:extLst>
           </p:cNvPr>
@@ -6832,7 +6690,7 @@
           <p:cNvPr id="8" name="Gerade Verbindung mit Pfeil 7">
             <a:extLst>
               <a:ext uri="{FF2B5EF4-FFF2-40B4-BE49-F238E27FC236}">
-                <a16:creationId xmlns:a16="http://schemas.microsoft.com/office/drawing/2014/main" xmlns="" id="{6AEE5332-9F2B-40A4-B03C-0CA4C32B5711}"/>
+                <a16:creationId xmlns="" xmlns:a16="http://schemas.microsoft.com/office/drawing/2014/main" id="{6AEE5332-9F2B-40A4-B03C-0CA4C32B5711}"/>
               </a:ext>
             </a:extLst>
           </p:cNvPr>
@@ -6876,7 +6734,7 @@
           <p:cNvPr id="9" name="Rechteck 8">
             <a:extLst>
               <a:ext uri="{FF2B5EF4-FFF2-40B4-BE49-F238E27FC236}">
-                <a16:creationId xmlns:a16="http://schemas.microsoft.com/office/drawing/2014/main" xmlns="" id="{3778A54C-BCC7-4667-8D22-D645A2858F58}"/>
+                <a16:creationId xmlns="" xmlns:a16="http://schemas.microsoft.com/office/drawing/2014/main" id="{3778A54C-BCC7-4667-8D22-D645A2858F58}"/>
               </a:ext>
             </a:extLst>
           </p:cNvPr>
@@ -6972,7 +6830,7 @@
           <p:cNvPr id="2" name="Titel 1">
             <a:extLst>
               <a:ext uri="{FF2B5EF4-FFF2-40B4-BE49-F238E27FC236}">
-                <a16:creationId xmlns:a16="http://schemas.microsoft.com/office/drawing/2014/main" xmlns="" id="{98E30EB0-62A0-4D55-AF97-782AB848AE3B}"/>
+                <a16:creationId xmlns="" xmlns:a16="http://schemas.microsoft.com/office/drawing/2014/main" id="{E94AB448-E08C-4FC1-AAC0-98431019A5B8}"/>
               </a:ext>
             </a:extLst>
           </p:cNvPr>
@@ -6990,8 +6848,13 @@
           <a:p>
             <a:r>
               <a:rPr lang="de-DE" dirty="0"/>
-              <a:t>Kanalströmung: Geometrie </a:t>
-            </a:r>
+              <a:t>Aachen-Turbine: Wirkungsgrade -</a:t>
+            </a:r>
+            <a:r>
+              <a:rPr lang="de-DE" dirty="0" err="1"/>
+              <a:t>vllt</a:t>
+            </a:r>
+            <a:endParaRPr lang="de-DE" dirty="0"/>
           </a:p>
         </p:txBody>
       </p:sp>
@@ -7000,7 +6863,160 @@
           <p:cNvPr id="3" name="Inhaltsplatzhalter 2">
             <a:extLst>
               <a:ext uri="{FF2B5EF4-FFF2-40B4-BE49-F238E27FC236}">
-                <a16:creationId xmlns:a16="http://schemas.microsoft.com/office/drawing/2014/main" xmlns="" id="{5CE73134-BC2B-467B-B2FE-58257A89BDB4}"/>
+                <a16:creationId xmlns="" xmlns:a16="http://schemas.microsoft.com/office/drawing/2014/main" id="{EE905004-B708-4F44-A14B-50934B89FAB0}"/>
+              </a:ext>
+            </a:extLst>
+          </p:cNvPr>
+          <p:cNvSpPr>
+            <a:spLocks noGrp="1"/>
+          </p:cNvSpPr>
+          <p:nvPr>
+            <p:ph idx="1"/>
+          </p:nvPr>
+        </p:nvSpPr>
+        <p:spPr/>
+        <p:txBody>
+          <a:bodyPr/>
+          <a:lstStyle/>
+          <a:p>
+            <a:r>
+              <a:rPr lang="de-DE" dirty="0"/>
+              <a:t>Tabelle strukturiert, unstrukturiert</a:t>
+            </a:r>
+          </a:p>
+          <a:p>
+            <a:r>
+              <a:rPr lang="de-DE" dirty="0"/>
+              <a:t>Hinweis auf Oberflächennetz</a:t>
+            </a:r>
+          </a:p>
+          <a:p>
+            <a:r>
+              <a:rPr lang="de-DE" dirty="0"/>
+              <a:t>Überleitung zu Kanal mit Sprung in der </a:t>
+            </a:r>
+            <a:r>
+              <a:rPr lang="de-DE" dirty="0" err="1"/>
+              <a:t>cfx</a:t>
+            </a:r>
+            <a:r>
+              <a:rPr lang="de-DE" dirty="0"/>
+              <a:t> </a:t>
+            </a:r>
+            <a:r>
+              <a:rPr lang="de-DE" dirty="0" err="1"/>
+              <a:t>cp</a:t>
+            </a:r>
+            <a:r>
+              <a:rPr lang="de-DE" dirty="0"/>
+              <a:t> </a:t>
+            </a:r>
+            <a:r>
+              <a:rPr lang="de-DE" dirty="0" err="1"/>
+              <a:t>tt</a:t>
+            </a:r>
+            <a:r>
+              <a:rPr lang="de-DE" dirty="0"/>
+              <a:t> </a:t>
+            </a:r>
+            <a:r>
+              <a:rPr lang="de-DE" dirty="0" err="1"/>
+              <a:t>wirkunsgrad</a:t>
+            </a:r>
+            <a:r>
+              <a:rPr lang="de-DE" dirty="0"/>
+              <a:t> -&gt; </a:t>
+            </a:r>
+            <a:r>
+              <a:rPr lang="de-DE" dirty="0" err="1"/>
+              <a:t>einfluss</a:t>
+            </a:r>
+            <a:r>
+              <a:rPr lang="de-DE" dirty="0"/>
+              <a:t> </a:t>
+            </a:r>
+            <a:r>
+              <a:rPr lang="de-DE" dirty="0" err="1"/>
+              <a:t>mixing</a:t>
+            </a:r>
+            <a:r>
+              <a:rPr lang="de-DE" dirty="0"/>
+              <a:t> plane</a:t>
+            </a:r>
+          </a:p>
+        </p:txBody>
+      </p:sp>
+    </p:spTree>
+    <p:extLst>
+      <p:ext uri="{BB962C8B-B14F-4D97-AF65-F5344CB8AC3E}">
+        <p14:creationId xmlns:p14="http://schemas.microsoft.com/office/powerpoint/2010/main" val="4152841154"/>
+      </p:ext>
+    </p:extLst>
+  </p:cSld>
+  <p:clrMapOvr>
+    <a:masterClrMapping/>
+  </p:clrMapOvr>
+  <p:timing>
+    <p:tnLst>
+      <p:par>
+        <p:cTn id="1" dur="indefinite" restart="never" nodeType="tmRoot"/>
+      </p:par>
+    </p:tnLst>
+  </p:timing>
+</p:sld>
+</file>
+
+<file path=ppt/slides/slide11.xml><?xml version="1.0" encoding="utf-8"?>
+<p:sld xmlns:a="http://schemas.openxmlformats.org/drawingml/2006/main" xmlns:r="http://schemas.openxmlformats.org/officeDocument/2006/relationships" xmlns:p="http://schemas.openxmlformats.org/presentationml/2006/main">
+  <p:cSld>
+    <p:spTree>
+      <p:nvGrpSpPr>
+        <p:cNvPr id="1" name=""/>
+        <p:cNvGrpSpPr/>
+        <p:nvPr/>
+      </p:nvGrpSpPr>
+      <p:grpSpPr>
+        <a:xfrm>
+          <a:off x="0" y="0"/>
+          <a:ext cx="0" cy="0"/>
+          <a:chOff x="0" y="0"/>
+          <a:chExt cx="0" cy="0"/>
+        </a:xfrm>
+      </p:grpSpPr>
+      <p:sp>
+        <p:nvSpPr>
+          <p:cNvPr id="2" name="Titel 1">
+            <a:extLst>
+              <a:ext uri="{FF2B5EF4-FFF2-40B4-BE49-F238E27FC236}">
+                <a16:creationId xmlns="" xmlns:a16="http://schemas.microsoft.com/office/drawing/2014/main" id="{98E30EB0-62A0-4D55-AF97-782AB848AE3B}"/>
+              </a:ext>
+            </a:extLst>
+          </p:cNvPr>
+          <p:cNvSpPr>
+            <a:spLocks noGrp="1"/>
+          </p:cNvSpPr>
+          <p:nvPr>
+            <p:ph type="title"/>
+          </p:nvPr>
+        </p:nvSpPr>
+        <p:spPr/>
+        <p:txBody>
+          <a:bodyPr/>
+          <a:lstStyle/>
+          <a:p>
+            <a:r>
+              <a:rPr lang="de-DE" dirty="0"/>
+              <a:t>Kanalströmung: Geometrie </a:t>
+            </a:r>
+          </a:p>
+        </p:txBody>
+      </p:sp>
+      <p:sp>
+        <p:nvSpPr>
+          <p:cNvPr id="3" name="Inhaltsplatzhalter 2">
+            <a:extLst>
+              <a:ext uri="{FF2B5EF4-FFF2-40B4-BE49-F238E27FC236}">
+                <a16:creationId xmlns="" xmlns:a16="http://schemas.microsoft.com/office/drawing/2014/main" id="{5CE73134-BC2B-467B-B2FE-58257A89BDB4}"/>
               </a:ext>
             </a:extLst>
           </p:cNvPr>
@@ -7906,228 +7922,6 @@
 </p:sld>
 </file>
 
-<file path=ppt/slides/slide11.xml><?xml version="1.0" encoding="utf-8"?>
-<p:sld xmlns:a="http://schemas.openxmlformats.org/drawingml/2006/main" xmlns:r="http://schemas.openxmlformats.org/officeDocument/2006/relationships" xmlns:p="http://schemas.openxmlformats.org/presentationml/2006/main">
-  <p:cSld>
-    <p:spTree>
-      <p:nvGrpSpPr>
-        <p:cNvPr id="1" name=""/>
-        <p:cNvGrpSpPr/>
-        <p:nvPr/>
-      </p:nvGrpSpPr>
-      <p:grpSpPr>
-        <a:xfrm>
-          <a:off x="0" y="0"/>
-          <a:ext cx="0" cy="0"/>
-          <a:chOff x="0" y="0"/>
-          <a:chExt cx="0" cy="0"/>
-        </a:xfrm>
-      </p:grpSpPr>
-      <p:sp>
-        <p:nvSpPr>
-          <p:cNvPr id="2" name="Titel 1">
-            <a:extLst>
-              <a:ext uri="{FF2B5EF4-FFF2-40B4-BE49-F238E27FC236}">
-                <a16:creationId xmlns:a16="http://schemas.microsoft.com/office/drawing/2014/main" xmlns="" id="{92BC8844-D44E-4A34-A3E9-BBC46793D01F}"/>
-              </a:ext>
-            </a:extLst>
-          </p:cNvPr>
-          <p:cNvSpPr>
-            <a:spLocks noGrp="1"/>
-          </p:cNvSpPr>
-          <p:nvPr>
-            <p:ph type="title"/>
-          </p:nvPr>
-        </p:nvSpPr>
-        <p:spPr/>
-        <p:txBody>
-          <a:bodyPr/>
-          <a:lstStyle/>
-          <a:p>
-            <a:r>
-              <a:rPr lang="de-DE" dirty="0"/>
-              <a:t>Kanalströmung: Setups</a:t>
-            </a:r>
-          </a:p>
-        </p:txBody>
-      </p:sp>
-      <p:sp>
-        <p:nvSpPr>
-          <p:cNvPr id="3" name="Inhaltsplatzhalter 2">
-            <a:extLst>
-              <a:ext uri="{FF2B5EF4-FFF2-40B4-BE49-F238E27FC236}">
-                <a16:creationId xmlns:a16="http://schemas.microsoft.com/office/drawing/2014/main" xmlns="" id="{226BDF4D-EA65-4EB5-9166-5B6F009BEDE8}"/>
-              </a:ext>
-            </a:extLst>
-          </p:cNvPr>
-          <p:cNvSpPr>
-            <a:spLocks noGrp="1"/>
-          </p:cNvSpPr>
-          <p:nvPr>
-            <p:ph idx="1"/>
-          </p:nvPr>
-        </p:nvSpPr>
-        <p:spPr/>
-        <p:txBody>
-          <a:bodyPr/>
-          <a:lstStyle/>
-          <a:p>
-            <a:r>
-              <a:rPr lang="de-DE" dirty="0" smtClean="0"/>
-              <a:t>Schräge Eintrittsströmung:</a:t>
-            </a:r>
-          </a:p>
-          <a:p>
-            <a:endParaRPr lang="de-DE" dirty="0"/>
-          </a:p>
-          <a:p>
-            <a:endParaRPr lang="de-DE" dirty="0" smtClean="0"/>
-          </a:p>
-          <a:p>
-            <a:r>
-              <a:rPr lang="de-DE" dirty="0" err="1" smtClean="0"/>
-              <a:t>Drallbehaftete</a:t>
-            </a:r>
-            <a:r>
-              <a:rPr lang="de-DE" dirty="0" smtClean="0"/>
-              <a:t> Strömung:</a:t>
-            </a:r>
-          </a:p>
-          <a:p>
-            <a:endParaRPr lang="de-DE" dirty="0"/>
-          </a:p>
-          <a:p>
-            <a:endParaRPr lang="de-DE" dirty="0" smtClean="0"/>
-          </a:p>
-          <a:p>
-            <a:endParaRPr lang="de-DE" dirty="0"/>
-          </a:p>
-          <a:p>
-            <a:r>
-              <a:rPr lang="de-DE" dirty="0" smtClean="0"/>
-              <a:t>Inhomogener Temperaturverlauf:</a:t>
-            </a:r>
-          </a:p>
-          <a:p>
-            <a:pPr lvl="2"/>
-            <a:r>
-              <a:rPr lang="de-DE" dirty="0" smtClean="0"/>
-              <a:t>Hot-Spot</a:t>
-            </a:r>
-            <a:endParaRPr lang="de-DE" dirty="0"/>
-          </a:p>
-        </p:txBody>
-      </p:sp>
-      <p:pic>
-        <p:nvPicPr>
-          <p:cNvPr id="4" name="Grafik 3"/>
-          <p:cNvPicPr>
-            <a:picLocks noChangeAspect="1"/>
-          </p:cNvPicPr>
-          <p:nvPr/>
-        </p:nvPicPr>
-        <p:blipFill>
-          <a:blip r:embed="rId3" cstate="print">
-            <a:extLst>
-              <a:ext uri="{28A0092B-C50C-407E-A947-70E740481C1C}">
-                <a14:useLocalDpi xmlns:a14="http://schemas.microsoft.com/office/drawing/2010/main" val="0"/>
-              </a:ext>
-            </a:extLst>
-          </a:blip>
-          <a:stretch>
-            <a:fillRect/>
-          </a:stretch>
-        </p:blipFill>
-        <p:spPr>
-          <a:xfrm>
-            <a:off x="5080894" y="1572917"/>
-            <a:ext cx="3019498" cy="1402421"/>
-          </a:xfrm>
-          <a:prstGeom prst="rect">
-            <a:avLst/>
-          </a:prstGeom>
-        </p:spPr>
-      </p:pic>
-      <p:pic>
-        <p:nvPicPr>
-          <p:cNvPr id="5" name="Grafik 4"/>
-          <p:cNvPicPr>
-            <a:picLocks noChangeAspect="1"/>
-          </p:cNvPicPr>
-          <p:nvPr/>
-        </p:nvPicPr>
-        <p:blipFill>
-          <a:blip r:embed="rId4" cstate="print">
-            <a:extLst>
-              <a:ext uri="{28A0092B-C50C-407E-A947-70E740481C1C}">
-                <a14:useLocalDpi xmlns:a14="http://schemas.microsoft.com/office/drawing/2010/main" val="0"/>
-              </a:ext>
-            </a:extLst>
-          </a:blip>
-          <a:stretch>
-            <a:fillRect/>
-          </a:stretch>
-        </p:blipFill>
-        <p:spPr>
-          <a:xfrm>
-            <a:off x="5080895" y="4595055"/>
-            <a:ext cx="2904543" cy="1548855"/>
-          </a:xfrm>
-          <a:prstGeom prst="rect">
-            <a:avLst/>
-          </a:prstGeom>
-        </p:spPr>
-      </p:pic>
-      <p:pic>
-        <p:nvPicPr>
-          <p:cNvPr id="6" name="Grafik 5"/>
-          <p:cNvPicPr>
-            <a:picLocks noChangeAspect="1"/>
-          </p:cNvPicPr>
-          <p:nvPr/>
-        </p:nvPicPr>
-        <p:blipFill>
-          <a:blip r:embed="rId5" cstate="print">
-            <a:extLst>
-              <a:ext uri="{28A0092B-C50C-407E-A947-70E740481C1C}">
-                <a14:useLocalDpi xmlns:a14="http://schemas.microsoft.com/office/drawing/2010/main" val="0"/>
-              </a:ext>
-            </a:extLst>
-          </a:blip>
-          <a:stretch>
-            <a:fillRect/>
-          </a:stretch>
-        </p:blipFill>
-        <p:spPr>
-          <a:xfrm>
-            <a:off x="5080895" y="2969030"/>
-            <a:ext cx="2904544" cy="1333175"/>
-          </a:xfrm>
-          <a:prstGeom prst="rect">
-            <a:avLst/>
-          </a:prstGeom>
-        </p:spPr>
-      </p:pic>
-    </p:spTree>
-    <p:extLst>
-      <p:ext uri="{BB962C8B-B14F-4D97-AF65-F5344CB8AC3E}">
-        <p14:creationId xmlns:p14="http://schemas.microsoft.com/office/powerpoint/2010/main" val="1043118149"/>
-      </p:ext>
-    </p:extLst>
-  </p:cSld>
-  <p:clrMapOvr>
-    <a:masterClrMapping/>
-  </p:clrMapOvr>
-  <p:timing>
-    <p:tnLst>
-      <p:par>
-        <p:cTn id="1" dur="indefinite" restart="never" nodeType="tmRoot"/>
-      </p:par>
-    </p:tnLst>
-  </p:timing>
-</p:sld>
-</file>
-
 <file path=ppt/slides/slide12.xml><?xml version="1.0" encoding="utf-8"?>
 <p:sld xmlns:a="http://schemas.openxmlformats.org/drawingml/2006/main" xmlns:r="http://schemas.openxmlformats.org/officeDocument/2006/relationships" xmlns:p="http://schemas.openxmlformats.org/presentationml/2006/main">
   <p:cSld>
@@ -8147,10 +7941,581 @@
       </p:grpSpPr>
       <p:sp>
         <p:nvSpPr>
+          <p:cNvPr id="2" name="Titel 1"/>
+          <p:cNvSpPr>
+            <a:spLocks noGrp="1"/>
+          </p:cNvSpPr>
+          <p:nvPr>
+            <p:ph type="title"/>
+          </p:nvPr>
+        </p:nvSpPr>
+        <p:spPr/>
+        <p:txBody>
+          <a:bodyPr/>
+          <a:lstStyle/>
+          <a:p>
+            <a:r>
+              <a:rPr lang="de-DE" dirty="0"/>
+              <a:t>Kanalströmung: Geometrie </a:t>
+            </a:r>
+          </a:p>
+        </p:txBody>
+      </p:sp>
+      <p:sp>
+        <p:nvSpPr>
+          <p:cNvPr id="3" name="Inhaltsplatzhalter 2"/>
+          <p:cNvSpPr>
+            <a:spLocks noGrp="1"/>
+          </p:cNvSpPr>
+          <p:nvPr>
+            <p:ph idx="1"/>
+          </p:nvPr>
+        </p:nvSpPr>
+        <p:spPr/>
+        <p:txBody>
+          <a:bodyPr/>
+          <a:lstStyle/>
+          <a:p>
+            <a:r>
+              <a:rPr lang="de-DE" dirty="0"/>
+              <a:t>Kreisring-Rohrströmung</a:t>
+            </a:r>
+          </a:p>
+          <a:p>
+            <a:r>
+              <a:rPr lang="de-DE" dirty="0"/>
+              <a:t>1. Teil stationär</a:t>
+            </a:r>
+          </a:p>
+          <a:p>
+            <a:r>
+              <a:rPr lang="de-DE" dirty="0"/>
+              <a:t>2. Teil rotiert</a:t>
+            </a:r>
+          </a:p>
+          <a:p>
+            <a:endParaRPr lang="de-DE" dirty="0"/>
+          </a:p>
+        </p:txBody>
+      </p:sp>
+      <p:grpSp>
+        <p:nvGrpSpPr>
+          <p:cNvPr id="4" name="Gruppieren 3"/>
+          <p:cNvGrpSpPr/>
+          <p:nvPr/>
+        </p:nvGrpSpPr>
+        <p:grpSpPr>
+          <a:xfrm>
+            <a:off x="4211960" y="1620000"/>
+            <a:ext cx="3816424" cy="4701789"/>
+            <a:chOff x="4211960" y="1620000"/>
+            <a:chExt cx="3816424" cy="4701789"/>
+          </a:xfrm>
+        </p:grpSpPr>
+        <p:pic>
+          <p:nvPicPr>
+            <p:cNvPr id="5" name="Grafik 4"/>
+            <p:cNvPicPr>
+              <a:picLocks noChangeAspect="1"/>
+            </p:cNvPicPr>
+            <p:nvPr/>
+          </p:nvPicPr>
+          <p:blipFill>
+            <a:blip r:embed="rId2">
+              <a:extLst>
+                <a:ext uri="{28A0092B-C50C-407E-A947-70E740481C1C}">
+                  <a14:useLocalDpi xmlns:a14="http://schemas.microsoft.com/office/drawing/2010/main" val="0"/>
+                </a:ext>
+              </a:extLst>
+            </a:blip>
+            <a:stretch>
+              <a:fillRect/>
+            </a:stretch>
+          </p:blipFill>
+          <p:spPr>
+            <a:xfrm>
+              <a:off x="4211960" y="1620000"/>
+              <a:ext cx="3816424" cy="4701789"/>
+            </a:xfrm>
+            <a:prstGeom prst="rect">
+              <a:avLst/>
+            </a:prstGeom>
+          </p:spPr>
+        </p:pic>
+        <p:sp>
+          <p:nvSpPr>
+            <p:cNvPr id="6" name="Bogen 5"/>
+            <p:cNvSpPr/>
+            <p:nvPr/>
+          </p:nvSpPr>
+          <p:spPr>
+            <a:xfrm rot="776042">
+              <a:off x="5277336" y="2301795"/>
+              <a:ext cx="2348851" cy="1728192"/>
+            </a:xfrm>
+            <a:prstGeom prst="arc">
+              <a:avLst>
+                <a:gd name="adj1" fmla="val 11614626"/>
+                <a:gd name="adj2" fmla="val 20976538"/>
+              </a:avLst>
+            </a:prstGeom>
+            <a:ln w="34925">
+              <a:solidFill>
+                <a:srgbClr val="005088"/>
+              </a:solidFill>
+              <a:headEnd type="none" w="med" len="med"/>
+              <a:tailEnd type="triangle" w="lg" len="lg"/>
+            </a:ln>
+          </p:spPr>
+          <p:style>
+            <a:lnRef idx="1">
+              <a:schemeClr val="accent1"/>
+            </a:lnRef>
+            <a:fillRef idx="0">
+              <a:schemeClr val="accent1"/>
+            </a:fillRef>
+            <a:effectRef idx="0">
+              <a:schemeClr val="accent1"/>
+            </a:effectRef>
+            <a:fontRef idx="minor">
+              <a:schemeClr val="tx1"/>
+            </a:fontRef>
+          </p:style>
+          <p:txBody>
+            <a:bodyPr rtlCol="0" anchor="ctr"/>
+            <a:lstStyle/>
+            <a:p>
+              <a:pPr algn="ctr"/>
+              <a:endParaRPr lang="de-DE"/>
+            </a:p>
+          </p:txBody>
+        </p:sp>
+        <p:sp>
+          <p:nvSpPr>
+            <p:cNvPr id="7" name="Ellipse 6"/>
+            <p:cNvSpPr/>
+            <p:nvPr/>
+          </p:nvSpPr>
+          <p:spPr>
+            <a:xfrm>
+              <a:off x="5136530" y="3098727"/>
+              <a:ext cx="1834780" cy="1740666"/>
+            </a:xfrm>
+            <a:prstGeom prst="ellipse">
+              <a:avLst/>
+            </a:prstGeom>
+            <a:solidFill>
+              <a:srgbClr val="FFC000">
+                <a:alpha val="61176"/>
+              </a:srgbClr>
+            </a:solidFill>
+          </p:spPr>
+          <p:style>
+            <a:lnRef idx="2">
+              <a:schemeClr val="accent1">
+                <a:shade val="50000"/>
+              </a:schemeClr>
+            </a:lnRef>
+            <a:fillRef idx="1">
+              <a:schemeClr val="accent1"/>
+            </a:fillRef>
+            <a:effectRef idx="0">
+              <a:schemeClr val="accent1"/>
+            </a:effectRef>
+            <a:fontRef idx="minor">
+              <a:schemeClr val="lt1"/>
+            </a:fontRef>
+          </p:style>
+          <p:txBody>
+            <a:bodyPr rtlCol="0" anchor="ctr"/>
+            <a:lstStyle/>
+            <a:p>
+              <a:pPr algn="ctr"/>
+              <a:endParaRPr lang="de-DE"/>
+            </a:p>
+          </p:txBody>
+        </p:sp>
+        <p:sp>
+          <p:nvSpPr>
+            <p:cNvPr id="8" name="Ellipse 7"/>
+            <p:cNvSpPr/>
+            <p:nvPr/>
+          </p:nvSpPr>
+          <p:spPr>
+            <a:xfrm>
+              <a:off x="5617206" y="3537768"/>
+              <a:ext cx="876233" cy="862584"/>
+            </a:xfrm>
+            <a:prstGeom prst="ellipse">
+              <a:avLst/>
+            </a:prstGeom>
+            <a:solidFill>
+              <a:srgbClr val="BBE0E3">
+                <a:alpha val="56078"/>
+              </a:srgbClr>
+            </a:solidFill>
+          </p:spPr>
+          <p:style>
+            <a:lnRef idx="2">
+              <a:schemeClr val="accent1">
+                <a:shade val="50000"/>
+              </a:schemeClr>
+            </a:lnRef>
+            <a:fillRef idx="1">
+              <a:schemeClr val="accent1"/>
+            </a:fillRef>
+            <a:effectRef idx="0">
+              <a:schemeClr val="accent1"/>
+            </a:effectRef>
+            <a:fontRef idx="minor">
+              <a:schemeClr val="lt1"/>
+            </a:fontRef>
+          </p:style>
+          <p:txBody>
+            <a:bodyPr rtlCol="0" anchor="ctr"/>
+            <a:lstStyle/>
+            <a:p>
+              <a:pPr algn="ctr"/>
+              <a:endParaRPr lang="de-DE"/>
+            </a:p>
+          </p:txBody>
+        </p:sp>
+      </p:grpSp>
+      <p:cxnSp>
+        <p:nvCxnSpPr>
+          <p:cNvPr id="9" name="Gerade Verbindung mit Pfeil 8"/>
+          <p:cNvCxnSpPr>
+            <a:stCxn id="10" idx="3"/>
+          </p:cNvCxnSpPr>
+          <p:nvPr/>
+        </p:nvCxnSpPr>
+        <p:spPr>
+          <a:xfrm>
+            <a:off x="3100024" y="3723545"/>
+            <a:ext cx="2376264" cy="477516"/>
+          </a:xfrm>
+          <a:prstGeom prst="straightConnector1">
+            <a:avLst/>
+          </a:prstGeom>
+          <a:ln w="28575">
+            <a:solidFill>
+              <a:srgbClr val="004E8A"/>
+            </a:solidFill>
+            <a:headEnd w="lg" len="lg"/>
+            <a:tailEnd type="triangle" w="lg" len="lg"/>
+          </a:ln>
+        </p:spPr>
+        <p:style>
+          <a:lnRef idx="1">
+            <a:schemeClr val="accent1"/>
+          </a:lnRef>
+          <a:fillRef idx="0">
+            <a:schemeClr val="accent1"/>
+          </a:fillRef>
+          <a:effectRef idx="0">
+            <a:schemeClr val="accent1"/>
+          </a:effectRef>
+          <a:fontRef idx="minor">
+            <a:schemeClr val="tx1"/>
+          </a:fontRef>
+        </p:style>
+      </p:cxnSp>
+      <p:sp>
+        <p:nvSpPr>
+          <p:cNvPr id="10" name="Textfeld 9"/>
+          <p:cNvSpPr txBox="1"/>
+          <p:nvPr/>
+        </p:nvSpPr>
+        <p:spPr>
+          <a:xfrm>
+            <a:off x="1552320" y="3538879"/>
+            <a:ext cx="1547704" cy="369332"/>
+          </a:xfrm>
+          <a:prstGeom prst="rect">
+            <a:avLst/>
+          </a:prstGeom>
+          <a:solidFill>
+            <a:srgbClr val="004E8A"/>
+          </a:solidFill>
+        </p:spPr>
+        <p:txBody>
+          <a:bodyPr wrap="square" rtlCol="0" anchor="ctr">
+            <a:spAutoFit/>
+          </a:bodyPr>
+          <a:lstStyle/>
+          <a:p>
+            <a:r>
+              <a:rPr lang="de-DE" dirty="0" smtClean="0">
+                <a:solidFill>
+                  <a:schemeClr val="bg1"/>
+                </a:solidFill>
+              </a:rPr>
+              <a:t>Mixing Plane</a:t>
+            </a:r>
+            <a:endParaRPr lang="de-DE" dirty="0">
+              <a:solidFill>
+                <a:schemeClr val="bg1"/>
+              </a:solidFill>
+            </a:endParaRPr>
+          </a:p>
+        </p:txBody>
+      </p:sp>
+    </p:spTree>
+    <p:extLst>
+      <p:ext uri="{BB962C8B-B14F-4D97-AF65-F5344CB8AC3E}">
+        <p14:creationId xmlns:p14="http://schemas.microsoft.com/office/powerpoint/2010/main" val="4064875796"/>
+      </p:ext>
+    </p:extLst>
+  </p:cSld>
+  <p:clrMapOvr>
+    <a:masterClrMapping/>
+  </p:clrMapOvr>
+  <p:timing>
+    <p:tnLst>
+      <p:par>
+        <p:cTn id="1" dur="indefinite" restart="never" nodeType="tmRoot"/>
+      </p:par>
+    </p:tnLst>
+  </p:timing>
+</p:sld>
+</file>
+
+<file path=ppt/slides/slide13.xml><?xml version="1.0" encoding="utf-8"?>
+<p:sld xmlns:a="http://schemas.openxmlformats.org/drawingml/2006/main" xmlns:r="http://schemas.openxmlformats.org/officeDocument/2006/relationships" xmlns:p="http://schemas.openxmlformats.org/presentationml/2006/main">
+  <p:cSld>
+    <p:spTree>
+      <p:nvGrpSpPr>
+        <p:cNvPr id="1" name=""/>
+        <p:cNvGrpSpPr/>
+        <p:nvPr/>
+      </p:nvGrpSpPr>
+      <p:grpSpPr>
+        <a:xfrm>
+          <a:off x="0" y="0"/>
+          <a:ext cx="0" cy="0"/>
+          <a:chOff x="0" y="0"/>
+          <a:chExt cx="0" cy="0"/>
+        </a:xfrm>
+      </p:grpSpPr>
+      <p:sp>
+        <p:nvSpPr>
+          <p:cNvPr id="2" name="Titel 1"/>
+          <p:cNvSpPr>
+            <a:spLocks noGrp="1"/>
+          </p:cNvSpPr>
+          <p:nvPr>
+            <p:ph type="title"/>
+          </p:nvPr>
+        </p:nvSpPr>
+        <p:spPr/>
+        <p:txBody>
+          <a:bodyPr/>
+          <a:lstStyle/>
+          <a:p>
+            <a:r>
+              <a:rPr lang="de-DE" dirty="0" smtClean="0"/>
+              <a:t>Randbedingungen</a:t>
+            </a:r>
+            <a:endParaRPr lang="de-DE" dirty="0"/>
+          </a:p>
+        </p:txBody>
+      </p:sp>
+      <p:sp>
+        <p:nvSpPr>
+          <p:cNvPr id="3" name="Inhaltsplatzhalter 2"/>
+          <p:cNvSpPr>
+            <a:spLocks noGrp="1"/>
+          </p:cNvSpPr>
+          <p:nvPr>
+            <p:ph idx="1"/>
+          </p:nvPr>
+        </p:nvSpPr>
+        <p:spPr/>
+        <p:txBody>
+          <a:bodyPr/>
+          <a:lstStyle/>
+          <a:p>
+            <a:r>
+              <a:rPr lang="de-DE" dirty="0"/>
+              <a:t>Schräge Eintrittsströmung:</a:t>
+            </a:r>
+          </a:p>
+          <a:p>
+            <a:endParaRPr lang="de-DE" dirty="0"/>
+          </a:p>
+          <a:p>
+            <a:endParaRPr lang="de-DE" dirty="0"/>
+          </a:p>
+          <a:p>
+            <a:r>
+              <a:rPr lang="de-DE" dirty="0" err="1"/>
+              <a:t>Drallbehaftete</a:t>
+            </a:r>
+            <a:r>
+              <a:rPr lang="de-DE" dirty="0"/>
+              <a:t> Strömung:</a:t>
+            </a:r>
+          </a:p>
+          <a:p>
+            <a:endParaRPr lang="de-DE" dirty="0"/>
+          </a:p>
+          <a:p>
+            <a:endParaRPr lang="de-DE" dirty="0"/>
+          </a:p>
+          <a:p>
+            <a:endParaRPr lang="de-DE" dirty="0"/>
+          </a:p>
+          <a:p>
+            <a:r>
+              <a:rPr lang="de-DE" dirty="0"/>
+              <a:t>Inhomogener Temperaturverlauf:</a:t>
+            </a:r>
+          </a:p>
+          <a:p>
+            <a:pPr lvl="2"/>
+            <a:r>
+              <a:rPr lang="de-DE" dirty="0"/>
+              <a:t>Hot-Spot</a:t>
+            </a:r>
+          </a:p>
+          <a:p>
+            <a:endParaRPr lang="de-DE" dirty="0"/>
+          </a:p>
+        </p:txBody>
+      </p:sp>
+      <p:pic>
+        <p:nvPicPr>
+          <p:cNvPr id="4" name="Grafik 3"/>
+          <p:cNvPicPr>
+            <a:picLocks noChangeAspect="1"/>
+          </p:cNvPicPr>
+          <p:nvPr/>
+        </p:nvPicPr>
+        <p:blipFill>
+          <a:blip r:embed="rId2">
+            <a:extLst>
+              <a:ext uri="{28A0092B-C50C-407E-A947-70E740481C1C}">
+                <a14:useLocalDpi xmlns:a14="http://schemas.microsoft.com/office/drawing/2010/main" val="0"/>
+              </a:ext>
+            </a:extLst>
+          </a:blip>
+          <a:stretch>
+            <a:fillRect/>
+          </a:stretch>
+        </p:blipFill>
+        <p:spPr>
+          <a:xfrm>
+            <a:off x="4789376" y="2939506"/>
+            <a:ext cx="4083092" cy="1514292"/>
+          </a:xfrm>
+          <a:prstGeom prst="rect">
+            <a:avLst/>
+          </a:prstGeom>
+        </p:spPr>
+      </p:pic>
+      <p:pic>
+        <p:nvPicPr>
+          <p:cNvPr id="5" name="Grafik 4"/>
+          <p:cNvPicPr>
+            <a:picLocks noChangeAspect="1"/>
+          </p:cNvPicPr>
+          <p:nvPr/>
+        </p:nvPicPr>
+        <p:blipFill>
+          <a:blip r:embed="rId3">
+            <a:extLst>
+              <a:ext uri="{28A0092B-C50C-407E-A947-70E740481C1C}">
+                <a14:useLocalDpi xmlns:a14="http://schemas.microsoft.com/office/drawing/2010/main" val="0"/>
+              </a:ext>
+            </a:extLst>
+          </a:blip>
+          <a:stretch>
+            <a:fillRect/>
+          </a:stretch>
+        </p:blipFill>
+        <p:spPr>
+          <a:xfrm>
+            <a:off x="4884565" y="1459834"/>
+            <a:ext cx="3963369" cy="1510531"/>
+          </a:xfrm>
+          <a:prstGeom prst="rect">
+            <a:avLst/>
+          </a:prstGeom>
+        </p:spPr>
+      </p:pic>
+      <p:pic>
+        <p:nvPicPr>
+          <p:cNvPr id="6" name="Grafik 5"/>
+          <p:cNvPicPr>
+            <a:picLocks noChangeAspect="1"/>
+          </p:cNvPicPr>
+          <p:nvPr/>
+        </p:nvPicPr>
+        <p:blipFill>
+          <a:blip r:embed="rId4">
+            <a:extLst>
+              <a:ext uri="{28A0092B-C50C-407E-A947-70E740481C1C}">
+                <a14:useLocalDpi xmlns:a14="http://schemas.microsoft.com/office/drawing/2010/main" val="0"/>
+              </a:ext>
+            </a:extLst>
+          </a:blip>
+          <a:stretch>
+            <a:fillRect/>
+          </a:stretch>
+        </p:blipFill>
+        <p:spPr>
+          <a:xfrm>
+            <a:off x="4860032" y="4644815"/>
+            <a:ext cx="4012436" cy="1420765"/>
+          </a:xfrm>
+          <a:prstGeom prst="rect">
+            <a:avLst/>
+          </a:prstGeom>
+        </p:spPr>
+      </p:pic>
+    </p:spTree>
+    <p:extLst>
+      <p:ext uri="{BB962C8B-B14F-4D97-AF65-F5344CB8AC3E}">
+        <p14:creationId xmlns:p14="http://schemas.microsoft.com/office/powerpoint/2010/main" val="403962"/>
+      </p:ext>
+    </p:extLst>
+  </p:cSld>
+  <p:clrMapOvr>
+    <a:masterClrMapping/>
+  </p:clrMapOvr>
+  <p:timing>
+    <p:tnLst>
+      <p:par>
+        <p:cTn id="1" dur="indefinite" restart="never" nodeType="tmRoot"/>
+      </p:par>
+    </p:tnLst>
+  </p:timing>
+</p:sld>
+</file>
+
+<file path=ppt/slides/slide14.xml><?xml version="1.0" encoding="utf-8"?>
+<p:sld xmlns:a="http://schemas.openxmlformats.org/drawingml/2006/main" xmlns:r="http://schemas.openxmlformats.org/officeDocument/2006/relationships" xmlns:p="http://schemas.openxmlformats.org/presentationml/2006/main">
+  <p:cSld>
+    <p:spTree>
+      <p:nvGrpSpPr>
+        <p:cNvPr id="1" name=""/>
+        <p:cNvGrpSpPr/>
+        <p:nvPr/>
+      </p:nvGrpSpPr>
+      <p:grpSpPr>
+        <a:xfrm>
+          <a:off x="0" y="0"/>
+          <a:ext cx="0" cy="0"/>
+          <a:chOff x="0" y="0"/>
+          <a:chExt cx="0" cy="0"/>
+        </a:xfrm>
+      </p:grpSpPr>
+      <p:sp>
+        <p:nvSpPr>
           <p:cNvPr id="2" name="Titel 1">
             <a:extLst>
               <a:ext uri="{FF2B5EF4-FFF2-40B4-BE49-F238E27FC236}">
-                <a16:creationId xmlns:a16="http://schemas.microsoft.com/office/drawing/2014/main" xmlns="" id="{B021C1F3-433C-41E3-8587-65D5BDA4F317}"/>
+                <a16:creationId xmlns="" xmlns:a16="http://schemas.microsoft.com/office/drawing/2014/main" id="{B021C1F3-433C-41E3-8587-65D5BDA4F317}"/>
               </a:ext>
             </a:extLst>
           </p:cNvPr>
@@ -8184,13 +8549,13 @@
               <p:nvPr>
                 <p:extLst>
                   <p:ext uri="{D42A27DB-BD31-4B8C-83A1-F6EECF244321}">
-                    <p14:modId xmlns:p14="http://schemas.microsoft.com/office/powerpoint/2010/main" val="138222847"/>
+                    <p14:modId xmlns:p14="http://schemas.microsoft.com/office/powerpoint/2010/main" val="3184962770"/>
                   </p:ext>
                 </p:extLst>
               </p:nvPr>
             </p:nvGraphicFramePr>
             <p:xfrm>
-              <a:off x="251520" y="1628800"/>
+              <a:off x="251520" y="2316907"/>
               <a:ext cx="8640960" cy="3560365"/>
             </p:xfrm>
             <a:graphic>
@@ -8203,14 +8568,14 @@
                     <a:gridCol w="2880320">
                       <a:extLst>
                         <a:ext uri="{9D8B030D-6E8A-4147-A177-3AD203B41FA5}">
-                          <a16:colId xmlns:a16="http://schemas.microsoft.com/office/drawing/2014/main" xmlns="" val="20000"/>
+                          <a16:colId xmlns="" xmlns:a16="http://schemas.microsoft.com/office/drawing/2014/main" val="20000"/>
                         </a:ext>
                       </a:extLst>
                     </a:gridCol>
                     <a:gridCol w="2016224">
                       <a:extLst>
                         <a:ext uri="{9D8B030D-6E8A-4147-A177-3AD203B41FA5}">
-                          <a16:colId xmlns:a16="http://schemas.microsoft.com/office/drawing/2014/main" xmlns="" val="20001"/>
+                          <a16:colId xmlns="" xmlns:a16="http://schemas.microsoft.com/office/drawing/2014/main" val="20001"/>
                         </a:ext>
                       </a:extLst>
                     </a:gridCol>
@@ -8230,13 +8595,18 @@
                           <a:endParaRPr lang="de-DE" dirty="0"/>
                         </a:p>
                       </a:txBody>
-                      <a:tcPr anchor="ctr"/>
+                      <a:tcPr anchor="ctr">
+                        <a:solidFill>
+                          <a:srgbClr val="004E8A"/>
+                        </a:solidFill>
+                      </a:tcPr>
                     </a:tc>
                     <a:tc>
                       <a:txBody>
                         <a:bodyPr/>
                         <a:lstStyle/>
                         <a:p>
+                          <a:pPr/>
                           <a14:m>
                             <m:oMathPara xmlns:m="http://schemas.openxmlformats.org/officeDocument/2006/math">
                               <m:oMathParaPr>
@@ -8311,13 +8681,18 @@
                           <a:endParaRPr lang="de-DE" dirty="0"/>
                         </a:p>
                       </a:txBody>
-                      <a:tcPr anchor="ctr"/>
+                      <a:tcPr anchor="ctr">
+                        <a:solidFill>
+                          <a:srgbClr val="004E8A"/>
+                        </a:solidFill>
+                      </a:tcPr>
                     </a:tc>
                     <a:tc>
                       <a:txBody>
                         <a:bodyPr/>
                         <a:lstStyle/>
                         <a:p>
+                          <a:pPr/>
                           <a14:m>
                             <m:oMathPara xmlns:m="http://schemas.openxmlformats.org/officeDocument/2006/math">
                               <m:oMathParaPr>
@@ -8386,13 +8761,18 @@
                           <a:endParaRPr lang="de-DE" dirty="0"/>
                         </a:p>
                       </a:txBody>
-                      <a:tcPr anchor="ctr"/>
+                      <a:tcPr anchor="ctr">
+                        <a:solidFill>
+                          <a:srgbClr val="004E8A"/>
+                        </a:solidFill>
+                      </a:tcPr>
                     </a:tc>
                     <a:tc>
                       <a:txBody>
                         <a:bodyPr/>
                         <a:lstStyle/>
                         <a:p>
+                          <a:pPr/>
                           <a14:m>
                             <m:oMathPara xmlns:m="http://schemas.openxmlformats.org/officeDocument/2006/math">
                               <m:oMathParaPr>
@@ -8461,11 +8841,15 @@
                           <a:endParaRPr lang="de-DE" dirty="0"/>
                         </a:p>
                       </a:txBody>
-                      <a:tcPr anchor="ctr"/>
+                      <a:tcPr anchor="ctr">
+                        <a:solidFill>
+                          <a:srgbClr val="004E8A"/>
+                        </a:solidFill>
+                      </a:tcPr>
                     </a:tc>
                     <a:extLst>
                       <a:ext uri="{0D108BD9-81ED-4DB2-BD59-A6C34878D82A}">
-                        <a16:rowId xmlns:a16="http://schemas.microsoft.com/office/drawing/2014/main" xmlns="" val="10000"/>
+                        <a16:rowId xmlns="" xmlns:a16="http://schemas.microsoft.com/office/drawing/2014/main" val="10000"/>
                       </a:ext>
                     </a:extLst>
                   </a:tr>
@@ -8482,7 +8866,11 @@
                           <a:endParaRPr lang="de-DE" dirty="0"/>
                         </a:p>
                       </a:txBody>
-                      <a:tcPr/>
+                      <a:tcPr>
+                        <a:solidFill>
+                          <a:srgbClr val="004E8A"/>
+                        </a:solidFill>
+                      </a:tcPr>
                     </a:tc>
                     <a:tc>
                       <a:txBody>
@@ -8528,7 +8916,7 @@
                     </a:tc>
                     <a:extLst>
                       <a:ext uri="{0D108BD9-81ED-4DB2-BD59-A6C34878D82A}">
-                        <a16:rowId xmlns:a16="http://schemas.microsoft.com/office/drawing/2014/main" xmlns="" val="10001"/>
+                        <a16:rowId xmlns="" xmlns:a16="http://schemas.microsoft.com/office/drawing/2014/main" val="10001"/>
                       </a:ext>
                     </a:extLst>
                   </a:tr>
@@ -8545,7 +8933,11 @@
                           <a:endParaRPr lang="de-DE" dirty="0"/>
                         </a:p>
                       </a:txBody>
-                      <a:tcPr/>
+                      <a:tcPr>
+                        <a:solidFill>
+                          <a:srgbClr val="004E8A"/>
+                        </a:solidFill>
+                      </a:tcPr>
                     </a:tc>
                     <a:tc>
                       <a:txBody>
@@ -8599,7 +8991,7 @@
                     </a:tc>
                     <a:extLst>
                       <a:ext uri="{0D108BD9-81ED-4DB2-BD59-A6C34878D82A}">
-                        <a16:rowId xmlns:a16="http://schemas.microsoft.com/office/drawing/2014/main" xmlns="" val="10002"/>
+                        <a16:rowId xmlns="" xmlns:a16="http://schemas.microsoft.com/office/drawing/2014/main" val="10002"/>
                       </a:ext>
                     </a:extLst>
                   </a:tr>
@@ -8620,7 +9012,11 @@
                           <a:endParaRPr lang="de-DE" dirty="0"/>
                         </a:p>
                       </a:txBody>
-                      <a:tcPr/>
+                      <a:tcPr>
+                        <a:solidFill>
+                          <a:srgbClr val="004E8A"/>
+                        </a:solidFill>
+                      </a:tcPr>
                     </a:tc>
                     <a:tc>
                       <a:txBody>
@@ -8674,7 +9070,7 @@
                     </a:tc>
                     <a:extLst>
                       <a:ext uri="{0D108BD9-81ED-4DB2-BD59-A6C34878D82A}">
-                        <a16:rowId xmlns:a16="http://schemas.microsoft.com/office/drawing/2014/main" xmlns="" val="10003"/>
+                        <a16:rowId xmlns="" xmlns:a16="http://schemas.microsoft.com/office/drawing/2014/main" val="10003"/>
                       </a:ext>
                     </a:extLst>
                   </a:tr>
@@ -8691,7 +9087,11 @@
                           <a:endParaRPr lang="de-DE" dirty="0"/>
                         </a:p>
                       </a:txBody>
-                      <a:tcPr/>
+                      <a:tcPr>
+                        <a:solidFill>
+                          <a:srgbClr val="004E8A"/>
+                        </a:solidFill>
+                      </a:tcPr>
                     </a:tc>
                     <a:tc>
                       <a:txBody>
@@ -8745,7 +9145,7 @@
                     </a:tc>
                     <a:extLst>
                       <a:ext uri="{0D108BD9-81ED-4DB2-BD59-A6C34878D82A}">
-                        <a16:rowId xmlns:a16="http://schemas.microsoft.com/office/drawing/2014/main" xmlns="" val="10004"/>
+                        <a16:rowId xmlns="" xmlns:a16="http://schemas.microsoft.com/office/drawing/2014/main" val="10004"/>
                       </a:ext>
                     </a:extLst>
                   </a:tr>
@@ -8766,7 +9166,11 @@
                           <a:endParaRPr lang="de-DE" dirty="0"/>
                         </a:p>
                       </a:txBody>
-                      <a:tcPr/>
+                      <a:tcPr>
+                        <a:solidFill>
+                          <a:srgbClr val="004E8A"/>
+                        </a:solidFill>
+                      </a:tcPr>
                     </a:tc>
                     <a:tc>
                       <a:txBody>
@@ -8820,7 +9224,7 @@
                     </a:tc>
                     <a:extLst>
                       <a:ext uri="{0D108BD9-81ED-4DB2-BD59-A6C34878D82A}">
-                        <a16:rowId xmlns:a16="http://schemas.microsoft.com/office/drawing/2014/main" xmlns="" val="10005"/>
+                        <a16:rowId xmlns="" xmlns:a16="http://schemas.microsoft.com/office/drawing/2014/main" val="10005"/>
                       </a:ext>
                     </a:extLst>
                   </a:tr>
@@ -8839,13 +9243,13 @@
               <p:nvPr>
                 <p:extLst>
                   <p:ext uri="{D42A27DB-BD31-4B8C-83A1-F6EECF244321}">
-                    <p14:modId xmlns:p14="http://schemas.microsoft.com/office/powerpoint/2010/main" val="138222847"/>
+                    <p14:modId xmlns:p14="http://schemas.microsoft.com/office/powerpoint/2010/main" val="3184962770"/>
                   </p:ext>
                 </p:extLst>
               </p:nvPr>
             </p:nvGraphicFramePr>
             <p:xfrm>
-              <a:off x="251520" y="1628800"/>
+              <a:off x="251520" y="2316907"/>
               <a:ext cx="8640960" cy="3560365"/>
             </p:xfrm>
             <a:graphic>
@@ -8858,14 +9262,14 @@
                     <a:gridCol w="2880320">
                       <a:extLst>
                         <a:ext uri="{9D8B030D-6E8A-4147-A177-3AD203B41FA5}">
-                          <a16:colId xmlns:a16="http://schemas.microsoft.com/office/drawing/2014/main" xmlns="" val="20000"/>
+                          <a16:colId xmlns="" xmlns:a16="http://schemas.microsoft.com/office/drawing/2014/main" xmlns:a14="http://schemas.microsoft.com/office/drawing/2010/main" val="20000"/>
                         </a:ext>
                       </a:extLst>
                     </a:gridCol>
                     <a:gridCol w="2016224">
                       <a:extLst>
                         <a:ext uri="{9D8B030D-6E8A-4147-A177-3AD203B41FA5}">
-                          <a16:colId xmlns:a16="http://schemas.microsoft.com/office/drawing/2014/main" xmlns="" val="20001"/>
+                          <a16:colId xmlns="" xmlns:a16="http://schemas.microsoft.com/office/drawing/2014/main" xmlns:a14="http://schemas.microsoft.com/office/drawing/2010/main" val="20001"/>
                         </a:ext>
                       </a:extLst>
                     </a:gridCol>
@@ -8885,7 +9289,11 @@
                           <a:endParaRPr lang="de-DE" dirty="0"/>
                         </a:p>
                       </a:txBody>
-                      <a:tcPr anchor="ctr"/>
+                      <a:tcPr anchor="ctr">
+                        <a:solidFill>
+                          <a:srgbClr val="004E8A"/>
+                        </a:solidFill>
+                      </a:tcPr>
                     </a:tc>
                     <a:tc>
                       <a:txBody>
@@ -8940,7 +9348,7 @@
                     </a:tc>
                     <a:extLst>
                       <a:ext uri="{0D108BD9-81ED-4DB2-BD59-A6C34878D82A}">
-                        <a16:rowId xmlns:a16="http://schemas.microsoft.com/office/drawing/2014/main" xmlns="" val="10000"/>
+                        <a16:rowId xmlns="" xmlns:a16="http://schemas.microsoft.com/office/drawing/2014/main" xmlns:a14="http://schemas.microsoft.com/office/drawing/2010/main" val="10000"/>
                       </a:ext>
                     </a:extLst>
                   </a:tr>
@@ -8957,7 +9365,11 @@
                           <a:endParaRPr lang="de-DE" dirty="0"/>
                         </a:p>
                       </a:txBody>
-                      <a:tcPr/>
+                      <a:tcPr>
+                        <a:solidFill>
+                          <a:srgbClr val="004E8A"/>
+                        </a:solidFill>
+                      </a:tcPr>
                     </a:tc>
                     <a:tc>
                       <a:txBody>
@@ -9003,7 +9415,7 @@
                     </a:tc>
                     <a:extLst>
                       <a:ext uri="{0D108BD9-81ED-4DB2-BD59-A6C34878D82A}">
-                        <a16:rowId xmlns:a16="http://schemas.microsoft.com/office/drawing/2014/main" xmlns="" val="10001"/>
+                        <a16:rowId xmlns="" xmlns:a16="http://schemas.microsoft.com/office/drawing/2014/main" xmlns:a14="http://schemas.microsoft.com/office/drawing/2010/main" val="10001"/>
                       </a:ext>
                     </a:extLst>
                   </a:tr>
@@ -9020,7 +9432,11 @@
                           <a:endParaRPr lang="de-DE" dirty="0"/>
                         </a:p>
                       </a:txBody>
-                      <a:tcPr/>
+                      <a:tcPr>
+                        <a:solidFill>
+                          <a:srgbClr val="004E8A"/>
+                        </a:solidFill>
+                      </a:tcPr>
                     </a:tc>
                     <a:tc>
                       <a:txBody>
@@ -9074,7 +9490,7 @@
                     </a:tc>
                     <a:extLst>
                       <a:ext uri="{0D108BD9-81ED-4DB2-BD59-A6C34878D82A}">
-                        <a16:rowId xmlns:a16="http://schemas.microsoft.com/office/drawing/2014/main" xmlns="" val="10002"/>
+                        <a16:rowId xmlns="" xmlns:a16="http://schemas.microsoft.com/office/drawing/2014/main" xmlns:a14="http://schemas.microsoft.com/office/drawing/2010/main" val="10002"/>
                       </a:ext>
                     </a:extLst>
                   </a:tr>
@@ -9095,7 +9511,11 @@
                           <a:endParaRPr lang="de-DE" dirty="0"/>
                         </a:p>
                       </a:txBody>
-                      <a:tcPr/>
+                      <a:tcPr>
+                        <a:solidFill>
+                          <a:srgbClr val="004E8A"/>
+                        </a:solidFill>
+                      </a:tcPr>
                     </a:tc>
                     <a:tc>
                       <a:txBody>
@@ -9149,7 +9569,7 @@
                     </a:tc>
                     <a:extLst>
                       <a:ext uri="{0D108BD9-81ED-4DB2-BD59-A6C34878D82A}">
-                        <a16:rowId xmlns:a16="http://schemas.microsoft.com/office/drawing/2014/main" xmlns="" val="10003"/>
+                        <a16:rowId xmlns="" xmlns:a16="http://schemas.microsoft.com/office/drawing/2014/main" xmlns:a14="http://schemas.microsoft.com/office/drawing/2010/main" val="10003"/>
                       </a:ext>
                     </a:extLst>
                   </a:tr>
@@ -9166,7 +9586,11 @@
                           <a:endParaRPr lang="de-DE" dirty="0"/>
                         </a:p>
                       </a:txBody>
-                      <a:tcPr/>
+                      <a:tcPr>
+                        <a:solidFill>
+                          <a:srgbClr val="004E8A"/>
+                        </a:solidFill>
+                      </a:tcPr>
                     </a:tc>
                     <a:tc>
                       <a:txBody>
@@ -9220,7 +9644,7 @@
                     </a:tc>
                     <a:extLst>
                       <a:ext uri="{0D108BD9-81ED-4DB2-BD59-A6C34878D82A}">
-                        <a16:rowId xmlns:a16="http://schemas.microsoft.com/office/drawing/2014/main" xmlns="" val="10004"/>
+                        <a16:rowId xmlns="" xmlns:a16="http://schemas.microsoft.com/office/drawing/2014/main" xmlns:a14="http://schemas.microsoft.com/office/drawing/2010/main" val="10004"/>
                       </a:ext>
                     </a:extLst>
                   </a:tr>
@@ -9241,7 +9665,11 @@
                           <a:endParaRPr lang="de-DE" dirty="0"/>
                         </a:p>
                       </a:txBody>
-                      <a:tcPr/>
+                      <a:tcPr>
+                        <a:solidFill>
+                          <a:srgbClr val="004E8A"/>
+                        </a:solidFill>
+                      </a:tcPr>
                     </a:tc>
                     <a:tc>
                       <a:txBody>
@@ -9295,7 +9723,7 @@
                     </a:tc>
                     <a:extLst>
                       <a:ext uri="{0D108BD9-81ED-4DB2-BD59-A6C34878D82A}">
-                        <a16:rowId xmlns:a16="http://schemas.microsoft.com/office/drawing/2014/main" xmlns="" val="10005"/>
+                        <a16:rowId xmlns="" xmlns:a16="http://schemas.microsoft.com/office/drawing/2014/main" xmlns:a14="http://schemas.microsoft.com/office/drawing/2010/main" val="10005"/>
                       </a:ext>
                     </a:extLst>
                   </a:tr>
@@ -9305,6 +9733,37 @@
           </p:graphicFrame>
         </mc:Fallback>
       </mc:AlternateContent>
+      <p:sp>
+        <p:nvSpPr>
+          <p:cNvPr id="5" name="Inhaltsplatzhalter 2"/>
+          <p:cNvSpPr>
+            <a:spLocks noGrp="1"/>
+          </p:cNvSpPr>
+          <p:nvPr>
+            <p:ph idx="1"/>
+          </p:nvPr>
+        </p:nvSpPr>
+        <p:spPr>
+          <a:xfrm>
+            <a:off x="360000" y="1620000"/>
+            <a:ext cx="6823569" cy="4479943"/>
+          </a:xfrm>
+        </p:spPr>
+        <p:txBody>
+          <a:bodyPr/>
+          <a:lstStyle/>
+          <a:p>
+            <a:r>
+              <a:rPr lang="de-DE" dirty="0" smtClean="0"/>
+              <a:t>Strömungsgrößen über die Mixing Plane</a:t>
+            </a:r>
+            <a:endParaRPr lang="de-DE" dirty="0"/>
+          </a:p>
+          <a:p>
+            <a:endParaRPr lang="de-DE" dirty="0"/>
+          </a:p>
+        </p:txBody>
+      </p:sp>
     </p:spTree>
     <p:extLst>
       <p:ext uri="{BB962C8B-B14F-4D97-AF65-F5344CB8AC3E}">
@@ -9325,7 +9784,7 @@
 </p:sld>
 </file>
 
-<file path=ppt/slides/slide13.xml><?xml version="1.0" encoding="utf-8"?>
+<file path=ppt/slides/slide15.xml><?xml version="1.0" encoding="utf-8"?>
 <p:sld xmlns:a="http://schemas.openxmlformats.org/drawingml/2006/main" xmlns:r="http://schemas.openxmlformats.org/officeDocument/2006/relationships" xmlns:p="http://schemas.openxmlformats.org/presentationml/2006/main">
   <p:cSld>
     <p:spTree>
@@ -9347,7 +9806,7 @@
           <p:cNvPr id="2" name="Titel 1">
             <a:extLst>
               <a:ext uri="{FF2B5EF4-FFF2-40B4-BE49-F238E27FC236}">
-                <a16:creationId xmlns:a16="http://schemas.microsoft.com/office/drawing/2014/main" xmlns="" id="{D329A526-CE1D-48AD-8C37-10B31DD1A94A}"/>
+                <a16:creationId xmlns="" xmlns:a16="http://schemas.microsoft.com/office/drawing/2014/main" id="{D329A526-CE1D-48AD-8C37-10B31DD1A94A}"/>
               </a:ext>
             </a:extLst>
           </p:cNvPr>
@@ -9375,7 +9834,7 @@
           <p:cNvPr id="3" name="Inhaltsplatzhalter 2">
             <a:extLst>
               <a:ext uri="{FF2B5EF4-FFF2-40B4-BE49-F238E27FC236}">
-                <a16:creationId xmlns:a16="http://schemas.microsoft.com/office/drawing/2014/main" xmlns="" id="{BA4C428F-6F17-477B-9503-2C9FE4D7286D}"/>
+                <a16:creationId xmlns="" xmlns:a16="http://schemas.microsoft.com/office/drawing/2014/main" id="{BA4C428F-6F17-477B-9503-2C9FE4D7286D}"/>
               </a:ext>
             </a:extLst>
           </p:cNvPr>
@@ -9432,7 +9891,7 @@
 </p:sld>
 </file>
 
-<file path=ppt/slides/slide14.xml><?xml version="1.0" encoding="utf-8"?>
+<file path=ppt/slides/slide16.xml><?xml version="1.0" encoding="utf-8"?>
 <p:sld xmlns:a="http://schemas.openxmlformats.org/drawingml/2006/main" xmlns:r="http://schemas.openxmlformats.org/officeDocument/2006/relationships" xmlns:p="http://schemas.openxmlformats.org/presentationml/2006/main">
   <p:cSld>
     <p:spTree>
@@ -9454,7 +9913,7 @@
           <p:cNvPr id="2" name="Titel 1">
             <a:extLst>
               <a:ext uri="{FF2B5EF4-FFF2-40B4-BE49-F238E27FC236}">
-                <a16:creationId xmlns:a16="http://schemas.microsoft.com/office/drawing/2014/main" xmlns="" id="{8643BECD-9FC8-4139-AF9D-AAB9BD9ABF1F}"/>
+                <a16:creationId xmlns="" xmlns:a16="http://schemas.microsoft.com/office/drawing/2014/main" id="{8643BECD-9FC8-4139-AF9D-AAB9BD9ABF1F}"/>
               </a:ext>
             </a:extLst>
           </p:cNvPr>
@@ -9482,7 +9941,7 @@
           <p:cNvPr id="3" name="Inhaltsplatzhalter 2">
             <a:extLst>
               <a:ext uri="{FF2B5EF4-FFF2-40B4-BE49-F238E27FC236}">
-                <a16:creationId xmlns:a16="http://schemas.microsoft.com/office/drawing/2014/main" xmlns="" id="{E42A3100-1EC4-4CA1-8073-DBF9AE2DE022}"/>
+                <a16:creationId xmlns="" xmlns:a16="http://schemas.microsoft.com/office/drawing/2014/main" id="{E42A3100-1EC4-4CA1-8073-DBF9AE2DE022}"/>
               </a:ext>
             </a:extLst>
           </p:cNvPr>
@@ -9515,10 +9974,17 @@
   <p:clrMapOvr>
     <a:masterClrMapping/>
   </p:clrMapOvr>
+  <p:timing>
+    <p:tnLst>
+      <p:par>
+        <p:cTn id="1" dur="indefinite" restart="never" nodeType="tmRoot"/>
+      </p:par>
+    </p:tnLst>
+  </p:timing>
 </p:sld>
 </file>
 
-<file path=ppt/slides/slide15.xml><?xml version="1.0" encoding="utf-8"?>
+<file path=ppt/slides/slide17.xml><?xml version="1.0" encoding="utf-8"?>
 <p:sld xmlns:a="http://schemas.openxmlformats.org/drawingml/2006/main" xmlns:r="http://schemas.openxmlformats.org/officeDocument/2006/relationships" xmlns:p="http://schemas.openxmlformats.org/presentationml/2006/main">
   <p:cSld>
     <p:spTree>
@@ -9540,7 +10006,7 @@
           <p:cNvPr id="2" name="Titel 1">
             <a:extLst>
               <a:ext uri="{FF2B5EF4-FFF2-40B4-BE49-F238E27FC236}">
-                <a16:creationId xmlns:a16="http://schemas.microsoft.com/office/drawing/2014/main" xmlns="" id="{A6803A1C-048A-4BD5-BB5C-6AD0F129ECC9}"/>
+                <a16:creationId xmlns="" xmlns:a16="http://schemas.microsoft.com/office/drawing/2014/main" id="{A6803A1C-048A-4BD5-BB5C-6AD0F129ECC9}"/>
               </a:ext>
             </a:extLst>
           </p:cNvPr>
@@ -9568,7 +10034,7 @@
           <p:cNvPr id="3" name="Inhaltsplatzhalter 2">
             <a:extLst>
               <a:ext uri="{FF2B5EF4-FFF2-40B4-BE49-F238E27FC236}">
-                <a16:creationId xmlns:a16="http://schemas.microsoft.com/office/drawing/2014/main" xmlns="" id="{13708A06-7247-4796-B127-BA1268EFB4F0}"/>
+                <a16:creationId xmlns="" xmlns:a16="http://schemas.microsoft.com/office/drawing/2014/main" id="{13708A06-7247-4796-B127-BA1268EFB4F0}"/>
               </a:ext>
             </a:extLst>
           </p:cNvPr>
@@ -9607,10 +10073,17 @@
   <p:clrMapOvr>
     <a:masterClrMapping/>
   </p:clrMapOvr>
+  <p:timing>
+    <p:tnLst>
+      <p:par>
+        <p:cTn id="1" dur="indefinite" restart="never" nodeType="tmRoot"/>
+      </p:par>
+    </p:tnLst>
+  </p:timing>
 </p:sld>
 </file>
 
-<file path=ppt/slides/slide16.xml><?xml version="1.0" encoding="utf-8"?>
+<file path=ppt/slides/slide18.xml><?xml version="1.0" encoding="utf-8"?>
 <p:sld xmlns:a="http://schemas.openxmlformats.org/drawingml/2006/main" xmlns:r="http://schemas.openxmlformats.org/officeDocument/2006/relationships" xmlns:p="http://schemas.openxmlformats.org/presentationml/2006/main">
   <p:cSld>
     <p:spTree>
@@ -9637,10 +10110,17 @@
   <p:clrMapOvr>
     <a:masterClrMapping/>
   </p:clrMapOvr>
+  <p:timing>
+    <p:tnLst>
+      <p:par>
+        <p:cTn id="1" dur="indefinite" restart="never" nodeType="tmRoot"/>
+      </p:par>
+    </p:tnLst>
+  </p:timing>
 </p:sld>
 </file>
 
-<file path=ppt/slides/slide17.xml><?xml version="1.0" encoding="utf-8"?>
+<file path=ppt/slides/slide19.xml><?xml version="1.0" encoding="utf-8"?>
 <p:sld xmlns:a="http://schemas.openxmlformats.org/drawingml/2006/main" xmlns:r="http://schemas.openxmlformats.org/officeDocument/2006/relationships" xmlns:p="http://schemas.openxmlformats.org/presentationml/2006/main">
   <p:cSld>
     <p:spTree>
@@ -9729,19 +10209,14 @@
           <a:p>
             <a:r>
               <a:rPr lang="de-DE" dirty="0"/>
-              <a:t>Länge: 160mm </a:t>
-            </a:r>
-            <a:r>
-              <a:rPr lang="de-DE"/>
-              <a:t>(80mm/Domain)</a:t>
-            </a:r>
-            <a:endParaRPr lang="de-DE" dirty="0"/>
+              <a:t>Länge: 160mm (80mm/Domain)</a:t>
+            </a:r>
           </a:p>
         </p:txBody>
       </p:sp>
       <p:grpSp>
         <p:nvGrpSpPr>
-          <p:cNvPr id="7" name="Gruppieren 6"/>
+          <p:cNvPr id="9" name="Gruppieren 8"/>
           <p:cNvGrpSpPr/>
           <p:nvPr/>
         </p:nvGrpSpPr>
@@ -9831,6 +10306,96 @@
             </a:p>
           </p:txBody>
         </p:sp>
+        <p:sp>
+          <p:nvSpPr>
+            <p:cNvPr id="5" name="Ellipse 4"/>
+            <p:cNvSpPr/>
+            <p:nvPr/>
+          </p:nvSpPr>
+          <p:spPr>
+            <a:xfrm>
+              <a:off x="5136530" y="3098727"/>
+              <a:ext cx="1834780" cy="1740666"/>
+            </a:xfrm>
+            <a:prstGeom prst="ellipse">
+              <a:avLst/>
+            </a:prstGeom>
+            <a:solidFill>
+              <a:srgbClr val="FFC000">
+                <a:alpha val="61176"/>
+              </a:srgbClr>
+            </a:solidFill>
+          </p:spPr>
+          <p:style>
+            <a:lnRef idx="2">
+              <a:schemeClr val="accent1">
+                <a:shade val="50000"/>
+              </a:schemeClr>
+            </a:lnRef>
+            <a:fillRef idx="1">
+              <a:schemeClr val="accent1"/>
+            </a:fillRef>
+            <a:effectRef idx="0">
+              <a:schemeClr val="accent1"/>
+            </a:effectRef>
+            <a:fontRef idx="minor">
+              <a:schemeClr val="lt1"/>
+            </a:fontRef>
+          </p:style>
+          <p:txBody>
+            <a:bodyPr rtlCol="0" anchor="ctr"/>
+            <a:lstStyle/>
+            <a:p>
+              <a:pPr algn="ctr"/>
+              <a:endParaRPr lang="de-DE"/>
+            </a:p>
+          </p:txBody>
+        </p:sp>
+        <p:sp>
+          <p:nvSpPr>
+            <p:cNvPr id="8" name="Ellipse 7"/>
+            <p:cNvSpPr/>
+            <p:nvPr/>
+          </p:nvSpPr>
+          <p:spPr>
+            <a:xfrm>
+              <a:off x="5617206" y="3537768"/>
+              <a:ext cx="876233" cy="862584"/>
+            </a:xfrm>
+            <a:prstGeom prst="ellipse">
+              <a:avLst/>
+            </a:prstGeom>
+            <a:solidFill>
+              <a:srgbClr val="BBE0E3">
+                <a:alpha val="56078"/>
+              </a:srgbClr>
+            </a:solidFill>
+          </p:spPr>
+          <p:style>
+            <a:lnRef idx="2">
+              <a:schemeClr val="accent1">
+                <a:shade val="50000"/>
+              </a:schemeClr>
+            </a:lnRef>
+            <a:fillRef idx="1">
+              <a:schemeClr val="accent1"/>
+            </a:fillRef>
+            <a:effectRef idx="0">
+              <a:schemeClr val="accent1"/>
+            </a:effectRef>
+            <a:fontRef idx="minor">
+              <a:schemeClr val="lt1"/>
+            </a:fontRef>
+          </p:style>
+          <p:txBody>
+            <a:bodyPr rtlCol="0" anchor="ctr"/>
+            <a:lstStyle/>
+            <a:p>
+              <a:pPr algn="ctr"/>
+              <a:endParaRPr lang="de-DE"/>
+            </a:p>
+          </p:txBody>
+        </p:sp>
       </p:grpSp>
     </p:spTree>
     <p:extLst>
@@ -9842,10 +10407,17 @@
   <p:clrMapOvr>
     <a:masterClrMapping/>
   </p:clrMapOvr>
+  <p:timing>
+    <p:tnLst>
+      <p:par>
+        <p:cTn id="1" dur="indefinite" restart="never" nodeType="tmRoot"/>
+      </p:par>
+    </p:tnLst>
+  </p:timing>
 </p:sld>
 </file>
 
-<file path=ppt/slides/slide18.xml><?xml version="1.0" encoding="utf-8"?>
+<file path=ppt/slides/slide2.xml><?xml version="1.0" encoding="utf-8"?>
 <p:sld xmlns:a="http://schemas.openxmlformats.org/drawingml/2006/main" xmlns:r="http://schemas.openxmlformats.org/officeDocument/2006/relationships" xmlns:p="http://schemas.openxmlformats.org/presentationml/2006/main">
   <p:cSld>
     <p:spTree>
@@ -9864,6 +10436,132 @@
       </p:grpSpPr>
       <p:sp>
         <p:nvSpPr>
+          <p:cNvPr id="2" name="Titel 1">
+            <a:extLst>
+              <a:ext uri="{FF2B5EF4-FFF2-40B4-BE49-F238E27FC236}">
+                <a16:creationId xmlns="" xmlns:a16="http://schemas.microsoft.com/office/drawing/2014/main" id="{D27A44A1-7D5C-4ED1-B1CC-16A1827DE5CE}"/>
+              </a:ext>
+            </a:extLst>
+          </p:cNvPr>
+          <p:cNvSpPr>
+            <a:spLocks noGrp="1"/>
+          </p:cNvSpPr>
+          <p:nvPr>
+            <p:ph type="title"/>
+          </p:nvPr>
+        </p:nvSpPr>
+        <p:spPr/>
+        <p:txBody>
+          <a:bodyPr/>
+          <a:lstStyle/>
+          <a:p>
+            <a:r>
+              <a:rPr lang="de-DE" dirty="0"/>
+              <a:t>Gliederung</a:t>
+            </a:r>
+          </a:p>
+        </p:txBody>
+      </p:sp>
+      <p:sp>
+        <p:nvSpPr>
+          <p:cNvPr id="3" name="Inhaltsplatzhalter 2">
+            <a:extLst>
+              <a:ext uri="{FF2B5EF4-FFF2-40B4-BE49-F238E27FC236}">
+                <a16:creationId xmlns="" xmlns:a16="http://schemas.microsoft.com/office/drawing/2014/main" id="{0A11E94A-080C-4F4A-B9ED-FC1B878B8CE0}"/>
+              </a:ext>
+            </a:extLst>
+          </p:cNvPr>
+          <p:cNvSpPr>
+            <a:spLocks noGrp="1"/>
+          </p:cNvSpPr>
+          <p:nvPr>
+            <p:ph idx="1"/>
+          </p:nvPr>
+        </p:nvSpPr>
+        <p:spPr>
+          <a:xfrm>
+            <a:off x="360000" y="1620000"/>
+            <a:ext cx="7164328" cy="4479943"/>
+          </a:xfrm>
+        </p:spPr>
+        <p:txBody>
+          <a:bodyPr/>
+          <a:lstStyle/>
+          <a:p>
+            <a:r>
+              <a:rPr lang="de-DE" dirty="0"/>
+              <a:t>Grundlagen der Thermodynamik und von Wirkungsgraden</a:t>
+            </a:r>
+          </a:p>
+          <a:p>
+            <a:r>
+              <a:rPr lang="de-DE" dirty="0"/>
+              <a:t>Aachen-Turbine</a:t>
+            </a:r>
+          </a:p>
+          <a:p>
+            <a:r>
+              <a:rPr lang="de-DE" dirty="0"/>
+              <a:t>Kanalströmung</a:t>
+            </a:r>
+          </a:p>
+          <a:p>
+            <a:r>
+              <a:rPr lang="de-DE" dirty="0"/>
+              <a:t>Auswertungstool für Gitterstudien</a:t>
+            </a:r>
+          </a:p>
+          <a:p>
+            <a:r>
+              <a:rPr lang="de-DE" dirty="0"/>
+              <a:t>Fazit</a:t>
+            </a:r>
+          </a:p>
+          <a:p>
+            <a:pPr lvl="1"/>
+            <a:endParaRPr lang="de-DE" dirty="0"/>
+          </a:p>
+        </p:txBody>
+      </p:sp>
+    </p:spTree>
+    <p:extLst>
+      <p:ext uri="{BB962C8B-B14F-4D97-AF65-F5344CB8AC3E}">
+        <p14:creationId xmlns:p14="http://schemas.microsoft.com/office/powerpoint/2010/main" val="3165109670"/>
+      </p:ext>
+    </p:extLst>
+  </p:cSld>
+  <p:clrMapOvr>
+    <a:masterClrMapping/>
+  </p:clrMapOvr>
+  <p:timing>
+    <p:tnLst>
+      <p:par>
+        <p:cTn id="1" dur="indefinite" restart="never" nodeType="tmRoot"/>
+      </p:par>
+    </p:tnLst>
+  </p:timing>
+</p:sld>
+</file>
+
+<file path=ppt/slides/slide20.xml><?xml version="1.0" encoding="utf-8"?>
+<p:sld xmlns:a="http://schemas.openxmlformats.org/drawingml/2006/main" xmlns:r="http://schemas.openxmlformats.org/officeDocument/2006/relationships" xmlns:p="http://schemas.openxmlformats.org/presentationml/2006/main">
+  <p:cSld>
+    <p:spTree>
+      <p:nvGrpSpPr>
+        <p:cNvPr id="1" name=""/>
+        <p:cNvGrpSpPr/>
+        <p:nvPr/>
+      </p:nvGrpSpPr>
+      <p:grpSpPr>
+        <a:xfrm>
+          <a:off x="0" y="0"/>
+          <a:ext cx="0" cy="0"/>
+          <a:chOff x="0" y="0"/>
+          <a:chExt cx="0" cy="0"/>
+        </a:xfrm>
+      </p:grpSpPr>
+      <p:sp>
+        <p:nvSpPr>
           <p:cNvPr id="2" name="Titel 1"/>
           <p:cNvSpPr>
             <a:spLocks noGrp="1"/>
@@ -9913,14 +10611,14 @@
                 <a:gridCol w="3411538">
                   <a:extLst>
                     <a:ext uri="{9D8B030D-6E8A-4147-A177-3AD203B41FA5}">
-                      <a16:colId xmlns:a16="http://schemas.microsoft.com/office/drawing/2014/main" xmlns="" val="20000"/>
+                      <a16:colId xmlns="" xmlns:a16="http://schemas.microsoft.com/office/drawing/2014/main" val="20000"/>
                     </a:ext>
                   </a:extLst>
                 </a:gridCol>
                 <a:gridCol w="3411538">
                   <a:extLst>
                     <a:ext uri="{9D8B030D-6E8A-4147-A177-3AD203B41FA5}">
-                      <a16:colId xmlns:a16="http://schemas.microsoft.com/office/drawing/2014/main" xmlns="" val="20001"/>
+                      <a16:colId xmlns="" xmlns:a16="http://schemas.microsoft.com/office/drawing/2014/main" val="20001"/>
                     </a:ext>
                   </a:extLst>
                 </a:gridCol>
@@ -9962,7 +10660,7 @@
                 </a:tc>
                 <a:extLst>
                   <a:ext uri="{0D108BD9-81ED-4DB2-BD59-A6C34878D82A}">
-                    <a16:rowId xmlns:a16="http://schemas.microsoft.com/office/drawing/2014/main" xmlns="" val="10000"/>
+                    <a16:rowId xmlns="" xmlns:a16="http://schemas.microsoft.com/office/drawing/2014/main" val="10000"/>
                   </a:ext>
                 </a:extLst>
               </a:tr>
@@ -10000,7 +10698,7 @@
                 </a:tc>
                 <a:extLst>
                   <a:ext uri="{0D108BD9-81ED-4DB2-BD59-A6C34878D82A}">
-                    <a16:rowId xmlns:a16="http://schemas.microsoft.com/office/drawing/2014/main" xmlns="" val="10001"/>
+                    <a16:rowId xmlns="" xmlns:a16="http://schemas.microsoft.com/office/drawing/2014/main" val="10001"/>
                   </a:ext>
                 </a:extLst>
               </a:tr>
@@ -10054,7 +10752,7 @@
                 </a:tc>
                 <a:extLst>
                   <a:ext uri="{0D108BD9-81ED-4DB2-BD59-A6C34878D82A}">
-                    <a16:rowId xmlns:a16="http://schemas.microsoft.com/office/drawing/2014/main" xmlns="" val="10002"/>
+                    <a16:rowId xmlns="" xmlns:a16="http://schemas.microsoft.com/office/drawing/2014/main" val="10002"/>
                   </a:ext>
                 </a:extLst>
               </a:tr>
@@ -10108,7 +10806,7 @@
                 </a:tc>
                 <a:extLst>
                   <a:ext uri="{0D108BD9-81ED-4DB2-BD59-A6C34878D82A}">
-                    <a16:rowId xmlns:a16="http://schemas.microsoft.com/office/drawing/2014/main" xmlns="" val="10003"/>
+                    <a16:rowId xmlns="" xmlns:a16="http://schemas.microsoft.com/office/drawing/2014/main" val="10003"/>
                   </a:ext>
                 </a:extLst>
               </a:tr>
@@ -10162,7 +10860,7 @@
                 </a:tc>
                 <a:extLst>
                   <a:ext uri="{0D108BD9-81ED-4DB2-BD59-A6C34878D82A}">
-                    <a16:rowId xmlns:a16="http://schemas.microsoft.com/office/drawing/2014/main" xmlns="" val="10004"/>
+                    <a16:rowId xmlns="" xmlns:a16="http://schemas.microsoft.com/office/drawing/2014/main" val="10004"/>
                   </a:ext>
                 </a:extLst>
               </a:tr>
@@ -10216,7 +10914,7 @@
                 </a:tc>
                 <a:extLst>
                   <a:ext uri="{0D108BD9-81ED-4DB2-BD59-A6C34878D82A}">
-                    <a16:rowId xmlns:a16="http://schemas.microsoft.com/office/drawing/2014/main" xmlns="" val="10005"/>
+                    <a16:rowId xmlns="" xmlns:a16="http://schemas.microsoft.com/office/drawing/2014/main" val="10005"/>
                   </a:ext>
                 </a:extLst>
               </a:tr>
@@ -10270,7 +10968,7 @@
                 </a:tc>
                 <a:extLst>
                   <a:ext uri="{0D108BD9-81ED-4DB2-BD59-A6C34878D82A}">
-                    <a16:rowId xmlns:a16="http://schemas.microsoft.com/office/drawing/2014/main" xmlns="" val="10006"/>
+                    <a16:rowId xmlns="" xmlns:a16="http://schemas.microsoft.com/office/drawing/2014/main" val="10006"/>
                   </a:ext>
                 </a:extLst>
               </a:tr>
@@ -10324,7 +11022,7 @@
                 </a:tc>
                 <a:extLst>
                   <a:ext uri="{0D108BD9-81ED-4DB2-BD59-A6C34878D82A}">
-                    <a16:rowId xmlns:a16="http://schemas.microsoft.com/office/drawing/2014/main" xmlns="" val="10007"/>
+                    <a16:rowId xmlns="" xmlns:a16="http://schemas.microsoft.com/office/drawing/2014/main" val="10007"/>
                   </a:ext>
                 </a:extLst>
               </a:tr>
@@ -10532,132 +11230,6 @@
 </p:sld>
 </file>
 
-<file path=ppt/slides/slide2.xml><?xml version="1.0" encoding="utf-8"?>
-<p:sld xmlns:a="http://schemas.openxmlformats.org/drawingml/2006/main" xmlns:r="http://schemas.openxmlformats.org/officeDocument/2006/relationships" xmlns:p="http://schemas.openxmlformats.org/presentationml/2006/main">
-  <p:cSld>
-    <p:spTree>
-      <p:nvGrpSpPr>
-        <p:cNvPr id="1" name=""/>
-        <p:cNvGrpSpPr/>
-        <p:nvPr/>
-      </p:nvGrpSpPr>
-      <p:grpSpPr>
-        <a:xfrm>
-          <a:off x="0" y="0"/>
-          <a:ext cx="0" cy="0"/>
-          <a:chOff x="0" y="0"/>
-          <a:chExt cx="0" cy="0"/>
-        </a:xfrm>
-      </p:grpSpPr>
-      <p:sp>
-        <p:nvSpPr>
-          <p:cNvPr id="2" name="Titel 1">
-            <a:extLst>
-              <a:ext uri="{FF2B5EF4-FFF2-40B4-BE49-F238E27FC236}">
-                <a16:creationId xmlns:a16="http://schemas.microsoft.com/office/drawing/2014/main" xmlns="" id="{D27A44A1-7D5C-4ED1-B1CC-16A1827DE5CE}"/>
-              </a:ext>
-            </a:extLst>
-          </p:cNvPr>
-          <p:cNvSpPr>
-            <a:spLocks noGrp="1"/>
-          </p:cNvSpPr>
-          <p:nvPr>
-            <p:ph type="title"/>
-          </p:nvPr>
-        </p:nvSpPr>
-        <p:spPr/>
-        <p:txBody>
-          <a:bodyPr/>
-          <a:lstStyle/>
-          <a:p>
-            <a:r>
-              <a:rPr lang="de-DE" dirty="0"/>
-              <a:t>Gliederung</a:t>
-            </a:r>
-          </a:p>
-        </p:txBody>
-      </p:sp>
-      <p:sp>
-        <p:nvSpPr>
-          <p:cNvPr id="3" name="Inhaltsplatzhalter 2">
-            <a:extLst>
-              <a:ext uri="{FF2B5EF4-FFF2-40B4-BE49-F238E27FC236}">
-                <a16:creationId xmlns:a16="http://schemas.microsoft.com/office/drawing/2014/main" xmlns="" id="{0A11E94A-080C-4F4A-B9ED-FC1B878B8CE0}"/>
-              </a:ext>
-            </a:extLst>
-          </p:cNvPr>
-          <p:cNvSpPr>
-            <a:spLocks noGrp="1"/>
-          </p:cNvSpPr>
-          <p:nvPr>
-            <p:ph idx="1"/>
-          </p:nvPr>
-        </p:nvSpPr>
-        <p:spPr>
-          <a:xfrm>
-            <a:off x="360000" y="1620000"/>
-            <a:ext cx="7164328" cy="4479943"/>
-          </a:xfrm>
-        </p:spPr>
-        <p:txBody>
-          <a:bodyPr/>
-          <a:lstStyle/>
-          <a:p>
-            <a:r>
-              <a:rPr lang="de-DE" dirty="0"/>
-              <a:t>Grundlagen der Thermodynamik und von Wirkungsgraden</a:t>
-            </a:r>
-          </a:p>
-          <a:p>
-            <a:r>
-              <a:rPr lang="de-DE" dirty="0"/>
-              <a:t>Aachen-Turbine</a:t>
-            </a:r>
-          </a:p>
-          <a:p>
-            <a:r>
-              <a:rPr lang="de-DE" dirty="0"/>
-              <a:t>Kanalströmung</a:t>
-            </a:r>
-          </a:p>
-          <a:p>
-            <a:r>
-              <a:rPr lang="de-DE" dirty="0"/>
-              <a:t>Auswertungstool für Gitterstudien</a:t>
-            </a:r>
-          </a:p>
-          <a:p>
-            <a:r>
-              <a:rPr lang="de-DE" dirty="0"/>
-              <a:t>Fazit</a:t>
-            </a:r>
-          </a:p>
-          <a:p>
-            <a:pPr lvl="1"/>
-            <a:endParaRPr lang="de-DE" dirty="0"/>
-          </a:p>
-        </p:txBody>
-      </p:sp>
-    </p:spTree>
-    <p:extLst>
-      <p:ext uri="{BB962C8B-B14F-4D97-AF65-F5344CB8AC3E}">
-        <p14:creationId xmlns:p14="http://schemas.microsoft.com/office/powerpoint/2010/main" val="3165109670"/>
-      </p:ext>
-    </p:extLst>
-  </p:cSld>
-  <p:clrMapOvr>
-    <a:masterClrMapping/>
-  </p:clrMapOvr>
-  <p:timing>
-    <p:tnLst>
-      <p:par>
-        <p:cTn id="1" dur="indefinite" restart="never" nodeType="tmRoot"/>
-      </p:par>
-    </p:tnLst>
-  </p:timing>
-</p:sld>
-</file>
-
 <file path=ppt/slides/slide3.xml><?xml version="1.0" encoding="utf-8"?>
 <p:sld xmlns:a="http://schemas.openxmlformats.org/drawingml/2006/main" xmlns:r="http://schemas.openxmlformats.org/officeDocument/2006/relationships" xmlns:p="http://schemas.openxmlformats.org/presentationml/2006/main">
   <p:cSld>
@@ -10680,7 +11252,7 @@
           <p:cNvPr id="2" name="Titel 1">
             <a:extLst>
               <a:ext uri="{FF2B5EF4-FFF2-40B4-BE49-F238E27FC236}">
-                <a16:creationId xmlns:a16="http://schemas.microsoft.com/office/drawing/2014/main" xmlns="" id="{097E6A6D-464E-4766-AAF3-C4FECB9FA991}"/>
+                <a16:creationId xmlns="" xmlns:a16="http://schemas.microsoft.com/office/drawing/2014/main" id="{097E6A6D-464E-4766-AAF3-C4FECB9FA991}"/>
               </a:ext>
             </a:extLst>
           </p:cNvPr>
@@ -10708,7 +11280,7 @@
           <p:cNvPr id="3" name="Inhaltsplatzhalter 2">
             <a:extLst>
               <a:ext uri="{FF2B5EF4-FFF2-40B4-BE49-F238E27FC236}">
-                <a16:creationId xmlns:a16="http://schemas.microsoft.com/office/drawing/2014/main" xmlns="" id="{0E9598F0-1E7C-41F5-AC85-FE84123CF1DA}"/>
+                <a16:creationId xmlns="" xmlns:a16="http://schemas.microsoft.com/office/drawing/2014/main" id="{0E9598F0-1E7C-41F5-AC85-FE84123CF1DA}"/>
               </a:ext>
             </a:extLst>
           </p:cNvPr>
@@ -10794,7 +11366,7 @@
           <p:cNvPr id="2" name="Titel 1">
             <a:extLst>
               <a:ext uri="{FF2B5EF4-FFF2-40B4-BE49-F238E27FC236}">
-                <a16:creationId xmlns:a16="http://schemas.microsoft.com/office/drawing/2014/main" xmlns="" id="{2466B14E-2CAE-450A-835B-07642C6772FC}"/>
+                <a16:creationId xmlns="" xmlns:a16="http://schemas.microsoft.com/office/drawing/2014/main" id="{2466B14E-2CAE-450A-835B-07642C6772FC}"/>
               </a:ext>
             </a:extLst>
           </p:cNvPr>
@@ -10822,7 +11394,7 @@
           <p:cNvPr id="3" name="Inhaltsplatzhalter 2">
             <a:extLst>
               <a:ext uri="{FF2B5EF4-FFF2-40B4-BE49-F238E27FC236}">
-                <a16:creationId xmlns:a16="http://schemas.microsoft.com/office/drawing/2014/main" xmlns="" id="{CCE11E07-3335-434C-8B03-5B1BAEAEC7C5}"/>
+                <a16:creationId xmlns="" xmlns:a16="http://schemas.microsoft.com/office/drawing/2014/main" id="{CCE11E07-3335-434C-8B03-5B1BAEAEC7C5}"/>
               </a:ext>
             </a:extLst>
           </p:cNvPr>
@@ -10838,6 +11410,66 @@
           <a:bodyPr/>
           <a:lstStyle/>
           <a:p>
+            <a:r>
+              <a:rPr lang="de-DE" dirty="0" smtClean="0"/>
+              <a:t>Wirkungsgrad:</a:t>
+            </a:r>
+          </a:p>
+          <a:p>
+            <a:endParaRPr lang="de-DE" dirty="0"/>
+          </a:p>
+          <a:p>
+            <a:r>
+              <a:rPr lang="de-DE" dirty="0" smtClean="0"/>
+              <a:t>Isentrope Leistung:</a:t>
+            </a:r>
+          </a:p>
+          <a:p>
+            <a:pPr marL="0" indent="0">
+              <a:buNone/>
+            </a:pPr>
+            <a:endParaRPr lang="de-DE" dirty="0" smtClean="0"/>
+          </a:p>
+          <a:p>
+            <a:r>
+              <a:rPr lang="de-DE" dirty="0" smtClean="0"/>
+              <a:t>Erzeugte Leistung:</a:t>
+            </a:r>
+            <a:endParaRPr lang="de-DE" dirty="0" smtClean="0"/>
+          </a:p>
+          <a:p>
+            <a:pPr lvl="2"/>
+            <a:r>
+              <a:rPr lang="de-DE" dirty="0" smtClean="0"/>
+              <a:t>Enthalpie Berechnung:</a:t>
+            </a:r>
+          </a:p>
+          <a:p>
+            <a:pPr lvl="2"/>
+            <a:endParaRPr lang="de-DE" dirty="0"/>
+          </a:p>
+          <a:p>
+            <a:pPr lvl="2"/>
+            <a:r>
+              <a:rPr lang="de-DE" dirty="0" smtClean="0"/>
+              <a:t>Enthalpie aus CFX:</a:t>
+            </a:r>
+            <a:endParaRPr lang="de-DE" dirty="0"/>
+          </a:p>
+          <a:p>
+            <a:pPr lvl="2"/>
+            <a:endParaRPr lang="de-DE" dirty="0" smtClean="0"/>
+          </a:p>
+          <a:p>
+            <a:pPr lvl="2"/>
+            <a:r>
+              <a:rPr lang="de-DE" dirty="0" smtClean="0"/>
+              <a:t>Drehmoment:</a:t>
+            </a:r>
+            <a:endParaRPr lang="de-DE" dirty="0"/>
+          </a:p>
+          <a:p>
+            <a:pPr lvl="1"/>
             <a:endParaRPr lang="de-DE" dirty="0"/>
           </a:p>
         </p:txBody>
@@ -10851,40 +11483,6 @@
           <p:nvPr>
             <p:custDataLst>
               <p:tags r:id="rId1"/>
-            </p:custDataLst>
-          </p:nvPr>
-        </p:nvPicPr>
-        <p:blipFill>
-          <a:blip r:embed="rId7" cstate="print">
-            <a:extLst>
-              <a:ext uri="{28A0092B-C50C-407E-A947-70E740481C1C}">
-                <a14:useLocalDpi xmlns:a14="http://schemas.microsoft.com/office/drawing/2010/main" val="0"/>
-              </a:ext>
-            </a:extLst>
-          </a:blip>
-          <a:stretch>
-            <a:fillRect/>
-          </a:stretch>
-        </p:blipFill>
-        <p:spPr>
-          <a:xfrm>
-            <a:off x="1547664" y="2153123"/>
-            <a:ext cx="1078857" cy="374857"/>
-          </a:xfrm>
-          <a:prstGeom prst="rect">
-            <a:avLst/>
-          </a:prstGeom>
-        </p:spPr>
-      </p:pic>
-      <p:pic>
-        <p:nvPicPr>
-          <p:cNvPr id="5" name="Grafik 4"/>
-          <p:cNvPicPr>
-            <a:picLocks noChangeAspect="1"/>
-          </p:cNvPicPr>
-          <p:nvPr>
-            <p:custDataLst>
-              <p:tags r:id="rId2"/>
             </p:custDataLst>
           </p:nvPr>
         </p:nvPicPr>
@@ -10902,8 +11500,8 @@
         </p:blipFill>
         <p:spPr>
           <a:xfrm>
-            <a:off x="1106119" y="3101144"/>
-            <a:ext cx="5147428" cy="262095"/>
+            <a:off x="2914743" y="1710235"/>
+            <a:ext cx="1078857" cy="374857"/>
           </a:xfrm>
           <a:prstGeom prst="rect">
             <a:avLst/>
@@ -10912,13 +11510,13 @@
       </p:pic>
       <p:pic>
         <p:nvPicPr>
-          <p:cNvPr id="6" name="Grafik 5"/>
+          <p:cNvPr id="5" name="Grafik 4"/>
           <p:cNvPicPr>
             <a:picLocks noChangeAspect="1"/>
           </p:cNvPicPr>
           <p:nvPr>
             <p:custDataLst>
-              <p:tags r:id="rId3"/>
+              <p:tags r:id="rId2"/>
             </p:custDataLst>
           </p:nvPr>
         </p:nvPicPr>
@@ -10936,8 +11534,8 @@
         </p:blipFill>
         <p:spPr>
           <a:xfrm>
-            <a:off x="1136221" y="3528851"/>
-            <a:ext cx="4321524" cy="254476"/>
+            <a:off x="3444744" y="3995637"/>
+            <a:ext cx="5147428" cy="262095"/>
           </a:xfrm>
           <a:prstGeom prst="rect">
             <a:avLst/>
@@ -10946,13 +11544,13 @@
       </p:pic>
       <p:pic>
         <p:nvPicPr>
-          <p:cNvPr id="7" name="Grafik 6"/>
+          <p:cNvPr id="6" name="Grafik 5"/>
           <p:cNvPicPr>
             <a:picLocks noChangeAspect="1"/>
           </p:cNvPicPr>
           <p:nvPr>
             <p:custDataLst>
-              <p:tags r:id="rId4"/>
+              <p:tags r:id="rId3"/>
             </p:custDataLst>
           </p:nvPr>
         </p:nvPicPr>
@@ -10970,8 +11568,76 @@
         </p:blipFill>
         <p:spPr>
           <a:xfrm>
-            <a:off x="1106119" y="4153547"/>
+            <a:off x="3440545" y="4806579"/>
+            <a:ext cx="4321524" cy="254476"/>
+          </a:xfrm>
+          <a:prstGeom prst="rect">
+            <a:avLst/>
+          </a:prstGeom>
+        </p:spPr>
+      </p:pic>
+      <p:pic>
+        <p:nvPicPr>
+          <p:cNvPr id="7" name="Grafik 6"/>
+          <p:cNvPicPr>
+            <a:picLocks noChangeAspect="1"/>
+          </p:cNvPicPr>
+          <p:nvPr>
+            <p:custDataLst>
+              <p:tags r:id="rId4"/>
+            </p:custDataLst>
+          </p:nvPr>
+        </p:nvPicPr>
+        <p:blipFill>
+          <a:blip r:embed="rId11" cstate="print">
+            <a:extLst>
+              <a:ext uri="{28A0092B-C50C-407E-A947-70E740481C1C}">
+                <a14:useLocalDpi xmlns:a14="http://schemas.microsoft.com/office/drawing/2010/main" val="0"/>
+              </a:ext>
+            </a:extLst>
+          </a:blip>
+          <a:stretch>
+            <a:fillRect/>
+          </a:stretch>
+        </p:blipFill>
+        <p:spPr>
+          <a:xfrm>
+            <a:off x="3440545" y="5628531"/>
             <a:ext cx="3669333" cy="245333"/>
+          </a:xfrm>
+          <a:prstGeom prst="rect">
+            <a:avLst/>
+          </a:prstGeom>
+        </p:spPr>
+      </p:pic>
+      <p:pic>
+        <p:nvPicPr>
+          <p:cNvPr id="8" name="Grafik 7"/>
+          <p:cNvPicPr>
+            <a:picLocks noChangeAspect="1"/>
+          </p:cNvPicPr>
+          <p:nvPr>
+            <p:custDataLst>
+              <p:tags r:id="rId5"/>
+            </p:custDataLst>
+          </p:nvPr>
+        </p:nvPicPr>
+        <p:blipFill>
+          <a:blip r:embed="rId12" cstate="print">
+            <a:extLst>
+              <a:ext uri="{28A0092B-C50C-407E-A947-70E740481C1C}">
+                <a14:useLocalDpi xmlns:a14="http://schemas.microsoft.com/office/drawing/2010/main" val="0"/>
+              </a:ext>
+            </a:extLst>
+          </a:blip>
+          <a:stretch>
+            <a:fillRect/>
+          </a:stretch>
+        </p:blipFill>
+        <p:spPr>
+          <a:xfrm>
+            <a:off x="3440545" y="2482361"/>
+            <a:ext cx="4731428" cy="635429"/>
           </a:xfrm>
           <a:prstGeom prst="rect">
             <a:avLst/>
@@ -11020,7 +11686,7 @@
           <p:cNvPr id="2" name="Titel 1">
             <a:extLst>
               <a:ext uri="{FF2B5EF4-FFF2-40B4-BE49-F238E27FC236}">
-                <a16:creationId xmlns:a16="http://schemas.microsoft.com/office/drawing/2014/main" xmlns="" id="{B0EB02CB-0053-457A-BB5F-5D64278141CC}"/>
+                <a16:creationId xmlns="" xmlns:a16="http://schemas.microsoft.com/office/drawing/2014/main" id="{B0EB02CB-0053-457A-BB5F-5D64278141CC}"/>
               </a:ext>
             </a:extLst>
           </p:cNvPr>
@@ -11048,7 +11714,7 @@
           <p:cNvPr id="3" name="Inhaltsplatzhalter 2">
             <a:extLst>
               <a:ext uri="{FF2B5EF4-FFF2-40B4-BE49-F238E27FC236}">
-                <a16:creationId xmlns:a16="http://schemas.microsoft.com/office/drawing/2014/main" xmlns="" id="{756355A6-13F9-40C1-8AD3-1534717E7B09}"/>
+                <a16:creationId xmlns="" xmlns:a16="http://schemas.microsoft.com/office/drawing/2014/main" id="{756355A6-13F9-40C1-8AD3-1534717E7B09}"/>
               </a:ext>
             </a:extLst>
           </p:cNvPr>
@@ -11065,13 +11731,56 @@
           <a:lstStyle/>
           <a:p>
             <a:r>
-              <a:rPr lang="de-DE" dirty="0" err="1"/>
-              <a:t>cp</a:t>
-            </a:r>
-            <a:r>
-              <a:rPr lang="de-DE" dirty="0"/>
-              <a:t>(T)</a:t>
-            </a:r>
+              <a:rPr lang="de-DE" dirty="0" smtClean="0"/>
+              <a:t>Temperaturabhängigkeit der spezifischen </a:t>
+            </a:r>
+            <a:r>
+              <a:rPr lang="de-DE" dirty="0" err="1" smtClean="0"/>
+              <a:t>Wärmekapaztität</a:t>
+            </a:r>
+            <a:endParaRPr lang="de-DE" dirty="0" smtClean="0"/>
+          </a:p>
+          <a:p>
+            <a:endParaRPr lang="de-DE" dirty="0"/>
+          </a:p>
+          <a:p>
+            <a:pPr marL="0" indent="0">
+              <a:buNone/>
+            </a:pPr>
+            <a:endParaRPr lang="de-DE" dirty="0"/>
+          </a:p>
+          <a:p>
+            <a:r>
+              <a:rPr lang="de-DE" dirty="0" smtClean="0"/>
+              <a:t>Separat an </a:t>
+            </a:r>
+            <a:r>
+              <a:rPr lang="de-DE" dirty="0" err="1" smtClean="0"/>
+              <a:t>Inlet</a:t>
+            </a:r>
+            <a:r>
+              <a:rPr lang="de-DE" dirty="0" smtClean="0"/>
+              <a:t> / Outlet:</a:t>
+            </a:r>
+          </a:p>
+          <a:p>
+            <a:endParaRPr lang="de-DE" dirty="0" smtClean="0"/>
+          </a:p>
+          <a:p>
+            <a:r>
+              <a:rPr lang="de-DE" dirty="0" smtClean="0"/>
+              <a:t>Isentrope Wärmekapazität:</a:t>
+            </a:r>
+          </a:p>
+          <a:p>
+            <a:endParaRPr lang="de-DE" dirty="0" smtClean="0"/>
+          </a:p>
+          <a:p>
+            <a:r>
+              <a:rPr lang="de-DE" dirty="0" smtClean="0"/>
+              <a:t>Arithmetisches Mittel:</a:t>
+            </a:r>
+            <a:endParaRPr lang="de-DE" dirty="0"/>
           </a:p>
         </p:txBody>
       </p:sp>
@@ -11101,7 +11810,7 @@
         </p:blipFill>
         <p:spPr>
           <a:xfrm>
-            <a:off x="467544" y="2739618"/>
+            <a:off x="467544" y="2720764"/>
             <a:ext cx="8399238" cy="399238"/>
           </a:xfrm>
           <a:prstGeom prst="rect">
@@ -11135,7 +11844,7 @@
         </p:blipFill>
         <p:spPr>
           <a:xfrm>
-            <a:off x="1788019" y="3597876"/>
+            <a:off x="4427984" y="3461142"/>
             <a:ext cx="2855619" cy="262095"/>
           </a:xfrm>
           <a:prstGeom prst="rect">
@@ -11169,7 +11878,7 @@
         </p:blipFill>
         <p:spPr>
           <a:xfrm>
-            <a:off x="1752190" y="3972366"/>
+            <a:off x="4427984" y="4389485"/>
             <a:ext cx="1575619" cy="286476"/>
           </a:xfrm>
           <a:prstGeom prst="rect">
@@ -11203,7 +11912,7 @@
         </p:blipFill>
         <p:spPr>
           <a:xfrm>
-            <a:off x="1736210" y="4551692"/>
+            <a:off x="4427984" y="5172496"/>
             <a:ext cx="2907428" cy="400762"/>
           </a:xfrm>
           <a:prstGeom prst="rect">
@@ -11250,13 +11959,7 @@
       </p:grpSpPr>
       <p:sp>
         <p:nvSpPr>
-          <p:cNvPr id="2" name="Titel 1">
-            <a:extLst>
-              <a:ext uri="{FF2B5EF4-FFF2-40B4-BE49-F238E27FC236}">
-                <a16:creationId xmlns:a16="http://schemas.microsoft.com/office/drawing/2014/main" xmlns="" id="{8DE61EE4-0A2E-4DFD-BE73-F3D4D2210025}"/>
-              </a:ext>
-            </a:extLst>
-          </p:cNvPr>
+          <p:cNvPr id="2" name="Titel 1"/>
           <p:cNvSpPr>
             <a:spLocks noGrp="1"/>
           </p:cNvSpPr>
@@ -11270,41 +11973,362 @@
           <a:lstStyle/>
           <a:p>
             <a:r>
-              <a:rPr lang="de-DE" dirty="0"/>
-              <a:t>Aachen-Turbine: Geometrie</a:t>
-            </a:r>
-          </a:p>
-        </p:txBody>
-      </p:sp>
-      <p:sp>
-        <p:nvSpPr>
-          <p:cNvPr id="3" name="Inhaltsplatzhalter 2">
-            <a:extLst>
-              <a:ext uri="{FF2B5EF4-FFF2-40B4-BE49-F238E27FC236}">
-                <a16:creationId xmlns:a16="http://schemas.microsoft.com/office/drawing/2014/main" xmlns="" id="{D3AA39F9-9931-48BD-9CE6-A9A42797156C}"/>
-              </a:ext>
-            </a:extLst>
-          </p:cNvPr>
-          <p:cNvSpPr>
-            <a:spLocks noGrp="1"/>
-          </p:cNvSpPr>
-          <p:nvPr>
-            <p:ph idx="1"/>
-          </p:nvPr>
-        </p:nvSpPr>
-        <p:spPr/>
-        <p:txBody>
-          <a:bodyPr/>
-          <a:lstStyle/>
-          <a:p>
-            <a:endParaRPr lang="de-DE"/>
-          </a:p>
-        </p:txBody>
-      </p:sp>
+              <a:rPr lang="de-DE" dirty="0" smtClean="0"/>
+              <a:t>Wirkungsgrad in CFX</a:t>
+            </a:r>
+            <a:endParaRPr lang="de-DE" dirty="0"/>
+          </a:p>
+        </p:txBody>
+      </p:sp>
+      <mc:AlternateContent xmlns:mc="http://schemas.openxmlformats.org/markup-compatibility/2006">
+        <mc:Choice xmlns:a14="http://schemas.microsoft.com/office/drawing/2010/main" Requires="a14">
+          <p:sp>
+            <p:nvSpPr>
+              <p:cNvPr id="3" name="Inhaltsplatzhalter 2"/>
+              <p:cNvSpPr>
+                <a:spLocks noGrp="1"/>
+              </p:cNvSpPr>
+              <p:nvPr>
+                <p:ph idx="1"/>
+              </p:nvPr>
+            </p:nvSpPr>
+            <p:spPr/>
+            <p:txBody>
+              <a:bodyPr/>
+              <a:lstStyle/>
+              <a:p>
+                <a:r>
+                  <a:rPr lang="de-DE" dirty="0" smtClean="0"/>
+                  <a:t>Skalare Größen benötigt </a:t>
+                </a:r>
+                <a:r>
+                  <a:rPr lang="de-DE" dirty="0" smtClean="0">
+                    <a:sym typeface="Wingdings" panose="05000000000000000000" pitchFamily="2" charset="2"/>
+                  </a:rPr>
+                  <a:t> </a:t>
+                </a:r>
+                <a:r>
+                  <a:rPr lang="de-DE" dirty="0" smtClean="0"/>
+                  <a:t>Mittelung</a:t>
+                </a:r>
+              </a:p>
+              <a:p>
+                <a:pPr lvl="2"/>
+                <a:r>
+                  <a:rPr lang="de-DE" dirty="0" smtClean="0"/>
+                  <a:t>Massenstrom- / Flächen-Mittel </a:t>
+                </a:r>
+              </a:p>
+              <a:p>
+                <a:pPr lvl="2"/>
+                <a14:m>
+                  <m:oMath xmlns:m="http://schemas.openxmlformats.org/officeDocument/2006/math">
+                    <m:sSub>
+                      <m:sSubPr>
+                        <m:ctrlPr>
+                          <a:rPr lang="de-DE" i="1" smtClean="0">
+                            <a:latin typeface="Cambria Math" panose="02040503050406030204" pitchFamily="18" charset="0"/>
+                          </a:rPr>
+                        </m:ctrlPr>
+                      </m:sSubPr>
+                      <m:e>
+                        <m:r>
+                          <a:rPr lang="de-DE" b="0" i="1" smtClean="0">
+                            <a:latin typeface="Cambria Math" panose="02040503050406030204" pitchFamily="18" charset="0"/>
+                          </a:rPr>
+                          <m:t>𝑇</m:t>
+                        </m:r>
+                      </m:e>
+                      <m:sub>
+                        <m:r>
+                          <a:rPr lang="de-DE" b="0" i="1" smtClean="0">
+                            <a:latin typeface="Cambria Math" panose="02040503050406030204" pitchFamily="18" charset="0"/>
+                          </a:rPr>
+                          <m:t>𝑡</m:t>
+                        </m:r>
+                      </m:sub>
+                    </m:sSub>
+                    <m:r>
+                      <a:rPr lang="de-DE" b="0" i="1" smtClean="0">
+                        <a:latin typeface="Cambria Math" panose="02040503050406030204" pitchFamily="18" charset="0"/>
+                      </a:rPr>
+                      <m:t> ; </m:t>
+                    </m:r>
+                    <m:sSub>
+                      <m:sSubPr>
+                        <m:ctrlPr>
+                          <a:rPr lang="de-DE" b="0" i="1" smtClean="0">
+                            <a:latin typeface="Cambria Math" panose="02040503050406030204" pitchFamily="18" charset="0"/>
+                          </a:rPr>
+                        </m:ctrlPr>
+                      </m:sSubPr>
+                      <m:e>
+                        <m:r>
+                          <a:rPr lang="de-DE" b="0" i="1" smtClean="0">
+                            <a:latin typeface="Cambria Math" panose="02040503050406030204" pitchFamily="18" charset="0"/>
+                          </a:rPr>
+                          <m:t>𝑝</m:t>
+                        </m:r>
+                      </m:e>
+                      <m:sub>
+                        <m:r>
+                          <a:rPr lang="de-DE" b="0" i="1" smtClean="0">
+                            <a:latin typeface="Cambria Math" panose="02040503050406030204" pitchFamily="18" charset="0"/>
+                          </a:rPr>
+                          <m:t>𝑡</m:t>
+                        </m:r>
+                      </m:sub>
+                    </m:sSub>
+                    <m:r>
+                      <a:rPr lang="de-DE" b="0" i="1" smtClean="0">
+                        <a:latin typeface="Cambria Math" panose="02040503050406030204" pitchFamily="18" charset="0"/>
+                      </a:rPr>
+                      <m:t> ; </m:t>
+                    </m:r>
+                    <m:sSub>
+                      <m:sSubPr>
+                        <m:ctrlPr>
+                          <a:rPr lang="de-DE" b="0" i="1" smtClean="0">
+                            <a:latin typeface="Cambria Math" panose="02040503050406030204" pitchFamily="18" charset="0"/>
+                          </a:rPr>
+                        </m:ctrlPr>
+                      </m:sSubPr>
+                      <m:e>
+                        <m:r>
+                          <a:rPr lang="de-DE" b="0" i="1" smtClean="0">
+                            <a:latin typeface="Cambria Math" panose="02040503050406030204" pitchFamily="18" charset="0"/>
+                          </a:rPr>
+                          <m:t>𝑐</m:t>
+                        </m:r>
+                      </m:e>
+                      <m:sub>
+                        <m:r>
+                          <a:rPr lang="de-DE" b="0" i="1" smtClean="0">
+                            <a:latin typeface="Cambria Math" panose="02040503050406030204" pitchFamily="18" charset="0"/>
+                          </a:rPr>
+                          <m:t>𝑝</m:t>
+                        </m:r>
+                      </m:sub>
+                    </m:sSub>
+                    <m:r>
+                      <a:rPr lang="de-DE" b="0" i="1" smtClean="0">
+                        <a:latin typeface="Cambria Math" panose="02040503050406030204" pitchFamily="18" charset="0"/>
+                      </a:rPr>
+                      <m:t> ; </m:t>
+                    </m:r>
+                    <m:r>
+                      <a:rPr lang="de-DE" b="0" i="1" smtClean="0">
+                        <a:latin typeface="Cambria Math" panose="02040503050406030204" pitchFamily="18" charset="0"/>
+                        <a:ea typeface="Cambria Math" panose="02040503050406030204" pitchFamily="18" charset="0"/>
+                      </a:rPr>
+                      <m:t>𝛾</m:t>
+                    </m:r>
+                  </m:oMath>
+                </a14:m>
+                <a:endParaRPr lang="de-DE" dirty="0" smtClean="0"/>
+              </a:p>
+              <a:p>
+                <a:pPr lvl="2"/>
+                <a:r>
+                  <a:rPr lang="de-DE" dirty="0" smtClean="0"/>
+                  <a:t>Zeitliches Mittel </a:t>
+                </a:r>
+                <a:r>
+                  <a:rPr lang="de-DE" dirty="0" smtClean="0">
+                    <a:sym typeface="Wingdings" panose="05000000000000000000" pitchFamily="2" charset="2"/>
+                  </a:rPr>
+                  <a:t> bei </a:t>
+                </a:r>
+                <a:r>
+                  <a:rPr lang="de-DE" dirty="0" err="1" smtClean="0">
+                    <a:sym typeface="Wingdings" panose="05000000000000000000" pitchFamily="2" charset="2"/>
+                  </a:rPr>
+                  <a:t>instationärer</a:t>
+                </a:r>
+                <a:r>
+                  <a:rPr lang="de-DE" dirty="0" smtClean="0">
+                    <a:sym typeface="Wingdings" panose="05000000000000000000" pitchFamily="2" charset="2"/>
+                  </a:rPr>
+                  <a:t> Rechnung</a:t>
+                </a:r>
+                <a:endParaRPr lang="de-DE" dirty="0" smtClean="0"/>
+              </a:p>
+              <a:p>
+                <a:r>
+                  <a:rPr lang="de-DE" dirty="0" smtClean="0"/>
+                  <a:t>Arithmetisches Mittel</a:t>
+                </a:r>
+              </a:p>
+              <a:p>
+                <a:pPr lvl="2"/>
+                <a14:m>
+                  <m:oMath xmlns:m="http://schemas.openxmlformats.org/officeDocument/2006/math">
+                    <m:sSub>
+                      <m:sSubPr>
+                        <m:ctrlPr>
+                          <a:rPr lang="de-DE" i="1">
+                            <a:latin typeface="Cambria Math" panose="02040503050406030204" pitchFamily="18" charset="0"/>
+                          </a:rPr>
+                        </m:ctrlPr>
+                      </m:sSubPr>
+                      <m:e>
+                        <m:r>
+                          <a:rPr lang="de-DE" i="1">
+                            <a:latin typeface="Cambria Math" panose="02040503050406030204" pitchFamily="18" charset="0"/>
+                          </a:rPr>
+                          <m:t>𝑐</m:t>
+                        </m:r>
+                      </m:e>
+                      <m:sub>
+                        <m:r>
+                          <a:rPr lang="de-DE" i="1">
+                            <a:latin typeface="Cambria Math" panose="02040503050406030204" pitchFamily="18" charset="0"/>
+                          </a:rPr>
+                          <m:t>𝑝</m:t>
+                        </m:r>
+                      </m:sub>
+                    </m:sSub>
+                    <m:r>
+                      <a:rPr lang="de-DE" i="1">
+                        <a:latin typeface="Cambria Math" panose="02040503050406030204" pitchFamily="18" charset="0"/>
+                      </a:rPr>
+                      <m:t> ; </m:t>
+                    </m:r>
+                    <m:r>
+                      <a:rPr lang="de-DE" i="1">
+                        <a:latin typeface="Cambria Math" panose="02040503050406030204" pitchFamily="18" charset="0"/>
+                        <a:ea typeface="Cambria Math" panose="02040503050406030204" pitchFamily="18" charset="0"/>
+                      </a:rPr>
+                      <m:t>𝛾</m:t>
+                    </m:r>
+                    <m:r>
+                      <a:rPr lang="de-DE" b="0" i="1" smtClean="0">
+                        <a:latin typeface="Cambria Math" panose="02040503050406030204" pitchFamily="18" charset="0"/>
+                        <a:ea typeface="Cambria Math" panose="02040503050406030204" pitchFamily="18" charset="0"/>
+                      </a:rPr>
+                      <m:t> ; </m:t>
+                    </m:r>
+                    <m:acc>
+                      <m:accPr>
+                        <m:chr m:val="̇"/>
+                        <m:ctrlPr>
+                          <a:rPr lang="de-DE" b="0" i="1" smtClean="0">
+                            <a:latin typeface="Cambria Math" panose="02040503050406030204" pitchFamily="18" charset="0"/>
+                            <a:ea typeface="Cambria Math" panose="02040503050406030204" pitchFamily="18" charset="0"/>
+                          </a:rPr>
+                        </m:ctrlPr>
+                      </m:accPr>
+                      <m:e>
+                        <m:r>
+                          <a:rPr lang="de-DE" b="0" i="1" smtClean="0">
+                            <a:latin typeface="Cambria Math" panose="02040503050406030204" pitchFamily="18" charset="0"/>
+                            <a:ea typeface="Cambria Math" panose="02040503050406030204" pitchFamily="18" charset="0"/>
+                          </a:rPr>
+                          <m:t>𝑚</m:t>
+                        </m:r>
+                      </m:e>
+                    </m:acc>
+                  </m:oMath>
+                </a14:m>
+                <a:endParaRPr lang="de-DE" dirty="0" smtClean="0"/>
+              </a:p>
+              <a:p>
+                <a:r>
+                  <a:rPr lang="de-DE" dirty="0" smtClean="0"/>
+                  <a:t>Berücksichtigung mehrerer </a:t>
+                </a:r>
+                <a:r>
+                  <a:rPr lang="de-DE" dirty="0" err="1" smtClean="0"/>
+                  <a:t>Inlets</a:t>
+                </a:r>
+                <a:r>
+                  <a:rPr lang="de-DE" dirty="0" smtClean="0"/>
+                  <a:t> (Kühlbohrung)</a:t>
+                </a:r>
+              </a:p>
+              <a:p>
+                <a:pPr lvl="2"/>
+                <a:r>
+                  <a:rPr lang="de-DE" dirty="0" smtClean="0"/>
+                  <a:t>Summation der </a:t>
+                </a:r>
+                <a:r>
+                  <a:rPr lang="de-DE" dirty="0" err="1" smtClean="0"/>
+                  <a:t>Enthalpiedifferenzen</a:t>
+                </a:r>
+                <a:endParaRPr lang="de-DE" dirty="0" smtClean="0"/>
+              </a:p>
+              <a:p>
+                <a:pPr lvl="1"/>
+                <a:endParaRPr lang="de-DE" dirty="0" smtClean="0"/>
+              </a:p>
+              <a:p>
+                <a:pPr lvl="2"/>
+                <a:endParaRPr lang="de-DE" dirty="0" smtClean="0"/>
+              </a:p>
+              <a:p>
+                <a:pPr lvl="2"/>
+                <a:endParaRPr lang="de-DE" dirty="0"/>
+              </a:p>
+              <a:p>
+                <a:pPr lvl="1"/>
+                <a:endParaRPr lang="de-DE" dirty="0" smtClean="0"/>
+              </a:p>
+              <a:p>
+                <a:pPr lvl="1"/>
+                <a:endParaRPr lang="de-DE" dirty="0" smtClean="0"/>
+              </a:p>
+              <a:p>
+                <a:pPr marL="350838" lvl="2" indent="0">
+                  <a:buNone/>
+                </a:pPr>
+                <a:endParaRPr lang="de-DE" dirty="0" smtClean="0"/>
+              </a:p>
+              <a:p>
+                <a:pPr lvl="2"/>
+                <a:endParaRPr lang="de-DE" dirty="0"/>
+              </a:p>
+            </p:txBody>
+          </p:sp>
+        </mc:Choice>
+        <mc:Fallback>
+          <p:sp>
+            <p:nvSpPr>
+              <p:cNvPr id="3" name="Inhaltsplatzhalter 2"/>
+              <p:cNvSpPr>
+                <a:spLocks noGrp="1" noRot="1" noChangeAspect="1" noMove="1" noResize="1" noEditPoints="1" noAdjustHandles="1" noChangeArrowheads="1" noChangeShapeType="1" noTextEdit="1"/>
+              </p:cNvSpPr>
+              <p:nvPr>
+                <p:ph idx="1"/>
+              </p:nvPr>
+            </p:nvSpPr>
+            <p:spPr>
+              <a:blipFill rotWithShape="0">
+                <a:blip r:embed="rId2"/>
+                <a:stretch>
+                  <a:fillRect l="-2145"/>
+                </a:stretch>
+              </a:blipFill>
+            </p:spPr>
+            <p:txBody>
+              <a:bodyPr/>
+              <a:lstStyle/>
+              <a:p>
+                <a:r>
+                  <a:rPr lang="de-DE">
+                    <a:noFill/>
+                  </a:rPr>
+                  <a:t> </a:t>
+                </a:r>
+              </a:p>
+            </p:txBody>
+          </p:sp>
+        </mc:Fallback>
+      </mc:AlternateContent>
     </p:spTree>
     <p:extLst>
       <p:ext uri="{BB962C8B-B14F-4D97-AF65-F5344CB8AC3E}">
-        <p14:creationId xmlns:p14="http://schemas.microsoft.com/office/powerpoint/2010/main" val="1525890031"/>
+        <p14:creationId xmlns:p14="http://schemas.microsoft.com/office/powerpoint/2010/main" val="362312050"/>
       </p:ext>
     </p:extLst>
   </p:cSld>
@@ -11343,7 +12367,7 @@
           <p:cNvPr id="2" name="Titel 1">
             <a:extLst>
               <a:ext uri="{FF2B5EF4-FFF2-40B4-BE49-F238E27FC236}">
-                <a16:creationId xmlns:a16="http://schemas.microsoft.com/office/drawing/2014/main" xmlns="" id="{5468A21C-5F1B-49A9-9615-E49303F1DFD8}"/>
+                <a16:creationId xmlns="" xmlns:a16="http://schemas.microsoft.com/office/drawing/2014/main" id="{8DE61EE4-0A2E-4DFD-BE73-F3D4D2210025}"/>
               </a:ext>
             </a:extLst>
           </p:cNvPr>
@@ -11361,7 +12385,7 @@
           <a:p>
             <a:r>
               <a:rPr lang="de-DE" dirty="0"/>
-              <a:t>Aachen-Turbine: Setup</a:t>
+              <a:t>Aachen-Turbine: Geometrie</a:t>
             </a:r>
           </a:p>
         </p:txBody>
@@ -11371,7 +12395,7 @@
           <p:cNvPr id="3" name="Inhaltsplatzhalter 2">
             <a:extLst>
               <a:ext uri="{FF2B5EF4-FFF2-40B4-BE49-F238E27FC236}">
-                <a16:creationId xmlns:a16="http://schemas.microsoft.com/office/drawing/2014/main" xmlns="" id="{71D6F8BC-B1F4-4464-B16C-BE0C1ED3F521}"/>
+                <a16:creationId xmlns="" xmlns:a16="http://schemas.microsoft.com/office/drawing/2014/main" id="{D3AA39F9-9931-48BD-9CE6-A9A42797156C}"/>
               </a:ext>
             </a:extLst>
           </p:cNvPr>
@@ -11387,39 +12411,14 @@
           <a:bodyPr/>
           <a:lstStyle/>
           <a:p>
-            <a:r>
-              <a:rPr lang="de-DE" dirty="0"/>
-              <a:t>Betriebspunkt, </a:t>
-            </a:r>
-            <a:r>
-              <a:rPr lang="de-DE" dirty="0" err="1"/>
-              <a:t>un</a:t>
-            </a:r>
-            <a:r>
-              <a:rPr lang="de-DE" dirty="0"/>
-              <a:t> </a:t>
-            </a:r>
-            <a:r>
-              <a:rPr lang="de-DE" dirty="0" err="1"/>
-              <a:t>co</a:t>
-            </a:r>
-            <a:r>
-              <a:rPr lang="de-DE" dirty="0"/>
-              <a:t> kg</a:t>
-            </a:r>
-          </a:p>
-          <a:p>
-            <a:r>
-              <a:rPr lang="de-DE" dirty="0"/>
-              <a:t>Strukturiert und unstrukturiert</a:t>
-            </a:r>
+            <a:endParaRPr lang="de-DE"/>
           </a:p>
         </p:txBody>
       </p:sp>
     </p:spTree>
     <p:extLst>
       <p:ext uri="{BB962C8B-B14F-4D97-AF65-F5344CB8AC3E}">
-        <p14:creationId xmlns:p14="http://schemas.microsoft.com/office/powerpoint/2010/main" val="1405588744"/>
+        <p14:creationId xmlns:p14="http://schemas.microsoft.com/office/powerpoint/2010/main" val="1525890031"/>
       </p:ext>
     </p:extLst>
   </p:cSld>
@@ -11458,7 +12457,7 @@
           <p:cNvPr id="2" name="Titel 1">
             <a:extLst>
               <a:ext uri="{FF2B5EF4-FFF2-40B4-BE49-F238E27FC236}">
-                <a16:creationId xmlns:a16="http://schemas.microsoft.com/office/drawing/2014/main" xmlns="" id="{094F379C-23F4-4D35-86D6-1D1C29CAB88B}"/>
+                <a16:creationId xmlns="" xmlns:a16="http://schemas.microsoft.com/office/drawing/2014/main" id="{5468A21C-5F1B-49A9-9615-E49303F1DFD8}"/>
               </a:ext>
             </a:extLst>
           </p:cNvPr>
@@ -11476,7 +12475,7 @@
           <a:p>
             <a:r>
               <a:rPr lang="de-DE" dirty="0"/>
-              <a:t>Aachen-Turbine: Vorgehen</a:t>
+              <a:t>Aachen-Turbine: Setup</a:t>
             </a:r>
           </a:p>
         </p:txBody>
@@ -11486,7 +12485,7 @@
           <p:cNvPr id="3" name="Inhaltsplatzhalter 2">
             <a:extLst>
               <a:ext uri="{FF2B5EF4-FFF2-40B4-BE49-F238E27FC236}">
-                <a16:creationId xmlns:a16="http://schemas.microsoft.com/office/drawing/2014/main" xmlns="" id="{1C3E671A-136E-4360-89A9-AD9DB1ED1606}"/>
+                <a16:creationId xmlns="" xmlns:a16="http://schemas.microsoft.com/office/drawing/2014/main" id="{71D6F8BC-B1F4-4464-B16C-BE0C1ED3F521}"/>
               </a:ext>
             </a:extLst>
           </p:cNvPr>
@@ -11504,43 +12503,37 @@
           <a:p>
             <a:r>
               <a:rPr lang="de-DE" dirty="0"/>
-              <a:t>Spaltverfeinerungen</a:t>
-            </a:r>
-          </a:p>
-          <a:p>
+              <a:t>Betriebspunkt, </a:t>
+            </a:r>
+            <a:r>
+              <a:rPr lang="de-DE" dirty="0" err="1"/>
+              <a:t>un</a:t>
+            </a:r>
             <a:r>
               <a:rPr lang="de-DE" dirty="0"/>
-              <a:t>Y+</a:t>
-            </a:r>
-          </a:p>
-          <a:p>
+              <a:t> </a:t>
+            </a:r>
+            <a:r>
+              <a:rPr lang="de-DE" dirty="0" err="1"/>
+              <a:t>co</a:t>
+            </a:r>
             <a:r>
               <a:rPr lang="de-DE" dirty="0"/>
-              <a:t>Gitterstudie + </a:t>
-            </a:r>
-            <a:r>
-              <a:rPr lang="de-DE" dirty="0" err="1"/>
-              <a:t>abbildung</a:t>
-            </a:r>
-            <a:endParaRPr lang="de-DE" dirty="0"/>
+              <a:t> kg</a:t>
+            </a:r>
           </a:p>
           <a:p>
             <a:r>
               <a:rPr lang="de-DE" dirty="0"/>
-              <a:t>Ziel: netzunabhängige </a:t>
-            </a:r>
-            <a:r>
-              <a:rPr lang="de-DE" dirty="0" err="1"/>
-              <a:t>ergebnisse</a:t>
-            </a:r>
-            <a:endParaRPr lang="de-DE" dirty="0"/>
+              <a:t>Strukturiert und unstrukturiert</a:t>
+            </a:r>
           </a:p>
         </p:txBody>
       </p:sp>
     </p:spTree>
     <p:extLst>
       <p:ext uri="{BB962C8B-B14F-4D97-AF65-F5344CB8AC3E}">
-        <p14:creationId xmlns:p14="http://schemas.microsoft.com/office/powerpoint/2010/main" val="378787473"/>
+        <p14:creationId xmlns:p14="http://schemas.microsoft.com/office/powerpoint/2010/main" val="1405588744"/>
       </p:ext>
     </p:extLst>
   </p:cSld>
@@ -11579,7 +12572,7 @@
           <p:cNvPr id="2" name="Titel 1">
             <a:extLst>
               <a:ext uri="{FF2B5EF4-FFF2-40B4-BE49-F238E27FC236}">
-                <a16:creationId xmlns:a16="http://schemas.microsoft.com/office/drawing/2014/main" xmlns="" id="{E94AB448-E08C-4FC1-AAC0-98431019A5B8}"/>
+                <a16:creationId xmlns="" xmlns:a16="http://schemas.microsoft.com/office/drawing/2014/main" id="{094F379C-23F4-4D35-86D6-1D1C29CAB88B}"/>
               </a:ext>
             </a:extLst>
           </p:cNvPr>
@@ -11597,13 +12590,8 @@
           <a:p>
             <a:r>
               <a:rPr lang="de-DE" dirty="0"/>
-              <a:t>Aachen-Turbine: Wirkungsgrade -</a:t>
-            </a:r>
-            <a:r>
-              <a:rPr lang="de-DE" dirty="0" err="1"/>
-              <a:t>vllt</a:t>
-            </a:r>
-            <a:endParaRPr lang="de-DE" dirty="0"/>
+              <a:t>Aachen-Turbine: Vorgehen</a:t>
+            </a:r>
           </a:p>
         </p:txBody>
       </p:sp>
@@ -11612,7 +12600,7 @@
           <p:cNvPr id="3" name="Inhaltsplatzhalter 2">
             <a:extLst>
               <a:ext uri="{FF2B5EF4-FFF2-40B4-BE49-F238E27FC236}">
-                <a16:creationId xmlns:a16="http://schemas.microsoft.com/office/drawing/2014/main" xmlns="" id="{EE905004-B708-4F44-A14B-50934B89FAB0}"/>
+                <a16:creationId xmlns="" xmlns:a16="http://schemas.microsoft.com/office/drawing/2014/main" id="{1C3E671A-136E-4360-89A9-AD9DB1ED1606}"/>
               </a:ext>
             </a:extLst>
           </p:cNvPr>
@@ -11630,75 +12618,43 @@
           <a:p>
             <a:r>
               <a:rPr lang="de-DE" dirty="0"/>
-              <a:t>Tabelle strukturiert, unstrukturiert</a:t>
+              <a:t>Spaltverfeinerungen</a:t>
             </a:r>
           </a:p>
           <a:p>
             <a:r>
               <a:rPr lang="de-DE" dirty="0"/>
-              <a:t>Hinweis auf Oberflächennetz</a:t>
+              <a:t>Y+</a:t>
             </a:r>
           </a:p>
           <a:p>
             <a:r>
               <a:rPr lang="de-DE" dirty="0"/>
-              <a:t>Überleitung zu Kanal mit Sprung in der </a:t>
+              <a:t>Gitterstudie + </a:t>
             </a:r>
             <a:r>
               <a:rPr lang="de-DE" dirty="0" err="1"/>
-              <a:t>cfx</a:t>
-            </a:r>
+              <a:t>abbildung</a:t>
+            </a:r>
+            <a:endParaRPr lang="de-DE" dirty="0"/>
+          </a:p>
+          <a:p>
             <a:r>
               <a:rPr lang="de-DE" dirty="0"/>
-              <a:t> </a:t>
+              <a:t>Ziel: netzunabhängige </a:t>
             </a:r>
             <a:r>
               <a:rPr lang="de-DE" dirty="0" err="1"/>
-              <a:t>cp</a:t>
-            </a:r>
-            <a:r>
-              <a:rPr lang="de-DE" dirty="0"/>
-              <a:t> </a:t>
-            </a:r>
-            <a:r>
-              <a:rPr lang="de-DE" dirty="0" err="1"/>
-              <a:t>tt</a:t>
-            </a:r>
-            <a:r>
-              <a:rPr lang="de-DE" dirty="0"/>
-              <a:t> </a:t>
-            </a:r>
-            <a:r>
-              <a:rPr lang="de-DE" dirty="0" err="1"/>
-              <a:t>wirkunsgrad</a:t>
-            </a:r>
-            <a:r>
-              <a:rPr lang="de-DE" dirty="0"/>
-              <a:t> -&gt; </a:t>
-            </a:r>
-            <a:r>
-              <a:rPr lang="de-DE" dirty="0" err="1"/>
-              <a:t>einfluss</a:t>
-            </a:r>
-            <a:r>
-              <a:rPr lang="de-DE" dirty="0"/>
-              <a:t> </a:t>
-            </a:r>
-            <a:r>
-              <a:rPr lang="de-DE" dirty="0" err="1"/>
-              <a:t>mixing</a:t>
-            </a:r>
-            <a:r>
-              <a:rPr lang="de-DE" dirty="0"/>
-              <a:t> plane</a:t>
-            </a:r>
+              <a:t>ergebnisse</a:t>
+            </a:r>
+            <a:endParaRPr lang="de-DE" dirty="0"/>
           </a:p>
         </p:txBody>
       </p:sp>
     </p:spTree>
     <p:extLst>
       <p:ext uri="{BB962C8B-B14F-4D97-AF65-F5344CB8AC3E}">
-        <p14:creationId xmlns:p14="http://schemas.microsoft.com/office/powerpoint/2010/main" val="4152841154"/>
+        <p14:creationId xmlns:p14="http://schemas.microsoft.com/office/powerpoint/2010/main" val="378787473"/>
       </p:ext>
     </p:extLst>
   </p:cSld>
@@ -11794,6 +12750,25 @@
 <file path=ppt/tags/tag5.xml><?xml version="1.0" encoding="utf-8"?>
 <p:tagLst xmlns:a="http://schemas.openxmlformats.org/drawingml/2006/main" xmlns:r="http://schemas.openxmlformats.org/officeDocument/2006/relationships" xmlns:p="http://schemas.openxmlformats.org/presentationml/2006/main">
   <p:tag name="OUTPUTDPI" val="1200"/>
+  <p:tag name="ORIGINALHEIGHT" val="312,7109"/>
+  <p:tag name="ORIGINALWIDTH" val="2328,459"/>
+  <p:tag name="LATEXADDIN" val="\documentclass{article}&#10;\usepackage{amsmath}&#10;\pagestyle{empty}&#10;\begin{document}&#10;&#10;$\Delta H_{t_{is}} = \dot m \cdot c_p \cdot T_{t_{inlet}} \cdot \left[ \left( \frac{p_{t_{outlet}}}{p_{t_{inlet}}}\right)^\frac{\gamma-1}{\gamma}-1\right]$&#10;&#10;&#10;\end{document}"/>
+  <p:tag name="IGUANATEXSIZE" val="20"/>
+  <p:tag name="IGUANATEXCURSOR" val="82"/>
+  <p:tag name="TRANSPARENCY" val="Wahr"/>
+  <p:tag name="FILENAME" val=""/>
+  <p:tag name="LATEXENGINEID" val="0"/>
+  <p:tag name="TEMPFOLDER" val="c:\temp\"/>
+  <p:tag name="LATEXFORMHEIGHT" val="312"/>
+  <p:tag name="LATEXFORMWIDTH" val="384"/>
+  <p:tag name="LATEXFORMWRAP" val="Wahr"/>
+  <p:tag name="BITMAPVECTOR" val="0"/>
+</p:tagLst>
+</file>
+
+<file path=ppt/tags/tag6.xml><?xml version="1.0" encoding="utf-8"?>
+<p:tagLst xmlns:a="http://schemas.openxmlformats.org/drawingml/2006/main" xmlns:r="http://schemas.openxmlformats.org/officeDocument/2006/relationships" xmlns:p="http://schemas.openxmlformats.org/presentationml/2006/main">
+  <p:tag name="OUTPUTDPI" val="1200"/>
   <p:tag name="ORIGINALHEIGHT" val="196,4754"/>
   <p:tag name="ORIGINALWIDTH" val="4133,483"/>
   <p:tag name="LATEXADDIN" val="\documentclass{article}&#10;\usepackage{amsmath}&#10;\pagestyle{empty}&#10;\begin{document}&#10;&#10;&#10;$c_p = \frac{0.12934K^{-4}\cdot T^4-596.633K^{-3}\cdot T^3+933833K^{-2}\cdot T^2-373,61\cdot10^6K^{-1}\cdot T+105,01\cdot10^{10}}{10^9}\frac{J} {kg \cdot K}$&#10;&#10;\end{document}"/>
@@ -11810,7 +12785,7 @@
 </p:tagLst>
 </file>
 
-<file path=ppt/tags/tag6.xml><?xml version="1.0" encoding="utf-8"?>
+<file path=ppt/tags/tag7.xml><?xml version="1.0" encoding="utf-8"?>
 <p:tagLst xmlns:a="http://schemas.openxmlformats.org/drawingml/2006/main" xmlns:r="http://schemas.openxmlformats.org/officeDocument/2006/relationships" xmlns:p="http://schemas.openxmlformats.org/presentationml/2006/main">
   <p:tag name="OUTPUTDPI" val="1200"/>
   <p:tag name="ORIGINALHEIGHT" val="128,9839"/>
@@ -11829,7 +12804,7 @@
 </p:tagLst>
 </file>
 
-<file path=ppt/tags/tag7.xml><?xml version="1.0" encoding="utf-8"?>
+<file path=ppt/tags/tag8.xml><?xml version="1.0" encoding="utf-8"?>
 <p:tagLst xmlns:a="http://schemas.openxmlformats.org/drawingml/2006/main" xmlns:r="http://schemas.openxmlformats.org/officeDocument/2006/relationships" xmlns:p="http://schemas.openxmlformats.org/presentationml/2006/main">
   <p:tag name="OUTPUTDPI" val="1200"/>
   <p:tag name="ORIGINALHEIGHT" val="140,9824"/>
@@ -11848,7 +12823,7 @@
 </p:tagLst>
 </file>
 
-<file path=ppt/tags/tag8.xml><?xml version="1.0" encoding="utf-8"?>
+<file path=ppt/tags/tag9.xml><?xml version="1.0" encoding="utf-8"?>
 <p:tagLst xmlns:a="http://schemas.openxmlformats.org/drawingml/2006/main" xmlns:r="http://schemas.openxmlformats.org/officeDocument/2006/relationships" xmlns:p="http://schemas.openxmlformats.org/presentationml/2006/main">
   <p:tag name="OUTPUTDPI" val="1200"/>
   <p:tag name="ORIGINALHEIGHT" val="197,2254"/>

--- a/Präsentation/Abschluss_Präsentation_Keijo.pptx
+++ b/Präsentation/Abschluss_Präsentation_Keijo.pptx
@@ -6660,7 +6660,7 @@
           <p:cNvPr id="4" name="Grafik 3">
             <a:extLst>
               <a:ext uri="{FF2B5EF4-FFF2-40B4-BE49-F238E27FC236}">
-                <a16:creationId xmlns="" xmlns:a16="http://schemas.microsoft.com/office/drawing/2014/main" id="{18A4F8C9-BC47-4597-A341-7BD061B63621}"/>
+                <a16:creationId xmlns:a16="http://schemas.microsoft.com/office/drawing/2014/main" xmlns="" id="{18A4F8C9-BC47-4597-A341-7BD061B63621}"/>
               </a:ext>
             </a:extLst>
           </p:cNvPr>
@@ -6690,7 +6690,7 @@
           <p:cNvPr id="8" name="Gerade Verbindung mit Pfeil 7">
             <a:extLst>
               <a:ext uri="{FF2B5EF4-FFF2-40B4-BE49-F238E27FC236}">
-                <a16:creationId xmlns="" xmlns:a16="http://schemas.microsoft.com/office/drawing/2014/main" id="{6AEE5332-9F2B-40A4-B03C-0CA4C32B5711}"/>
+                <a16:creationId xmlns:a16="http://schemas.microsoft.com/office/drawing/2014/main" xmlns="" id="{6AEE5332-9F2B-40A4-B03C-0CA4C32B5711}"/>
               </a:ext>
             </a:extLst>
           </p:cNvPr>
@@ -6734,7 +6734,7 @@
           <p:cNvPr id="9" name="Rechteck 8">
             <a:extLst>
               <a:ext uri="{FF2B5EF4-FFF2-40B4-BE49-F238E27FC236}">
-                <a16:creationId xmlns="" xmlns:a16="http://schemas.microsoft.com/office/drawing/2014/main" id="{3778A54C-BCC7-4667-8D22-D645A2858F58}"/>
+                <a16:creationId xmlns:a16="http://schemas.microsoft.com/office/drawing/2014/main" xmlns="" id="{3778A54C-BCC7-4667-8D22-D645A2858F58}"/>
               </a:ext>
             </a:extLst>
           </p:cNvPr>
@@ -6830,7 +6830,7 @@
           <p:cNvPr id="2" name="Titel 1">
             <a:extLst>
               <a:ext uri="{FF2B5EF4-FFF2-40B4-BE49-F238E27FC236}">
-                <a16:creationId xmlns="" xmlns:a16="http://schemas.microsoft.com/office/drawing/2014/main" id="{E94AB448-E08C-4FC1-AAC0-98431019A5B8}"/>
+                <a16:creationId xmlns:a16="http://schemas.microsoft.com/office/drawing/2014/main" xmlns="" id="{E94AB448-E08C-4FC1-AAC0-98431019A5B8}"/>
               </a:ext>
             </a:extLst>
           </p:cNvPr>
@@ -6863,7 +6863,7 @@
           <p:cNvPr id="3" name="Inhaltsplatzhalter 2">
             <a:extLst>
               <a:ext uri="{FF2B5EF4-FFF2-40B4-BE49-F238E27FC236}">
-                <a16:creationId xmlns="" xmlns:a16="http://schemas.microsoft.com/office/drawing/2014/main" id="{EE905004-B708-4F44-A14B-50934B89FAB0}"/>
+                <a16:creationId xmlns:a16="http://schemas.microsoft.com/office/drawing/2014/main" xmlns="" id="{EE905004-B708-4F44-A14B-50934B89FAB0}"/>
               </a:ext>
             </a:extLst>
           </p:cNvPr>
@@ -6988,7 +6988,7 @@
           <p:cNvPr id="2" name="Titel 1">
             <a:extLst>
               <a:ext uri="{FF2B5EF4-FFF2-40B4-BE49-F238E27FC236}">
-                <a16:creationId xmlns="" xmlns:a16="http://schemas.microsoft.com/office/drawing/2014/main" id="{98E30EB0-62A0-4D55-AF97-782AB848AE3B}"/>
+                <a16:creationId xmlns:a16="http://schemas.microsoft.com/office/drawing/2014/main" xmlns="" id="{98E30EB0-62A0-4D55-AF97-782AB848AE3B}"/>
               </a:ext>
             </a:extLst>
           </p:cNvPr>
@@ -7016,7 +7016,7 @@
           <p:cNvPr id="3" name="Inhaltsplatzhalter 2">
             <a:extLst>
               <a:ext uri="{FF2B5EF4-FFF2-40B4-BE49-F238E27FC236}">
-                <a16:creationId xmlns="" xmlns:a16="http://schemas.microsoft.com/office/drawing/2014/main" id="{5CE73134-BC2B-467B-B2FE-58257A89BDB4}"/>
+                <a16:creationId xmlns:a16="http://schemas.microsoft.com/office/drawing/2014/main" xmlns="" id="{5CE73134-BC2B-467B-B2FE-58257A89BDB4}"/>
               </a:ext>
             </a:extLst>
           </p:cNvPr>
@@ -7137,8 +7137,8 @@
         </p:nvSpPr>
         <p:spPr>
           <a:xfrm>
-            <a:off x="4400208" y="3738690"/>
-            <a:ext cx="2497251" cy="1431462"/>
+            <a:off x="4402309" y="3742170"/>
+            <a:ext cx="2495151" cy="1427988"/>
           </a:xfrm>
           <a:custGeom>
             <a:avLst/>
@@ -7703,6 +7703,206 @@
               <a:gd name="connsiteY8" fmla="*/ 993566 h 1431462"/>
               <a:gd name="connsiteX9" fmla="*/ 2110 w 2497251"/>
               <a:gd name="connsiteY9" fmla="*/ 126300 h 1431462"/>
+              <a:gd name="connsiteX0" fmla="*/ 8750 w 2503891"/>
+              <a:gd name="connsiteY0" fmla="*/ 134490 h 1439652"/>
+              <a:gd name="connsiteX1" fmla="*/ 841385 w 2503891"/>
+              <a:gd name="connsiteY1" fmla="*/ 11941 h 1439652"/>
+              <a:gd name="connsiteX2" fmla="*/ 1620733 w 2503891"/>
+              <a:gd name="connsiteY2" fmla="*/ 172197 h 1439652"/>
+              <a:gd name="connsiteX3" fmla="*/ 2503776 w 2503891"/>
+              <a:gd name="connsiteY3" fmla="*/ 656139 h 1439652"/>
+              <a:gd name="connsiteX4" fmla="*/ 2318218 w 2503891"/>
+              <a:gd name="connsiteY4" fmla="*/ 1439349 h 1439652"/>
+              <a:gd name="connsiteX5" fmla="*/ 2052173 w 2503891"/>
+              <a:gd name="connsiteY5" fmla="*/ 1238113 h 1439652"/>
+              <a:gd name="connsiteX6" fmla="*/ 1337929 w 2503891"/>
+              <a:gd name="connsiteY6" fmla="*/ 948664 h 1439652"/>
+              <a:gd name="connsiteX7" fmla="*/ 700081 w 2503891"/>
+              <a:gd name="connsiteY7" fmla="*/ 904705 h 1439652"/>
+              <a:gd name="connsiteX8" fmla="*/ 390221 w 2503891"/>
+              <a:gd name="connsiteY8" fmla="*/ 874756 h 1439652"/>
+              <a:gd name="connsiteX9" fmla="*/ 8750 w 2503891"/>
+              <a:gd name="connsiteY9" fmla="*/ 134490 h 1439652"/>
+              <a:gd name="connsiteX0" fmla="*/ 12566 w 2507707"/>
+              <a:gd name="connsiteY0" fmla="*/ 137856 h 1443018"/>
+              <a:gd name="connsiteX1" fmla="*/ 845201 w 2507707"/>
+              <a:gd name="connsiteY1" fmla="*/ 15307 h 1443018"/>
+              <a:gd name="connsiteX2" fmla="*/ 1624549 w 2507707"/>
+              <a:gd name="connsiteY2" fmla="*/ 175563 h 1443018"/>
+              <a:gd name="connsiteX3" fmla="*/ 2507592 w 2507707"/>
+              <a:gd name="connsiteY3" fmla="*/ 659505 h 1443018"/>
+              <a:gd name="connsiteX4" fmla="*/ 2322034 w 2507707"/>
+              <a:gd name="connsiteY4" fmla="*/ 1442715 h 1443018"/>
+              <a:gd name="connsiteX5" fmla="*/ 2055989 w 2507707"/>
+              <a:gd name="connsiteY5" fmla="*/ 1241479 h 1443018"/>
+              <a:gd name="connsiteX6" fmla="*/ 1341745 w 2507707"/>
+              <a:gd name="connsiteY6" fmla="*/ 952030 h 1443018"/>
+              <a:gd name="connsiteX7" fmla="*/ 703897 w 2507707"/>
+              <a:gd name="connsiteY7" fmla="*/ 908071 h 1443018"/>
+              <a:gd name="connsiteX8" fmla="*/ 330537 w 2507707"/>
+              <a:gd name="connsiteY8" fmla="*/ 982262 h 1443018"/>
+              <a:gd name="connsiteX9" fmla="*/ 12566 w 2507707"/>
+              <a:gd name="connsiteY9" fmla="*/ 137856 h 1443018"/>
+              <a:gd name="connsiteX0" fmla="*/ 12566 w 2507707"/>
+              <a:gd name="connsiteY0" fmla="*/ 137856 h 1443023"/>
+              <a:gd name="connsiteX1" fmla="*/ 845201 w 2507707"/>
+              <a:gd name="connsiteY1" fmla="*/ 15307 h 1443023"/>
+              <a:gd name="connsiteX2" fmla="*/ 1624549 w 2507707"/>
+              <a:gd name="connsiteY2" fmla="*/ 175563 h 1443023"/>
+              <a:gd name="connsiteX3" fmla="*/ 2507592 w 2507707"/>
+              <a:gd name="connsiteY3" fmla="*/ 659505 h 1443023"/>
+              <a:gd name="connsiteX4" fmla="*/ 2322034 w 2507707"/>
+              <a:gd name="connsiteY4" fmla="*/ 1442715 h 1443023"/>
+              <a:gd name="connsiteX5" fmla="*/ 2055989 w 2507707"/>
+              <a:gd name="connsiteY5" fmla="*/ 1241479 h 1443023"/>
+              <a:gd name="connsiteX6" fmla="*/ 1341745 w 2507707"/>
+              <a:gd name="connsiteY6" fmla="*/ 952030 h 1443023"/>
+              <a:gd name="connsiteX7" fmla="*/ 703897 w 2507707"/>
+              <a:gd name="connsiteY7" fmla="*/ 908071 h 1443023"/>
+              <a:gd name="connsiteX8" fmla="*/ 330537 w 2507707"/>
+              <a:gd name="connsiteY8" fmla="*/ 982262 h 1443023"/>
+              <a:gd name="connsiteX9" fmla="*/ 12566 w 2507707"/>
+              <a:gd name="connsiteY9" fmla="*/ 137856 h 1443023"/>
+              <a:gd name="connsiteX0" fmla="*/ 4547 w 2499688"/>
+              <a:gd name="connsiteY0" fmla="*/ 126730 h 1431897"/>
+              <a:gd name="connsiteX1" fmla="*/ 837182 w 2499688"/>
+              <a:gd name="connsiteY1" fmla="*/ 4181 h 1431897"/>
+              <a:gd name="connsiteX2" fmla="*/ 1616530 w 2499688"/>
+              <a:gd name="connsiteY2" fmla="*/ 164437 h 1431897"/>
+              <a:gd name="connsiteX3" fmla="*/ 2499573 w 2499688"/>
+              <a:gd name="connsiteY3" fmla="*/ 648379 h 1431897"/>
+              <a:gd name="connsiteX4" fmla="*/ 2314015 w 2499688"/>
+              <a:gd name="connsiteY4" fmla="*/ 1431589 h 1431897"/>
+              <a:gd name="connsiteX5" fmla="*/ 2047970 w 2499688"/>
+              <a:gd name="connsiteY5" fmla="*/ 1230353 h 1431897"/>
+              <a:gd name="connsiteX6" fmla="*/ 1333726 w 2499688"/>
+              <a:gd name="connsiteY6" fmla="*/ 940904 h 1431897"/>
+              <a:gd name="connsiteX7" fmla="*/ 695878 w 2499688"/>
+              <a:gd name="connsiteY7" fmla="*/ 896945 h 1431897"/>
+              <a:gd name="connsiteX8" fmla="*/ 322518 w 2499688"/>
+              <a:gd name="connsiteY8" fmla="*/ 971136 h 1431897"/>
+              <a:gd name="connsiteX9" fmla="*/ 4547 w 2499688"/>
+              <a:gd name="connsiteY9" fmla="*/ 126730 h 1431897"/>
+              <a:gd name="connsiteX0" fmla="*/ 4430 w 2499571"/>
+              <a:gd name="connsiteY0" fmla="*/ 126730 h 1431897"/>
+              <a:gd name="connsiteX1" fmla="*/ 837065 w 2499571"/>
+              <a:gd name="connsiteY1" fmla="*/ 4181 h 1431897"/>
+              <a:gd name="connsiteX2" fmla="*/ 1616413 w 2499571"/>
+              <a:gd name="connsiteY2" fmla="*/ 164437 h 1431897"/>
+              <a:gd name="connsiteX3" fmla="*/ 2499456 w 2499571"/>
+              <a:gd name="connsiteY3" fmla="*/ 648379 h 1431897"/>
+              <a:gd name="connsiteX4" fmla="*/ 2313898 w 2499571"/>
+              <a:gd name="connsiteY4" fmla="*/ 1431589 h 1431897"/>
+              <a:gd name="connsiteX5" fmla="*/ 2047853 w 2499571"/>
+              <a:gd name="connsiteY5" fmla="*/ 1230353 h 1431897"/>
+              <a:gd name="connsiteX6" fmla="*/ 1333609 w 2499571"/>
+              <a:gd name="connsiteY6" fmla="*/ 940904 h 1431897"/>
+              <a:gd name="connsiteX7" fmla="*/ 695761 w 2499571"/>
+              <a:gd name="connsiteY7" fmla="*/ 896945 h 1431897"/>
+              <a:gd name="connsiteX8" fmla="*/ 322401 w 2499571"/>
+              <a:gd name="connsiteY8" fmla="*/ 971136 h 1431897"/>
+              <a:gd name="connsiteX9" fmla="*/ 4430 w 2499571"/>
+              <a:gd name="connsiteY9" fmla="*/ 126730 h 1431897"/>
+              <a:gd name="connsiteX0" fmla="*/ 5962 w 2501103"/>
+              <a:gd name="connsiteY0" fmla="*/ 122912 h 1428079"/>
+              <a:gd name="connsiteX1" fmla="*/ 838597 w 2501103"/>
+              <a:gd name="connsiteY1" fmla="*/ 363 h 1428079"/>
+              <a:gd name="connsiteX2" fmla="*/ 1617945 w 2501103"/>
+              <a:gd name="connsiteY2" fmla="*/ 160619 h 1428079"/>
+              <a:gd name="connsiteX3" fmla="*/ 2500988 w 2501103"/>
+              <a:gd name="connsiteY3" fmla="*/ 644561 h 1428079"/>
+              <a:gd name="connsiteX4" fmla="*/ 2315430 w 2501103"/>
+              <a:gd name="connsiteY4" fmla="*/ 1427771 h 1428079"/>
+              <a:gd name="connsiteX5" fmla="*/ 2049385 w 2501103"/>
+              <a:gd name="connsiteY5" fmla="*/ 1226535 h 1428079"/>
+              <a:gd name="connsiteX6" fmla="*/ 1335141 w 2501103"/>
+              <a:gd name="connsiteY6" fmla="*/ 937086 h 1428079"/>
+              <a:gd name="connsiteX7" fmla="*/ 697293 w 2501103"/>
+              <a:gd name="connsiteY7" fmla="*/ 893127 h 1428079"/>
+              <a:gd name="connsiteX8" fmla="*/ 323933 w 2501103"/>
+              <a:gd name="connsiteY8" fmla="*/ 967318 h 1428079"/>
+              <a:gd name="connsiteX9" fmla="*/ 5962 w 2501103"/>
+              <a:gd name="connsiteY9" fmla="*/ 122912 h 1428079"/>
+              <a:gd name="connsiteX0" fmla="*/ 492 w 2495633"/>
+              <a:gd name="connsiteY0" fmla="*/ 122814 h 1427981"/>
+              <a:gd name="connsiteX1" fmla="*/ 833127 w 2495633"/>
+              <a:gd name="connsiteY1" fmla="*/ 265 h 1427981"/>
+              <a:gd name="connsiteX2" fmla="*/ 1612475 w 2495633"/>
+              <a:gd name="connsiteY2" fmla="*/ 160521 h 1427981"/>
+              <a:gd name="connsiteX3" fmla="*/ 2495518 w 2495633"/>
+              <a:gd name="connsiteY3" fmla="*/ 644463 h 1427981"/>
+              <a:gd name="connsiteX4" fmla="*/ 2309960 w 2495633"/>
+              <a:gd name="connsiteY4" fmla="*/ 1427673 h 1427981"/>
+              <a:gd name="connsiteX5" fmla="*/ 2043915 w 2495633"/>
+              <a:gd name="connsiteY5" fmla="*/ 1226437 h 1427981"/>
+              <a:gd name="connsiteX6" fmla="*/ 1329671 w 2495633"/>
+              <a:gd name="connsiteY6" fmla="*/ 936988 h 1427981"/>
+              <a:gd name="connsiteX7" fmla="*/ 691823 w 2495633"/>
+              <a:gd name="connsiteY7" fmla="*/ 893029 h 1427981"/>
+              <a:gd name="connsiteX8" fmla="*/ 318463 w 2495633"/>
+              <a:gd name="connsiteY8" fmla="*/ 967220 h 1427981"/>
+              <a:gd name="connsiteX9" fmla="*/ 492 w 2495633"/>
+              <a:gd name="connsiteY9" fmla="*/ 122814 h 1427981"/>
+              <a:gd name="connsiteX0" fmla="*/ 15691 w 2510832"/>
+              <a:gd name="connsiteY0" fmla="*/ 129392 h 1434559"/>
+              <a:gd name="connsiteX1" fmla="*/ 848326 w 2510832"/>
+              <a:gd name="connsiteY1" fmla="*/ 6843 h 1434559"/>
+              <a:gd name="connsiteX2" fmla="*/ 1627674 w 2510832"/>
+              <a:gd name="connsiteY2" fmla="*/ 167099 h 1434559"/>
+              <a:gd name="connsiteX3" fmla="*/ 2510717 w 2510832"/>
+              <a:gd name="connsiteY3" fmla="*/ 651041 h 1434559"/>
+              <a:gd name="connsiteX4" fmla="*/ 2325159 w 2510832"/>
+              <a:gd name="connsiteY4" fmla="*/ 1434251 h 1434559"/>
+              <a:gd name="connsiteX5" fmla="*/ 2059114 w 2510832"/>
+              <a:gd name="connsiteY5" fmla="*/ 1233015 h 1434559"/>
+              <a:gd name="connsiteX6" fmla="*/ 1344870 w 2510832"/>
+              <a:gd name="connsiteY6" fmla="*/ 943566 h 1434559"/>
+              <a:gd name="connsiteX7" fmla="*/ 707022 w 2510832"/>
+              <a:gd name="connsiteY7" fmla="*/ 899607 h 1434559"/>
+              <a:gd name="connsiteX8" fmla="*/ 333662 w 2510832"/>
+              <a:gd name="connsiteY8" fmla="*/ 973798 h 1434559"/>
+              <a:gd name="connsiteX9" fmla="*/ 15691 w 2510832"/>
+              <a:gd name="connsiteY9" fmla="*/ 129392 h 1434559"/>
+              <a:gd name="connsiteX0" fmla="*/ 12178 w 2507319"/>
+              <a:gd name="connsiteY0" fmla="*/ 129392 h 1434559"/>
+              <a:gd name="connsiteX1" fmla="*/ 844813 w 2507319"/>
+              <a:gd name="connsiteY1" fmla="*/ 6843 h 1434559"/>
+              <a:gd name="connsiteX2" fmla="*/ 1624161 w 2507319"/>
+              <a:gd name="connsiteY2" fmla="*/ 167099 h 1434559"/>
+              <a:gd name="connsiteX3" fmla="*/ 2507204 w 2507319"/>
+              <a:gd name="connsiteY3" fmla="*/ 651041 h 1434559"/>
+              <a:gd name="connsiteX4" fmla="*/ 2321646 w 2507319"/>
+              <a:gd name="connsiteY4" fmla="*/ 1434251 h 1434559"/>
+              <a:gd name="connsiteX5" fmla="*/ 2055601 w 2507319"/>
+              <a:gd name="connsiteY5" fmla="*/ 1233015 h 1434559"/>
+              <a:gd name="connsiteX6" fmla="*/ 1341357 w 2507319"/>
+              <a:gd name="connsiteY6" fmla="*/ 943566 h 1434559"/>
+              <a:gd name="connsiteX7" fmla="*/ 703509 w 2507319"/>
+              <a:gd name="connsiteY7" fmla="*/ 899607 h 1434559"/>
+              <a:gd name="connsiteX8" fmla="*/ 330149 w 2507319"/>
+              <a:gd name="connsiteY8" fmla="*/ 973798 h 1434559"/>
+              <a:gd name="connsiteX9" fmla="*/ 12178 w 2507319"/>
+              <a:gd name="connsiteY9" fmla="*/ 129392 h 1434559"/>
+              <a:gd name="connsiteX0" fmla="*/ 10 w 2495151"/>
+              <a:gd name="connsiteY0" fmla="*/ 122821 h 1427988"/>
+              <a:gd name="connsiteX1" fmla="*/ 832645 w 2495151"/>
+              <a:gd name="connsiteY1" fmla="*/ 272 h 1427988"/>
+              <a:gd name="connsiteX2" fmla="*/ 1611993 w 2495151"/>
+              <a:gd name="connsiteY2" fmla="*/ 160528 h 1427988"/>
+              <a:gd name="connsiteX3" fmla="*/ 2495036 w 2495151"/>
+              <a:gd name="connsiteY3" fmla="*/ 644470 h 1427988"/>
+              <a:gd name="connsiteX4" fmla="*/ 2309478 w 2495151"/>
+              <a:gd name="connsiteY4" fmla="*/ 1427680 h 1427988"/>
+              <a:gd name="connsiteX5" fmla="*/ 2043433 w 2495151"/>
+              <a:gd name="connsiteY5" fmla="*/ 1226444 h 1427988"/>
+              <a:gd name="connsiteX6" fmla="*/ 1329189 w 2495151"/>
+              <a:gd name="connsiteY6" fmla="*/ 936995 h 1427988"/>
+              <a:gd name="connsiteX7" fmla="*/ 691341 w 2495151"/>
+              <a:gd name="connsiteY7" fmla="*/ 893036 h 1427988"/>
+              <a:gd name="connsiteX8" fmla="*/ 317981 w 2495151"/>
+              <a:gd name="connsiteY8" fmla="*/ 967227 h 1427988"/>
+              <a:gd name="connsiteX9" fmla="*/ 10 w 2495151"/>
+              <a:gd name="connsiteY9" fmla="*/ 122821 h 1427988"/>
             </a:gdLst>
             <a:ahLst/>
             <a:cxnLst>
@@ -7739,54 +7939,54 @@
             </a:cxnLst>
             <a:rect l="l" t="t" r="r" b="b"/>
             <a:pathLst>
-              <a:path w="2497251" h="1431462">
+              <a:path w="2495151" h="1427988">
                 <a:moveTo>
-                  <a:pt x="2110" y="126300"/>
+                  <a:pt x="10" y="122821"/>
                 </a:moveTo>
                 <a:cubicBezTo>
-                  <a:pt x="33489" y="88331"/>
-                  <a:pt x="562906" y="-21583"/>
-                  <a:pt x="834745" y="3751"/>
+                  <a:pt x="1967" y="98822"/>
+                  <a:pt x="563981" y="-6012"/>
+                  <a:pt x="832645" y="272"/>
                 </a:cubicBezTo>
                 <a:cubicBezTo>
-                  <a:pt x="1106584" y="29085"/>
-                  <a:pt x="1337028" y="56641"/>
-                  <a:pt x="1614093" y="164007"/>
+                  <a:pt x="1101309" y="6556"/>
+                  <a:pt x="1334928" y="53162"/>
+                  <a:pt x="1611993" y="160528"/>
                 </a:cubicBezTo>
                 <a:cubicBezTo>
-                  <a:pt x="1891158" y="271373"/>
-                  <a:pt x="2492013" y="595507"/>
-                  <a:pt x="2497136" y="647949"/>
+                  <a:pt x="1889058" y="267894"/>
+                  <a:pt x="2489913" y="592028"/>
+                  <a:pt x="2495036" y="644470"/>
                 </a:cubicBezTo>
                 <a:cubicBezTo>
-                  <a:pt x="2502259" y="700391"/>
-                  <a:pt x="2336045" y="1423063"/>
-                  <a:pt x="2311578" y="1431159"/>
+                  <a:pt x="2500159" y="696912"/>
+                  <a:pt x="2333945" y="1419584"/>
+                  <a:pt x="2309478" y="1427680"/>
                 </a:cubicBezTo>
                 <a:cubicBezTo>
-                  <a:pt x="2287111" y="1439255"/>
-                  <a:pt x="2158115" y="1283129"/>
-                  <a:pt x="2045533" y="1229923"/>
+                  <a:pt x="2285011" y="1435776"/>
+                  <a:pt x="2133155" y="1282190"/>
+                  <a:pt x="2043433" y="1226444"/>
                 </a:cubicBezTo>
                 <a:cubicBezTo>
-                  <a:pt x="1932951" y="1176717"/>
-                  <a:pt x="1556638" y="996042"/>
-                  <a:pt x="1331289" y="940474"/>
+                  <a:pt x="1953711" y="1170698"/>
+                  <a:pt x="1554538" y="992563"/>
+                  <a:pt x="1329189" y="936995"/>
                 </a:cubicBezTo>
                 <a:cubicBezTo>
-                  <a:pt x="1105940" y="884906"/>
-                  <a:pt x="861552" y="882375"/>
-                  <a:pt x="693441" y="896515"/>
+                  <a:pt x="1103840" y="881427"/>
+                  <a:pt x="859452" y="878896"/>
+                  <a:pt x="691341" y="893036"/>
                 </a:cubicBezTo>
                 <a:cubicBezTo>
-                  <a:pt x="525330" y="910655"/>
-                  <a:pt x="345768" y="988585"/>
-                  <a:pt x="322621" y="993566"/>
+                  <a:pt x="523230" y="907176"/>
+                  <a:pt x="326523" y="978756"/>
+                  <a:pt x="317981" y="967227"/>
                 </a:cubicBezTo>
                 <a:cubicBezTo>
-                  <a:pt x="299474" y="998547"/>
-                  <a:pt x="-29269" y="164269"/>
-                  <a:pt x="2110" y="126300"/>
+                  <a:pt x="309439" y="955698"/>
+                  <a:pt x="-1947" y="146820"/>
+                  <a:pt x="10" y="122821"/>
                 </a:cubicBezTo>
                 <a:close/>
               </a:path>
@@ -8515,7 +8715,7 @@
           <p:cNvPr id="2" name="Titel 1">
             <a:extLst>
               <a:ext uri="{FF2B5EF4-FFF2-40B4-BE49-F238E27FC236}">
-                <a16:creationId xmlns="" xmlns:a16="http://schemas.microsoft.com/office/drawing/2014/main" id="{B021C1F3-433C-41E3-8587-65D5BDA4F317}"/>
+                <a16:creationId xmlns:a16="http://schemas.microsoft.com/office/drawing/2014/main" xmlns="" id="{B021C1F3-433C-41E3-8587-65D5BDA4F317}"/>
               </a:ext>
             </a:extLst>
           </p:cNvPr>
@@ -8538,8 +8738,8 @@
           </a:p>
         </p:txBody>
       </p:sp>
-      <mc:AlternateContent xmlns:mc="http://schemas.openxmlformats.org/markup-compatibility/2006">
-        <mc:Choice xmlns:a14="http://schemas.microsoft.com/office/drawing/2010/main" Requires="a14">
+      <mc:AlternateContent xmlns:mc="http://schemas.openxmlformats.org/markup-compatibility/2006" xmlns:a14="http://schemas.microsoft.com/office/drawing/2010/main">
+        <mc:Choice Requires="a14">
           <p:graphicFrame>
             <p:nvGraphicFramePr>
               <p:cNvPr id="4" name="Inhaltsplatzhalter 3"/>
@@ -8568,14 +8768,14 @@
                     <a:gridCol w="2880320">
                       <a:extLst>
                         <a:ext uri="{9D8B030D-6E8A-4147-A177-3AD203B41FA5}">
-                          <a16:colId xmlns="" xmlns:a16="http://schemas.microsoft.com/office/drawing/2014/main" val="20000"/>
+                          <a16:colId xmlns:a16="http://schemas.microsoft.com/office/drawing/2014/main" xmlns="" val="20000"/>
                         </a:ext>
                       </a:extLst>
                     </a:gridCol>
                     <a:gridCol w="2016224">
                       <a:extLst>
                         <a:ext uri="{9D8B030D-6E8A-4147-A177-3AD203B41FA5}">
-                          <a16:colId xmlns="" xmlns:a16="http://schemas.microsoft.com/office/drawing/2014/main" val="20001"/>
+                          <a16:colId xmlns:a16="http://schemas.microsoft.com/office/drawing/2014/main" xmlns="" val="20001"/>
                         </a:ext>
                       </a:extLst>
                     </a:gridCol>
@@ -8849,7 +9049,7 @@
                     </a:tc>
                     <a:extLst>
                       <a:ext uri="{0D108BD9-81ED-4DB2-BD59-A6C34878D82A}">
-                        <a16:rowId xmlns="" xmlns:a16="http://schemas.microsoft.com/office/drawing/2014/main" val="10000"/>
+                        <a16:rowId xmlns:a16="http://schemas.microsoft.com/office/drawing/2014/main" xmlns="" val="10000"/>
                       </a:ext>
                     </a:extLst>
                   </a:tr>
@@ -8916,7 +9116,7 @@
                     </a:tc>
                     <a:extLst>
                       <a:ext uri="{0D108BD9-81ED-4DB2-BD59-A6C34878D82A}">
-                        <a16:rowId xmlns="" xmlns:a16="http://schemas.microsoft.com/office/drawing/2014/main" val="10001"/>
+                        <a16:rowId xmlns:a16="http://schemas.microsoft.com/office/drawing/2014/main" xmlns="" val="10001"/>
                       </a:ext>
                     </a:extLst>
                   </a:tr>
@@ -8991,7 +9191,7 @@
                     </a:tc>
                     <a:extLst>
                       <a:ext uri="{0D108BD9-81ED-4DB2-BD59-A6C34878D82A}">
-                        <a16:rowId xmlns="" xmlns:a16="http://schemas.microsoft.com/office/drawing/2014/main" val="10002"/>
+                        <a16:rowId xmlns:a16="http://schemas.microsoft.com/office/drawing/2014/main" xmlns="" val="10002"/>
                       </a:ext>
                     </a:extLst>
                   </a:tr>
@@ -9070,7 +9270,7 @@
                     </a:tc>
                     <a:extLst>
                       <a:ext uri="{0D108BD9-81ED-4DB2-BD59-A6C34878D82A}">
-                        <a16:rowId xmlns="" xmlns:a16="http://schemas.microsoft.com/office/drawing/2014/main" val="10003"/>
+                        <a16:rowId xmlns:a16="http://schemas.microsoft.com/office/drawing/2014/main" xmlns="" val="10003"/>
                       </a:ext>
                     </a:extLst>
                   </a:tr>
@@ -9145,7 +9345,7 @@
                     </a:tc>
                     <a:extLst>
                       <a:ext uri="{0D108BD9-81ED-4DB2-BD59-A6C34878D82A}">
-                        <a16:rowId xmlns="" xmlns:a16="http://schemas.microsoft.com/office/drawing/2014/main" val="10004"/>
+                        <a16:rowId xmlns:a16="http://schemas.microsoft.com/office/drawing/2014/main" xmlns="" val="10004"/>
                       </a:ext>
                     </a:extLst>
                   </a:tr>
@@ -9224,7 +9424,7 @@
                     </a:tc>
                     <a:extLst>
                       <a:ext uri="{0D108BD9-81ED-4DB2-BD59-A6C34878D82A}">
-                        <a16:rowId xmlns="" xmlns:a16="http://schemas.microsoft.com/office/drawing/2014/main" val="10005"/>
+                        <a16:rowId xmlns:a16="http://schemas.microsoft.com/office/drawing/2014/main" xmlns="" val="10005"/>
                       </a:ext>
                     </a:extLst>
                   </a:tr>
@@ -9233,7 +9433,7 @@
             </a:graphic>
           </p:graphicFrame>
         </mc:Choice>
-        <mc:Fallback>
+        <mc:Fallback xmlns="">
           <p:graphicFrame>
             <p:nvGraphicFramePr>
               <p:cNvPr id="4" name="Inhaltsplatzhalter 3"/>
@@ -9806,7 +10006,7 @@
           <p:cNvPr id="2" name="Titel 1">
             <a:extLst>
               <a:ext uri="{FF2B5EF4-FFF2-40B4-BE49-F238E27FC236}">
-                <a16:creationId xmlns="" xmlns:a16="http://schemas.microsoft.com/office/drawing/2014/main" id="{D329A526-CE1D-48AD-8C37-10B31DD1A94A}"/>
+                <a16:creationId xmlns:a16="http://schemas.microsoft.com/office/drawing/2014/main" xmlns="" id="{D329A526-CE1D-48AD-8C37-10B31DD1A94A}"/>
               </a:ext>
             </a:extLst>
           </p:cNvPr>
@@ -9834,7 +10034,7 @@
           <p:cNvPr id="3" name="Inhaltsplatzhalter 2">
             <a:extLst>
               <a:ext uri="{FF2B5EF4-FFF2-40B4-BE49-F238E27FC236}">
-                <a16:creationId xmlns="" xmlns:a16="http://schemas.microsoft.com/office/drawing/2014/main" id="{BA4C428F-6F17-477B-9503-2C9FE4D7286D}"/>
+                <a16:creationId xmlns:a16="http://schemas.microsoft.com/office/drawing/2014/main" xmlns="" id="{BA4C428F-6F17-477B-9503-2C9FE4D7286D}"/>
               </a:ext>
             </a:extLst>
           </p:cNvPr>
@@ -9913,7 +10113,7 @@
           <p:cNvPr id="2" name="Titel 1">
             <a:extLst>
               <a:ext uri="{FF2B5EF4-FFF2-40B4-BE49-F238E27FC236}">
-                <a16:creationId xmlns="" xmlns:a16="http://schemas.microsoft.com/office/drawing/2014/main" id="{8643BECD-9FC8-4139-AF9D-AAB9BD9ABF1F}"/>
+                <a16:creationId xmlns:a16="http://schemas.microsoft.com/office/drawing/2014/main" xmlns="" id="{8643BECD-9FC8-4139-AF9D-AAB9BD9ABF1F}"/>
               </a:ext>
             </a:extLst>
           </p:cNvPr>
@@ -9941,7 +10141,7 @@
           <p:cNvPr id="3" name="Inhaltsplatzhalter 2">
             <a:extLst>
               <a:ext uri="{FF2B5EF4-FFF2-40B4-BE49-F238E27FC236}">
-                <a16:creationId xmlns="" xmlns:a16="http://schemas.microsoft.com/office/drawing/2014/main" id="{E42A3100-1EC4-4CA1-8073-DBF9AE2DE022}"/>
+                <a16:creationId xmlns:a16="http://schemas.microsoft.com/office/drawing/2014/main" xmlns="" id="{E42A3100-1EC4-4CA1-8073-DBF9AE2DE022}"/>
               </a:ext>
             </a:extLst>
           </p:cNvPr>
@@ -10006,7 +10206,7 @@
           <p:cNvPr id="2" name="Titel 1">
             <a:extLst>
               <a:ext uri="{FF2B5EF4-FFF2-40B4-BE49-F238E27FC236}">
-                <a16:creationId xmlns="" xmlns:a16="http://schemas.microsoft.com/office/drawing/2014/main" id="{A6803A1C-048A-4BD5-BB5C-6AD0F129ECC9}"/>
+                <a16:creationId xmlns:a16="http://schemas.microsoft.com/office/drawing/2014/main" xmlns="" id="{A6803A1C-048A-4BD5-BB5C-6AD0F129ECC9}"/>
               </a:ext>
             </a:extLst>
           </p:cNvPr>
@@ -10034,7 +10234,7 @@
           <p:cNvPr id="3" name="Inhaltsplatzhalter 2">
             <a:extLst>
               <a:ext uri="{FF2B5EF4-FFF2-40B4-BE49-F238E27FC236}">
-                <a16:creationId xmlns="" xmlns:a16="http://schemas.microsoft.com/office/drawing/2014/main" id="{13708A06-7247-4796-B127-BA1268EFB4F0}"/>
+                <a16:creationId xmlns:a16="http://schemas.microsoft.com/office/drawing/2014/main" xmlns="" id="{13708A06-7247-4796-B127-BA1268EFB4F0}"/>
               </a:ext>
             </a:extLst>
           </p:cNvPr>
@@ -10439,7 +10639,7 @@
           <p:cNvPr id="2" name="Titel 1">
             <a:extLst>
               <a:ext uri="{FF2B5EF4-FFF2-40B4-BE49-F238E27FC236}">
-                <a16:creationId xmlns="" xmlns:a16="http://schemas.microsoft.com/office/drawing/2014/main" id="{D27A44A1-7D5C-4ED1-B1CC-16A1827DE5CE}"/>
+                <a16:creationId xmlns:a16="http://schemas.microsoft.com/office/drawing/2014/main" xmlns="" id="{D27A44A1-7D5C-4ED1-B1CC-16A1827DE5CE}"/>
               </a:ext>
             </a:extLst>
           </p:cNvPr>
@@ -10467,7 +10667,7 @@
           <p:cNvPr id="3" name="Inhaltsplatzhalter 2">
             <a:extLst>
               <a:ext uri="{FF2B5EF4-FFF2-40B4-BE49-F238E27FC236}">
-                <a16:creationId xmlns="" xmlns:a16="http://schemas.microsoft.com/office/drawing/2014/main" id="{0A11E94A-080C-4F4A-B9ED-FC1B878B8CE0}"/>
+                <a16:creationId xmlns:a16="http://schemas.microsoft.com/office/drawing/2014/main" xmlns="" id="{0A11E94A-080C-4F4A-B9ED-FC1B878B8CE0}"/>
               </a:ext>
             </a:extLst>
           </p:cNvPr>
@@ -10611,14 +10811,14 @@
                 <a:gridCol w="3411538">
                   <a:extLst>
                     <a:ext uri="{9D8B030D-6E8A-4147-A177-3AD203B41FA5}">
-                      <a16:colId xmlns="" xmlns:a16="http://schemas.microsoft.com/office/drawing/2014/main" val="20000"/>
+                      <a16:colId xmlns:a16="http://schemas.microsoft.com/office/drawing/2014/main" xmlns="" val="20000"/>
                     </a:ext>
                   </a:extLst>
                 </a:gridCol>
                 <a:gridCol w="3411538">
                   <a:extLst>
                     <a:ext uri="{9D8B030D-6E8A-4147-A177-3AD203B41FA5}">
-                      <a16:colId xmlns="" xmlns:a16="http://schemas.microsoft.com/office/drawing/2014/main" val="20001"/>
+                      <a16:colId xmlns:a16="http://schemas.microsoft.com/office/drawing/2014/main" xmlns="" val="20001"/>
                     </a:ext>
                   </a:extLst>
                 </a:gridCol>
@@ -10660,7 +10860,7 @@
                 </a:tc>
                 <a:extLst>
                   <a:ext uri="{0D108BD9-81ED-4DB2-BD59-A6C34878D82A}">
-                    <a16:rowId xmlns="" xmlns:a16="http://schemas.microsoft.com/office/drawing/2014/main" val="10000"/>
+                    <a16:rowId xmlns:a16="http://schemas.microsoft.com/office/drawing/2014/main" xmlns="" val="10000"/>
                   </a:ext>
                 </a:extLst>
               </a:tr>
@@ -10698,7 +10898,7 @@
                 </a:tc>
                 <a:extLst>
                   <a:ext uri="{0D108BD9-81ED-4DB2-BD59-A6C34878D82A}">
-                    <a16:rowId xmlns="" xmlns:a16="http://schemas.microsoft.com/office/drawing/2014/main" val="10001"/>
+                    <a16:rowId xmlns:a16="http://schemas.microsoft.com/office/drawing/2014/main" xmlns="" val="10001"/>
                   </a:ext>
                 </a:extLst>
               </a:tr>
@@ -10752,7 +10952,7 @@
                 </a:tc>
                 <a:extLst>
                   <a:ext uri="{0D108BD9-81ED-4DB2-BD59-A6C34878D82A}">
-                    <a16:rowId xmlns="" xmlns:a16="http://schemas.microsoft.com/office/drawing/2014/main" val="10002"/>
+                    <a16:rowId xmlns:a16="http://schemas.microsoft.com/office/drawing/2014/main" xmlns="" val="10002"/>
                   </a:ext>
                 </a:extLst>
               </a:tr>
@@ -10806,7 +11006,7 @@
                 </a:tc>
                 <a:extLst>
                   <a:ext uri="{0D108BD9-81ED-4DB2-BD59-A6C34878D82A}">
-                    <a16:rowId xmlns="" xmlns:a16="http://schemas.microsoft.com/office/drawing/2014/main" val="10003"/>
+                    <a16:rowId xmlns:a16="http://schemas.microsoft.com/office/drawing/2014/main" xmlns="" val="10003"/>
                   </a:ext>
                 </a:extLst>
               </a:tr>
@@ -10860,7 +11060,7 @@
                 </a:tc>
                 <a:extLst>
                   <a:ext uri="{0D108BD9-81ED-4DB2-BD59-A6C34878D82A}">
-                    <a16:rowId xmlns="" xmlns:a16="http://schemas.microsoft.com/office/drawing/2014/main" val="10004"/>
+                    <a16:rowId xmlns:a16="http://schemas.microsoft.com/office/drawing/2014/main" xmlns="" val="10004"/>
                   </a:ext>
                 </a:extLst>
               </a:tr>
@@ -10914,7 +11114,7 @@
                 </a:tc>
                 <a:extLst>
                   <a:ext uri="{0D108BD9-81ED-4DB2-BD59-A6C34878D82A}">
-                    <a16:rowId xmlns="" xmlns:a16="http://schemas.microsoft.com/office/drawing/2014/main" val="10005"/>
+                    <a16:rowId xmlns:a16="http://schemas.microsoft.com/office/drawing/2014/main" xmlns="" val="10005"/>
                   </a:ext>
                 </a:extLst>
               </a:tr>
@@ -10968,7 +11168,7 @@
                 </a:tc>
                 <a:extLst>
                   <a:ext uri="{0D108BD9-81ED-4DB2-BD59-A6C34878D82A}">
-                    <a16:rowId xmlns="" xmlns:a16="http://schemas.microsoft.com/office/drawing/2014/main" val="10006"/>
+                    <a16:rowId xmlns:a16="http://schemas.microsoft.com/office/drawing/2014/main" xmlns="" val="10006"/>
                   </a:ext>
                 </a:extLst>
               </a:tr>
@@ -11022,7 +11222,7 @@
                 </a:tc>
                 <a:extLst>
                   <a:ext uri="{0D108BD9-81ED-4DB2-BD59-A6C34878D82A}">
-                    <a16:rowId xmlns="" xmlns:a16="http://schemas.microsoft.com/office/drawing/2014/main" val="10007"/>
+                    <a16:rowId xmlns:a16="http://schemas.microsoft.com/office/drawing/2014/main" xmlns="" val="10007"/>
                   </a:ext>
                 </a:extLst>
               </a:tr>
@@ -11252,7 +11452,7 @@
           <p:cNvPr id="2" name="Titel 1">
             <a:extLst>
               <a:ext uri="{FF2B5EF4-FFF2-40B4-BE49-F238E27FC236}">
-                <a16:creationId xmlns="" xmlns:a16="http://schemas.microsoft.com/office/drawing/2014/main" id="{097E6A6D-464E-4766-AAF3-C4FECB9FA991}"/>
+                <a16:creationId xmlns:a16="http://schemas.microsoft.com/office/drawing/2014/main" xmlns="" id="{097E6A6D-464E-4766-AAF3-C4FECB9FA991}"/>
               </a:ext>
             </a:extLst>
           </p:cNvPr>
@@ -11280,7 +11480,7 @@
           <p:cNvPr id="3" name="Inhaltsplatzhalter 2">
             <a:extLst>
               <a:ext uri="{FF2B5EF4-FFF2-40B4-BE49-F238E27FC236}">
-                <a16:creationId xmlns="" xmlns:a16="http://schemas.microsoft.com/office/drawing/2014/main" id="{0E9598F0-1E7C-41F5-AC85-FE84123CF1DA}"/>
+                <a16:creationId xmlns:a16="http://schemas.microsoft.com/office/drawing/2014/main" xmlns="" id="{0E9598F0-1E7C-41F5-AC85-FE84123CF1DA}"/>
               </a:ext>
             </a:extLst>
           </p:cNvPr>
@@ -11366,7 +11566,7 @@
           <p:cNvPr id="2" name="Titel 1">
             <a:extLst>
               <a:ext uri="{FF2B5EF4-FFF2-40B4-BE49-F238E27FC236}">
-                <a16:creationId xmlns="" xmlns:a16="http://schemas.microsoft.com/office/drawing/2014/main" id="{2466B14E-2CAE-450A-835B-07642C6772FC}"/>
+                <a16:creationId xmlns:a16="http://schemas.microsoft.com/office/drawing/2014/main" xmlns="" id="{2466B14E-2CAE-450A-835B-07642C6772FC}"/>
               </a:ext>
             </a:extLst>
           </p:cNvPr>
@@ -11394,7 +11594,7 @@
           <p:cNvPr id="3" name="Inhaltsplatzhalter 2">
             <a:extLst>
               <a:ext uri="{FF2B5EF4-FFF2-40B4-BE49-F238E27FC236}">
-                <a16:creationId xmlns="" xmlns:a16="http://schemas.microsoft.com/office/drawing/2014/main" id="{CCE11E07-3335-434C-8B03-5B1BAEAEC7C5}"/>
+                <a16:creationId xmlns:a16="http://schemas.microsoft.com/office/drawing/2014/main" xmlns="" id="{CCE11E07-3335-434C-8B03-5B1BAEAEC7C5}"/>
               </a:ext>
             </a:extLst>
           </p:cNvPr>
@@ -11435,7 +11635,6 @@
               <a:rPr lang="de-DE" dirty="0" smtClean="0"/>
               <a:t>Erzeugte Leistung:</a:t>
             </a:r>
-            <a:endParaRPr lang="de-DE" dirty="0" smtClean="0"/>
           </a:p>
           <a:p>
             <a:pPr lvl="2"/>
@@ -11686,7 +11885,7 @@
           <p:cNvPr id="2" name="Titel 1">
             <a:extLst>
               <a:ext uri="{FF2B5EF4-FFF2-40B4-BE49-F238E27FC236}">
-                <a16:creationId xmlns="" xmlns:a16="http://schemas.microsoft.com/office/drawing/2014/main" id="{B0EB02CB-0053-457A-BB5F-5D64278141CC}"/>
+                <a16:creationId xmlns:a16="http://schemas.microsoft.com/office/drawing/2014/main" xmlns="" id="{B0EB02CB-0053-457A-BB5F-5D64278141CC}"/>
               </a:ext>
             </a:extLst>
           </p:cNvPr>
@@ -11714,7 +11913,7 @@
           <p:cNvPr id="3" name="Inhaltsplatzhalter 2">
             <a:extLst>
               <a:ext uri="{FF2B5EF4-FFF2-40B4-BE49-F238E27FC236}">
-                <a16:creationId xmlns="" xmlns:a16="http://schemas.microsoft.com/office/drawing/2014/main" id="{756355A6-13F9-40C1-8AD3-1534717E7B09}"/>
+                <a16:creationId xmlns:a16="http://schemas.microsoft.com/office/drawing/2014/main" xmlns="" id="{756355A6-13F9-40C1-8AD3-1534717E7B09}"/>
               </a:ext>
             </a:extLst>
           </p:cNvPr>
@@ -11980,8 +12179,8 @@
           </a:p>
         </p:txBody>
       </p:sp>
-      <mc:AlternateContent xmlns:mc="http://schemas.openxmlformats.org/markup-compatibility/2006">
-        <mc:Choice xmlns:a14="http://schemas.microsoft.com/office/drawing/2010/main" Requires="a14">
+      <mc:AlternateContent xmlns:mc="http://schemas.openxmlformats.org/markup-compatibility/2006" xmlns:a14="http://schemas.microsoft.com/office/drawing/2010/main">
+        <mc:Choice Requires="a14">
           <p:sp>
             <p:nvSpPr>
               <p:cNvPr id="3" name="Inhaltsplatzhalter 2"/>
@@ -12291,7 +12490,7 @@
             </p:txBody>
           </p:sp>
         </mc:Choice>
-        <mc:Fallback>
+        <mc:Fallback xmlns="">
           <p:sp>
             <p:nvSpPr>
               <p:cNvPr id="3" name="Inhaltsplatzhalter 2"/>
@@ -12367,7 +12566,7 @@
           <p:cNvPr id="2" name="Titel 1">
             <a:extLst>
               <a:ext uri="{FF2B5EF4-FFF2-40B4-BE49-F238E27FC236}">
-                <a16:creationId xmlns="" xmlns:a16="http://schemas.microsoft.com/office/drawing/2014/main" id="{8DE61EE4-0A2E-4DFD-BE73-F3D4D2210025}"/>
+                <a16:creationId xmlns:a16="http://schemas.microsoft.com/office/drawing/2014/main" xmlns="" id="{8DE61EE4-0A2E-4DFD-BE73-F3D4D2210025}"/>
               </a:ext>
             </a:extLst>
           </p:cNvPr>
@@ -12395,7 +12594,7 @@
           <p:cNvPr id="3" name="Inhaltsplatzhalter 2">
             <a:extLst>
               <a:ext uri="{FF2B5EF4-FFF2-40B4-BE49-F238E27FC236}">
-                <a16:creationId xmlns="" xmlns:a16="http://schemas.microsoft.com/office/drawing/2014/main" id="{D3AA39F9-9931-48BD-9CE6-A9A42797156C}"/>
+                <a16:creationId xmlns:a16="http://schemas.microsoft.com/office/drawing/2014/main" xmlns="" id="{D3AA39F9-9931-48BD-9CE6-A9A42797156C}"/>
               </a:ext>
             </a:extLst>
           </p:cNvPr>
@@ -12457,7 +12656,7 @@
           <p:cNvPr id="2" name="Titel 1">
             <a:extLst>
               <a:ext uri="{FF2B5EF4-FFF2-40B4-BE49-F238E27FC236}">
-                <a16:creationId xmlns="" xmlns:a16="http://schemas.microsoft.com/office/drawing/2014/main" id="{5468A21C-5F1B-49A9-9615-E49303F1DFD8}"/>
+                <a16:creationId xmlns:a16="http://schemas.microsoft.com/office/drawing/2014/main" xmlns="" id="{5468A21C-5F1B-49A9-9615-E49303F1DFD8}"/>
               </a:ext>
             </a:extLst>
           </p:cNvPr>
@@ -12485,7 +12684,7 @@
           <p:cNvPr id="3" name="Inhaltsplatzhalter 2">
             <a:extLst>
               <a:ext uri="{FF2B5EF4-FFF2-40B4-BE49-F238E27FC236}">
-                <a16:creationId xmlns="" xmlns:a16="http://schemas.microsoft.com/office/drawing/2014/main" id="{71D6F8BC-B1F4-4464-B16C-BE0C1ED3F521}"/>
+                <a16:creationId xmlns:a16="http://schemas.microsoft.com/office/drawing/2014/main" xmlns="" id="{71D6F8BC-B1F4-4464-B16C-BE0C1ED3F521}"/>
               </a:ext>
             </a:extLst>
           </p:cNvPr>
@@ -12572,7 +12771,7 @@
           <p:cNvPr id="2" name="Titel 1">
             <a:extLst>
               <a:ext uri="{FF2B5EF4-FFF2-40B4-BE49-F238E27FC236}">
-                <a16:creationId xmlns="" xmlns:a16="http://schemas.microsoft.com/office/drawing/2014/main" id="{094F379C-23F4-4D35-86D6-1D1C29CAB88B}"/>
+                <a16:creationId xmlns:a16="http://schemas.microsoft.com/office/drawing/2014/main" xmlns="" id="{094F379C-23F4-4D35-86D6-1D1C29CAB88B}"/>
               </a:ext>
             </a:extLst>
           </p:cNvPr>
@@ -12600,7 +12799,7 @@
           <p:cNvPr id="3" name="Inhaltsplatzhalter 2">
             <a:extLst>
               <a:ext uri="{FF2B5EF4-FFF2-40B4-BE49-F238E27FC236}">
-                <a16:creationId xmlns="" xmlns:a16="http://schemas.microsoft.com/office/drawing/2014/main" id="{1C3E671A-136E-4360-89A9-AD9DB1ED1606}"/>
+                <a16:creationId xmlns:a16="http://schemas.microsoft.com/office/drawing/2014/main" xmlns="" id="{1C3E671A-136E-4360-89A9-AD9DB1ED1606}"/>
               </a:ext>
             </a:extLst>
           </p:cNvPr>

--- a/Präsentation/Abschluss_Präsentation_Keijo.pptx
+++ b/Präsentation/Abschluss_Präsentation_Keijo.pptx
@@ -5,10 +5,10 @@
     <p:sldMasterId id="2147483648" r:id="rId2"/>
   </p:sldMasterIdLst>
   <p:notesMasterIdLst>
-    <p:notesMasterId r:id="rId23"/>
+    <p:notesMasterId r:id="rId24"/>
   </p:notesMasterIdLst>
   <p:handoutMasterIdLst>
-    <p:handoutMasterId r:id="rId24"/>
+    <p:handoutMasterId r:id="rId25"/>
   </p:handoutMasterIdLst>
   <p:sldIdLst>
     <p:sldId id="281" r:id="rId3"/>
@@ -23,14 +23,15 @@
     <p:sldId id="273" r:id="rId12"/>
     <p:sldId id="274" r:id="rId13"/>
     <p:sldId id="285" r:id="rId14"/>
-    <p:sldId id="286" r:id="rId15"/>
-    <p:sldId id="276" r:id="rId16"/>
-    <p:sldId id="277" r:id="rId17"/>
-    <p:sldId id="278" r:id="rId18"/>
-    <p:sldId id="279" r:id="rId19"/>
-    <p:sldId id="280" r:id="rId20"/>
-    <p:sldId id="257" r:id="rId21"/>
-    <p:sldId id="265" r:id="rId22"/>
+    <p:sldId id="287" r:id="rId15"/>
+    <p:sldId id="286" r:id="rId16"/>
+    <p:sldId id="276" r:id="rId17"/>
+    <p:sldId id="277" r:id="rId18"/>
+    <p:sldId id="278" r:id="rId19"/>
+    <p:sldId id="279" r:id="rId20"/>
+    <p:sldId id="280" r:id="rId21"/>
+    <p:sldId id="257" r:id="rId22"/>
+    <p:sldId id="265" r:id="rId23"/>
   </p:sldIdLst>
   <p:sldSz cx="9144000" cy="6858000" type="screen4x3"/>
   <p:notesSz cx="6858000" cy="9144000"/>
@@ -1685,7 +1686,7 @@
             <a:fld id="{C36AA9A4-5D0B-4134-89A6-D8B9DAA4F25C}" type="slidenum">
               <a:rPr lang="de-DE" smtClean="0"/>
               <a:pPr/>
-              <a:t>14</a:t>
+              <a:t>15</a:t>
             </a:fld>
             <a:endParaRPr lang="de-DE"/>
           </a:p>
@@ -1828,7 +1829,7 @@
             <a:fld id="{C36AA9A4-5D0B-4134-89A6-D8B9DAA4F25C}" type="slidenum">
               <a:rPr lang="de-DE" smtClean="0"/>
               <a:pPr/>
-              <a:t>15</a:t>
+              <a:t>16</a:t>
             </a:fld>
             <a:endParaRPr lang="de-DE"/>
           </a:p>
@@ -1971,7 +1972,7 @@
             <a:fld id="{C36AA9A4-5D0B-4134-89A6-D8B9DAA4F25C}" type="slidenum">
               <a:rPr lang="de-DE" smtClean="0"/>
               <a:pPr/>
-              <a:t>16</a:t>
+              <a:t>17</a:t>
             </a:fld>
             <a:endParaRPr lang="de-DE"/>
           </a:p>
@@ -2114,7 +2115,7 @@
             <a:fld id="{C36AA9A4-5D0B-4134-89A6-D8B9DAA4F25C}" type="slidenum">
               <a:rPr lang="de-DE" smtClean="0"/>
               <a:pPr/>
-              <a:t>17</a:t>
+              <a:t>18</a:t>
             </a:fld>
             <a:endParaRPr lang="de-DE"/>
           </a:p>
@@ -2263,7 +2264,7 @@
             <a:fld id="{C36AA9A4-5D0B-4134-89A6-D8B9DAA4F25C}" type="slidenum">
               <a:rPr lang="de-DE" smtClean="0"/>
               <a:pPr/>
-              <a:t>18</a:t>
+              <a:t>19</a:t>
             </a:fld>
             <a:endParaRPr lang="de-DE"/>
           </a:p>
@@ -6660,7 +6661,7 @@
           <p:cNvPr id="4" name="Grafik 3">
             <a:extLst>
               <a:ext uri="{FF2B5EF4-FFF2-40B4-BE49-F238E27FC236}">
-                <a16:creationId xmlns:a16="http://schemas.microsoft.com/office/drawing/2014/main" xmlns="" id="{18A4F8C9-BC47-4597-A341-7BD061B63621}"/>
+                <a16:creationId xmlns="" xmlns:a16="http://schemas.microsoft.com/office/drawing/2014/main" id="{18A4F8C9-BC47-4597-A341-7BD061B63621}"/>
               </a:ext>
             </a:extLst>
           </p:cNvPr>
@@ -6690,7 +6691,7 @@
           <p:cNvPr id="8" name="Gerade Verbindung mit Pfeil 7">
             <a:extLst>
               <a:ext uri="{FF2B5EF4-FFF2-40B4-BE49-F238E27FC236}">
-                <a16:creationId xmlns:a16="http://schemas.microsoft.com/office/drawing/2014/main" xmlns="" id="{6AEE5332-9F2B-40A4-B03C-0CA4C32B5711}"/>
+                <a16:creationId xmlns="" xmlns:a16="http://schemas.microsoft.com/office/drawing/2014/main" id="{6AEE5332-9F2B-40A4-B03C-0CA4C32B5711}"/>
               </a:ext>
             </a:extLst>
           </p:cNvPr>
@@ -6734,7 +6735,7 @@
           <p:cNvPr id="9" name="Rechteck 8">
             <a:extLst>
               <a:ext uri="{FF2B5EF4-FFF2-40B4-BE49-F238E27FC236}">
-                <a16:creationId xmlns:a16="http://schemas.microsoft.com/office/drawing/2014/main" xmlns="" id="{3778A54C-BCC7-4667-8D22-D645A2858F58}"/>
+                <a16:creationId xmlns="" xmlns:a16="http://schemas.microsoft.com/office/drawing/2014/main" id="{3778A54C-BCC7-4667-8D22-D645A2858F58}"/>
               </a:ext>
             </a:extLst>
           </p:cNvPr>
@@ -6830,7 +6831,7 @@
           <p:cNvPr id="2" name="Titel 1">
             <a:extLst>
               <a:ext uri="{FF2B5EF4-FFF2-40B4-BE49-F238E27FC236}">
-                <a16:creationId xmlns:a16="http://schemas.microsoft.com/office/drawing/2014/main" xmlns="" id="{E94AB448-E08C-4FC1-AAC0-98431019A5B8}"/>
+                <a16:creationId xmlns="" xmlns:a16="http://schemas.microsoft.com/office/drawing/2014/main" id="{E94AB448-E08C-4FC1-AAC0-98431019A5B8}"/>
               </a:ext>
             </a:extLst>
           </p:cNvPr>
@@ -6863,7 +6864,7 @@
           <p:cNvPr id="3" name="Inhaltsplatzhalter 2">
             <a:extLst>
               <a:ext uri="{FF2B5EF4-FFF2-40B4-BE49-F238E27FC236}">
-                <a16:creationId xmlns:a16="http://schemas.microsoft.com/office/drawing/2014/main" xmlns="" id="{EE905004-B708-4F44-A14B-50934B89FAB0}"/>
+                <a16:creationId xmlns="" xmlns:a16="http://schemas.microsoft.com/office/drawing/2014/main" id="{EE905004-B708-4F44-A14B-50934B89FAB0}"/>
               </a:ext>
             </a:extLst>
           </p:cNvPr>
@@ -6988,7 +6989,7 @@
           <p:cNvPr id="2" name="Titel 1">
             <a:extLst>
               <a:ext uri="{FF2B5EF4-FFF2-40B4-BE49-F238E27FC236}">
-                <a16:creationId xmlns:a16="http://schemas.microsoft.com/office/drawing/2014/main" xmlns="" id="{98E30EB0-62A0-4D55-AF97-782AB848AE3B}"/>
+                <a16:creationId xmlns="" xmlns:a16="http://schemas.microsoft.com/office/drawing/2014/main" id="{98E30EB0-62A0-4D55-AF97-782AB848AE3B}"/>
               </a:ext>
             </a:extLst>
           </p:cNvPr>
@@ -7016,7 +7017,7 @@
           <p:cNvPr id="3" name="Inhaltsplatzhalter 2">
             <a:extLst>
               <a:ext uri="{FF2B5EF4-FFF2-40B4-BE49-F238E27FC236}">
-                <a16:creationId xmlns:a16="http://schemas.microsoft.com/office/drawing/2014/main" xmlns="" id="{5CE73134-BC2B-467B-B2FE-58257A89BDB4}"/>
+                <a16:creationId xmlns="" xmlns:a16="http://schemas.microsoft.com/office/drawing/2014/main" id="{5CE73134-BC2B-467B-B2FE-58257A89BDB4}"/>
               </a:ext>
             </a:extLst>
           </p:cNvPr>
@@ -8514,6 +8515,265 @@
           <a:p>
             <a:r>
               <a:rPr lang="de-DE" dirty="0" smtClean="0"/>
+              <a:t>Mixing Plane</a:t>
+            </a:r>
+            <a:endParaRPr lang="de-DE" dirty="0"/>
+          </a:p>
+        </p:txBody>
+      </p:sp>
+      <p:sp>
+        <p:nvSpPr>
+          <p:cNvPr id="3" name="Inhaltsplatzhalter 2"/>
+          <p:cNvSpPr>
+            <a:spLocks noGrp="1"/>
+          </p:cNvSpPr>
+          <p:nvPr>
+            <p:ph idx="1"/>
+          </p:nvPr>
+        </p:nvSpPr>
+        <p:spPr/>
+        <p:txBody>
+          <a:bodyPr/>
+          <a:lstStyle/>
+          <a:p>
+            <a:r>
+              <a:rPr lang="de-DE" dirty="0" smtClean="0"/>
+              <a:t>Mittelung der </a:t>
+            </a:r>
+            <a:r>
+              <a:rPr lang="de-DE" smtClean="0"/>
+              <a:t>Strömungsgrößen in </a:t>
+            </a:r>
+            <a:r>
+              <a:rPr lang="de-DE" dirty="0" smtClean="0"/>
+              <a:t>Umfangsrichtung</a:t>
+            </a:r>
+            <a:endParaRPr lang="de-DE" dirty="0"/>
+          </a:p>
+        </p:txBody>
+      </p:sp>
+      <p:pic>
+        <p:nvPicPr>
+          <p:cNvPr id="4" name="Grafik 3"/>
+          <p:cNvPicPr>
+            <a:picLocks noChangeAspect="1"/>
+          </p:cNvPicPr>
+          <p:nvPr/>
+        </p:nvPicPr>
+        <p:blipFill>
+          <a:blip r:embed="rId2" cstate="print">
+            <a:extLst>
+              <a:ext uri="{28A0092B-C50C-407E-A947-70E740481C1C}">
+                <a14:useLocalDpi xmlns:a14="http://schemas.microsoft.com/office/drawing/2010/main" val="0"/>
+              </a:ext>
+            </a:extLst>
+          </a:blip>
+          <a:stretch>
+            <a:fillRect/>
+          </a:stretch>
+        </p:blipFill>
+        <p:spPr>
+          <a:xfrm>
+            <a:off x="5332438" y="4966829"/>
+            <a:ext cx="2767954" cy="1054459"/>
+          </a:xfrm>
+          <a:prstGeom prst="rect">
+            <a:avLst/>
+          </a:prstGeom>
+        </p:spPr>
+      </p:pic>
+      <p:pic>
+        <p:nvPicPr>
+          <p:cNvPr id="5" name="Grafik 4"/>
+          <p:cNvPicPr>
+            <a:picLocks noChangeAspect="1"/>
+          </p:cNvPicPr>
+          <p:nvPr/>
+        </p:nvPicPr>
+        <p:blipFill>
+          <a:blip r:embed="rId3" cstate="print">
+            <a:extLst>
+              <a:ext uri="{28A0092B-C50C-407E-A947-70E740481C1C}">
+                <a14:useLocalDpi xmlns:a14="http://schemas.microsoft.com/office/drawing/2010/main" val="0"/>
+              </a:ext>
+            </a:extLst>
+          </a:blip>
+          <a:stretch>
+            <a:fillRect/>
+          </a:stretch>
+        </p:blipFill>
+        <p:spPr>
+          <a:xfrm>
+            <a:off x="1115616" y="4966829"/>
+            <a:ext cx="2767954" cy="980105"/>
+          </a:xfrm>
+          <a:prstGeom prst="rect">
+            <a:avLst/>
+          </a:prstGeom>
+        </p:spPr>
+      </p:pic>
+      <p:sp>
+        <p:nvSpPr>
+          <p:cNvPr id="6" name="Pfeil nach rechts 5"/>
+          <p:cNvSpPr/>
+          <p:nvPr/>
+        </p:nvSpPr>
+        <p:spPr>
+          <a:xfrm>
+            <a:off x="4139952" y="5314038"/>
+            <a:ext cx="936104" cy="360040"/>
+          </a:xfrm>
+          <a:prstGeom prst="rightArrow">
+            <a:avLst/>
+          </a:prstGeom>
+          <a:solidFill>
+            <a:srgbClr val="004E8A"/>
+          </a:solidFill>
+          <a:ln>
+            <a:solidFill>
+              <a:srgbClr val="004274"/>
+            </a:solidFill>
+          </a:ln>
+        </p:spPr>
+        <p:style>
+          <a:lnRef idx="2">
+            <a:schemeClr val="accent1">
+              <a:shade val="50000"/>
+            </a:schemeClr>
+          </a:lnRef>
+          <a:fillRef idx="1">
+            <a:schemeClr val="accent1"/>
+          </a:fillRef>
+          <a:effectRef idx="0">
+            <a:schemeClr val="accent1"/>
+          </a:effectRef>
+          <a:fontRef idx="minor">
+            <a:schemeClr val="lt1"/>
+          </a:fontRef>
+        </p:style>
+        <p:txBody>
+          <a:bodyPr rtlCol="0" anchor="ctr"/>
+          <a:lstStyle/>
+          <a:p>
+            <a:pPr algn="ctr"/>
+            <a:endParaRPr lang="de-DE"/>
+          </a:p>
+        </p:txBody>
+      </p:sp>
+      <p:sp>
+        <p:nvSpPr>
+          <p:cNvPr id="8" name="Textfeld 7"/>
+          <p:cNvSpPr txBox="1"/>
+          <p:nvPr/>
+        </p:nvSpPr>
+        <p:spPr>
+          <a:xfrm>
+            <a:off x="1547664" y="4509120"/>
+            <a:ext cx="1944216" cy="369332"/>
+          </a:xfrm>
+          <a:prstGeom prst="rect">
+            <a:avLst/>
+          </a:prstGeom>
+          <a:noFill/>
+        </p:spPr>
+        <p:txBody>
+          <a:bodyPr wrap="square" rtlCol="0">
+            <a:spAutoFit/>
+          </a:bodyPr>
+          <a:lstStyle/>
+          <a:p>
+            <a:r>
+              <a:rPr lang="de-DE" dirty="0" smtClean="0"/>
+              <a:t>Vor Mixing Plane</a:t>
+            </a:r>
+            <a:endParaRPr lang="de-DE" dirty="0"/>
+          </a:p>
+        </p:txBody>
+      </p:sp>
+      <p:sp>
+        <p:nvSpPr>
+          <p:cNvPr id="9" name="Textfeld 8"/>
+          <p:cNvSpPr txBox="1"/>
+          <p:nvPr/>
+        </p:nvSpPr>
+        <p:spPr>
+          <a:xfrm>
+            <a:off x="5676993" y="4509120"/>
+            <a:ext cx="2088232" cy="369332"/>
+          </a:xfrm>
+          <a:prstGeom prst="rect">
+            <a:avLst/>
+          </a:prstGeom>
+          <a:noFill/>
+        </p:spPr>
+        <p:txBody>
+          <a:bodyPr wrap="square" rtlCol="0">
+            <a:spAutoFit/>
+          </a:bodyPr>
+          <a:lstStyle/>
+          <a:p>
+            <a:r>
+              <a:rPr lang="de-DE" dirty="0" smtClean="0"/>
+              <a:t>Nach Mixing Plane</a:t>
+            </a:r>
+            <a:endParaRPr lang="de-DE" dirty="0"/>
+          </a:p>
+        </p:txBody>
+      </p:sp>
+    </p:spTree>
+    <p:extLst>
+      <p:ext uri="{BB962C8B-B14F-4D97-AF65-F5344CB8AC3E}">
+        <p14:creationId xmlns:p14="http://schemas.microsoft.com/office/powerpoint/2010/main" val="2123467357"/>
+      </p:ext>
+    </p:extLst>
+  </p:cSld>
+  <p:clrMapOvr>
+    <a:masterClrMapping/>
+  </p:clrMapOvr>
+  <p:timing>
+    <p:tnLst>
+      <p:par>
+        <p:cTn id="1" dur="indefinite" restart="never" nodeType="tmRoot"/>
+      </p:par>
+    </p:tnLst>
+  </p:timing>
+</p:sld>
+</file>
+
+<file path=ppt/slides/slide14.xml><?xml version="1.0" encoding="utf-8"?>
+<p:sld xmlns:a="http://schemas.openxmlformats.org/drawingml/2006/main" xmlns:r="http://schemas.openxmlformats.org/officeDocument/2006/relationships" xmlns:p="http://schemas.openxmlformats.org/presentationml/2006/main">
+  <p:cSld>
+    <p:spTree>
+      <p:nvGrpSpPr>
+        <p:cNvPr id="1" name=""/>
+        <p:cNvGrpSpPr/>
+        <p:nvPr/>
+      </p:nvGrpSpPr>
+      <p:grpSpPr>
+        <a:xfrm>
+          <a:off x="0" y="0"/>
+          <a:ext cx="0" cy="0"/>
+          <a:chOff x="0" y="0"/>
+          <a:chExt cx="0" cy="0"/>
+        </a:xfrm>
+      </p:grpSpPr>
+      <p:sp>
+        <p:nvSpPr>
+          <p:cNvPr id="2" name="Titel 1"/>
+          <p:cNvSpPr>
+            <a:spLocks noGrp="1"/>
+          </p:cNvSpPr>
+          <p:nvPr>
+            <p:ph type="title"/>
+          </p:nvPr>
+        </p:nvSpPr>
+        <p:spPr/>
+        <p:txBody>
+          <a:bodyPr/>
+          <a:lstStyle/>
+          <a:p>
+            <a:r>
+              <a:rPr lang="de-DE" dirty="0" smtClean="0"/>
               <a:t>Randbedingungen</a:t>
             </a:r>
             <a:endParaRPr lang="de-DE" dirty="0"/>
@@ -8693,7 +8953,7 @@
 </p:sld>
 </file>
 
-<file path=ppt/slides/slide14.xml><?xml version="1.0" encoding="utf-8"?>
+<file path=ppt/slides/slide15.xml><?xml version="1.0" encoding="utf-8"?>
 <p:sld xmlns:a="http://schemas.openxmlformats.org/drawingml/2006/main" xmlns:r="http://schemas.openxmlformats.org/officeDocument/2006/relationships" xmlns:p="http://schemas.openxmlformats.org/presentationml/2006/main">
   <p:cSld>
     <p:spTree>
@@ -8715,7 +8975,7 @@
           <p:cNvPr id="2" name="Titel 1">
             <a:extLst>
               <a:ext uri="{FF2B5EF4-FFF2-40B4-BE49-F238E27FC236}">
-                <a16:creationId xmlns:a16="http://schemas.microsoft.com/office/drawing/2014/main" xmlns="" id="{B021C1F3-433C-41E3-8587-65D5BDA4F317}"/>
+                <a16:creationId xmlns="" xmlns:a16="http://schemas.microsoft.com/office/drawing/2014/main" id="{B021C1F3-433C-41E3-8587-65D5BDA4F317}"/>
               </a:ext>
             </a:extLst>
           </p:cNvPr>
@@ -8768,14 +9028,14 @@
                     <a:gridCol w="2880320">
                       <a:extLst>
                         <a:ext uri="{9D8B030D-6E8A-4147-A177-3AD203B41FA5}">
-                          <a16:colId xmlns:a16="http://schemas.microsoft.com/office/drawing/2014/main" xmlns="" val="20000"/>
+                          <a16:colId xmlns="" xmlns:a16="http://schemas.microsoft.com/office/drawing/2014/main" val="20000"/>
                         </a:ext>
                       </a:extLst>
                     </a:gridCol>
                     <a:gridCol w="2016224">
                       <a:extLst>
                         <a:ext uri="{9D8B030D-6E8A-4147-A177-3AD203B41FA5}">
-                          <a16:colId xmlns:a16="http://schemas.microsoft.com/office/drawing/2014/main" xmlns="" val="20001"/>
+                          <a16:colId xmlns="" xmlns:a16="http://schemas.microsoft.com/office/drawing/2014/main" val="20001"/>
                         </a:ext>
                       </a:extLst>
                     </a:gridCol>
@@ -9049,7 +9309,7 @@
                     </a:tc>
                     <a:extLst>
                       <a:ext uri="{0D108BD9-81ED-4DB2-BD59-A6C34878D82A}">
-                        <a16:rowId xmlns:a16="http://schemas.microsoft.com/office/drawing/2014/main" xmlns="" val="10000"/>
+                        <a16:rowId xmlns="" xmlns:a16="http://schemas.microsoft.com/office/drawing/2014/main" val="10000"/>
                       </a:ext>
                     </a:extLst>
                   </a:tr>
@@ -9116,7 +9376,7 @@
                     </a:tc>
                     <a:extLst>
                       <a:ext uri="{0D108BD9-81ED-4DB2-BD59-A6C34878D82A}">
-                        <a16:rowId xmlns:a16="http://schemas.microsoft.com/office/drawing/2014/main" xmlns="" val="10001"/>
+                        <a16:rowId xmlns="" xmlns:a16="http://schemas.microsoft.com/office/drawing/2014/main" val="10001"/>
                       </a:ext>
                     </a:extLst>
                   </a:tr>
@@ -9191,7 +9451,7 @@
                     </a:tc>
                     <a:extLst>
                       <a:ext uri="{0D108BD9-81ED-4DB2-BD59-A6C34878D82A}">
-                        <a16:rowId xmlns:a16="http://schemas.microsoft.com/office/drawing/2014/main" xmlns="" val="10002"/>
+                        <a16:rowId xmlns="" xmlns:a16="http://schemas.microsoft.com/office/drawing/2014/main" val="10002"/>
                       </a:ext>
                     </a:extLst>
                   </a:tr>
@@ -9270,7 +9530,7 @@
                     </a:tc>
                     <a:extLst>
                       <a:ext uri="{0D108BD9-81ED-4DB2-BD59-A6C34878D82A}">
-                        <a16:rowId xmlns:a16="http://schemas.microsoft.com/office/drawing/2014/main" xmlns="" val="10003"/>
+                        <a16:rowId xmlns="" xmlns:a16="http://schemas.microsoft.com/office/drawing/2014/main" val="10003"/>
                       </a:ext>
                     </a:extLst>
                   </a:tr>
@@ -9345,7 +9605,7 @@
                     </a:tc>
                     <a:extLst>
                       <a:ext uri="{0D108BD9-81ED-4DB2-BD59-A6C34878D82A}">
-                        <a16:rowId xmlns:a16="http://schemas.microsoft.com/office/drawing/2014/main" xmlns="" val="10004"/>
+                        <a16:rowId xmlns="" xmlns:a16="http://schemas.microsoft.com/office/drawing/2014/main" val="10004"/>
                       </a:ext>
                     </a:extLst>
                   </a:tr>
@@ -9424,7 +9684,7 @@
                     </a:tc>
                     <a:extLst>
                       <a:ext uri="{0D108BD9-81ED-4DB2-BD59-A6C34878D82A}">
-                        <a16:rowId xmlns:a16="http://schemas.microsoft.com/office/drawing/2014/main" xmlns="" val="10005"/>
+                        <a16:rowId xmlns="" xmlns:a16="http://schemas.microsoft.com/office/drawing/2014/main" val="10005"/>
                       </a:ext>
                     </a:extLst>
                   </a:tr>
@@ -9984,113 +10244,6 @@
 </p:sld>
 </file>
 
-<file path=ppt/slides/slide15.xml><?xml version="1.0" encoding="utf-8"?>
-<p:sld xmlns:a="http://schemas.openxmlformats.org/drawingml/2006/main" xmlns:r="http://schemas.openxmlformats.org/officeDocument/2006/relationships" xmlns:p="http://schemas.openxmlformats.org/presentationml/2006/main">
-  <p:cSld>
-    <p:spTree>
-      <p:nvGrpSpPr>
-        <p:cNvPr id="1" name=""/>
-        <p:cNvGrpSpPr/>
-        <p:nvPr/>
-      </p:nvGrpSpPr>
-      <p:grpSpPr>
-        <a:xfrm>
-          <a:off x="0" y="0"/>
-          <a:ext cx="0" cy="0"/>
-          <a:chOff x="0" y="0"/>
-          <a:chExt cx="0" cy="0"/>
-        </a:xfrm>
-      </p:grpSpPr>
-      <p:sp>
-        <p:nvSpPr>
-          <p:cNvPr id="2" name="Titel 1">
-            <a:extLst>
-              <a:ext uri="{FF2B5EF4-FFF2-40B4-BE49-F238E27FC236}">
-                <a16:creationId xmlns:a16="http://schemas.microsoft.com/office/drawing/2014/main" xmlns="" id="{D329A526-CE1D-48AD-8C37-10B31DD1A94A}"/>
-              </a:ext>
-            </a:extLst>
-          </p:cNvPr>
-          <p:cNvSpPr>
-            <a:spLocks noGrp="1"/>
-          </p:cNvSpPr>
-          <p:nvPr>
-            <p:ph type="title"/>
-          </p:nvPr>
-        </p:nvSpPr>
-        <p:spPr/>
-        <p:txBody>
-          <a:bodyPr/>
-          <a:lstStyle/>
-          <a:p>
-            <a:r>
-              <a:rPr lang="de-DE" dirty="0"/>
-              <a:t>Auswertungstool</a:t>
-            </a:r>
-          </a:p>
-        </p:txBody>
-      </p:sp>
-      <p:sp>
-        <p:nvSpPr>
-          <p:cNvPr id="3" name="Inhaltsplatzhalter 2">
-            <a:extLst>
-              <a:ext uri="{FF2B5EF4-FFF2-40B4-BE49-F238E27FC236}">
-                <a16:creationId xmlns:a16="http://schemas.microsoft.com/office/drawing/2014/main" xmlns="" id="{BA4C428F-6F17-477B-9503-2C9FE4D7286D}"/>
-              </a:ext>
-            </a:extLst>
-          </p:cNvPr>
-          <p:cNvSpPr>
-            <a:spLocks noGrp="1"/>
-          </p:cNvSpPr>
-          <p:nvPr>
-            <p:ph idx="1"/>
-          </p:nvPr>
-        </p:nvSpPr>
-        <p:spPr/>
-        <p:txBody>
-          <a:bodyPr/>
-          <a:lstStyle/>
-          <a:p>
-            <a:r>
-              <a:rPr lang="de-DE" dirty="0"/>
-              <a:t>Durchgeführten </a:t>
-            </a:r>
-            <a:r>
-              <a:rPr lang="de-DE" dirty="0" err="1"/>
-              <a:t>Gittersstudien</a:t>
-            </a:r>
-            <a:r>
-              <a:rPr lang="de-DE" dirty="0"/>
-              <a:t>, Spalt, Verfeinerungen, ….</a:t>
-            </a:r>
-          </a:p>
-          <a:p>
-            <a:r>
-              <a:rPr lang="de-DE" dirty="0"/>
-              <a:t>Was es kann</a:t>
-            </a:r>
-          </a:p>
-        </p:txBody>
-      </p:sp>
-    </p:spTree>
-    <p:extLst>
-      <p:ext uri="{BB962C8B-B14F-4D97-AF65-F5344CB8AC3E}">
-        <p14:creationId xmlns:p14="http://schemas.microsoft.com/office/powerpoint/2010/main" val="589148235"/>
-      </p:ext>
-    </p:extLst>
-  </p:cSld>
-  <p:clrMapOvr>
-    <a:masterClrMapping/>
-  </p:clrMapOvr>
-  <p:timing>
-    <p:tnLst>
-      <p:par>
-        <p:cTn id="1" dur="indefinite" restart="never" nodeType="tmRoot"/>
-      </p:par>
-    </p:tnLst>
-  </p:timing>
-</p:sld>
-</file>
-
 <file path=ppt/slides/slide16.xml><?xml version="1.0" encoding="utf-8"?>
 <p:sld xmlns:a="http://schemas.openxmlformats.org/drawingml/2006/main" xmlns:r="http://schemas.openxmlformats.org/officeDocument/2006/relationships" xmlns:p="http://schemas.openxmlformats.org/presentationml/2006/main">
   <p:cSld>
@@ -10113,7 +10266,7 @@
           <p:cNvPr id="2" name="Titel 1">
             <a:extLst>
               <a:ext uri="{FF2B5EF4-FFF2-40B4-BE49-F238E27FC236}">
-                <a16:creationId xmlns:a16="http://schemas.microsoft.com/office/drawing/2014/main" xmlns="" id="{8643BECD-9FC8-4139-AF9D-AAB9BD9ABF1F}"/>
+                <a16:creationId xmlns="" xmlns:a16="http://schemas.microsoft.com/office/drawing/2014/main" id="{D329A526-CE1D-48AD-8C37-10B31DD1A94A}"/>
               </a:ext>
             </a:extLst>
           </p:cNvPr>
@@ -10131,7 +10284,7 @@
           <a:p>
             <a:r>
               <a:rPr lang="de-DE" dirty="0"/>
-              <a:t>Auswertungstool: Demo</a:t>
+              <a:t>Auswertungstool</a:t>
             </a:r>
           </a:p>
         </p:txBody>
@@ -10141,7 +10294,7 @@
           <p:cNvPr id="3" name="Inhaltsplatzhalter 2">
             <a:extLst>
               <a:ext uri="{FF2B5EF4-FFF2-40B4-BE49-F238E27FC236}">
-                <a16:creationId xmlns:a16="http://schemas.microsoft.com/office/drawing/2014/main" xmlns="" id="{E42A3100-1EC4-4CA1-8073-DBF9AE2DE022}"/>
+                <a16:creationId xmlns="" xmlns:a16="http://schemas.microsoft.com/office/drawing/2014/main" id="{BA4C428F-6F17-477B-9503-2C9FE4D7286D}"/>
               </a:ext>
             </a:extLst>
           </p:cNvPr>
@@ -10159,7 +10312,21 @@
           <a:p>
             <a:r>
               <a:rPr lang="de-DE" dirty="0"/>
-              <a:t>Video einfügen</a:t>
+              <a:t>Durchgeführten </a:t>
+            </a:r>
+            <a:r>
+              <a:rPr lang="de-DE" dirty="0" err="1"/>
+              <a:t>Gittersstudien</a:t>
+            </a:r>
+            <a:r>
+              <a:rPr lang="de-DE" dirty="0"/>
+              <a:t>, Spalt, Verfeinerungen, ….</a:t>
+            </a:r>
+          </a:p>
+          <a:p>
+            <a:r>
+              <a:rPr lang="de-DE" dirty="0"/>
+              <a:t>Was es kann</a:t>
             </a:r>
           </a:p>
         </p:txBody>
@@ -10167,7 +10334,7 @@
     </p:spTree>
     <p:extLst>
       <p:ext uri="{BB962C8B-B14F-4D97-AF65-F5344CB8AC3E}">
-        <p14:creationId xmlns:p14="http://schemas.microsoft.com/office/powerpoint/2010/main" val="1720096139"/>
+        <p14:creationId xmlns:p14="http://schemas.microsoft.com/office/powerpoint/2010/main" val="589148235"/>
       </p:ext>
     </p:extLst>
   </p:cSld>
@@ -10206,7 +10373,7 @@
           <p:cNvPr id="2" name="Titel 1">
             <a:extLst>
               <a:ext uri="{FF2B5EF4-FFF2-40B4-BE49-F238E27FC236}">
-                <a16:creationId xmlns:a16="http://schemas.microsoft.com/office/drawing/2014/main" xmlns="" id="{A6803A1C-048A-4BD5-BB5C-6AD0F129ECC9}"/>
+                <a16:creationId xmlns="" xmlns:a16="http://schemas.microsoft.com/office/drawing/2014/main" id="{8643BECD-9FC8-4139-AF9D-AAB9BD9ABF1F}"/>
               </a:ext>
             </a:extLst>
           </p:cNvPr>
@@ -10224,7 +10391,7 @@
           <a:p>
             <a:r>
               <a:rPr lang="de-DE" dirty="0"/>
-              <a:t>Fazit</a:t>
+              <a:t>Auswertungstool: Demo</a:t>
             </a:r>
           </a:p>
         </p:txBody>
@@ -10234,7 +10401,100 @@
           <p:cNvPr id="3" name="Inhaltsplatzhalter 2">
             <a:extLst>
               <a:ext uri="{FF2B5EF4-FFF2-40B4-BE49-F238E27FC236}">
-                <a16:creationId xmlns:a16="http://schemas.microsoft.com/office/drawing/2014/main" xmlns="" id="{13708A06-7247-4796-B127-BA1268EFB4F0}"/>
+                <a16:creationId xmlns="" xmlns:a16="http://schemas.microsoft.com/office/drawing/2014/main" id="{E42A3100-1EC4-4CA1-8073-DBF9AE2DE022}"/>
+              </a:ext>
+            </a:extLst>
+          </p:cNvPr>
+          <p:cNvSpPr>
+            <a:spLocks noGrp="1"/>
+          </p:cNvSpPr>
+          <p:nvPr>
+            <p:ph idx="1"/>
+          </p:nvPr>
+        </p:nvSpPr>
+        <p:spPr/>
+        <p:txBody>
+          <a:bodyPr/>
+          <a:lstStyle/>
+          <a:p>
+            <a:r>
+              <a:rPr lang="de-DE" dirty="0"/>
+              <a:t>Video einfügen</a:t>
+            </a:r>
+          </a:p>
+        </p:txBody>
+      </p:sp>
+    </p:spTree>
+    <p:extLst>
+      <p:ext uri="{BB962C8B-B14F-4D97-AF65-F5344CB8AC3E}">
+        <p14:creationId xmlns:p14="http://schemas.microsoft.com/office/powerpoint/2010/main" val="1720096139"/>
+      </p:ext>
+    </p:extLst>
+  </p:cSld>
+  <p:clrMapOvr>
+    <a:masterClrMapping/>
+  </p:clrMapOvr>
+  <p:timing>
+    <p:tnLst>
+      <p:par>
+        <p:cTn id="1" dur="indefinite" restart="never" nodeType="tmRoot"/>
+      </p:par>
+    </p:tnLst>
+  </p:timing>
+</p:sld>
+</file>
+
+<file path=ppt/slides/slide18.xml><?xml version="1.0" encoding="utf-8"?>
+<p:sld xmlns:a="http://schemas.openxmlformats.org/drawingml/2006/main" xmlns:r="http://schemas.openxmlformats.org/officeDocument/2006/relationships" xmlns:p="http://schemas.openxmlformats.org/presentationml/2006/main">
+  <p:cSld>
+    <p:spTree>
+      <p:nvGrpSpPr>
+        <p:cNvPr id="1" name=""/>
+        <p:cNvGrpSpPr/>
+        <p:nvPr/>
+      </p:nvGrpSpPr>
+      <p:grpSpPr>
+        <a:xfrm>
+          <a:off x="0" y="0"/>
+          <a:ext cx="0" cy="0"/>
+          <a:chOff x="0" y="0"/>
+          <a:chExt cx="0" cy="0"/>
+        </a:xfrm>
+      </p:grpSpPr>
+      <p:sp>
+        <p:nvSpPr>
+          <p:cNvPr id="2" name="Titel 1">
+            <a:extLst>
+              <a:ext uri="{FF2B5EF4-FFF2-40B4-BE49-F238E27FC236}">
+                <a16:creationId xmlns="" xmlns:a16="http://schemas.microsoft.com/office/drawing/2014/main" id="{A6803A1C-048A-4BD5-BB5C-6AD0F129ECC9}"/>
+              </a:ext>
+            </a:extLst>
+          </p:cNvPr>
+          <p:cNvSpPr>
+            <a:spLocks noGrp="1"/>
+          </p:cNvSpPr>
+          <p:nvPr>
+            <p:ph type="title"/>
+          </p:nvPr>
+        </p:nvSpPr>
+        <p:spPr/>
+        <p:txBody>
+          <a:bodyPr/>
+          <a:lstStyle/>
+          <a:p>
+            <a:r>
+              <a:rPr lang="de-DE" dirty="0"/>
+              <a:t>Fazit</a:t>
+            </a:r>
+          </a:p>
+        </p:txBody>
+      </p:sp>
+      <p:sp>
+        <p:nvSpPr>
+          <p:cNvPr id="3" name="Inhaltsplatzhalter 2">
+            <a:extLst>
+              <a:ext uri="{FF2B5EF4-FFF2-40B4-BE49-F238E27FC236}">
+                <a16:creationId xmlns="" xmlns:a16="http://schemas.microsoft.com/office/drawing/2014/main" id="{13708A06-7247-4796-B127-BA1268EFB4F0}"/>
               </a:ext>
             </a:extLst>
           </p:cNvPr>
@@ -10283,7 +10543,7 @@
 </p:sld>
 </file>
 
-<file path=ppt/slides/slide18.xml><?xml version="1.0" encoding="utf-8"?>
+<file path=ppt/slides/slide19.xml><?xml version="1.0" encoding="utf-8"?>
 <p:sld xmlns:a="http://schemas.openxmlformats.org/drawingml/2006/main" xmlns:r="http://schemas.openxmlformats.org/officeDocument/2006/relationships" xmlns:p="http://schemas.openxmlformats.org/presentationml/2006/main">
   <p:cSld>
     <p:spTree>
@@ -10320,7 +10580,133 @@
 </p:sld>
 </file>
 
-<file path=ppt/slides/slide19.xml><?xml version="1.0" encoding="utf-8"?>
+<file path=ppt/slides/slide2.xml><?xml version="1.0" encoding="utf-8"?>
+<p:sld xmlns:a="http://schemas.openxmlformats.org/drawingml/2006/main" xmlns:r="http://schemas.openxmlformats.org/officeDocument/2006/relationships" xmlns:p="http://schemas.openxmlformats.org/presentationml/2006/main">
+  <p:cSld>
+    <p:spTree>
+      <p:nvGrpSpPr>
+        <p:cNvPr id="1" name=""/>
+        <p:cNvGrpSpPr/>
+        <p:nvPr/>
+      </p:nvGrpSpPr>
+      <p:grpSpPr>
+        <a:xfrm>
+          <a:off x="0" y="0"/>
+          <a:ext cx="0" cy="0"/>
+          <a:chOff x="0" y="0"/>
+          <a:chExt cx="0" cy="0"/>
+        </a:xfrm>
+      </p:grpSpPr>
+      <p:sp>
+        <p:nvSpPr>
+          <p:cNvPr id="2" name="Titel 1">
+            <a:extLst>
+              <a:ext uri="{FF2B5EF4-FFF2-40B4-BE49-F238E27FC236}">
+                <a16:creationId xmlns="" xmlns:a16="http://schemas.microsoft.com/office/drawing/2014/main" id="{D27A44A1-7D5C-4ED1-B1CC-16A1827DE5CE}"/>
+              </a:ext>
+            </a:extLst>
+          </p:cNvPr>
+          <p:cNvSpPr>
+            <a:spLocks noGrp="1"/>
+          </p:cNvSpPr>
+          <p:nvPr>
+            <p:ph type="title"/>
+          </p:nvPr>
+        </p:nvSpPr>
+        <p:spPr/>
+        <p:txBody>
+          <a:bodyPr/>
+          <a:lstStyle/>
+          <a:p>
+            <a:r>
+              <a:rPr lang="de-DE" dirty="0"/>
+              <a:t>Gliederung</a:t>
+            </a:r>
+          </a:p>
+        </p:txBody>
+      </p:sp>
+      <p:sp>
+        <p:nvSpPr>
+          <p:cNvPr id="3" name="Inhaltsplatzhalter 2">
+            <a:extLst>
+              <a:ext uri="{FF2B5EF4-FFF2-40B4-BE49-F238E27FC236}">
+                <a16:creationId xmlns="" xmlns:a16="http://schemas.microsoft.com/office/drawing/2014/main" id="{0A11E94A-080C-4F4A-B9ED-FC1B878B8CE0}"/>
+              </a:ext>
+            </a:extLst>
+          </p:cNvPr>
+          <p:cNvSpPr>
+            <a:spLocks noGrp="1"/>
+          </p:cNvSpPr>
+          <p:nvPr>
+            <p:ph idx="1"/>
+          </p:nvPr>
+        </p:nvSpPr>
+        <p:spPr>
+          <a:xfrm>
+            <a:off x="360000" y="1620000"/>
+            <a:ext cx="7164328" cy="4479943"/>
+          </a:xfrm>
+        </p:spPr>
+        <p:txBody>
+          <a:bodyPr/>
+          <a:lstStyle/>
+          <a:p>
+            <a:r>
+              <a:rPr lang="de-DE" dirty="0"/>
+              <a:t>Grundlagen der Thermodynamik und von Wirkungsgraden</a:t>
+            </a:r>
+          </a:p>
+          <a:p>
+            <a:r>
+              <a:rPr lang="de-DE" dirty="0"/>
+              <a:t>Aachen-Turbine</a:t>
+            </a:r>
+          </a:p>
+          <a:p>
+            <a:r>
+              <a:rPr lang="de-DE" dirty="0"/>
+              <a:t>Kanalströmung</a:t>
+            </a:r>
+          </a:p>
+          <a:p>
+            <a:r>
+              <a:rPr lang="de-DE" dirty="0"/>
+              <a:t>Auswertungstool für Gitterstudien</a:t>
+            </a:r>
+          </a:p>
+          <a:p>
+            <a:r>
+              <a:rPr lang="de-DE" dirty="0"/>
+              <a:t>Fazit</a:t>
+            </a:r>
+          </a:p>
+          <a:p>
+            <a:pPr lvl="1"/>
+            <a:endParaRPr lang="de-DE" dirty="0"/>
+          </a:p>
+        </p:txBody>
+      </p:sp>
+    </p:spTree>
+    <p:extLst>
+      <p:ext uri="{BB962C8B-B14F-4D97-AF65-F5344CB8AC3E}">
+        <p14:creationId xmlns:p14="http://schemas.microsoft.com/office/powerpoint/2010/main" val="3165109670"/>
+      </p:ext>
+    </p:extLst>
+  </p:cSld>
+  <p:clrMapOvr>
+    <a:masterClrMapping/>
+  </p:clrMapOvr>
+  <p:timing>
+    <p:tnLst>
+      <p:par>
+        <p:cTn id="1" dur="indefinite" restart="never" nodeType="tmRoot"/>
+      </p:par>
+    </p:tnLst>
+  </p:timing>
+</p:sld>
+</file>
+
+<file path=ppt/slides/slide20.xml><?xml version="1.0" encoding="utf-8"?>
 <p:sld xmlns:a="http://schemas.openxmlformats.org/drawingml/2006/main" xmlns:r="http://schemas.openxmlformats.org/officeDocument/2006/relationships" xmlns:p="http://schemas.openxmlformats.org/presentationml/2006/main">
   <p:cSld>
     <p:spTree>
@@ -10617,7 +11003,7 @@
 </p:sld>
 </file>
 
-<file path=ppt/slides/slide2.xml><?xml version="1.0" encoding="utf-8"?>
+<file path=ppt/slides/slide21.xml><?xml version="1.0" encoding="utf-8"?>
 <p:sld xmlns:a="http://schemas.openxmlformats.org/drawingml/2006/main" xmlns:r="http://schemas.openxmlformats.org/officeDocument/2006/relationships" xmlns:p="http://schemas.openxmlformats.org/presentationml/2006/main">
   <p:cSld>
     <p:spTree>
@@ -10636,132 +11022,6 @@
       </p:grpSpPr>
       <p:sp>
         <p:nvSpPr>
-          <p:cNvPr id="2" name="Titel 1">
-            <a:extLst>
-              <a:ext uri="{FF2B5EF4-FFF2-40B4-BE49-F238E27FC236}">
-                <a16:creationId xmlns:a16="http://schemas.microsoft.com/office/drawing/2014/main" xmlns="" id="{D27A44A1-7D5C-4ED1-B1CC-16A1827DE5CE}"/>
-              </a:ext>
-            </a:extLst>
-          </p:cNvPr>
-          <p:cNvSpPr>
-            <a:spLocks noGrp="1"/>
-          </p:cNvSpPr>
-          <p:nvPr>
-            <p:ph type="title"/>
-          </p:nvPr>
-        </p:nvSpPr>
-        <p:spPr/>
-        <p:txBody>
-          <a:bodyPr/>
-          <a:lstStyle/>
-          <a:p>
-            <a:r>
-              <a:rPr lang="de-DE" dirty="0"/>
-              <a:t>Gliederung</a:t>
-            </a:r>
-          </a:p>
-        </p:txBody>
-      </p:sp>
-      <p:sp>
-        <p:nvSpPr>
-          <p:cNvPr id="3" name="Inhaltsplatzhalter 2">
-            <a:extLst>
-              <a:ext uri="{FF2B5EF4-FFF2-40B4-BE49-F238E27FC236}">
-                <a16:creationId xmlns:a16="http://schemas.microsoft.com/office/drawing/2014/main" xmlns="" id="{0A11E94A-080C-4F4A-B9ED-FC1B878B8CE0}"/>
-              </a:ext>
-            </a:extLst>
-          </p:cNvPr>
-          <p:cNvSpPr>
-            <a:spLocks noGrp="1"/>
-          </p:cNvSpPr>
-          <p:nvPr>
-            <p:ph idx="1"/>
-          </p:nvPr>
-        </p:nvSpPr>
-        <p:spPr>
-          <a:xfrm>
-            <a:off x="360000" y="1620000"/>
-            <a:ext cx="7164328" cy="4479943"/>
-          </a:xfrm>
-        </p:spPr>
-        <p:txBody>
-          <a:bodyPr/>
-          <a:lstStyle/>
-          <a:p>
-            <a:r>
-              <a:rPr lang="de-DE" dirty="0"/>
-              <a:t>Grundlagen der Thermodynamik und von Wirkungsgraden</a:t>
-            </a:r>
-          </a:p>
-          <a:p>
-            <a:r>
-              <a:rPr lang="de-DE" dirty="0"/>
-              <a:t>Aachen-Turbine</a:t>
-            </a:r>
-          </a:p>
-          <a:p>
-            <a:r>
-              <a:rPr lang="de-DE" dirty="0"/>
-              <a:t>Kanalströmung</a:t>
-            </a:r>
-          </a:p>
-          <a:p>
-            <a:r>
-              <a:rPr lang="de-DE" dirty="0"/>
-              <a:t>Auswertungstool für Gitterstudien</a:t>
-            </a:r>
-          </a:p>
-          <a:p>
-            <a:r>
-              <a:rPr lang="de-DE" dirty="0"/>
-              <a:t>Fazit</a:t>
-            </a:r>
-          </a:p>
-          <a:p>
-            <a:pPr lvl="1"/>
-            <a:endParaRPr lang="de-DE" dirty="0"/>
-          </a:p>
-        </p:txBody>
-      </p:sp>
-    </p:spTree>
-    <p:extLst>
-      <p:ext uri="{BB962C8B-B14F-4D97-AF65-F5344CB8AC3E}">
-        <p14:creationId xmlns:p14="http://schemas.microsoft.com/office/powerpoint/2010/main" val="3165109670"/>
-      </p:ext>
-    </p:extLst>
-  </p:cSld>
-  <p:clrMapOvr>
-    <a:masterClrMapping/>
-  </p:clrMapOvr>
-  <p:timing>
-    <p:tnLst>
-      <p:par>
-        <p:cTn id="1" dur="indefinite" restart="never" nodeType="tmRoot"/>
-      </p:par>
-    </p:tnLst>
-  </p:timing>
-</p:sld>
-</file>
-
-<file path=ppt/slides/slide20.xml><?xml version="1.0" encoding="utf-8"?>
-<p:sld xmlns:a="http://schemas.openxmlformats.org/drawingml/2006/main" xmlns:r="http://schemas.openxmlformats.org/officeDocument/2006/relationships" xmlns:p="http://schemas.openxmlformats.org/presentationml/2006/main">
-  <p:cSld>
-    <p:spTree>
-      <p:nvGrpSpPr>
-        <p:cNvPr id="1" name=""/>
-        <p:cNvGrpSpPr/>
-        <p:nvPr/>
-      </p:nvGrpSpPr>
-      <p:grpSpPr>
-        <a:xfrm>
-          <a:off x="0" y="0"/>
-          <a:ext cx="0" cy="0"/>
-          <a:chOff x="0" y="0"/>
-          <a:chExt cx="0" cy="0"/>
-        </a:xfrm>
-      </p:grpSpPr>
-      <p:sp>
-        <p:nvSpPr>
           <p:cNvPr id="2" name="Titel 1"/>
           <p:cNvSpPr>
             <a:spLocks noGrp="1"/>
@@ -10811,14 +11071,14 @@
                 <a:gridCol w="3411538">
                   <a:extLst>
                     <a:ext uri="{9D8B030D-6E8A-4147-A177-3AD203B41FA5}">
-                      <a16:colId xmlns:a16="http://schemas.microsoft.com/office/drawing/2014/main" xmlns="" val="20000"/>
+                      <a16:colId xmlns="" xmlns:a16="http://schemas.microsoft.com/office/drawing/2014/main" val="20000"/>
                     </a:ext>
                   </a:extLst>
                 </a:gridCol>
                 <a:gridCol w="3411538">
                   <a:extLst>
                     <a:ext uri="{9D8B030D-6E8A-4147-A177-3AD203B41FA5}">
-                      <a16:colId xmlns:a16="http://schemas.microsoft.com/office/drawing/2014/main" xmlns="" val="20001"/>
+                      <a16:colId xmlns="" xmlns:a16="http://schemas.microsoft.com/office/drawing/2014/main" val="20001"/>
                     </a:ext>
                   </a:extLst>
                 </a:gridCol>
@@ -10860,7 +11120,7 @@
                 </a:tc>
                 <a:extLst>
                   <a:ext uri="{0D108BD9-81ED-4DB2-BD59-A6C34878D82A}">
-                    <a16:rowId xmlns:a16="http://schemas.microsoft.com/office/drawing/2014/main" xmlns="" val="10000"/>
+                    <a16:rowId xmlns="" xmlns:a16="http://schemas.microsoft.com/office/drawing/2014/main" val="10000"/>
                   </a:ext>
                 </a:extLst>
               </a:tr>
@@ -10898,7 +11158,7 @@
                 </a:tc>
                 <a:extLst>
                   <a:ext uri="{0D108BD9-81ED-4DB2-BD59-A6C34878D82A}">
-                    <a16:rowId xmlns:a16="http://schemas.microsoft.com/office/drawing/2014/main" xmlns="" val="10001"/>
+                    <a16:rowId xmlns="" xmlns:a16="http://schemas.microsoft.com/office/drawing/2014/main" val="10001"/>
                   </a:ext>
                 </a:extLst>
               </a:tr>
@@ -10952,7 +11212,7 @@
                 </a:tc>
                 <a:extLst>
                   <a:ext uri="{0D108BD9-81ED-4DB2-BD59-A6C34878D82A}">
-                    <a16:rowId xmlns:a16="http://schemas.microsoft.com/office/drawing/2014/main" xmlns="" val="10002"/>
+                    <a16:rowId xmlns="" xmlns:a16="http://schemas.microsoft.com/office/drawing/2014/main" val="10002"/>
                   </a:ext>
                 </a:extLst>
               </a:tr>
@@ -11006,7 +11266,7 @@
                 </a:tc>
                 <a:extLst>
                   <a:ext uri="{0D108BD9-81ED-4DB2-BD59-A6C34878D82A}">
-                    <a16:rowId xmlns:a16="http://schemas.microsoft.com/office/drawing/2014/main" xmlns="" val="10003"/>
+                    <a16:rowId xmlns="" xmlns:a16="http://schemas.microsoft.com/office/drawing/2014/main" val="10003"/>
                   </a:ext>
                 </a:extLst>
               </a:tr>
@@ -11060,7 +11320,7 @@
                 </a:tc>
                 <a:extLst>
                   <a:ext uri="{0D108BD9-81ED-4DB2-BD59-A6C34878D82A}">
-                    <a16:rowId xmlns:a16="http://schemas.microsoft.com/office/drawing/2014/main" xmlns="" val="10004"/>
+                    <a16:rowId xmlns="" xmlns:a16="http://schemas.microsoft.com/office/drawing/2014/main" val="10004"/>
                   </a:ext>
                 </a:extLst>
               </a:tr>
@@ -11114,7 +11374,7 @@
                 </a:tc>
                 <a:extLst>
                   <a:ext uri="{0D108BD9-81ED-4DB2-BD59-A6C34878D82A}">
-                    <a16:rowId xmlns:a16="http://schemas.microsoft.com/office/drawing/2014/main" xmlns="" val="10005"/>
+                    <a16:rowId xmlns="" xmlns:a16="http://schemas.microsoft.com/office/drawing/2014/main" val="10005"/>
                   </a:ext>
                 </a:extLst>
               </a:tr>
@@ -11168,7 +11428,7 @@
                 </a:tc>
                 <a:extLst>
                   <a:ext uri="{0D108BD9-81ED-4DB2-BD59-A6C34878D82A}">
-                    <a16:rowId xmlns:a16="http://schemas.microsoft.com/office/drawing/2014/main" xmlns="" val="10006"/>
+                    <a16:rowId xmlns="" xmlns:a16="http://schemas.microsoft.com/office/drawing/2014/main" val="10006"/>
                   </a:ext>
                 </a:extLst>
               </a:tr>
@@ -11222,7 +11482,7 @@
                 </a:tc>
                 <a:extLst>
                   <a:ext uri="{0D108BD9-81ED-4DB2-BD59-A6C34878D82A}">
-                    <a16:rowId xmlns:a16="http://schemas.microsoft.com/office/drawing/2014/main" xmlns="" val="10007"/>
+                    <a16:rowId xmlns="" xmlns:a16="http://schemas.microsoft.com/office/drawing/2014/main" val="10007"/>
                   </a:ext>
                 </a:extLst>
               </a:tr>
@@ -11452,7 +11712,7 @@
           <p:cNvPr id="2" name="Titel 1">
             <a:extLst>
               <a:ext uri="{FF2B5EF4-FFF2-40B4-BE49-F238E27FC236}">
-                <a16:creationId xmlns:a16="http://schemas.microsoft.com/office/drawing/2014/main" xmlns="" id="{097E6A6D-464E-4766-AAF3-C4FECB9FA991}"/>
+                <a16:creationId xmlns="" xmlns:a16="http://schemas.microsoft.com/office/drawing/2014/main" id="{097E6A6D-464E-4766-AAF3-C4FECB9FA991}"/>
               </a:ext>
             </a:extLst>
           </p:cNvPr>
@@ -11480,7 +11740,7 @@
           <p:cNvPr id="3" name="Inhaltsplatzhalter 2">
             <a:extLst>
               <a:ext uri="{FF2B5EF4-FFF2-40B4-BE49-F238E27FC236}">
-                <a16:creationId xmlns:a16="http://schemas.microsoft.com/office/drawing/2014/main" xmlns="" id="{0E9598F0-1E7C-41F5-AC85-FE84123CF1DA}"/>
+                <a16:creationId xmlns="" xmlns:a16="http://schemas.microsoft.com/office/drawing/2014/main" id="{0E9598F0-1E7C-41F5-AC85-FE84123CF1DA}"/>
               </a:ext>
             </a:extLst>
           </p:cNvPr>
@@ -11566,7 +11826,7 @@
           <p:cNvPr id="2" name="Titel 1">
             <a:extLst>
               <a:ext uri="{FF2B5EF4-FFF2-40B4-BE49-F238E27FC236}">
-                <a16:creationId xmlns:a16="http://schemas.microsoft.com/office/drawing/2014/main" xmlns="" id="{2466B14E-2CAE-450A-835B-07642C6772FC}"/>
+                <a16:creationId xmlns="" xmlns:a16="http://schemas.microsoft.com/office/drawing/2014/main" id="{2466B14E-2CAE-450A-835B-07642C6772FC}"/>
               </a:ext>
             </a:extLst>
           </p:cNvPr>
@@ -11583,9 +11843,10 @@
           <a:lstStyle/>
           <a:p>
             <a:r>
-              <a:rPr lang="de-DE" dirty="0"/>
-              <a:t>Grundlagen: Wirkungsgrade (1)</a:t>
-            </a:r>
+              <a:rPr lang="de-DE" dirty="0" smtClean="0"/>
+              <a:t>Wirkungsgrade CFD</a:t>
+            </a:r>
+            <a:endParaRPr lang="de-DE" dirty="0"/>
           </a:p>
         </p:txBody>
       </p:sp>
@@ -11594,7 +11855,7 @@
           <p:cNvPr id="3" name="Inhaltsplatzhalter 2">
             <a:extLst>
               <a:ext uri="{FF2B5EF4-FFF2-40B4-BE49-F238E27FC236}">
-                <a16:creationId xmlns:a16="http://schemas.microsoft.com/office/drawing/2014/main" xmlns="" id="{CCE11E07-3335-434C-8B03-5B1BAEAEC7C5}"/>
+                <a16:creationId xmlns="" xmlns:a16="http://schemas.microsoft.com/office/drawing/2014/main" id="{CCE11E07-3335-434C-8B03-5B1BAEAEC7C5}"/>
               </a:ext>
             </a:extLst>
           </p:cNvPr>
@@ -11885,7 +12146,7 @@
           <p:cNvPr id="2" name="Titel 1">
             <a:extLst>
               <a:ext uri="{FF2B5EF4-FFF2-40B4-BE49-F238E27FC236}">
-                <a16:creationId xmlns:a16="http://schemas.microsoft.com/office/drawing/2014/main" xmlns="" id="{B0EB02CB-0053-457A-BB5F-5D64278141CC}"/>
+                <a16:creationId xmlns="" xmlns:a16="http://schemas.microsoft.com/office/drawing/2014/main" id="{B0EB02CB-0053-457A-BB5F-5D64278141CC}"/>
               </a:ext>
             </a:extLst>
           </p:cNvPr>
@@ -11902,9 +12163,10 @@
           <a:lstStyle/>
           <a:p>
             <a:r>
-              <a:rPr lang="de-DE" dirty="0"/>
-              <a:t>Grundlagen: Wirkungsgrade (2)</a:t>
-            </a:r>
+              <a:rPr lang="de-DE" dirty="0" smtClean="0"/>
+              <a:t>Wirkungsgrade CFD</a:t>
+            </a:r>
+            <a:endParaRPr lang="de-DE" dirty="0"/>
           </a:p>
         </p:txBody>
       </p:sp>
@@ -11913,7 +12175,7 @@
           <p:cNvPr id="3" name="Inhaltsplatzhalter 2">
             <a:extLst>
               <a:ext uri="{FF2B5EF4-FFF2-40B4-BE49-F238E27FC236}">
-                <a16:creationId xmlns:a16="http://schemas.microsoft.com/office/drawing/2014/main" xmlns="" id="{756355A6-13F9-40C1-8AD3-1534717E7B09}"/>
+                <a16:creationId xmlns="" xmlns:a16="http://schemas.microsoft.com/office/drawing/2014/main" id="{756355A6-13F9-40C1-8AD3-1534717E7B09}"/>
               </a:ext>
             </a:extLst>
           </p:cNvPr>
@@ -12566,7 +12828,7 @@
           <p:cNvPr id="2" name="Titel 1">
             <a:extLst>
               <a:ext uri="{FF2B5EF4-FFF2-40B4-BE49-F238E27FC236}">
-                <a16:creationId xmlns:a16="http://schemas.microsoft.com/office/drawing/2014/main" xmlns="" id="{8DE61EE4-0A2E-4DFD-BE73-F3D4D2210025}"/>
+                <a16:creationId xmlns="" xmlns:a16="http://schemas.microsoft.com/office/drawing/2014/main" id="{8DE61EE4-0A2E-4DFD-BE73-F3D4D2210025}"/>
               </a:ext>
             </a:extLst>
           </p:cNvPr>
@@ -12594,7 +12856,7 @@
           <p:cNvPr id="3" name="Inhaltsplatzhalter 2">
             <a:extLst>
               <a:ext uri="{FF2B5EF4-FFF2-40B4-BE49-F238E27FC236}">
-                <a16:creationId xmlns:a16="http://schemas.microsoft.com/office/drawing/2014/main" xmlns="" id="{D3AA39F9-9931-48BD-9CE6-A9A42797156C}"/>
+                <a16:creationId xmlns="" xmlns:a16="http://schemas.microsoft.com/office/drawing/2014/main" id="{D3AA39F9-9931-48BD-9CE6-A9A42797156C}"/>
               </a:ext>
             </a:extLst>
           </p:cNvPr>
@@ -12656,7 +12918,7 @@
           <p:cNvPr id="2" name="Titel 1">
             <a:extLst>
               <a:ext uri="{FF2B5EF4-FFF2-40B4-BE49-F238E27FC236}">
-                <a16:creationId xmlns:a16="http://schemas.microsoft.com/office/drawing/2014/main" xmlns="" id="{5468A21C-5F1B-49A9-9615-E49303F1DFD8}"/>
+                <a16:creationId xmlns="" xmlns:a16="http://schemas.microsoft.com/office/drawing/2014/main" id="{5468A21C-5F1B-49A9-9615-E49303F1DFD8}"/>
               </a:ext>
             </a:extLst>
           </p:cNvPr>
@@ -12684,7 +12946,7 @@
           <p:cNvPr id="3" name="Inhaltsplatzhalter 2">
             <a:extLst>
               <a:ext uri="{FF2B5EF4-FFF2-40B4-BE49-F238E27FC236}">
-                <a16:creationId xmlns:a16="http://schemas.microsoft.com/office/drawing/2014/main" xmlns="" id="{71D6F8BC-B1F4-4464-B16C-BE0C1ED3F521}"/>
+                <a16:creationId xmlns="" xmlns:a16="http://schemas.microsoft.com/office/drawing/2014/main" id="{71D6F8BC-B1F4-4464-B16C-BE0C1ED3F521}"/>
               </a:ext>
             </a:extLst>
           </p:cNvPr>
@@ -12771,7 +13033,7 @@
           <p:cNvPr id="2" name="Titel 1">
             <a:extLst>
               <a:ext uri="{FF2B5EF4-FFF2-40B4-BE49-F238E27FC236}">
-                <a16:creationId xmlns:a16="http://schemas.microsoft.com/office/drawing/2014/main" xmlns="" id="{094F379C-23F4-4D35-86D6-1D1C29CAB88B}"/>
+                <a16:creationId xmlns="" xmlns:a16="http://schemas.microsoft.com/office/drawing/2014/main" id="{094F379C-23F4-4D35-86D6-1D1C29CAB88B}"/>
               </a:ext>
             </a:extLst>
           </p:cNvPr>
@@ -12799,7 +13061,7 @@
           <p:cNvPr id="3" name="Inhaltsplatzhalter 2">
             <a:extLst>
               <a:ext uri="{FF2B5EF4-FFF2-40B4-BE49-F238E27FC236}">
-                <a16:creationId xmlns:a16="http://schemas.microsoft.com/office/drawing/2014/main" xmlns="" id="{1C3E671A-136E-4360-89A9-AD9DB1ED1606}"/>
+                <a16:creationId xmlns="" xmlns:a16="http://schemas.microsoft.com/office/drawing/2014/main" id="{1C3E671A-136E-4360-89A9-AD9DB1ED1606}"/>
               </a:ext>
             </a:extLst>
           </p:cNvPr>

--- a/Präsentation/Abschluss_Präsentation_Keijo.pptx
+++ b/Präsentation/Abschluss_Präsentation_Keijo.pptx
@@ -8538,15 +8538,45 @@
           <a:p>
             <a:r>
               <a:rPr lang="de-DE" dirty="0" smtClean="0"/>
-              <a:t>Mittelung der </a:t>
+              <a:t>1 Stator – 1 Rotor – 1 Stator zur Berechnung notwendig</a:t>
+            </a:r>
+          </a:p>
+          <a:p>
+            <a:pPr lvl="2"/>
+            <a:r>
+              <a:rPr lang="de-DE" dirty="0" smtClean="0"/>
+              <a:t>Periodische Randbedingung</a:t>
+            </a:r>
+          </a:p>
+          <a:p>
+            <a:pPr lvl="2"/>
+            <a:r>
+              <a:rPr lang="de-DE" dirty="0" smtClean="0"/>
+              <a:t>Geringerer Rechenaufwand</a:t>
+            </a:r>
+          </a:p>
+          <a:p>
+            <a:r>
+              <a:rPr lang="de-DE" dirty="0" smtClean="0"/>
+              <a:t>Bestimmen </a:t>
             </a:r>
             <a:r>
               <a:rPr lang="de-DE" smtClean="0"/>
-              <a:t>Strömungsgrößen in </a:t>
+              <a:t>des Strömungsfeldes </a:t>
+            </a:r>
+            <a:r>
+              <a:rPr lang="de-DE" smtClean="0">
+                <a:sym typeface="Wingdings" panose="05000000000000000000" pitchFamily="2" charset="2"/>
+              </a:rPr>
+              <a:t></a:t>
+            </a:r>
+            <a:r>
+              <a:rPr lang="de-DE" smtClean="0"/>
+              <a:t> Mittelung </a:t>
             </a:r>
             <a:r>
               <a:rPr lang="de-DE" dirty="0" smtClean="0"/>
-              <a:t>Umfangsrichtung</a:t>
+              <a:t>der Strömungsgrößen in Umfangsrichtung auf beiden Seiten der Mixing Plane</a:t>
             </a:r>
             <a:endParaRPr lang="de-DE" dirty="0"/>
           </a:p>
@@ -8574,8 +8604,8 @@
         </p:blipFill>
         <p:spPr>
           <a:xfrm>
-            <a:off x="5332438" y="4966829"/>
-            <a:ext cx="2767954" cy="1054459"/>
+            <a:off x="5222786" y="5080725"/>
+            <a:ext cx="3213507" cy="1224194"/>
           </a:xfrm>
           <a:prstGeom prst="rect">
             <a:avLst/>
@@ -8604,8 +8634,8 @@
         </p:blipFill>
         <p:spPr>
           <a:xfrm>
-            <a:off x="1115616" y="4966829"/>
-            <a:ext cx="2767954" cy="980105"/>
+            <a:off x="694873" y="5086710"/>
+            <a:ext cx="3213507" cy="1137871"/>
           </a:xfrm>
           <a:prstGeom prst="rect">
             <a:avLst/>
@@ -8620,7 +8650,7 @@
         </p:nvSpPr>
         <p:spPr>
           <a:xfrm>
-            <a:off x="4139952" y="5314038"/>
+            <a:off x="4139952" y="5531656"/>
             <a:ext cx="936104" cy="360040"/>
           </a:xfrm>
           <a:prstGeom prst="rightArrow">
@@ -8668,7 +8698,7 @@
         </p:nvSpPr>
         <p:spPr>
           <a:xfrm>
-            <a:off x="1547664" y="4509120"/>
+            <a:off x="1353105" y="4707884"/>
             <a:ext cx="1944216" cy="369332"/>
           </a:xfrm>
           <a:prstGeom prst="rect">
@@ -8698,7 +8728,7 @@
         </p:nvSpPr>
         <p:spPr>
           <a:xfrm>
-            <a:off x="5676993" y="4509120"/>
+            <a:off x="5818398" y="4707884"/>
             <a:ext cx="2088232" cy="369332"/>
           </a:xfrm>
           <a:prstGeom prst="rect">
@@ -8808,12 +8838,12 @@
           </a:p>
           <a:p>
             <a:r>
-              <a:rPr lang="de-DE" dirty="0" err="1"/>
-              <a:t>Drallbehaftete</a:t>
+              <a:rPr lang="de-DE" dirty="0" smtClean="0"/>
+              <a:t>Drall behaftete </a:t>
             </a:r>
             <a:r>
               <a:rPr lang="de-DE" dirty="0"/>
-              <a:t> Strömung:</a:t>
+              <a:t>Strömung:</a:t>
             </a:r>
           </a:p>
           <a:p>

--- a/Präsentation/Abschluss_Präsentation_Keijo.pptx
+++ b/Präsentation/Abschluss_Präsentation_Keijo.pptx
@@ -6661,7 +6661,7 @@
           <p:cNvPr id="4" name="Grafik 3">
             <a:extLst>
               <a:ext uri="{FF2B5EF4-FFF2-40B4-BE49-F238E27FC236}">
-                <a16:creationId xmlns="" xmlns:a16="http://schemas.microsoft.com/office/drawing/2014/main" id="{18A4F8C9-BC47-4597-A341-7BD061B63621}"/>
+                <a16:creationId xmlns:a16="http://schemas.microsoft.com/office/drawing/2014/main" xmlns="" id="{18A4F8C9-BC47-4597-A341-7BD061B63621}"/>
               </a:ext>
             </a:extLst>
           </p:cNvPr>
@@ -6691,7 +6691,7 @@
           <p:cNvPr id="8" name="Gerade Verbindung mit Pfeil 7">
             <a:extLst>
               <a:ext uri="{FF2B5EF4-FFF2-40B4-BE49-F238E27FC236}">
-                <a16:creationId xmlns="" xmlns:a16="http://schemas.microsoft.com/office/drawing/2014/main" id="{6AEE5332-9F2B-40A4-B03C-0CA4C32B5711}"/>
+                <a16:creationId xmlns:a16="http://schemas.microsoft.com/office/drawing/2014/main" xmlns="" id="{6AEE5332-9F2B-40A4-B03C-0CA4C32B5711}"/>
               </a:ext>
             </a:extLst>
           </p:cNvPr>
@@ -6735,7 +6735,7 @@
           <p:cNvPr id="9" name="Rechteck 8">
             <a:extLst>
               <a:ext uri="{FF2B5EF4-FFF2-40B4-BE49-F238E27FC236}">
-                <a16:creationId xmlns="" xmlns:a16="http://schemas.microsoft.com/office/drawing/2014/main" id="{3778A54C-BCC7-4667-8D22-D645A2858F58}"/>
+                <a16:creationId xmlns:a16="http://schemas.microsoft.com/office/drawing/2014/main" xmlns="" id="{3778A54C-BCC7-4667-8D22-D645A2858F58}"/>
               </a:ext>
             </a:extLst>
           </p:cNvPr>
@@ -6831,7 +6831,7 @@
           <p:cNvPr id="2" name="Titel 1">
             <a:extLst>
               <a:ext uri="{FF2B5EF4-FFF2-40B4-BE49-F238E27FC236}">
-                <a16:creationId xmlns="" xmlns:a16="http://schemas.microsoft.com/office/drawing/2014/main" id="{E94AB448-E08C-4FC1-AAC0-98431019A5B8}"/>
+                <a16:creationId xmlns:a16="http://schemas.microsoft.com/office/drawing/2014/main" xmlns="" id="{E94AB448-E08C-4FC1-AAC0-98431019A5B8}"/>
               </a:ext>
             </a:extLst>
           </p:cNvPr>
@@ -6864,7 +6864,7 @@
           <p:cNvPr id="3" name="Inhaltsplatzhalter 2">
             <a:extLst>
               <a:ext uri="{FF2B5EF4-FFF2-40B4-BE49-F238E27FC236}">
-                <a16:creationId xmlns="" xmlns:a16="http://schemas.microsoft.com/office/drawing/2014/main" id="{EE905004-B708-4F44-A14B-50934B89FAB0}"/>
+                <a16:creationId xmlns:a16="http://schemas.microsoft.com/office/drawing/2014/main" xmlns="" id="{EE905004-B708-4F44-A14B-50934B89FAB0}"/>
               </a:ext>
             </a:extLst>
           </p:cNvPr>
@@ -6989,7 +6989,7 @@
           <p:cNvPr id="2" name="Titel 1">
             <a:extLst>
               <a:ext uri="{FF2B5EF4-FFF2-40B4-BE49-F238E27FC236}">
-                <a16:creationId xmlns="" xmlns:a16="http://schemas.microsoft.com/office/drawing/2014/main" id="{98E30EB0-62A0-4D55-AF97-782AB848AE3B}"/>
+                <a16:creationId xmlns:a16="http://schemas.microsoft.com/office/drawing/2014/main" xmlns="" id="{98E30EB0-62A0-4D55-AF97-782AB848AE3B}"/>
               </a:ext>
             </a:extLst>
           </p:cNvPr>
@@ -7017,7 +7017,7 @@
           <p:cNvPr id="3" name="Inhaltsplatzhalter 2">
             <a:extLst>
               <a:ext uri="{FF2B5EF4-FFF2-40B4-BE49-F238E27FC236}">
-                <a16:creationId xmlns="" xmlns:a16="http://schemas.microsoft.com/office/drawing/2014/main" id="{5CE73134-BC2B-467B-B2FE-58257A89BDB4}"/>
+                <a16:creationId xmlns:a16="http://schemas.microsoft.com/office/drawing/2014/main" xmlns="" id="{5CE73134-BC2B-467B-B2FE-58257A89BDB4}"/>
               </a:ext>
             </a:extLst>
           </p:cNvPr>
@@ -8558,27 +8558,35 @@
           <a:p>
             <a:r>
               <a:rPr lang="de-DE" dirty="0" smtClean="0"/>
-              <a:t>Bestimmen </a:t>
-            </a:r>
-            <a:r>
-              <a:rPr lang="de-DE" smtClean="0"/>
-              <a:t>des Strömungsfeldes </a:t>
-            </a:r>
-            <a:r>
-              <a:rPr lang="de-DE" smtClean="0">
+              <a:t>Bestimmen des Strömungsfeldes </a:t>
+            </a:r>
+            <a:r>
+              <a:rPr lang="de-DE" dirty="0" smtClean="0">
                 <a:sym typeface="Wingdings" panose="05000000000000000000" pitchFamily="2" charset="2"/>
               </a:rPr>
               <a:t></a:t>
             </a:r>
             <a:r>
-              <a:rPr lang="de-DE" smtClean="0"/>
-              <a:t> Mittelung </a:t>
-            </a:r>
-            <a:r>
               <a:rPr lang="de-DE" dirty="0" smtClean="0"/>
-              <a:t>der Strömungsgrößen in Umfangsrichtung auf beiden Seiten der Mixing Plane</a:t>
-            </a:r>
-            <a:endParaRPr lang="de-DE" dirty="0"/>
+              <a:t> Mittelung der Strömungsgrößen in Umfangsrichtung auf beiden Seiten der Mixing </a:t>
+            </a:r>
+            <a:r>
+              <a:rPr lang="de-DE" dirty="0" smtClean="0"/>
+              <a:t>Plane  </a:t>
+            </a:r>
+            <a:r>
+              <a:rPr lang="de-DE" dirty="0" smtClean="0">
+                <a:solidFill>
+                  <a:srgbClr val="FF0000"/>
+                </a:solidFill>
+              </a:rPr>
+              <a:t>???</a:t>
+            </a:r>
+            <a:endParaRPr lang="de-DE" dirty="0">
+              <a:solidFill>
+                <a:srgbClr val="FF0000"/>
+              </a:solidFill>
+            </a:endParaRPr>
           </a:p>
         </p:txBody>
       </p:sp>
@@ -8831,7 +8839,19 @@
             </a:r>
           </a:p>
           <a:p>
-            <a:endParaRPr lang="de-DE" dirty="0"/>
+            <a:r>
+              <a:rPr lang="de-DE" dirty="0" smtClean="0">
+                <a:solidFill>
+                  <a:srgbClr val="FF0000"/>
+                </a:solidFill>
+              </a:rPr>
+              <a:t>????</a:t>
+            </a:r>
+            <a:endParaRPr lang="de-DE" dirty="0">
+              <a:solidFill>
+                <a:srgbClr val="FF0000"/>
+              </a:solidFill>
+            </a:endParaRPr>
           </a:p>
           <a:p>
             <a:endParaRPr lang="de-DE" dirty="0"/>
@@ -9005,7 +9025,7 @@
           <p:cNvPr id="2" name="Titel 1">
             <a:extLst>
               <a:ext uri="{FF2B5EF4-FFF2-40B4-BE49-F238E27FC236}">
-                <a16:creationId xmlns="" xmlns:a16="http://schemas.microsoft.com/office/drawing/2014/main" id="{B021C1F3-433C-41E3-8587-65D5BDA4F317}"/>
+                <a16:creationId xmlns:a16="http://schemas.microsoft.com/office/drawing/2014/main" xmlns="" id="{B021C1F3-433C-41E3-8587-65D5BDA4F317}"/>
               </a:ext>
             </a:extLst>
           </p:cNvPr>
@@ -9058,14 +9078,14 @@
                     <a:gridCol w="2880320">
                       <a:extLst>
                         <a:ext uri="{9D8B030D-6E8A-4147-A177-3AD203B41FA5}">
-                          <a16:colId xmlns="" xmlns:a16="http://schemas.microsoft.com/office/drawing/2014/main" val="20000"/>
+                          <a16:colId xmlns:a16="http://schemas.microsoft.com/office/drawing/2014/main" xmlns="" val="20000"/>
                         </a:ext>
                       </a:extLst>
                     </a:gridCol>
                     <a:gridCol w="2016224">
                       <a:extLst>
                         <a:ext uri="{9D8B030D-6E8A-4147-A177-3AD203B41FA5}">
-                          <a16:colId xmlns="" xmlns:a16="http://schemas.microsoft.com/office/drawing/2014/main" val="20001"/>
+                          <a16:colId xmlns:a16="http://schemas.microsoft.com/office/drawing/2014/main" xmlns="" val="20001"/>
                         </a:ext>
                       </a:extLst>
                     </a:gridCol>
@@ -9339,7 +9359,7 @@
                     </a:tc>
                     <a:extLst>
                       <a:ext uri="{0D108BD9-81ED-4DB2-BD59-A6C34878D82A}">
-                        <a16:rowId xmlns="" xmlns:a16="http://schemas.microsoft.com/office/drawing/2014/main" val="10000"/>
+                        <a16:rowId xmlns:a16="http://schemas.microsoft.com/office/drawing/2014/main" xmlns="" val="10000"/>
                       </a:ext>
                     </a:extLst>
                   </a:tr>
@@ -9406,7 +9426,7 @@
                     </a:tc>
                     <a:extLst>
                       <a:ext uri="{0D108BD9-81ED-4DB2-BD59-A6C34878D82A}">
-                        <a16:rowId xmlns="" xmlns:a16="http://schemas.microsoft.com/office/drawing/2014/main" val="10001"/>
+                        <a16:rowId xmlns:a16="http://schemas.microsoft.com/office/drawing/2014/main" xmlns="" val="10001"/>
                       </a:ext>
                     </a:extLst>
                   </a:tr>
@@ -9481,7 +9501,7 @@
                     </a:tc>
                     <a:extLst>
                       <a:ext uri="{0D108BD9-81ED-4DB2-BD59-A6C34878D82A}">
-                        <a16:rowId xmlns="" xmlns:a16="http://schemas.microsoft.com/office/drawing/2014/main" val="10002"/>
+                        <a16:rowId xmlns:a16="http://schemas.microsoft.com/office/drawing/2014/main" xmlns="" val="10002"/>
                       </a:ext>
                     </a:extLst>
                   </a:tr>
@@ -9560,7 +9580,7 @@
                     </a:tc>
                     <a:extLst>
                       <a:ext uri="{0D108BD9-81ED-4DB2-BD59-A6C34878D82A}">
-                        <a16:rowId xmlns="" xmlns:a16="http://schemas.microsoft.com/office/drawing/2014/main" val="10003"/>
+                        <a16:rowId xmlns:a16="http://schemas.microsoft.com/office/drawing/2014/main" xmlns="" val="10003"/>
                       </a:ext>
                     </a:extLst>
                   </a:tr>
@@ -9635,7 +9655,7 @@
                     </a:tc>
                     <a:extLst>
                       <a:ext uri="{0D108BD9-81ED-4DB2-BD59-A6C34878D82A}">
-                        <a16:rowId xmlns="" xmlns:a16="http://schemas.microsoft.com/office/drawing/2014/main" val="10004"/>
+                        <a16:rowId xmlns:a16="http://schemas.microsoft.com/office/drawing/2014/main" xmlns="" val="10004"/>
                       </a:ext>
                     </a:extLst>
                   </a:tr>
@@ -9714,7 +9734,7 @@
                     </a:tc>
                     <a:extLst>
                       <a:ext uri="{0D108BD9-81ED-4DB2-BD59-A6C34878D82A}">
-                        <a16:rowId xmlns="" xmlns:a16="http://schemas.microsoft.com/office/drawing/2014/main" val="10005"/>
+                        <a16:rowId xmlns:a16="http://schemas.microsoft.com/office/drawing/2014/main" xmlns="" val="10005"/>
                       </a:ext>
                     </a:extLst>
                   </a:tr>
@@ -10296,7 +10316,7 @@
           <p:cNvPr id="2" name="Titel 1">
             <a:extLst>
               <a:ext uri="{FF2B5EF4-FFF2-40B4-BE49-F238E27FC236}">
-                <a16:creationId xmlns="" xmlns:a16="http://schemas.microsoft.com/office/drawing/2014/main" id="{D329A526-CE1D-48AD-8C37-10B31DD1A94A}"/>
+                <a16:creationId xmlns:a16="http://schemas.microsoft.com/office/drawing/2014/main" xmlns="" id="{D329A526-CE1D-48AD-8C37-10B31DD1A94A}"/>
               </a:ext>
             </a:extLst>
           </p:cNvPr>
@@ -10324,7 +10344,7 @@
           <p:cNvPr id="3" name="Inhaltsplatzhalter 2">
             <a:extLst>
               <a:ext uri="{FF2B5EF4-FFF2-40B4-BE49-F238E27FC236}">
-                <a16:creationId xmlns="" xmlns:a16="http://schemas.microsoft.com/office/drawing/2014/main" id="{BA4C428F-6F17-477B-9503-2C9FE4D7286D}"/>
+                <a16:creationId xmlns:a16="http://schemas.microsoft.com/office/drawing/2014/main" xmlns="" id="{BA4C428F-6F17-477B-9503-2C9FE4D7286D}"/>
               </a:ext>
             </a:extLst>
           </p:cNvPr>
@@ -10403,7 +10423,7 @@
           <p:cNvPr id="2" name="Titel 1">
             <a:extLst>
               <a:ext uri="{FF2B5EF4-FFF2-40B4-BE49-F238E27FC236}">
-                <a16:creationId xmlns="" xmlns:a16="http://schemas.microsoft.com/office/drawing/2014/main" id="{8643BECD-9FC8-4139-AF9D-AAB9BD9ABF1F}"/>
+                <a16:creationId xmlns:a16="http://schemas.microsoft.com/office/drawing/2014/main" xmlns="" id="{8643BECD-9FC8-4139-AF9D-AAB9BD9ABF1F}"/>
               </a:ext>
             </a:extLst>
           </p:cNvPr>
@@ -10431,7 +10451,7 @@
           <p:cNvPr id="3" name="Inhaltsplatzhalter 2">
             <a:extLst>
               <a:ext uri="{FF2B5EF4-FFF2-40B4-BE49-F238E27FC236}">
-                <a16:creationId xmlns="" xmlns:a16="http://schemas.microsoft.com/office/drawing/2014/main" id="{E42A3100-1EC4-4CA1-8073-DBF9AE2DE022}"/>
+                <a16:creationId xmlns:a16="http://schemas.microsoft.com/office/drawing/2014/main" xmlns="" id="{E42A3100-1EC4-4CA1-8073-DBF9AE2DE022}"/>
               </a:ext>
             </a:extLst>
           </p:cNvPr>
@@ -10496,7 +10516,7 @@
           <p:cNvPr id="2" name="Titel 1">
             <a:extLst>
               <a:ext uri="{FF2B5EF4-FFF2-40B4-BE49-F238E27FC236}">
-                <a16:creationId xmlns="" xmlns:a16="http://schemas.microsoft.com/office/drawing/2014/main" id="{A6803A1C-048A-4BD5-BB5C-6AD0F129ECC9}"/>
+                <a16:creationId xmlns:a16="http://schemas.microsoft.com/office/drawing/2014/main" xmlns="" id="{A6803A1C-048A-4BD5-BB5C-6AD0F129ECC9}"/>
               </a:ext>
             </a:extLst>
           </p:cNvPr>
@@ -10524,7 +10544,7 @@
           <p:cNvPr id="3" name="Inhaltsplatzhalter 2">
             <a:extLst>
               <a:ext uri="{FF2B5EF4-FFF2-40B4-BE49-F238E27FC236}">
-                <a16:creationId xmlns="" xmlns:a16="http://schemas.microsoft.com/office/drawing/2014/main" id="{13708A06-7247-4796-B127-BA1268EFB4F0}"/>
+                <a16:creationId xmlns:a16="http://schemas.microsoft.com/office/drawing/2014/main" xmlns="" id="{13708A06-7247-4796-B127-BA1268EFB4F0}"/>
               </a:ext>
             </a:extLst>
           </p:cNvPr>
@@ -10632,7 +10652,7 @@
           <p:cNvPr id="2" name="Titel 1">
             <a:extLst>
               <a:ext uri="{FF2B5EF4-FFF2-40B4-BE49-F238E27FC236}">
-                <a16:creationId xmlns="" xmlns:a16="http://schemas.microsoft.com/office/drawing/2014/main" id="{D27A44A1-7D5C-4ED1-B1CC-16A1827DE5CE}"/>
+                <a16:creationId xmlns:a16="http://schemas.microsoft.com/office/drawing/2014/main" xmlns="" id="{D27A44A1-7D5C-4ED1-B1CC-16A1827DE5CE}"/>
               </a:ext>
             </a:extLst>
           </p:cNvPr>
@@ -10660,7 +10680,7 @@
           <p:cNvPr id="3" name="Inhaltsplatzhalter 2">
             <a:extLst>
               <a:ext uri="{FF2B5EF4-FFF2-40B4-BE49-F238E27FC236}">
-                <a16:creationId xmlns="" xmlns:a16="http://schemas.microsoft.com/office/drawing/2014/main" id="{0A11E94A-080C-4F4A-B9ED-FC1B878B8CE0}"/>
+                <a16:creationId xmlns:a16="http://schemas.microsoft.com/office/drawing/2014/main" xmlns="" id="{0A11E94A-080C-4F4A-B9ED-FC1B878B8CE0}"/>
               </a:ext>
             </a:extLst>
           </p:cNvPr>
@@ -11101,14 +11121,14 @@
                 <a:gridCol w="3411538">
                   <a:extLst>
                     <a:ext uri="{9D8B030D-6E8A-4147-A177-3AD203B41FA5}">
-                      <a16:colId xmlns="" xmlns:a16="http://schemas.microsoft.com/office/drawing/2014/main" val="20000"/>
+                      <a16:colId xmlns:a16="http://schemas.microsoft.com/office/drawing/2014/main" xmlns="" val="20000"/>
                     </a:ext>
                   </a:extLst>
                 </a:gridCol>
                 <a:gridCol w="3411538">
                   <a:extLst>
                     <a:ext uri="{9D8B030D-6E8A-4147-A177-3AD203B41FA5}">
-                      <a16:colId xmlns="" xmlns:a16="http://schemas.microsoft.com/office/drawing/2014/main" val="20001"/>
+                      <a16:colId xmlns:a16="http://schemas.microsoft.com/office/drawing/2014/main" xmlns="" val="20001"/>
                     </a:ext>
                   </a:extLst>
                 </a:gridCol>
@@ -11150,7 +11170,7 @@
                 </a:tc>
                 <a:extLst>
                   <a:ext uri="{0D108BD9-81ED-4DB2-BD59-A6C34878D82A}">
-                    <a16:rowId xmlns="" xmlns:a16="http://schemas.microsoft.com/office/drawing/2014/main" val="10000"/>
+                    <a16:rowId xmlns:a16="http://schemas.microsoft.com/office/drawing/2014/main" xmlns="" val="10000"/>
                   </a:ext>
                 </a:extLst>
               </a:tr>
@@ -11188,7 +11208,7 @@
                 </a:tc>
                 <a:extLst>
                   <a:ext uri="{0D108BD9-81ED-4DB2-BD59-A6C34878D82A}">
-                    <a16:rowId xmlns="" xmlns:a16="http://schemas.microsoft.com/office/drawing/2014/main" val="10001"/>
+                    <a16:rowId xmlns:a16="http://schemas.microsoft.com/office/drawing/2014/main" xmlns="" val="10001"/>
                   </a:ext>
                 </a:extLst>
               </a:tr>
@@ -11242,7 +11262,7 @@
                 </a:tc>
                 <a:extLst>
                   <a:ext uri="{0D108BD9-81ED-4DB2-BD59-A6C34878D82A}">
-                    <a16:rowId xmlns="" xmlns:a16="http://schemas.microsoft.com/office/drawing/2014/main" val="10002"/>
+                    <a16:rowId xmlns:a16="http://schemas.microsoft.com/office/drawing/2014/main" xmlns="" val="10002"/>
                   </a:ext>
                 </a:extLst>
               </a:tr>
@@ -11296,7 +11316,7 @@
                 </a:tc>
                 <a:extLst>
                   <a:ext uri="{0D108BD9-81ED-4DB2-BD59-A6C34878D82A}">
-                    <a16:rowId xmlns="" xmlns:a16="http://schemas.microsoft.com/office/drawing/2014/main" val="10003"/>
+                    <a16:rowId xmlns:a16="http://schemas.microsoft.com/office/drawing/2014/main" xmlns="" val="10003"/>
                   </a:ext>
                 </a:extLst>
               </a:tr>
@@ -11350,7 +11370,7 @@
                 </a:tc>
                 <a:extLst>
                   <a:ext uri="{0D108BD9-81ED-4DB2-BD59-A6C34878D82A}">
-                    <a16:rowId xmlns="" xmlns:a16="http://schemas.microsoft.com/office/drawing/2014/main" val="10004"/>
+                    <a16:rowId xmlns:a16="http://schemas.microsoft.com/office/drawing/2014/main" xmlns="" val="10004"/>
                   </a:ext>
                 </a:extLst>
               </a:tr>
@@ -11404,7 +11424,7 @@
                 </a:tc>
                 <a:extLst>
                   <a:ext uri="{0D108BD9-81ED-4DB2-BD59-A6C34878D82A}">
-                    <a16:rowId xmlns="" xmlns:a16="http://schemas.microsoft.com/office/drawing/2014/main" val="10005"/>
+                    <a16:rowId xmlns:a16="http://schemas.microsoft.com/office/drawing/2014/main" xmlns="" val="10005"/>
                   </a:ext>
                 </a:extLst>
               </a:tr>
@@ -11458,7 +11478,7 @@
                 </a:tc>
                 <a:extLst>
                   <a:ext uri="{0D108BD9-81ED-4DB2-BD59-A6C34878D82A}">
-                    <a16:rowId xmlns="" xmlns:a16="http://schemas.microsoft.com/office/drawing/2014/main" val="10006"/>
+                    <a16:rowId xmlns:a16="http://schemas.microsoft.com/office/drawing/2014/main" xmlns="" val="10006"/>
                   </a:ext>
                 </a:extLst>
               </a:tr>
@@ -11512,7 +11532,7 @@
                 </a:tc>
                 <a:extLst>
                   <a:ext uri="{0D108BD9-81ED-4DB2-BD59-A6C34878D82A}">
-                    <a16:rowId xmlns="" xmlns:a16="http://schemas.microsoft.com/office/drawing/2014/main" val="10007"/>
+                    <a16:rowId xmlns:a16="http://schemas.microsoft.com/office/drawing/2014/main" xmlns="" val="10007"/>
                   </a:ext>
                 </a:extLst>
               </a:tr>
@@ -11742,7 +11762,7 @@
           <p:cNvPr id="2" name="Titel 1">
             <a:extLst>
               <a:ext uri="{FF2B5EF4-FFF2-40B4-BE49-F238E27FC236}">
-                <a16:creationId xmlns="" xmlns:a16="http://schemas.microsoft.com/office/drawing/2014/main" id="{097E6A6D-464E-4766-AAF3-C4FECB9FA991}"/>
+                <a16:creationId xmlns:a16="http://schemas.microsoft.com/office/drawing/2014/main" xmlns="" id="{097E6A6D-464E-4766-AAF3-C4FECB9FA991}"/>
               </a:ext>
             </a:extLst>
           </p:cNvPr>
@@ -11770,7 +11790,7 @@
           <p:cNvPr id="3" name="Inhaltsplatzhalter 2">
             <a:extLst>
               <a:ext uri="{FF2B5EF4-FFF2-40B4-BE49-F238E27FC236}">
-                <a16:creationId xmlns="" xmlns:a16="http://schemas.microsoft.com/office/drawing/2014/main" id="{0E9598F0-1E7C-41F5-AC85-FE84123CF1DA}"/>
+                <a16:creationId xmlns:a16="http://schemas.microsoft.com/office/drawing/2014/main" xmlns="" id="{0E9598F0-1E7C-41F5-AC85-FE84123CF1DA}"/>
               </a:ext>
             </a:extLst>
           </p:cNvPr>
@@ -11856,7 +11876,7 @@
           <p:cNvPr id="2" name="Titel 1">
             <a:extLst>
               <a:ext uri="{FF2B5EF4-FFF2-40B4-BE49-F238E27FC236}">
-                <a16:creationId xmlns="" xmlns:a16="http://schemas.microsoft.com/office/drawing/2014/main" id="{2466B14E-2CAE-450A-835B-07642C6772FC}"/>
+                <a16:creationId xmlns:a16="http://schemas.microsoft.com/office/drawing/2014/main" xmlns="" id="{2466B14E-2CAE-450A-835B-07642C6772FC}"/>
               </a:ext>
             </a:extLst>
           </p:cNvPr>
@@ -11885,7 +11905,7 @@
           <p:cNvPr id="3" name="Inhaltsplatzhalter 2">
             <a:extLst>
               <a:ext uri="{FF2B5EF4-FFF2-40B4-BE49-F238E27FC236}">
-                <a16:creationId xmlns="" xmlns:a16="http://schemas.microsoft.com/office/drawing/2014/main" id="{CCE11E07-3335-434C-8B03-5B1BAEAEC7C5}"/>
+                <a16:creationId xmlns:a16="http://schemas.microsoft.com/office/drawing/2014/main" xmlns="" id="{CCE11E07-3335-434C-8B03-5B1BAEAEC7C5}"/>
               </a:ext>
             </a:extLst>
           </p:cNvPr>
@@ -12176,7 +12196,7 @@
           <p:cNvPr id="2" name="Titel 1">
             <a:extLst>
               <a:ext uri="{FF2B5EF4-FFF2-40B4-BE49-F238E27FC236}">
-                <a16:creationId xmlns="" xmlns:a16="http://schemas.microsoft.com/office/drawing/2014/main" id="{B0EB02CB-0053-457A-BB5F-5D64278141CC}"/>
+                <a16:creationId xmlns:a16="http://schemas.microsoft.com/office/drawing/2014/main" xmlns="" id="{B0EB02CB-0053-457A-BB5F-5D64278141CC}"/>
               </a:ext>
             </a:extLst>
           </p:cNvPr>
@@ -12205,7 +12225,7 @@
           <p:cNvPr id="3" name="Inhaltsplatzhalter 2">
             <a:extLst>
               <a:ext uri="{FF2B5EF4-FFF2-40B4-BE49-F238E27FC236}">
-                <a16:creationId xmlns="" xmlns:a16="http://schemas.microsoft.com/office/drawing/2014/main" id="{756355A6-13F9-40C1-8AD3-1534717E7B09}"/>
+                <a16:creationId xmlns:a16="http://schemas.microsoft.com/office/drawing/2014/main" xmlns="" id="{756355A6-13F9-40C1-8AD3-1534717E7B09}"/>
               </a:ext>
             </a:extLst>
           </p:cNvPr>
@@ -12858,7 +12878,7 @@
           <p:cNvPr id="2" name="Titel 1">
             <a:extLst>
               <a:ext uri="{FF2B5EF4-FFF2-40B4-BE49-F238E27FC236}">
-                <a16:creationId xmlns="" xmlns:a16="http://schemas.microsoft.com/office/drawing/2014/main" id="{8DE61EE4-0A2E-4DFD-BE73-F3D4D2210025}"/>
+                <a16:creationId xmlns:a16="http://schemas.microsoft.com/office/drawing/2014/main" xmlns="" id="{8DE61EE4-0A2E-4DFD-BE73-F3D4D2210025}"/>
               </a:ext>
             </a:extLst>
           </p:cNvPr>
@@ -12886,7 +12906,7 @@
           <p:cNvPr id="3" name="Inhaltsplatzhalter 2">
             <a:extLst>
               <a:ext uri="{FF2B5EF4-FFF2-40B4-BE49-F238E27FC236}">
-                <a16:creationId xmlns="" xmlns:a16="http://schemas.microsoft.com/office/drawing/2014/main" id="{D3AA39F9-9931-48BD-9CE6-A9A42797156C}"/>
+                <a16:creationId xmlns:a16="http://schemas.microsoft.com/office/drawing/2014/main" xmlns="" id="{D3AA39F9-9931-48BD-9CE6-A9A42797156C}"/>
               </a:ext>
             </a:extLst>
           </p:cNvPr>
@@ -12948,7 +12968,7 @@
           <p:cNvPr id="2" name="Titel 1">
             <a:extLst>
               <a:ext uri="{FF2B5EF4-FFF2-40B4-BE49-F238E27FC236}">
-                <a16:creationId xmlns="" xmlns:a16="http://schemas.microsoft.com/office/drawing/2014/main" id="{5468A21C-5F1B-49A9-9615-E49303F1DFD8}"/>
+                <a16:creationId xmlns:a16="http://schemas.microsoft.com/office/drawing/2014/main" xmlns="" id="{5468A21C-5F1B-49A9-9615-E49303F1DFD8}"/>
               </a:ext>
             </a:extLst>
           </p:cNvPr>
@@ -12976,7 +12996,7 @@
           <p:cNvPr id="3" name="Inhaltsplatzhalter 2">
             <a:extLst>
               <a:ext uri="{FF2B5EF4-FFF2-40B4-BE49-F238E27FC236}">
-                <a16:creationId xmlns="" xmlns:a16="http://schemas.microsoft.com/office/drawing/2014/main" id="{71D6F8BC-B1F4-4464-B16C-BE0C1ED3F521}"/>
+                <a16:creationId xmlns:a16="http://schemas.microsoft.com/office/drawing/2014/main" xmlns="" id="{71D6F8BC-B1F4-4464-B16C-BE0C1ED3F521}"/>
               </a:ext>
             </a:extLst>
           </p:cNvPr>
@@ -13063,7 +13083,7 @@
           <p:cNvPr id="2" name="Titel 1">
             <a:extLst>
               <a:ext uri="{FF2B5EF4-FFF2-40B4-BE49-F238E27FC236}">
-                <a16:creationId xmlns="" xmlns:a16="http://schemas.microsoft.com/office/drawing/2014/main" id="{094F379C-23F4-4D35-86D6-1D1C29CAB88B}"/>
+                <a16:creationId xmlns:a16="http://schemas.microsoft.com/office/drawing/2014/main" xmlns="" id="{094F379C-23F4-4D35-86D6-1D1C29CAB88B}"/>
               </a:ext>
             </a:extLst>
           </p:cNvPr>
@@ -13091,7 +13111,7 @@
           <p:cNvPr id="3" name="Inhaltsplatzhalter 2">
             <a:extLst>
               <a:ext uri="{FF2B5EF4-FFF2-40B4-BE49-F238E27FC236}">
-                <a16:creationId xmlns="" xmlns:a16="http://schemas.microsoft.com/office/drawing/2014/main" id="{1C3E671A-136E-4360-89A9-AD9DB1ED1606}"/>
+                <a16:creationId xmlns:a16="http://schemas.microsoft.com/office/drawing/2014/main" xmlns="" id="{1C3E671A-136E-4360-89A9-AD9DB1ED1606}"/>
               </a:ext>
             </a:extLst>
           </p:cNvPr>

--- a/Präsentation/Abschluss_Präsentation_Keijo.pptx
+++ b/Präsentation/Abschluss_Präsentation_Keijo.pptx
@@ -5,10 +5,10 @@
     <p:sldMasterId id="2147483648" r:id="rId2"/>
   </p:sldMasterIdLst>
   <p:notesMasterIdLst>
-    <p:notesMasterId r:id="rId24"/>
+    <p:notesMasterId r:id="rId25"/>
   </p:notesMasterIdLst>
   <p:handoutMasterIdLst>
-    <p:handoutMasterId r:id="rId25"/>
+    <p:handoutMasterId r:id="rId26"/>
   </p:handoutMasterIdLst>
   <p:sldIdLst>
     <p:sldId id="281" r:id="rId3"/>
@@ -26,12 +26,13 @@
     <p:sldId id="287" r:id="rId15"/>
     <p:sldId id="286" r:id="rId16"/>
     <p:sldId id="276" r:id="rId17"/>
-    <p:sldId id="277" r:id="rId18"/>
-    <p:sldId id="278" r:id="rId19"/>
-    <p:sldId id="279" r:id="rId20"/>
-    <p:sldId id="280" r:id="rId21"/>
-    <p:sldId id="257" r:id="rId22"/>
-    <p:sldId id="265" r:id="rId23"/>
+    <p:sldId id="288" r:id="rId18"/>
+    <p:sldId id="277" r:id="rId19"/>
+    <p:sldId id="278" r:id="rId20"/>
+    <p:sldId id="279" r:id="rId21"/>
+    <p:sldId id="280" r:id="rId22"/>
+    <p:sldId id="257" r:id="rId23"/>
+    <p:sldId id="265" r:id="rId24"/>
   </p:sldIdLst>
   <p:sldSz cx="9144000" cy="6858000" type="screen4x3"/>
   <p:notesSz cx="6858000" cy="9144000"/>
@@ -303,7 +304,7 @@
             <a:fld id="{A32DC80D-291A-4ABB-A78B-0417274A267C}" type="datetime4">
               <a:rPr lang="de-DE"/>
               <a:pPr/>
-              <a:t>6. Juli 2017</a:t>
+              <a:t>8. Juli 2017</a:t>
             </a:fld>
             <a:endParaRPr lang="de-DE"/>
           </a:p>
@@ -686,7 +687,7 @@
             <a:fld id="{065B079B-E513-489A-8A1B-D7C78493EA86}" type="datetime4">
               <a:rPr lang="de-DE"/>
               <a:pPr/>
-              <a:t>6. Juli 2017</a:t>
+              <a:t>8. Juli 2017</a:t>
             </a:fld>
             <a:endParaRPr lang="de-DE"/>
           </a:p>
@@ -1324,7 +1325,7 @@
             <a:fld id="{065B079B-E513-489A-8A1B-D7C78493EA86}" type="datetime4">
               <a:rPr lang="de-DE" smtClean="0"/>
               <a:pPr/>
-              <a:t>6. Juli 2017</a:t>
+              <a:t>8. Juli 2017</a:t>
             </a:fld>
             <a:endParaRPr lang="de-DE"/>
           </a:p>
@@ -1468,7 +1469,7 @@
             <a:fld id="{065B079B-E513-489A-8A1B-D7C78493EA86}" type="datetime4">
               <a:rPr lang="de-DE" smtClean="0"/>
               <a:pPr/>
-              <a:t>6. Juli 2017</a:t>
+              <a:t>8. Juli 2017</a:t>
             </a:fld>
             <a:endParaRPr lang="de-DE"/>
           </a:p>
@@ -1636,7 +1637,7 @@
             <a:fld id="{065B079B-E513-489A-8A1B-D7C78493EA86}" type="datetime4">
               <a:rPr lang="de-DE" smtClean="0"/>
               <a:pPr/>
-              <a:t>6. Juli 2017</a:t>
+              <a:t>8. Juli 2017</a:t>
             </a:fld>
             <a:endParaRPr lang="de-DE"/>
           </a:p>
@@ -1779,7 +1780,7 @@
             <a:fld id="{065B079B-E513-489A-8A1B-D7C78493EA86}" type="datetime4">
               <a:rPr lang="de-DE" smtClean="0"/>
               <a:pPr/>
-              <a:t>6. Juli 2017</a:t>
+              <a:t>8. Juli 2017</a:t>
             </a:fld>
             <a:endParaRPr lang="de-DE"/>
           </a:p>
@@ -1829,7 +1830,7 @@
             <a:fld id="{C36AA9A4-5D0B-4134-89A6-D8B9DAA4F25C}" type="slidenum">
               <a:rPr lang="de-DE" smtClean="0"/>
               <a:pPr/>
-              <a:t>16</a:t>
+              <a:t>17</a:t>
             </a:fld>
             <a:endParaRPr lang="de-DE"/>
           </a:p>
@@ -1922,7 +1923,7 @@
             <a:fld id="{065B079B-E513-489A-8A1B-D7C78493EA86}" type="datetime4">
               <a:rPr lang="de-DE" smtClean="0"/>
               <a:pPr/>
-              <a:t>6. Juli 2017</a:t>
+              <a:t>8. Juli 2017</a:t>
             </a:fld>
             <a:endParaRPr lang="de-DE"/>
           </a:p>
@@ -1972,7 +1973,7 @@
             <a:fld id="{C36AA9A4-5D0B-4134-89A6-D8B9DAA4F25C}" type="slidenum">
               <a:rPr lang="de-DE" smtClean="0"/>
               <a:pPr/>
-              <a:t>17</a:t>
+              <a:t>18</a:t>
             </a:fld>
             <a:endParaRPr lang="de-DE"/>
           </a:p>
@@ -2065,7 +2066,7 @@
             <a:fld id="{065B079B-E513-489A-8A1B-D7C78493EA86}" type="datetime4">
               <a:rPr lang="de-DE" smtClean="0"/>
               <a:pPr/>
-              <a:t>6. Juli 2017</a:t>
+              <a:t>8. Juli 2017</a:t>
             </a:fld>
             <a:endParaRPr lang="de-DE"/>
           </a:p>
@@ -2115,7 +2116,7 @@
             <a:fld id="{C36AA9A4-5D0B-4134-89A6-D8B9DAA4F25C}" type="slidenum">
               <a:rPr lang="de-DE" smtClean="0"/>
               <a:pPr/>
-              <a:t>18</a:t>
+              <a:t>19</a:t>
             </a:fld>
             <a:endParaRPr lang="de-DE"/>
           </a:p>
@@ -2214,7 +2215,7 @@
             <a:fld id="{065B079B-E513-489A-8A1B-D7C78493EA86}" type="datetime4">
               <a:rPr lang="de-DE" smtClean="0"/>
               <a:pPr/>
-              <a:t>6. Juli 2017</a:t>
+              <a:t>8. Juli 2017</a:t>
             </a:fld>
             <a:endParaRPr lang="de-DE"/>
           </a:p>
@@ -2264,7 +2265,7 @@
             <a:fld id="{C36AA9A4-5D0B-4134-89A6-D8B9DAA4F25C}" type="slidenum">
               <a:rPr lang="de-DE" smtClean="0"/>
               <a:pPr/>
-              <a:t>19</a:t>
+              <a:t>20</a:t>
             </a:fld>
             <a:endParaRPr lang="de-DE"/>
           </a:p>
@@ -2357,7 +2358,7 @@
             <a:fld id="{065B079B-E513-489A-8A1B-D7C78493EA86}" type="datetime4">
               <a:rPr lang="de-DE" smtClean="0"/>
               <a:pPr/>
-              <a:t>6. Juli 2017</a:t>
+              <a:t>8. Juli 2017</a:t>
             </a:fld>
             <a:endParaRPr lang="de-DE"/>
           </a:p>
@@ -2500,7 +2501,7 @@
             <a:fld id="{065B079B-E513-489A-8A1B-D7C78493EA86}" type="datetime4">
               <a:rPr lang="de-DE" smtClean="0"/>
               <a:pPr/>
-              <a:t>6. Juli 2017</a:t>
+              <a:t>8. Juli 2017</a:t>
             </a:fld>
             <a:endParaRPr lang="de-DE"/>
           </a:p>
@@ -2644,7 +2645,7 @@
             <a:fld id="{065B079B-E513-489A-8A1B-D7C78493EA86}" type="datetime4">
               <a:rPr lang="de-DE" smtClean="0"/>
               <a:pPr/>
-              <a:t>6. Juli 2017</a:t>
+              <a:t>8. Juli 2017</a:t>
             </a:fld>
             <a:endParaRPr lang="de-DE"/>
           </a:p>
@@ -2788,7 +2789,7 @@
             <a:fld id="{065B079B-E513-489A-8A1B-D7C78493EA86}" type="datetime4">
               <a:rPr lang="de-DE" smtClean="0"/>
               <a:pPr/>
-              <a:t>6. Juli 2017</a:t>
+              <a:t>8. Juli 2017</a:t>
             </a:fld>
             <a:endParaRPr lang="de-DE"/>
           </a:p>
@@ -2931,7 +2932,7 @@
             <a:fld id="{065B079B-E513-489A-8A1B-D7C78493EA86}" type="datetime4">
               <a:rPr lang="de-DE" smtClean="0"/>
               <a:pPr/>
-              <a:t>6. Juli 2017</a:t>
+              <a:t>8. Juli 2017</a:t>
             </a:fld>
             <a:endParaRPr lang="de-DE"/>
           </a:p>
@@ -3074,7 +3075,7 @@
             <a:fld id="{065B079B-E513-489A-8A1B-D7C78493EA86}" type="datetime4">
               <a:rPr lang="de-DE" smtClean="0"/>
               <a:pPr/>
-              <a:t>6. Juli 2017</a:t>
+              <a:t>8. Juli 2017</a:t>
             </a:fld>
             <a:endParaRPr lang="de-DE"/>
           </a:p>
@@ -3217,7 +3218,7 @@
             <a:fld id="{065B079B-E513-489A-8A1B-D7C78493EA86}" type="datetime4">
               <a:rPr lang="de-DE" smtClean="0"/>
               <a:pPr/>
-              <a:t>6. Juli 2017</a:t>
+              <a:t>8. Juli 2017</a:t>
             </a:fld>
             <a:endParaRPr lang="de-DE"/>
           </a:p>
@@ -3357,7 +3358,7 @@
             <a:fld id="{065B079B-E513-489A-8A1B-D7C78493EA86}" type="datetime4">
               <a:rPr lang="de-DE" smtClean="0"/>
               <a:pPr/>
-              <a:t>6. Juli 2017</a:t>
+              <a:t>8. Juli 2017</a:t>
             </a:fld>
             <a:endParaRPr lang="de-DE"/>
           </a:p>
@@ -3793,7 +3794,7 @@
                 <a:tabLst/>
                 <a:defRPr/>
               </a:pPr>
-              <a:t>06.07.2017</a:t>
+              <a:t>08.07.2017</a:t>
             </a:fld>
             <a:r>
               <a:rPr kumimoji="0" lang="de-DE" sz="1000" b="0" i="0" u="none" strike="noStrike" kern="1200" cap="none" spc="0" normalizeH="0" baseline="0" noProof="0" dirty="0">
@@ -4239,7 +4240,7 @@
                 <a:tabLst/>
                 <a:defRPr/>
               </a:pPr>
-              <a:t>06.07.2017</a:t>
+              <a:t>08.07.2017</a:t>
             </a:fld>
             <a:r>
               <a:rPr kumimoji="0" lang="de-DE" sz="1000" b="0" i="0" u="none" strike="noStrike" kern="1200" cap="none" spc="0" normalizeH="0" baseline="0" noProof="0" dirty="0">
@@ -5942,7 +5943,7 @@
                 <a:tabLst/>
                 <a:defRPr/>
               </a:pPr>
-              <a:t>06.07.2017</a:t>
+              <a:t>08.07.2017</a:t>
             </a:fld>
             <a:r>
               <a:rPr kumimoji="0" lang="de-DE" sz="1000" b="0" i="0" u="none" strike="noStrike" kern="1200" cap="none" spc="0" normalizeH="0" baseline="0" noProof="0" dirty="0">
@@ -6661,7 +6662,7 @@
           <p:cNvPr id="4" name="Grafik 3">
             <a:extLst>
               <a:ext uri="{FF2B5EF4-FFF2-40B4-BE49-F238E27FC236}">
-                <a16:creationId xmlns:a16="http://schemas.microsoft.com/office/drawing/2014/main" xmlns="" id="{18A4F8C9-BC47-4597-A341-7BD061B63621}"/>
+                <a16:creationId xmlns="" xmlns:a16="http://schemas.microsoft.com/office/drawing/2014/main" id="{18A4F8C9-BC47-4597-A341-7BD061B63621}"/>
               </a:ext>
             </a:extLst>
           </p:cNvPr>
@@ -6691,7 +6692,7 @@
           <p:cNvPr id="8" name="Gerade Verbindung mit Pfeil 7">
             <a:extLst>
               <a:ext uri="{FF2B5EF4-FFF2-40B4-BE49-F238E27FC236}">
-                <a16:creationId xmlns:a16="http://schemas.microsoft.com/office/drawing/2014/main" xmlns="" id="{6AEE5332-9F2B-40A4-B03C-0CA4C32B5711}"/>
+                <a16:creationId xmlns="" xmlns:a16="http://schemas.microsoft.com/office/drawing/2014/main" id="{6AEE5332-9F2B-40A4-B03C-0CA4C32B5711}"/>
               </a:ext>
             </a:extLst>
           </p:cNvPr>
@@ -6735,7 +6736,7 @@
           <p:cNvPr id="9" name="Rechteck 8">
             <a:extLst>
               <a:ext uri="{FF2B5EF4-FFF2-40B4-BE49-F238E27FC236}">
-                <a16:creationId xmlns:a16="http://schemas.microsoft.com/office/drawing/2014/main" xmlns="" id="{3778A54C-BCC7-4667-8D22-D645A2858F58}"/>
+                <a16:creationId xmlns="" xmlns:a16="http://schemas.microsoft.com/office/drawing/2014/main" id="{3778A54C-BCC7-4667-8D22-D645A2858F58}"/>
               </a:ext>
             </a:extLst>
           </p:cNvPr>
@@ -6831,7 +6832,7 @@
           <p:cNvPr id="2" name="Titel 1">
             <a:extLst>
               <a:ext uri="{FF2B5EF4-FFF2-40B4-BE49-F238E27FC236}">
-                <a16:creationId xmlns:a16="http://schemas.microsoft.com/office/drawing/2014/main" xmlns="" id="{E94AB448-E08C-4FC1-AAC0-98431019A5B8}"/>
+                <a16:creationId xmlns="" xmlns:a16="http://schemas.microsoft.com/office/drawing/2014/main" id="{E94AB448-E08C-4FC1-AAC0-98431019A5B8}"/>
               </a:ext>
             </a:extLst>
           </p:cNvPr>
@@ -6864,7 +6865,7 @@
           <p:cNvPr id="3" name="Inhaltsplatzhalter 2">
             <a:extLst>
               <a:ext uri="{FF2B5EF4-FFF2-40B4-BE49-F238E27FC236}">
-                <a16:creationId xmlns:a16="http://schemas.microsoft.com/office/drawing/2014/main" xmlns="" id="{EE905004-B708-4F44-A14B-50934B89FAB0}"/>
+                <a16:creationId xmlns="" xmlns:a16="http://schemas.microsoft.com/office/drawing/2014/main" id="{EE905004-B708-4F44-A14B-50934B89FAB0}"/>
               </a:ext>
             </a:extLst>
           </p:cNvPr>
@@ -6989,7 +6990,7 @@
           <p:cNvPr id="2" name="Titel 1">
             <a:extLst>
               <a:ext uri="{FF2B5EF4-FFF2-40B4-BE49-F238E27FC236}">
-                <a16:creationId xmlns:a16="http://schemas.microsoft.com/office/drawing/2014/main" xmlns="" id="{98E30EB0-62A0-4D55-AF97-782AB848AE3B}"/>
+                <a16:creationId xmlns="" xmlns:a16="http://schemas.microsoft.com/office/drawing/2014/main" id="{98E30EB0-62A0-4D55-AF97-782AB848AE3B}"/>
               </a:ext>
             </a:extLst>
           </p:cNvPr>
@@ -7017,7 +7018,7 @@
           <p:cNvPr id="3" name="Inhaltsplatzhalter 2">
             <a:extLst>
               <a:ext uri="{FF2B5EF4-FFF2-40B4-BE49-F238E27FC236}">
-                <a16:creationId xmlns:a16="http://schemas.microsoft.com/office/drawing/2014/main" xmlns="" id="{5CE73134-BC2B-467B-B2FE-58257A89BDB4}"/>
+                <a16:creationId xmlns="" xmlns:a16="http://schemas.microsoft.com/office/drawing/2014/main" id="{5CE73134-BC2B-467B-B2FE-58257A89BDB4}"/>
               </a:ext>
             </a:extLst>
           </p:cNvPr>
@@ -8568,11 +8569,7 @@
             </a:r>
             <a:r>
               <a:rPr lang="de-DE" dirty="0" smtClean="0"/>
-              <a:t> Mittelung der Strömungsgrößen in Umfangsrichtung auf beiden Seiten der Mixing </a:t>
-            </a:r>
-            <a:r>
-              <a:rPr lang="de-DE" dirty="0" smtClean="0"/>
-              <a:t>Plane  </a:t>
+              <a:t> Mittelung der Strömungsgrößen in Umfangsrichtung auf beiden Seiten der Mixing Plane  </a:t>
             </a:r>
             <a:r>
               <a:rPr lang="de-DE" dirty="0" smtClean="0">
@@ -9025,7 +9022,7 @@
           <p:cNvPr id="2" name="Titel 1">
             <a:extLst>
               <a:ext uri="{FF2B5EF4-FFF2-40B4-BE49-F238E27FC236}">
-                <a16:creationId xmlns:a16="http://schemas.microsoft.com/office/drawing/2014/main" xmlns="" id="{B021C1F3-433C-41E3-8587-65D5BDA4F317}"/>
+                <a16:creationId xmlns="" xmlns:a16="http://schemas.microsoft.com/office/drawing/2014/main" id="{B021C1F3-433C-41E3-8587-65D5BDA4F317}"/>
               </a:ext>
             </a:extLst>
           </p:cNvPr>
@@ -9045,6 +9042,32 @@
               <a:rPr lang="de-DE" dirty="0"/>
               <a:t>Kanalströmung: Mixing Plane</a:t>
             </a:r>
+          </a:p>
+        </p:txBody>
+      </p:sp>
+      <p:sp>
+        <p:nvSpPr>
+          <p:cNvPr id="5" name="Inhaltsplatzhalter 2"/>
+          <p:cNvSpPr>
+            <a:spLocks noGrp="1"/>
+          </p:cNvSpPr>
+          <p:nvPr>
+            <p:ph idx="1"/>
+          </p:nvPr>
+        </p:nvSpPr>
+        <p:spPr/>
+        <p:txBody>
+          <a:bodyPr/>
+          <a:lstStyle/>
+          <a:p>
+            <a:r>
+              <a:rPr lang="de-DE" dirty="0" smtClean="0"/>
+              <a:t>Strömungsgrößen über die Mixing Plane</a:t>
+            </a:r>
+            <a:endParaRPr lang="de-DE" dirty="0"/>
+          </a:p>
+          <a:p>
+            <a:endParaRPr lang="de-DE" dirty="0"/>
           </a:p>
         </p:txBody>
       </p:sp>
@@ -9078,14 +9101,14 @@
                     <a:gridCol w="2880320">
                       <a:extLst>
                         <a:ext uri="{9D8B030D-6E8A-4147-A177-3AD203B41FA5}">
-                          <a16:colId xmlns:a16="http://schemas.microsoft.com/office/drawing/2014/main" xmlns="" val="20000"/>
+                          <a16:colId xmlns="" xmlns:a16="http://schemas.microsoft.com/office/drawing/2014/main" val="20000"/>
                         </a:ext>
                       </a:extLst>
                     </a:gridCol>
                     <a:gridCol w="2016224">
                       <a:extLst>
                         <a:ext uri="{9D8B030D-6E8A-4147-A177-3AD203B41FA5}">
-                          <a16:colId xmlns:a16="http://schemas.microsoft.com/office/drawing/2014/main" xmlns="" val="20001"/>
+                          <a16:colId xmlns="" xmlns:a16="http://schemas.microsoft.com/office/drawing/2014/main" val="20001"/>
                         </a:ext>
                       </a:extLst>
                     </a:gridCol>
@@ -9359,7 +9382,7 @@
                     </a:tc>
                     <a:extLst>
                       <a:ext uri="{0D108BD9-81ED-4DB2-BD59-A6C34878D82A}">
-                        <a16:rowId xmlns:a16="http://schemas.microsoft.com/office/drawing/2014/main" xmlns="" val="10000"/>
+                        <a16:rowId xmlns="" xmlns:a16="http://schemas.microsoft.com/office/drawing/2014/main" val="10000"/>
                       </a:ext>
                     </a:extLst>
                   </a:tr>
@@ -9426,7 +9449,7 @@
                     </a:tc>
                     <a:extLst>
                       <a:ext uri="{0D108BD9-81ED-4DB2-BD59-A6C34878D82A}">
-                        <a16:rowId xmlns:a16="http://schemas.microsoft.com/office/drawing/2014/main" xmlns="" val="10001"/>
+                        <a16:rowId xmlns="" xmlns:a16="http://schemas.microsoft.com/office/drawing/2014/main" val="10001"/>
                       </a:ext>
                     </a:extLst>
                   </a:tr>
@@ -9501,7 +9524,7 @@
                     </a:tc>
                     <a:extLst>
                       <a:ext uri="{0D108BD9-81ED-4DB2-BD59-A6C34878D82A}">
-                        <a16:rowId xmlns:a16="http://schemas.microsoft.com/office/drawing/2014/main" xmlns="" val="10002"/>
+                        <a16:rowId xmlns="" xmlns:a16="http://schemas.microsoft.com/office/drawing/2014/main" val="10002"/>
                       </a:ext>
                     </a:extLst>
                   </a:tr>
@@ -9580,7 +9603,7 @@
                     </a:tc>
                     <a:extLst>
                       <a:ext uri="{0D108BD9-81ED-4DB2-BD59-A6C34878D82A}">
-                        <a16:rowId xmlns:a16="http://schemas.microsoft.com/office/drawing/2014/main" xmlns="" val="10003"/>
+                        <a16:rowId xmlns="" xmlns:a16="http://schemas.microsoft.com/office/drawing/2014/main" val="10003"/>
                       </a:ext>
                     </a:extLst>
                   </a:tr>
@@ -9655,7 +9678,7 @@
                     </a:tc>
                     <a:extLst>
                       <a:ext uri="{0D108BD9-81ED-4DB2-BD59-A6C34878D82A}">
-                        <a16:rowId xmlns:a16="http://schemas.microsoft.com/office/drawing/2014/main" xmlns="" val="10004"/>
+                        <a16:rowId xmlns="" xmlns:a16="http://schemas.microsoft.com/office/drawing/2014/main" val="10004"/>
                       </a:ext>
                     </a:extLst>
                   </a:tr>
@@ -9734,7 +9757,7 @@
                     </a:tc>
                     <a:extLst>
                       <a:ext uri="{0D108BD9-81ED-4DB2-BD59-A6C34878D82A}">
-                        <a16:rowId xmlns:a16="http://schemas.microsoft.com/office/drawing/2014/main" xmlns="" val="10005"/>
+                        <a16:rowId xmlns="" xmlns:a16="http://schemas.microsoft.com/office/drawing/2014/main" val="10005"/>
                       </a:ext>
                     </a:extLst>
                   </a:tr>
@@ -10243,37 +10266,6 @@
           </p:graphicFrame>
         </mc:Fallback>
       </mc:AlternateContent>
-      <p:sp>
-        <p:nvSpPr>
-          <p:cNvPr id="5" name="Inhaltsplatzhalter 2"/>
-          <p:cNvSpPr>
-            <a:spLocks noGrp="1"/>
-          </p:cNvSpPr>
-          <p:nvPr>
-            <p:ph idx="1"/>
-          </p:nvPr>
-        </p:nvSpPr>
-        <p:spPr>
-          <a:xfrm>
-            <a:off x="360000" y="1620000"/>
-            <a:ext cx="6823569" cy="4479943"/>
-          </a:xfrm>
-        </p:spPr>
-        <p:txBody>
-          <a:bodyPr/>
-          <a:lstStyle/>
-          <a:p>
-            <a:r>
-              <a:rPr lang="de-DE" dirty="0" smtClean="0"/>
-              <a:t>Strömungsgrößen über die Mixing Plane</a:t>
-            </a:r>
-            <a:endParaRPr lang="de-DE" dirty="0"/>
-          </a:p>
-          <a:p>
-            <a:endParaRPr lang="de-DE" dirty="0"/>
-          </a:p>
-        </p:txBody>
-      </p:sp>
     </p:spTree>
     <p:extLst>
       <p:ext uri="{BB962C8B-B14F-4D97-AF65-F5344CB8AC3E}">
@@ -10313,78 +10305,174 @@
       </p:grpSpPr>
       <p:sp>
         <p:nvSpPr>
-          <p:cNvPr id="2" name="Titel 1">
+          <p:cNvPr id="2" name="Titel 1"/>
+          <p:cNvSpPr>
+            <a:spLocks noGrp="1"/>
+          </p:cNvSpPr>
+          <p:nvPr>
+            <p:ph type="title"/>
+          </p:nvPr>
+        </p:nvSpPr>
+        <p:spPr/>
+        <p:txBody>
+          <a:bodyPr/>
+          <a:lstStyle/>
+          <a:p>
+            <a:r>
+              <a:rPr lang="de-DE" dirty="0" smtClean="0"/>
+              <a:t>Massenstrom Mixing Plane</a:t>
+            </a:r>
+            <a:endParaRPr lang="de-DE" dirty="0"/>
+          </a:p>
+        </p:txBody>
+      </p:sp>
+      <p:sp>
+        <p:nvSpPr>
+          <p:cNvPr id="3" name="Inhaltsplatzhalter 2"/>
+          <p:cNvSpPr>
+            <a:spLocks noGrp="1"/>
+          </p:cNvSpPr>
+          <p:nvPr>
+            <p:ph idx="1"/>
+          </p:nvPr>
+        </p:nvSpPr>
+        <p:spPr/>
+        <p:txBody>
+          <a:bodyPr/>
+          <a:lstStyle/>
+          <a:p>
+            <a:r>
+              <a:rPr lang="de-DE" dirty="0" smtClean="0"/>
+              <a:t>Variation des Massenstroms über die Mixing Plane</a:t>
+            </a:r>
+            <a:endParaRPr lang="de-DE" dirty="0"/>
+          </a:p>
+        </p:txBody>
+      </p:sp>
+      <p:pic>
+        <p:nvPicPr>
+          <p:cNvPr id="4" name="Grafik 3"/>
+          <p:cNvPicPr>
+            <a:picLocks noChangeAspect="1"/>
+          </p:cNvPicPr>
+          <p:nvPr/>
+        </p:nvPicPr>
+        <p:blipFill>
+          <a:blip r:embed="rId2" cstate="print">
             <a:extLst>
-              <a:ext uri="{FF2B5EF4-FFF2-40B4-BE49-F238E27FC236}">
-                <a16:creationId xmlns:a16="http://schemas.microsoft.com/office/drawing/2014/main" xmlns="" id="{D329A526-CE1D-48AD-8C37-10B31DD1A94A}"/>
+              <a:ext uri="{28A0092B-C50C-407E-A947-70E740481C1C}">
+                <a14:useLocalDpi xmlns:a14="http://schemas.microsoft.com/office/drawing/2010/main" val="0"/>
               </a:ext>
             </a:extLst>
-          </p:cNvPr>
-          <p:cNvSpPr>
-            <a:spLocks noGrp="1"/>
-          </p:cNvSpPr>
-          <p:nvPr>
-            <p:ph type="title"/>
-          </p:nvPr>
-        </p:nvSpPr>
-        <p:spPr/>
-        <p:txBody>
-          <a:bodyPr/>
-          <a:lstStyle/>
-          <a:p>
-            <a:r>
-              <a:rPr lang="de-DE" dirty="0"/>
-              <a:t>Auswertungstool</a:t>
-            </a:r>
-          </a:p>
-        </p:txBody>
-      </p:sp>
-      <p:sp>
-        <p:nvSpPr>
-          <p:cNvPr id="3" name="Inhaltsplatzhalter 2">
+          </a:blip>
+          <a:stretch>
+            <a:fillRect/>
+          </a:stretch>
+        </p:blipFill>
+        <p:spPr>
+          <a:xfrm>
+            <a:off x="241363" y="2840466"/>
+            <a:ext cx="4537175" cy="3403163"/>
+          </a:xfrm>
+          <a:prstGeom prst="rect">
+            <a:avLst/>
+          </a:prstGeom>
+        </p:spPr>
+      </p:pic>
+      <p:pic>
+        <p:nvPicPr>
+          <p:cNvPr id="5" name="Grafik 4"/>
+          <p:cNvPicPr>
+            <a:picLocks noChangeAspect="1"/>
+          </p:cNvPicPr>
+          <p:nvPr/>
+        </p:nvPicPr>
+        <p:blipFill>
+          <a:blip r:embed="rId3" cstate="print">
             <a:extLst>
-              <a:ext uri="{FF2B5EF4-FFF2-40B4-BE49-F238E27FC236}">
-                <a16:creationId xmlns:a16="http://schemas.microsoft.com/office/drawing/2014/main" xmlns="" id="{BA4C428F-6F17-477B-9503-2C9FE4D7286D}"/>
+              <a:ext uri="{28A0092B-C50C-407E-A947-70E740481C1C}">
+                <a14:useLocalDpi xmlns:a14="http://schemas.microsoft.com/office/drawing/2010/main" val="0"/>
               </a:ext>
             </a:extLst>
-          </p:cNvPr>
-          <p:cNvSpPr>
-            <a:spLocks noGrp="1"/>
-          </p:cNvSpPr>
-          <p:nvPr>
-            <p:ph idx="1"/>
-          </p:nvPr>
-        </p:nvSpPr>
-        <p:spPr/>
-        <p:txBody>
-          <a:bodyPr/>
+          </a:blip>
+          <a:stretch>
+            <a:fillRect/>
+          </a:stretch>
+        </p:blipFill>
+        <p:spPr>
+          <a:xfrm>
+            <a:off x="4439292" y="2840466"/>
+            <a:ext cx="4537175" cy="3403163"/>
+          </a:xfrm>
+          <a:prstGeom prst="rect">
+            <a:avLst/>
+          </a:prstGeom>
+        </p:spPr>
+      </p:pic>
+      <p:sp>
+        <p:nvSpPr>
+          <p:cNvPr id="6" name="Textfeld 5"/>
+          <p:cNvSpPr txBox="1"/>
+          <p:nvPr/>
+        </p:nvSpPr>
+        <p:spPr>
+          <a:xfrm>
+            <a:off x="1869996" y="2752782"/>
+            <a:ext cx="1407438" cy="369332"/>
+          </a:xfrm>
+          <a:prstGeom prst="rect">
+            <a:avLst/>
+          </a:prstGeom>
+          <a:noFill/>
+        </p:spPr>
+        <p:txBody>
+          <a:bodyPr wrap="square" rtlCol="0">
+            <a:spAutoFit/>
+          </a:bodyPr>
           <a:lstStyle/>
           <a:p>
             <a:r>
-              <a:rPr lang="de-DE" dirty="0"/>
-              <a:t>Durchgeführten </a:t>
-            </a:r>
-            <a:r>
-              <a:rPr lang="de-DE" dirty="0" err="1"/>
-              <a:t>Gittersstudien</a:t>
-            </a:r>
-            <a:r>
-              <a:rPr lang="de-DE" dirty="0"/>
-              <a:t>, Spalt, Verfeinerungen, ….</a:t>
-            </a:r>
-          </a:p>
-          <a:p>
-            <a:r>
-              <a:rPr lang="de-DE" dirty="0"/>
-              <a:t>Was es kann</a:t>
-            </a:r>
+              <a:rPr lang="de-DE" dirty="0" smtClean="0"/>
+              <a:t>Strukturiert</a:t>
+            </a:r>
+            <a:endParaRPr lang="de-DE" dirty="0"/>
+          </a:p>
+        </p:txBody>
+      </p:sp>
+      <p:sp>
+        <p:nvSpPr>
+          <p:cNvPr id="7" name="Textfeld 6"/>
+          <p:cNvSpPr txBox="1"/>
+          <p:nvPr/>
+        </p:nvSpPr>
+        <p:spPr>
+          <a:xfrm>
+            <a:off x="5969466" y="2746628"/>
+            <a:ext cx="1620054" cy="369332"/>
+          </a:xfrm>
+          <a:prstGeom prst="rect">
+            <a:avLst/>
+          </a:prstGeom>
+          <a:noFill/>
+        </p:spPr>
+        <p:txBody>
+          <a:bodyPr wrap="square" rtlCol="0">
+            <a:spAutoFit/>
+          </a:bodyPr>
+          <a:lstStyle/>
+          <a:p>
+            <a:r>
+              <a:rPr lang="de-DE" dirty="0" smtClean="0"/>
+              <a:t>Unstrukturiert</a:t>
+            </a:r>
+            <a:endParaRPr lang="de-DE" dirty="0"/>
           </a:p>
         </p:txBody>
       </p:sp>
     </p:spTree>
     <p:extLst>
       <p:ext uri="{BB962C8B-B14F-4D97-AF65-F5344CB8AC3E}">
-        <p14:creationId xmlns:p14="http://schemas.microsoft.com/office/powerpoint/2010/main" val="589148235"/>
+        <p14:creationId xmlns:p14="http://schemas.microsoft.com/office/powerpoint/2010/main" val="1411449395"/>
       </p:ext>
     </p:extLst>
   </p:cSld>
@@ -10423,7 +10511,7 @@
           <p:cNvPr id="2" name="Titel 1">
             <a:extLst>
               <a:ext uri="{FF2B5EF4-FFF2-40B4-BE49-F238E27FC236}">
-                <a16:creationId xmlns:a16="http://schemas.microsoft.com/office/drawing/2014/main" xmlns="" id="{8643BECD-9FC8-4139-AF9D-AAB9BD9ABF1F}"/>
+                <a16:creationId xmlns="" xmlns:a16="http://schemas.microsoft.com/office/drawing/2014/main" id="{D329A526-CE1D-48AD-8C37-10B31DD1A94A}"/>
               </a:ext>
             </a:extLst>
           </p:cNvPr>
@@ -10441,7 +10529,7 @@
           <a:p>
             <a:r>
               <a:rPr lang="de-DE" dirty="0"/>
-              <a:t>Auswertungstool: Demo</a:t>
+              <a:t>Auswertungstool</a:t>
             </a:r>
           </a:p>
         </p:txBody>
@@ -10451,7 +10539,7 @@
           <p:cNvPr id="3" name="Inhaltsplatzhalter 2">
             <a:extLst>
               <a:ext uri="{FF2B5EF4-FFF2-40B4-BE49-F238E27FC236}">
-                <a16:creationId xmlns:a16="http://schemas.microsoft.com/office/drawing/2014/main" xmlns="" id="{E42A3100-1EC4-4CA1-8073-DBF9AE2DE022}"/>
+                <a16:creationId xmlns="" xmlns:a16="http://schemas.microsoft.com/office/drawing/2014/main" id="{BA4C428F-6F17-477B-9503-2C9FE4D7286D}"/>
               </a:ext>
             </a:extLst>
           </p:cNvPr>
@@ -10469,7 +10557,21 @@
           <a:p>
             <a:r>
               <a:rPr lang="de-DE" dirty="0"/>
-              <a:t>Video einfügen</a:t>
+              <a:t>Durchgeführten </a:t>
+            </a:r>
+            <a:r>
+              <a:rPr lang="de-DE" dirty="0" err="1"/>
+              <a:t>Gittersstudien</a:t>
+            </a:r>
+            <a:r>
+              <a:rPr lang="de-DE" dirty="0"/>
+              <a:t>, Spalt, Verfeinerungen, ….</a:t>
+            </a:r>
+          </a:p>
+          <a:p>
+            <a:r>
+              <a:rPr lang="de-DE" dirty="0"/>
+              <a:t>Was es kann</a:t>
             </a:r>
           </a:p>
         </p:txBody>
@@ -10477,7 +10579,7 @@
     </p:spTree>
     <p:extLst>
       <p:ext uri="{BB962C8B-B14F-4D97-AF65-F5344CB8AC3E}">
-        <p14:creationId xmlns:p14="http://schemas.microsoft.com/office/powerpoint/2010/main" val="1720096139"/>
+        <p14:creationId xmlns:p14="http://schemas.microsoft.com/office/powerpoint/2010/main" val="589148235"/>
       </p:ext>
     </p:extLst>
   </p:cSld>
@@ -10516,7 +10618,7 @@
           <p:cNvPr id="2" name="Titel 1">
             <a:extLst>
               <a:ext uri="{FF2B5EF4-FFF2-40B4-BE49-F238E27FC236}">
-                <a16:creationId xmlns:a16="http://schemas.microsoft.com/office/drawing/2014/main" xmlns="" id="{A6803A1C-048A-4BD5-BB5C-6AD0F129ECC9}"/>
+                <a16:creationId xmlns="" xmlns:a16="http://schemas.microsoft.com/office/drawing/2014/main" id="{8643BECD-9FC8-4139-AF9D-AAB9BD9ABF1F}"/>
               </a:ext>
             </a:extLst>
           </p:cNvPr>
@@ -10534,7 +10636,7 @@
           <a:p>
             <a:r>
               <a:rPr lang="de-DE" dirty="0"/>
-              <a:t>Fazit</a:t>
+              <a:t>Auswertungstool: Demo</a:t>
             </a:r>
           </a:p>
         </p:txBody>
@@ -10544,7 +10646,100 @@
           <p:cNvPr id="3" name="Inhaltsplatzhalter 2">
             <a:extLst>
               <a:ext uri="{FF2B5EF4-FFF2-40B4-BE49-F238E27FC236}">
-                <a16:creationId xmlns:a16="http://schemas.microsoft.com/office/drawing/2014/main" xmlns="" id="{13708A06-7247-4796-B127-BA1268EFB4F0}"/>
+                <a16:creationId xmlns="" xmlns:a16="http://schemas.microsoft.com/office/drawing/2014/main" id="{E42A3100-1EC4-4CA1-8073-DBF9AE2DE022}"/>
+              </a:ext>
+            </a:extLst>
+          </p:cNvPr>
+          <p:cNvSpPr>
+            <a:spLocks noGrp="1"/>
+          </p:cNvSpPr>
+          <p:nvPr>
+            <p:ph idx="1"/>
+          </p:nvPr>
+        </p:nvSpPr>
+        <p:spPr/>
+        <p:txBody>
+          <a:bodyPr/>
+          <a:lstStyle/>
+          <a:p>
+            <a:r>
+              <a:rPr lang="de-DE" dirty="0"/>
+              <a:t>Video einfügen</a:t>
+            </a:r>
+          </a:p>
+        </p:txBody>
+      </p:sp>
+    </p:spTree>
+    <p:extLst>
+      <p:ext uri="{BB962C8B-B14F-4D97-AF65-F5344CB8AC3E}">
+        <p14:creationId xmlns:p14="http://schemas.microsoft.com/office/powerpoint/2010/main" val="1720096139"/>
+      </p:ext>
+    </p:extLst>
+  </p:cSld>
+  <p:clrMapOvr>
+    <a:masterClrMapping/>
+  </p:clrMapOvr>
+  <p:timing>
+    <p:tnLst>
+      <p:par>
+        <p:cTn id="1" dur="indefinite" restart="never" nodeType="tmRoot"/>
+      </p:par>
+    </p:tnLst>
+  </p:timing>
+</p:sld>
+</file>
+
+<file path=ppt/slides/slide19.xml><?xml version="1.0" encoding="utf-8"?>
+<p:sld xmlns:a="http://schemas.openxmlformats.org/drawingml/2006/main" xmlns:r="http://schemas.openxmlformats.org/officeDocument/2006/relationships" xmlns:p="http://schemas.openxmlformats.org/presentationml/2006/main">
+  <p:cSld>
+    <p:spTree>
+      <p:nvGrpSpPr>
+        <p:cNvPr id="1" name=""/>
+        <p:cNvGrpSpPr/>
+        <p:nvPr/>
+      </p:nvGrpSpPr>
+      <p:grpSpPr>
+        <a:xfrm>
+          <a:off x="0" y="0"/>
+          <a:ext cx="0" cy="0"/>
+          <a:chOff x="0" y="0"/>
+          <a:chExt cx="0" cy="0"/>
+        </a:xfrm>
+      </p:grpSpPr>
+      <p:sp>
+        <p:nvSpPr>
+          <p:cNvPr id="2" name="Titel 1">
+            <a:extLst>
+              <a:ext uri="{FF2B5EF4-FFF2-40B4-BE49-F238E27FC236}">
+                <a16:creationId xmlns="" xmlns:a16="http://schemas.microsoft.com/office/drawing/2014/main" id="{A6803A1C-048A-4BD5-BB5C-6AD0F129ECC9}"/>
+              </a:ext>
+            </a:extLst>
+          </p:cNvPr>
+          <p:cNvSpPr>
+            <a:spLocks noGrp="1"/>
+          </p:cNvSpPr>
+          <p:nvPr>
+            <p:ph type="title"/>
+          </p:nvPr>
+        </p:nvSpPr>
+        <p:spPr/>
+        <p:txBody>
+          <a:bodyPr/>
+          <a:lstStyle/>
+          <a:p>
+            <a:r>
+              <a:rPr lang="de-DE" dirty="0"/>
+              <a:t>Fazit</a:t>
+            </a:r>
+          </a:p>
+        </p:txBody>
+      </p:sp>
+      <p:sp>
+        <p:nvSpPr>
+          <p:cNvPr id="3" name="Inhaltsplatzhalter 2">
+            <a:extLst>
+              <a:ext uri="{FF2B5EF4-FFF2-40B4-BE49-F238E27FC236}">
+                <a16:creationId xmlns="" xmlns:a16="http://schemas.microsoft.com/office/drawing/2014/main" id="{13708A06-7247-4796-B127-BA1268EFB4F0}"/>
               </a:ext>
             </a:extLst>
           </p:cNvPr>
@@ -10593,7 +10788,133 @@
 </p:sld>
 </file>
 
-<file path=ppt/slides/slide19.xml><?xml version="1.0" encoding="utf-8"?>
+<file path=ppt/slides/slide2.xml><?xml version="1.0" encoding="utf-8"?>
+<p:sld xmlns:a="http://schemas.openxmlformats.org/drawingml/2006/main" xmlns:r="http://schemas.openxmlformats.org/officeDocument/2006/relationships" xmlns:p="http://schemas.openxmlformats.org/presentationml/2006/main">
+  <p:cSld>
+    <p:spTree>
+      <p:nvGrpSpPr>
+        <p:cNvPr id="1" name=""/>
+        <p:cNvGrpSpPr/>
+        <p:nvPr/>
+      </p:nvGrpSpPr>
+      <p:grpSpPr>
+        <a:xfrm>
+          <a:off x="0" y="0"/>
+          <a:ext cx="0" cy="0"/>
+          <a:chOff x="0" y="0"/>
+          <a:chExt cx="0" cy="0"/>
+        </a:xfrm>
+      </p:grpSpPr>
+      <p:sp>
+        <p:nvSpPr>
+          <p:cNvPr id="2" name="Titel 1">
+            <a:extLst>
+              <a:ext uri="{FF2B5EF4-FFF2-40B4-BE49-F238E27FC236}">
+                <a16:creationId xmlns="" xmlns:a16="http://schemas.microsoft.com/office/drawing/2014/main" id="{D27A44A1-7D5C-4ED1-B1CC-16A1827DE5CE}"/>
+              </a:ext>
+            </a:extLst>
+          </p:cNvPr>
+          <p:cNvSpPr>
+            <a:spLocks noGrp="1"/>
+          </p:cNvSpPr>
+          <p:nvPr>
+            <p:ph type="title"/>
+          </p:nvPr>
+        </p:nvSpPr>
+        <p:spPr/>
+        <p:txBody>
+          <a:bodyPr/>
+          <a:lstStyle/>
+          <a:p>
+            <a:r>
+              <a:rPr lang="de-DE" dirty="0"/>
+              <a:t>Gliederung</a:t>
+            </a:r>
+          </a:p>
+        </p:txBody>
+      </p:sp>
+      <p:sp>
+        <p:nvSpPr>
+          <p:cNvPr id="3" name="Inhaltsplatzhalter 2">
+            <a:extLst>
+              <a:ext uri="{FF2B5EF4-FFF2-40B4-BE49-F238E27FC236}">
+                <a16:creationId xmlns="" xmlns:a16="http://schemas.microsoft.com/office/drawing/2014/main" id="{0A11E94A-080C-4F4A-B9ED-FC1B878B8CE0}"/>
+              </a:ext>
+            </a:extLst>
+          </p:cNvPr>
+          <p:cNvSpPr>
+            <a:spLocks noGrp="1"/>
+          </p:cNvSpPr>
+          <p:nvPr>
+            <p:ph idx="1"/>
+          </p:nvPr>
+        </p:nvSpPr>
+        <p:spPr>
+          <a:xfrm>
+            <a:off x="360000" y="1620000"/>
+            <a:ext cx="7164328" cy="4479943"/>
+          </a:xfrm>
+        </p:spPr>
+        <p:txBody>
+          <a:bodyPr/>
+          <a:lstStyle/>
+          <a:p>
+            <a:r>
+              <a:rPr lang="de-DE" dirty="0"/>
+              <a:t>Grundlagen der Thermodynamik und von Wirkungsgraden</a:t>
+            </a:r>
+          </a:p>
+          <a:p>
+            <a:r>
+              <a:rPr lang="de-DE" dirty="0"/>
+              <a:t>Aachen-Turbine</a:t>
+            </a:r>
+          </a:p>
+          <a:p>
+            <a:r>
+              <a:rPr lang="de-DE" dirty="0"/>
+              <a:t>Kanalströmung</a:t>
+            </a:r>
+          </a:p>
+          <a:p>
+            <a:r>
+              <a:rPr lang="de-DE" dirty="0"/>
+              <a:t>Auswertungstool für Gitterstudien</a:t>
+            </a:r>
+          </a:p>
+          <a:p>
+            <a:r>
+              <a:rPr lang="de-DE" dirty="0"/>
+              <a:t>Fazit</a:t>
+            </a:r>
+          </a:p>
+          <a:p>
+            <a:pPr lvl="1"/>
+            <a:endParaRPr lang="de-DE" dirty="0"/>
+          </a:p>
+        </p:txBody>
+      </p:sp>
+    </p:spTree>
+    <p:extLst>
+      <p:ext uri="{BB962C8B-B14F-4D97-AF65-F5344CB8AC3E}">
+        <p14:creationId xmlns:p14="http://schemas.microsoft.com/office/powerpoint/2010/main" val="3165109670"/>
+      </p:ext>
+    </p:extLst>
+  </p:cSld>
+  <p:clrMapOvr>
+    <a:masterClrMapping/>
+  </p:clrMapOvr>
+  <p:timing>
+    <p:tnLst>
+      <p:par>
+        <p:cTn id="1" dur="indefinite" restart="never" nodeType="tmRoot"/>
+      </p:par>
+    </p:tnLst>
+  </p:timing>
+</p:sld>
+</file>
+
+<file path=ppt/slides/slide20.xml><?xml version="1.0" encoding="utf-8"?>
 <p:sld xmlns:a="http://schemas.openxmlformats.org/drawingml/2006/main" xmlns:r="http://schemas.openxmlformats.org/officeDocument/2006/relationships" xmlns:p="http://schemas.openxmlformats.org/presentationml/2006/main">
   <p:cSld>
     <p:spTree>
@@ -10630,133 +10951,7 @@
 </p:sld>
 </file>
 
-<file path=ppt/slides/slide2.xml><?xml version="1.0" encoding="utf-8"?>
-<p:sld xmlns:a="http://schemas.openxmlformats.org/drawingml/2006/main" xmlns:r="http://schemas.openxmlformats.org/officeDocument/2006/relationships" xmlns:p="http://schemas.openxmlformats.org/presentationml/2006/main">
-  <p:cSld>
-    <p:spTree>
-      <p:nvGrpSpPr>
-        <p:cNvPr id="1" name=""/>
-        <p:cNvGrpSpPr/>
-        <p:nvPr/>
-      </p:nvGrpSpPr>
-      <p:grpSpPr>
-        <a:xfrm>
-          <a:off x="0" y="0"/>
-          <a:ext cx="0" cy="0"/>
-          <a:chOff x="0" y="0"/>
-          <a:chExt cx="0" cy="0"/>
-        </a:xfrm>
-      </p:grpSpPr>
-      <p:sp>
-        <p:nvSpPr>
-          <p:cNvPr id="2" name="Titel 1">
-            <a:extLst>
-              <a:ext uri="{FF2B5EF4-FFF2-40B4-BE49-F238E27FC236}">
-                <a16:creationId xmlns:a16="http://schemas.microsoft.com/office/drawing/2014/main" xmlns="" id="{D27A44A1-7D5C-4ED1-B1CC-16A1827DE5CE}"/>
-              </a:ext>
-            </a:extLst>
-          </p:cNvPr>
-          <p:cNvSpPr>
-            <a:spLocks noGrp="1"/>
-          </p:cNvSpPr>
-          <p:nvPr>
-            <p:ph type="title"/>
-          </p:nvPr>
-        </p:nvSpPr>
-        <p:spPr/>
-        <p:txBody>
-          <a:bodyPr/>
-          <a:lstStyle/>
-          <a:p>
-            <a:r>
-              <a:rPr lang="de-DE" dirty="0"/>
-              <a:t>Gliederung</a:t>
-            </a:r>
-          </a:p>
-        </p:txBody>
-      </p:sp>
-      <p:sp>
-        <p:nvSpPr>
-          <p:cNvPr id="3" name="Inhaltsplatzhalter 2">
-            <a:extLst>
-              <a:ext uri="{FF2B5EF4-FFF2-40B4-BE49-F238E27FC236}">
-                <a16:creationId xmlns:a16="http://schemas.microsoft.com/office/drawing/2014/main" xmlns="" id="{0A11E94A-080C-4F4A-B9ED-FC1B878B8CE0}"/>
-              </a:ext>
-            </a:extLst>
-          </p:cNvPr>
-          <p:cNvSpPr>
-            <a:spLocks noGrp="1"/>
-          </p:cNvSpPr>
-          <p:nvPr>
-            <p:ph idx="1"/>
-          </p:nvPr>
-        </p:nvSpPr>
-        <p:spPr>
-          <a:xfrm>
-            <a:off x="360000" y="1620000"/>
-            <a:ext cx="7164328" cy="4479943"/>
-          </a:xfrm>
-        </p:spPr>
-        <p:txBody>
-          <a:bodyPr/>
-          <a:lstStyle/>
-          <a:p>
-            <a:r>
-              <a:rPr lang="de-DE" dirty="0"/>
-              <a:t>Grundlagen der Thermodynamik und von Wirkungsgraden</a:t>
-            </a:r>
-          </a:p>
-          <a:p>
-            <a:r>
-              <a:rPr lang="de-DE" dirty="0"/>
-              <a:t>Aachen-Turbine</a:t>
-            </a:r>
-          </a:p>
-          <a:p>
-            <a:r>
-              <a:rPr lang="de-DE" dirty="0"/>
-              <a:t>Kanalströmung</a:t>
-            </a:r>
-          </a:p>
-          <a:p>
-            <a:r>
-              <a:rPr lang="de-DE" dirty="0"/>
-              <a:t>Auswertungstool für Gitterstudien</a:t>
-            </a:r>
-          </a:p>
-          <a:p>
-            <a:r>
-              <a:rPr lang="de-DE" dirty="0"/>
-              <a:t>Fazit</a:t>
-            </a:r>
-          </a:p>
-          <a:p>
-            <a:pPr lvl="1"/>
-            <a:endParaRPr lang="de-DE" dirty="0"/>
-          </a:p>
-        </p:txBody>
-      </p:sp>
-    </p:spTree>
-    <p:extLst>
-      <p:ext uri="{BB962C8B-B14F-4D97-AF65-F5344CB8AC3E}">
-        <p14:creationId xmlns:p14="http://schemas.microsoft.com/office/powerpoint/2010/main" val="3165109670"/>
-      </p:ext>
-    </p:extLst>
-  </p:cSld>
-  <p:clrMapOvr>
-    <a:masterClrMapping/>
-  </p:clrMapOvr>
-  <p:timing>
-    <p:tnLst>
-      <p:par>
-        <p:cTn id="1" dur="indefinite" restart="never" nodeType="tmRoot"/>
-      </p:par>
-    </p:tnLst>
-  </p:timing>
-</p:sld>
-</file>
-
-<file path=ppt/slides/slide20.xml><?xml version="1.0" encoding="utf-8"?>
+<file path=ppt/slides/slide21.xml><?xml version="1.0" encoding="utf-8"?>
 <p:sld xmlns:a="http://schemas.openxmlformats.org/drawingml/2006/main" xmlns:r="http://schemas.openxmlformats.org/officeDocument/2006/relationships" xmlns:p="http://schemas.openxmlformats.org/presentationml/2006/main">
   <p:cSld>
     <p:spTree>
@@ -11053,7 +11248,7 @@
 </p:sld>
 </file>
 
-<file path=ppt/slides/slide21.xml><?xml version="1.0" encoding="utf-8"?>
+<file path=ppt/slides/slide22.xml><?xml version="1.0" encoding="utf-8"?>
 <p:sld xmlns:a="http://schemas.openxmlformats.org/drawingml/2006/main" xmlns:r="http://schemas.openxmlformats.org/officeDocument/2006/relationships" xmlns:p="http://schemas.openxmlformats.org/presentationml/2006/main">
   <p:cSld>
     <p:spTree>
@@ -11121,14 +11316,14 @@
                 <a:gridCol w="3411538">
                   <a:extLst>
                     <a:ext uri="{9D8B030D-6E8A-4147-A177-3AD203B41FA5}">
-                      <a16:colId xmlns:a16="http://schemas.microsoft.com/office/drawing/2014/main" xmlns="" val="20000"/>
+                      <a16:colId xmlns="" xmlns:a16="http://schemas.microsoft.com/office/drawing/2014/main" val="20000"/>
                     </a:ext>
                   </a:extLst>
                 </a:gridCol>
                 <a:gridCol w="3411538">
                   <a:extLst>
                     <a:ext uri="{9D8B030D-6E8A-4147-A177-3AD203B41FA5}">
-                      <a16:colId xmlns:a16="http://schemas.microsoft.com/office/drawing/2014/main" xmlns="" val="20001"/>
+                      <a16:colId xmlns="" xmlns:a16="http://schemas.microsoft.com/office/drawing/2014/main" val="20001"/>
                     </a:ext>
                   </a:extLst>
                 </a:gridCol>
@@ -11170,7 +11365,7 @@
                 </a:tc>
                 <a:extLst>
                   <a:ext uri="{0D108BD9-81ED-4DB2-BD59-A6C34878D82A}">
-                    <a16:rowId xmlns:a16="http://schemas.microsoft.com/office/drawing/2014/main" xmlns="" val="10000"/>
+                    <a16:rowId xmlns="" xmlns:a16="http://schemas.microsoft.com/office/drawing/2014/main" val="10000"/>
                   </a:ext>
                 </a:extLst>
               </a:tr>
@@ -11208,7 +11403,7 @@
                 </a:tc>
                 <a:extLst>
                   <a:ext uri="{0D108BD9-81ED-4DB2-BD59-A6C34878D82A}">
-                    <a16:rowId xmlns:a16="http://schemas.microsoft.com/office/drawing/2014/main" xmlns="" val="10001"/>
+                    <a16:rowId xmlns="" xmlns:a16="http://schemas.microsoft.com/office/drawing/2014/main" val="10001"/>
                   </a:ext>
                 </a:extLst>
               </a:tr>
@@ -11262,7 +11457,7 @@
                 </a:tc>
                 <a:extLst>
                   <a:ext uri="{0D108BD9-81ED-4DB2-BD59-A6C34878D82A}">
-                    <a16:rowId xmlns:a16="http://schemas.microsoft.com/office/drawing/2014/main" xmlns="" val="10002"/>
+                    <a16:rowId xmlns="" xmlns:a16="http://schemas.microsoft.com/office/drawing/2014/main" val="10002"/>
                   </a:ext>
                 </a:extLst>
               </a:tr>
@@ -11316,7 +11511,7 @@
                 </a:tc>
                 <a:extLst>
                   <a:ext uri="{0D108BD9-81ED-4DB2-BD59-A6C34878D82A}">
-                    <a16:rowId xmlns:a16="http://schemas.microsoft.com/office/drawing/2014/main" xmlns="" val="10003"/>
+                    <a16:rowId xmlns="" xmlns:a16="http://schemas.microsoft.com/office/drawing/2014/main" val="10003"/>
                   </a:ext>
                 </a:extLst>
               </a:tr>
@@ -11370,7 +11565,7 @@
                 </a:tc>
                 <a:extLst>
                   <a:ext uri="{0D108BD9-81ED-4DB2-BD59-A6C34878D82A}">
-                    <a16:rowId xmlns:a16="http://schemas.microsoft.com/office/drawing/2014/main" xmlns="" val="10004"/>
+                    <a16:rowId xmlns="" xmlns:a16="http://schemas.microsoft.com/office/drawing/2014/main" val="10004"/>
                   </a:ext>
                 </a:extLst>
               </a:tr>
@@ -11424,7 +11619,7 @@
                 </a:tc>
                 <a:extLst>
                   <a:ext uri="{0D108BD9-81ED-4DB2-BD59-A6C34878D82A}">
-                    <a16:rowId xmlns:a16="http://schemas.microsoft.com/office/drawing/2014/main" xmlns="" val="10005"/>
+                    <a16:rowId xmlns="" xmlns:a16="http://schemas.microsoft.com/office/drawing/2014/main" val="10005"/>
                   </a:ext>
                 </a:extLst>
               </a:tr>
@@ -11478,7 +11673,7 @@
                 </a:tc>
                 <a:extLst>
                   <a:ext uri="{0D108BD9-81ED-4DB2-BD59-A6C34878D82A}">
-                    <a16:rowId xmlns:a16="http://schemas.microsoft.com/office/drawing/2014/main" xmlns="" val="10006"/>
+                    <a16:rowId xmlns="" xmlns:a16="http://schemas.microsoft.com/office/drawing/2014/main" val="10006"/>
                   </a:ext>
                 </a:extLst>
               </a:tr>
@@ -11532,7 +11727,7 @@
                 </a:tc>
                 <a:extLst>
                   <a:ext uri="{0D108BD9-81ED-4DB2-BD59-A6C34878D82A}">
-                    <a16:rowId xmlns:a16="http://schemas.microsoft.com/office/drawing/2014/main" xmlns="" val="10007"/>
+                    <a16:rowId xmlns="" xmlns:a16="http://schemas.microsoft.com/office/drawing/2014/main" val="10007"/>
                   </a:ext>
                 </a:extLst>
               </a:tr>
@@ -11762,7 +11957,7 @@
           <p:cNvPr id="2" name="Titel 1">
             <a:extLst>
               <a:ext uri="{FF2B5EF4-FFF2-40B4-BE49-F238E27FC236}">
-                <a16:creationId xmlns:a16="http://schemas.microsoft.com/office/drawing/2014/main" xmlns="" id="{097E6A6D-464E-4766-AAF3-C4FECB9FA991}"/>
+                <a16:creationId xmlns="" xmlns:a16="http://schemas.microsoft.com/office/drawing/2014/main" id="{097E6A6D-464E-4766-AAF3-C4FECB9FA991}"/>
               </a:ext>
             </a:extLst>
           </p:cNvPr>
@@ -11790,7 +11985,7 @@
           <p:cNvPr id="3" name="Inhaltsplatzhalter 2">
             <a:extLst>
               <a:ext uri="{FF2B5EF4-FFF2-40B4-BE49-F238E27FC236}">
-                <a16:creationId xmlns:a16="http://schemas.microsoft.com/office/drawing/2014/main" xmlns="" id="{0E9598F0-1E7C-41F5-AC85-FE84123CF1DA}"/>
+                <a16:creationId xmlns="" xmlns:a16="http://schemas.microsoft.com/office/drawing/2014/main" id="{0E9598F0-1E7C-41F5-AC85-FE84123CF1DA}"/>
               </a:ext>
             </a:extLst>
           </p:cNvPr>
@@ -11876,7 +12071,7 @@
           <p:cNvPr id="2" name="Titel 1">
             <a:extLst>
               <a:ext uri="{FF2B5EF4-FFF2-40B4-BE49-F238E27FC236}">
-                <a16:creationId xmlns:a16="http://schemas.microsoft.com/office/drawing/2014/main" xmlns="" id="{2466B14E-2CAE-450A-835B-07642C6772FC}"/>
+                <a16:creationId xmlns="" xmlns:a16="http://schemas.microsoft.com/office/drawing/2014/main" id="{2466B14E-2CAE-450A-835B-07642C6772FC}"/>
               </a:ext>
             </a:extLst>
           </p:cNvPr>
@@ -11905,7 +12100,7 @@
           <p:cNvPr id="3" name="Inhaltsplatzhalter 2">
             <a:extLst>
               <a:ext uri="{FF2B5EF4-FFF2-40B4-BE49-F238E27FC236}">
-                <a16:creationId xmlns:a16="http://schemas.microsoft.com/office/drawing/2014/main" xmlns="" id="{CCE11E07-3335-434C-8B03-5B1BAEAEC7C5}"/>
+                <a16:creationId xmlns="" xmlns:a16="http://schemas.microsoft.com/office/drawing/2014/main" id="{CCE11E07-3335-434C-8B03-5B1BAEAEC7C5}"/>
               </a:ext>
             </a:extLst>
           </p:cNvPr>
@@ -12196,7 +12391,7 @@
           <p:cNvPr id="2" name="Titel 1">
             <a:extLst>
               <a:ext uri="{FF2B5EF4-FFF2-40B4-BE49-F238E27FC236}">
-                <a16:creationId xmlns:a16="http://schemas.microsoft.com/office/drawing/2014/main" xmlns="" id="{B0EB02CB-0053-457A-BB5F-5D64278141CC}"/>
+                <a16:creationId xmlns="" xmlns:a16="http://schemas.microsoft.com/office/drawing/2014/main" id="{B0EB02CB-0053-457A-BB5F-5D64278141CC}"/>
               </a:ext>
             </a:extLst>
           </p:cNvPr>
@@ -12225,7 +12420,7 @@
           <p:cNvPr id="3" name="Inhaltsplatzhalter 2">
             <a:extLst>
               <a:ext uri="{FF2B5EF4-FFF2-40B4-BE49-F238E27FC236}">
-                <a16:creationId xmlns:a16="http://schemas.microsoft.com/office/drawing/2014/main" xmlns="" id="{756355A6-13F9-40C1-8AD3-1534717E7B09}"/>
+                <a16:creationId xmlns="" xmlns:a16="http://schemas.microsoft.com/office/drawing/2014/main" id="{756355A6-13F9-40C1-8AD3-1534717E7B09}"/>
               </a:ext>
             </a:extLst>
           </p:cNvPr>
@@ -12878,7 +13073,7 @@
           <p:cNvPr id="2" name="Titel 1">
             <a:extLst>
               <a:ext uri="{FF2B5EF4-FFF2-40B4-BE49-F238E27FC236}">
-                <a16:creationId xmlns:a16="http://schemas.microsoft.com/office/drawing/2014/main" xmlns="" id="{8DE61EE4-0A2E-4DFD-BE73-F3D4D2210025}"/>
+                <a16:creationId xmlns="" xmlns:a16="http://schemas.microsoft.com/office/drawing/2014/main" id="{8DE61EE4-0A2E-4DFD-BE73-F3D4D2210025}"/>
               </a:ext>
             </a:extLst>
           </p:cNvPr>
@@ -12906,7 +13101,7 @@
           <p:cNvPr id="3" name="Inhaltsplatzhalter 2">
             <a:extLst>
               <a:ext uri="{FF2B5EF4-FFF2-40B4-BE49-F238E27FC236}">
-                <a16:creationId xmlns:a16="http://schemas.microsoft.com/office/drawing/2014/main" xmlns="" id="{D3AA39F9-9931-48BD-9CE6-A9A42797156C}"/>
+                <a16:creationId xmlns="" xmlns:a16="http://schemas.microsoft.com/office/drawing/2014/main" id="{D3AA39F9-9931-48BD-9CE6-A9A42797156C}"/>
               </a:ext>
             </a:extLst>
           </p:cNvPr>
@@ -12968,7 +13163,7 @@
           <p:cNvPr id="2" name="Titel 1">
             <a:extLst>
               <a:ext uri="{FF2B5EF4-FFF2-40B4-BE49-F238E27FC236}">
-                <a16:creationId xmlns:a16="http://schemas.microsoft.com/office/drawing/2014/main" xmlns="" id="{5468A21C-5F1B-49A9-9615-E49303F1DFD8}"/>
+                <a16:creationId xmlns="" xmlns:a16="http://schemas.microsoft.com/office/drawing/2014/main" id="{5468A21C-5F1B-49A9-9615-E49303F1DFD8}"/>
               </a:ext>
             </a:extLst>
           </p:cNvPr>
@@ -12996,7 +13191,7 @@
           <p:cNvPr id="3" name="Inhaltsplatzhalter 2">
             <a:extLst>
               <a:ext uri="{FF2B5EF4-FFF2-40B4-BE49-F238E27FC236}">
-                <a16:creationId xmlns:a16="http://schemas.microsoft.com/office/drawing/2014/main" xmlns="" id="{71D6F8BC-B1F4-4464-B16C-BE0C1ED3F521}"/>
+                <a16:creationId xmlns="" xmlns:a16="http://schemas.microsoft.com/office/drawing/2014/main" id="{71D6F8BC-B1F4-4464-B16C-BE0C1ED3F521}"/>
               </a:ext>
             </a:extLst>
           </p:cNvPr>
@@ -13083,7 +13278,7 @@
           <p:cNvPr id="2" name="Titel 1">
             <a:extLst>
               <a:ext uri="{FF2B5EF4-FFF2-40B4-BE49-F238E27FC236}">
-                <a16:creationId xmlns:a16="http://schemas.microsoft.com/office/drawing/2014/main" xmlns="" id="{094F379C-23F4-4D35-86D6-1D1C29CAB88B}"/>
+                <a16:creationId xmlns="" xmlns:a16="http://schemas.microsoft.com/office/drawing/2014/main" id="{094F379C-23F4-4D35-86D6-1D1C29CAB88B}"/>
               </a:ext>
             </a:extLst>
           </p:cNvPr>
@@ -13111,7 +13306,7 @@
           <p:cNvPr id="3" name="Inhaltsplatzhalter 2">
             <a:extLst>
               <a:ext uri="{FF2B5EF4-FFF2-40B4-BE49-F238E27FC236}">
-                <a16:creationId xmlns:a16="http://schemas.microsoft.com/office/drawing/2014/main" xmlns="" id="{1C3E671A-136E-4360-89A9-AD9DB1ED1606}"/>
+                <a16:creationId xmlns="" xmlns:a16="http://schemas.microsoft.com/office/drawing/2014/main" id="{1C3E671A-136E-4360-89A9-AD9DB1ED1606}"/>
               </a:ext>
             </a:extLst>
           </p:cNvPr>

--- a/Präsentation/Abschluss_Präsentation_Keijo.pptx
+++ b/Präsentation/Abschluss_Präsentation_Keijo.pptx
@@ -6662,7 +6662,7 @@
           <p:cNvPr id="4" name="Grafik 3">
             <a:extLst>
               <a:ext uri="{FF2B5EF4-FFF2-40B4-BE49-F238E27FC236}">
-                <a16:creationId xmlns="" xmlns:a16="http://schemas.microsoft.com/office/drawing/2014/main" id="{18A4F8C9-BC47-4597-A341-7BD061B63621}"/>
+                <a16:creationId xmlns:a16="http://schemas.microsoft.com/office/drawing/2014/main" xmlns="" id="{18A4F8C9-BC47-4597-A341-7BD061B63621}"/>
               </a:ext>
             </a:extLst>
           </p:cNvPr>
@@ -6692,7 +6692,7 @@
           <p:cNvPr id="8" name="Gerade Verbindung mit Pfeil 7">
             <a:extLst>
               <a:ext uri="{FF2B5EF4-FFF2-40B4-BE49-F238E27FC236}">
-                <a16:creationId xmlns="" xmlns:a16="http://schemas.microsoft.com/office/drawing/2014/main" id="{6AEE5332-9F2B-40A4-B03C-0CA4C32B5711}"/>
+                <a16:creationId xmlns:a16="http://schemas.microsoft.com/office/drawing/2014/main" xmlns="" id="{6AEE5332-9F2B-40A4-B03C-0CA4C32B5711}"/>
               </a:ext>
             </a:extLst>
           </p:cNvPr>
@@ -6736,7 +6736,7 @@
           <p:cNvPr id="9" name="Rechteck 8">
             <a:extLst>
               <a:ext uri="{FF2B5EF4-FFF2-40B4-BE49-F238E27FC236}">
-                <a16:creationId xmlns="" xmlns:a16="http://schemas.microsoft.com/office/drawing/2014/main" id="{3778A54C-BCC7-4667-8D22-D645A2858F58}"/>
+                <a16:creationId xmlns:a16="http://schemas.microsoft.com/office/drawing/2014/main" xmlns="" id="{3778A54C-BCC7-4667-8D22-D645A2858F58}"/>
               </a:ext>
             </a:extLst>
           </p:cNvPr>
@@ -6832,7 +6832,7 @@
           <p:cNvPr id="2" name="Titel 1">
             <a:extLst>
               <a:ext uri="{FF2B5EF4-FFF2-40B4-BE49-F238E27FC236}">
-                <a16:creationId xmlns="" xmlns:a16="http://schemas.microsoft.com/office/drawing/2014/main" id="{E94AB448-E08C-4FC1-AAC0-98431019A5B8}"/>
+                <a16:creationId xmlns:a16="http://schemas.microsoft.com/office/drawing/2014/main" xmlns="" id="{E94AB448-E08C-4FC1-AAC0-98431019A5B8}"/>
               </a:ext>
             </a:extLst>
           </p:cNvPr>
@@ -6865,7 +6865,7 @@
           <p:cNvPr id="3" name="Inhaltsplatzhalter 2">
             <a:extLst>
               <a:ext uri="{FF2B5EF4-FFF2-40B4-BE49-F238E27FC236}">
-                <a16:creationId xmlns="" xmlns:a16="http://schemas.microsoft.com/office/drawing/2014/main" id="{EE905004-B708-4F44-A14B-50934B89FAB0}"/>
+                <a16:creationId xmlns:a16="http://schemas.microsoft.com/office/drawing/2014/main" xmlns="" id="{EE905004-B708-4F44-A14B-50934B89FAB0}"/>
               </a:ext>
             </a:extLst>
           </p:cNvPr>
@@ -6990,7 +6990,7 @@
           <p:cNvPr id="2" name="Titel 1">
             <a:extLst>
               <a:ext uri="{FF2B5EF4-FFF2-40B4-BE49-F238E27FC236}">
-                <a16:creationId xmlns="" xmlns:a16="http://schemas.microsoft.com/office/drawing/2014/main" id="{98E30EB0-62A0-4D55-AF97-782AB848AE3B}"/>
+                <a16:creationId xmlns:a16="http://schemas.microsoft.com/office/drawing/2014/main" xmlns="" id="{98E30EB0-62A0-4D55-AF97-782AB848AE3B}"/>
               </a:ext>
             </a:extLst>
           </p:cNvPr>
@@ -7018,7 +7018,7 @@
           <p:cNvPr id="3" name="Inhaltsplatzhalter 2">
             <a:extLst>
               <a:ext uri="{FF2B5EF4-FFF2-40B4-BE49-F238E27FC236}">
-                <a16:creationId xmlns="" xmlns:a16="http://schemas.microsoft.com/office/drawing/2014/main" id="{5CE73134-BC2B-467B-B2FE-58257A89BDB4}"/>
+                <a16:creationId xmlns:a16="http://schemas.microsoft.com/office/drawing/2014/main" xmlns="" id="{5CE73134-BC2B-467B-B2FE-58257A89BDB4}"/>
               </a:ext>
             </a:extLst>
           </p:cNvPr>
@@ -8815,81 +8815,185 @@
           </a:p>
         </p:txBody>
       </p:sp>
-      <p:sp>
-        <p:nvSpPr>
-          <p:cNvPr id="3" name="Inhaltsplatzhalter 2"/>
-          <p:cNvSpPr>
-            <a:spLocks noGrp="1"/>
-          </p:cNvSpPr>
-          <p:nvPr>
-            <p:ph idx="1"/>
-          </p:nvPr>
-        </p:nvSpPr>
-        <p:spPr/>
-        <p:txBody>
-          <a:bodyPr/>
-          <a:lstStyle/>
-          <a:p>
-            <a:r>
-              <a:rPr lang="de-DE" dirty="0"/>
-              <a:t>Schräge Eintrittsströmung:</a:t>
-            </a:r>
-          </a:p>
-          <a:p>
-            <a:r>
-              <a:rPr lang="de-DE" dirty="0" smtClean="0">
-                <a:solidFill>
-                  <a:srgbClr val="FF0000"/>
-                </a:solidFill>
-              </a:rPr>
-              <a:t>????</a:t>
-            </a:r>
-            <a:endParaRPr lang="de-DE" dirty="0">
-              <a:solidFill>
-                <a:srgbClr val="FF0000"/>
-              </a:solidFill>
-            </a:endParaRPr>
-          </a:p>
-          <a:p>
-            <a:endParaRPr lang="de-DE" dirty="0"/>
-          </a:p>
-          <a:p>
-            <a:r>
-              <a:rPr lang="de-DE" dirty="0" smtClean="0"/>
-              <a:t>Drall behaftete </a:t>
-            </a:r>
-            <a:r>
-              <a:rPr lang="de-DE" dirty="0"/>
-              <a:t>Strömung:</a:t>
-            </a:r>
-          </a:p>
-          <a:p>
-            <a:endParaRPr lang="de-DE" dirty="0"/>
-          </a:p>
-          <a:p>
-            <a:endParaRPr lang="de-DE" dirty="0"/>
-          </a:p>
-          <a:p>
-            <a:endParaRPr lang="de-DE" dirty="0"/>
-          </a:p>
-          <a:p>
-            <a:r>
-              <a:rPr lang="de-DE" dirty="0"/>
-              <a:t>Inhomogener Temperaturverlauf:</a:t>
-            </a:r>
-          </a:p>
-          <a:p>
-            <a:pPr lvl="2"/>
-            <a:r>
-              <a:rPr lang="de-DE" dirty="0"/>
-              <a:t>Hot-Spot</a:t>
-            </a:r>
-          </a:p>
-          <a:p>
-            <a:endParaRPr lang="de-DE" dirty="0"/>
-          </a:p>
-        </p:txBody>
-      </p:sp>
+      <mc:AlternateContent xmlns:mc="http://schemas.openxmlformats.org/markup-compatibility/2006">
+        <mc:Choice xmlns:a14="http://schemas.microsoft.com/office/drawing/2010/main" Requires="a14">
+          <p:sp>
+            <p:nvSpPr>
+              <p:cNvPr id="3" name="Inhaltsplatzhalter 2"/>
+              <p:cNvSpPr>
+                <a:spLocks noGrp="1"/>
+              </p:cNvSpPr>
+              <p:nvPr>
+                <p:ph idx="1"/>
+              </p:nvPr>
+            </p:nvSpPr>
+            <p:spPr/>
+            <p:txBody>
+              <a:bodyPr/>
+              <a:lstStyle/>
+              <a:p>
+                <a:r>
+                  <a:rPr lang="de-DE" dirty="0" smtClean="0"/>
+                  <a:t>Schräge Eintrittsströmung:</a:t>
+                </a:r>
+              </a:p>
+              <a:p>
+                <a:pPr lvl="2">
+                  <a:buFont typeface="Wingdings" panose="05000000000000000000" pitchFamily="2" charset="2"/>
+                  <a:buChar char="Ø"/>
+                </a:pPr>
+                <a:r>
+                  <a:rPr lang="de-DE" dirty="0" smtClean="0"/>
+                  <a:t>Zylinderkoordinaten:</a:t>
+                </a:r>
+                <a:br>
+                  <a:rPr lang="de-DE" dirty="0" smtClean="0"/>
+                </a:br>
+                <a:r>
+                  <a:rPr lang="de-DE" dirty="0" smtClean="0"/>
+                  <a:t>	</a:t>
+                </a:r>
+                <a14:m>
+                  <m:oMath xmlns:m="http://schemas.openxmlformats.org/officeDocument/2006/math">
+                    <m:r>
+                      <m:rPr>
+                        <m:sty m:val="p"/>
+                      </m:rPr>
+                      <a:rPr lang="de-DE" b="0" i="0" smtClean="0">
+                        <a:latin typeface="Cambria Math" panose="02040503050406030204" pitchFamily="18" charset="0"/>
+                        <a:ea typeface="Cambria Math" panose="02040503050406030204" pitchFamily="18" charset="0"/>
+                      </a:rPr>
+                      <m:t>r</m:t>
+                    </m:r>
+                    <m:r>
+                      <a:rPr lang="de-DE" b="0" i="0" smtClean="0">
+                        <a:latin typeface="Cambria Math" panose="02040503050406030204" pitchFamily="18" charset="0"/>
+                        <a:ea typeface="Cambria Math" panose="02040503050406030204" pitchFamily="18" charset="0"/>
+                      </a:rPr>
+                      <m:t>=1 ;</m:t>
+                    </m:r>
+                    <m:r>
+                      <m:rPr>
+                        <m:sty m:val="p"/>
+                      </m:rPr>
+                      <a:rPr lang="de-DE" b="0" i="0" smtClean="0">
+                        <a:latin typeface="Cambria Math" panose="02040503050406030204" pitchFamily="18" charset="0"/>
+                        <a:ea typeface="Cambria Math" panose="02040503050406030204" pitchFamily="18" charset="0"/>
+                      </a:rPr>
+                      <m:t>r</m:t>
+                    </m:r>
+                    <m:r>
+                      <a:rPr lang="de-DE" b="0" i="0" smtClean="0">
+                        <a:latin typeface="Cambria Math" panose="02040503050406030204" pitchFamily="18" charset="0"/>
+                        <a:ea typeface="Cambria Math" panose="02040503050406030204" pitchFamily="18" charset="0"/>
+                      </a:rPr>
+                      <m:t>=0,5 ; </m:t>
+                    </m:r>
+                    <m:r>
+                      <a:rPr lang="de-DE" i="1" smtClean="0">
+                        <a:latin typeface="Cambria Math" panose="02040503050406030204" pitchFamily="18" charset="0"/>
+                        <a:ea typeface="Cambria Math" panose="02040503050406030204" pitchFamily="18" charset="0"/>
+                      </a:rPr>
+                      <m:t>𝜑</m:t>
+                    </m:r>
+                    <m:r>
+                      <a:rPr lang="de-DE" b="0" i="1" smtClean="0">
+                        <a:latin typeface="Cambria Math" panose="02040503050406030204" pitchFamily="18" charset="0"/>
+                        <a:ea typeface="Cambria Math" panose="02040503050406030204" pitchFamily="18" charset="0"/>
+                      </a:rPr>
+                      <m:t>=0,5</m:t>
+                    </m:r>
+                  </m:oMath>
+                </a14:m>
+                <a:endParaRPr lang="de-DE" b="0" dirty="0" smtClean="0">
+                  <a:ea typeface="Cambria Math" panose="02040503050406030204" pitchFamily="18" charset="0"/>
+                </a:endParaRPr>
+              </a:p>
+              <a:p>
+                <a:pPr lvl="2">
+                  <a:buFont typeface="Wingdings" panose="05000000000000000000" pitchFamily="2" charset="2"/>
+                  <a:buChar char="Ø"/>
+                </a:pPr>
+                <a:endParaRPr lang="de-DE" dirty="0"/>
+              </a:p>
+              <a:p>
+                <a:r>
+                  <a:rPr lang="de-DE" dirty="0" smtClean="0"/>
+                  <a:t>Drall behaftete </a:t>
+                </a:r>
+                <a:r>
+                  <a:rPr lang="de-DE" dirty="0"/>
+                  <a:t>Strömung:</a:t>
+                </a:r>
+              </a:p>
+              <a:p>
+                <a:endParaRPr lang="de-DE" dirty="0"/>
+              </a:p>
+              <a:p>
+                <a:pPr marL="0" indent="0">
+                  <a:buNone/>
+                </a:pPr>
+                <a:endParaRPr lang="de-DE" dirty="0"/>
+              </a:p>
+              <a:p>
+                <a:pPr marL="0" indent="0">
+                  <a:buNone/>
+                </a:pPr>
+                <a:endParaRPr lang="de-DE" dirty="0"/>
+              </a:p>
+              <a:p>
+                <a:r>
+                  <a:rPr lang="de-DE" dirty="0"/>
+                  <a:t>Inhomogener Temperaturverlauf:</a:t>
+                </a:r>
+              </a:p>
+              <a:p>
+                <a:pPr lvl="2"/>
+                <a:r>
+                  <a:rPr lang="de-DE" dirty="0"/>
+                  <a:t>Hot-Spot</a:t>
+                </a:r>
+              </a:p>
+              <a:p>
+                <a:endParaRPr lang="de-DE" dirty="0"/>
+              </a:p>
+            </p:txBody>
+          </p:sp>
+        </mc:Choice>
+        <mc:Fallback>
+          <p:sp>
+            <p:nvSpPr>
+              <p:cNvPr id="3" name="Inhaltsplatzhalter 2"/>
+              <p:cNvSpPr>
+                <a:spLocks noGrp="1" noRot="1" noChangeAspect="1" noMove="1" noResize="1" noEditPoints="1" noAdjustHandles="1" noChangeArrowheads="1" noChangeShapeType="1" noTextEdit="1"/>
+              </p:cNvSpPr>
+              <p:nvPr>
+                <p:ph idx="1"/>
+              </p:nvPr>
+            </p:nvSpPr>
+            <p:spPr>
+              <a:blipFill rotWithShape="0">
+                <a:blip r:embed="rId2"/>
+                <a:stretch>
+                  <a:fillRect l="-2145"/>
+                </a:stretch>
+              </a:blipFill>
+            </p:spPr>
+            <p:txBody>
+              <a:bodyPr/>
+              <a:lstStyle/>
+              <a:p>
+                <a:r>
+                  <a:rPr lang="de-DE">
+                    <a:noFill/>
+                  </a:rPr>
+                  <a:t> </a:t>
+                </a:r>
+              </a:p>
+            </p:txBody>
+          </p:sp>
+        </mc:Fallback>
+      </mc:AlternateContent>
       <p:pic>
         <p:nvPicPr>
           <p:cNvPr id="4" name="Grafik 3"/>
@@ -8899,7 +9003,7 @@
           <p:nvPr/>
         </p:nvPicPr>
         <p:blipFill>
-          <a:blip r:embed="rId2">
+          <a:blip r:embed="rId3">
             <a:extLst>
               <a:ext uri="{28A0092B-C50C-407E-A947-70E740481C1C}">
                 <a14:useLocalDpi xmlns:a14="http://schemas.microsoft.com/office/drawing/2010/main" val="0"/>
@@ -8929,7 +9033,7 @@
           <p:nvPr/>
         </p:nvPicPr>
         <p:blipFill>
-          <a:blip r:embed="rId3">
+          <a:blip r:embed="rId4">
             <a:extLst>
               <a:ext uri="{28A0092B-C50C-407E-A947-70E740481C1C}">
                 <a14:useLocalDpi xmlns:a14="http://schemas.microsoft.com/office/drawing/2010/main" val="0"/>
@@ -8959,7 +9063,7 @@
           <p:nvPr/>
         </p:nvPicPr>
         <p:blipFill>
-          <a:blip r:embed="rId4">
+          <a:blip r:embed="rId5">
             <a:extLst>
               <a:ext uri="{28A0092B-C50C-407E-A947-70E740481C1C}">
                 <a14:useLocalDpi xmlns:a14="http://schemas.microsoft.com/office/drawing/2010/main" val="0"/>
@@ -9022,7 +9126,7 @@
           <p:cNvPr id="2" name="Titel 1">
             <a:extLst>
               <a:ext uri="{FF2B5EF4-FFF2-40B4-BE49-F238E27FC236}">
-                <a16:creationId xmlns="" xmlns:a16="http://schemas.microsoft.com/office/drawing/2014/main" id="{B021C1F3-433C-41E3-8587-65D5BDA4F317}"/>
+                <a16:creationId xmlns:a16="http://schemas.microsoft.com/office/drawing/2014/main" xmlns="" id="{B021C1F3-433C-41E3-8587-65D5BDA4F317}"/>
               </a:ext>
             </a:extLst>
           </p:cNvPr>
@@ -9101,14 +9205,14 @@
                     <a:gridCol w="2880320">
                       <a:extLst>
                         <a:ext uri="{9D8B030D-6E8A-4147-A177-3AD203B41FA5}">
-                          <a16:colId xmlns="" xmlns:a16="http://schemas.microsoft.com/office/drawing/2014/main" val="20000"/>
+                          <a16:colId xmlns:a16="http://schemas.microsoft.com/office/drawing/2014/main" xmlns="" val="20000"/>
                         </a:ext>
                       </a:extLst>
                     </a:gridCol>
                     <a:gridCol w="2016224">
                       <a:extLst>
                         <a:ext uri="{9D8B030D-6E8A-4147-A177-3AD203B41FA5}">
-                          <a16:colId xmlns="" xmlns:a16="http://schemas.microsoft.com/office/drawing/2014/main" val="20001"/>
+                          <a16:colId xmlns:a16="http://schemas.microsoft.com/office/drawing/2014/main" xmlns="" val="20001"/>
                         </a:ext>
                       </a:extLst>
                     </a:gridCol>
@@ -9382,7 +9486,7 @@
                     </a:tc>
                     <a:extLst>
                       <a:ext uri="{0D108BD9-81ED-4DB2-BD59-A6C34878D82A}">
-                        <a16:rowId xmlns="" xmlns:a16="http://schemas.microsoft.com/office/drawing/2014/main" val="10000"/>
+                        <a16:rowId xmlns:a16="http://schemas.microsoft.com/office/drawing/2014/main" xmlns="" val="10000"/>
                       </a:ext>
                     </a:extLst>
                   </a:tr>
@@ -9449,7 +9553,7 @@
                     </a:tc>
                     <a:extLst>
                       <a:ext uri="{0D108BD9-81ED-4DB2-BD59-A6C34878D82A}">
-                        <a16:rowId xmlns="" xmlns:a16="http://schemas.microsoft.com/office/drawing/2014/main" val="10001"/>
+                        <a16:rowId xmlns:a16="http://schemas.microsoft.com/office/drawing/2014/main" xmlns="" val="10001"/>
                       </a:ext>
                     </a:extLst>
                   </a:tr>
@@ -9524,7 +9628,7 @@
                     </a:tc>
                     <a:extLst>
                       <a:ext uri="{0D108BD9-81ED-4DB2-BD59-A6C34878D82A}">
-                        <a16:rowId xmlns="" xmlns:a16="http://schemas.microsoft.com/office/drawing/2014/main" val="10002"/>
+                        <a16:rowId xmlns:a16="http://schemas.microsoft.com/office/drawing/2014/main" xmlns="" val="10002"/>
                       </a:ext>
                     </a:extLst>
                   </a:tr>
@@ -9603,7 +9707,7 @@
                     </a:tc>
                     <a:extLst>
                       <a:ext uri="{0D108BD9-81ED-4DB2-BD59-A6C34878D82A}">
-                        <a16:rowId xmlns="" xmlns:a16="http://schemas.microsoft.com/office/drawing/2014/main" val="10003"/>
+                        <a16:rowId xmlns:a16="http://schemas.microsoft.com/office/drawing/2014/main" xmlns="" val="10003"/>
                       </a:ext>
                     </a:extLst>
                   </a:tr>
@@ -9678,7 +9782,7 @@
                     </a:tc>
                     <a:extLst>
                       <a:ext uri="{0D108BD9-81ED-4DB2-BD59-A6C34878D82A}">
-                        <a16:rowId xmlns="" xmlns:a16="http://schemas.microsoft.com/office/drawing/2014/main" val="10004"/>
+                        <a16:rowId xmlns:a16="http://schemas.microsoft.com/office/drawing/2014/main" xmlns="" val="10004"/>
                       </a:ext>
                     </a:extLst>
                   </a:tr>
@@ -9757,7 +9861,7 @@
                     </a:tc>
                     <a:extLst>
                       <a:ext uri="{0D108BD9-81ED-4DB2-BD59-A6C34878D82A}">
-                        <a16:rowId xmlns="" xmlns:a16="http://schemas.microsoft.com/office/drawing/2014/main" val="10005"/>
+                        <a16:rowId xmlns:a16="http://schemas.microsoft.com/office/drawing/2014/main" xmlns="" val="10005"/>
                       </a:ext>
                     </a:extLst>
                   </a:tr>
@@ -10343,7 +10447,21 @@
           <a:p>
             <a:r>
               <a:rPr lang="de-DE" dirty="0" smtClean="0"/>
-              <a:t>Variation des Massenstroms über die Mixing Plane</a:t>
+              <a:t>Variation des Massenstroms über die Mixing </a:t>
+            </a:r>
+            <a:r>
+              <a:rPr lang="de-DE" smtClean="0"/>
+              <a:t>Plane </a:t>
+            </a:r>
+            <a:r>
+              <a:rPr lang="de-DE" smtClean="0">
+                <a:sym typeface="Wingdings" panose="05000000000000000000" pitchFamily="2" charset="2"/>
+              </a:rPr>
+              <a:t></a:t>
+            </a:r>
+            <a:r>
+              <a:rPr lang="de-DE" smtClean="0"/>
+              <a:t>Aachen Turbine</a:t>
             </a:r>
             <a:endParaRPr lang="de-DE" dirty="0"/>
           </a:p>
@@ -10511,7 +10629,7 @@
           <p:cNvPr id="2" name="Titel 1">
             <a:extLst>
               <a:ext uri="{FF2B5EF4-FFF2-40B4-BE49-F238E27FC236}">
-                <a16:creationId xmlns="" xmlns:a16="http://schemas.microsoft.com/office/drawing/2014/main" id="{D329A526-CE1D-48AD-8C37-10B31DD1A94A}"/>
+                <a16:creationId xmlns:a16="http://schemas.microsoft.com/office/drawing/2014/main" xmlns="" id="{D329A526-CE1D-48AD-8C37-10B31DD1A94A}"/>
               </a:ext>
             </a:extLst>
           </p:cNvPr>
@@ -10539,7 +10657,7 @@
           <p:cNvPr id="3" name="Inhaltsplatzhalter 2">
             <a:extLst>
               <a:ext uri="{FF2B5EF4-FFF2-40B4-BE49-F238E27FC236}">
-                <a16:creationId xmlns="" xmlns:a16="http://schemas.microsoft.com/office/drawing/2014/main" id="{BA4C428F-6F17-477B-9503-2C9FE4D7286D}"/>
+                <a16:creationId xmlns:a16="http://schemas.microsoft.com/office/drawing/2014/main" xmlns="" id="{BA4C428F-6F17-477B-9503-2C9FE4D7286D}"/>
               </a:ext>
             </a:extLst>
           </p:cNvPr>
@@ -10618,7 +10736,7 @@
           <p:cNvPr id="2" name="Titel 1">
             <a:extLst>
               <a:ext uri="{FF2B5EF4-FFF2-40B4-BE49-F238E27FC236}">
-                <a16:creationId xmlns="" xmlns:a16="http://schemas.microsoft.com/office/drawing/2014/main" id="{8643BECD-9FC8-4139-AF9D-AAB9BD9ABF1F}"/>
+                <a16:creationId xmlns:a16="http://schemas.microsoft.com/office/drawing/2014/main" xmlns="" id="{8643BECD-9FC8-4139-AF9D-AAB9BD9ABF1F}"/>
               </a:ext>
             </a:extLst>
           </p:cNvPr>
@@ -10646,7 +10764,7 @@
           <p:cNvPr id="3" name="Inhaltsplatzhalter 2">
             <a:extLst>
               <a:ext uri="{FF2B5EF4-FFF2-40B4-BE49-F238E27FC236}">
-                <a16:creationId xmlns="" xmlns:a16="http://schemas.microsoft.com/office/drawing/2014/main" id="{E42A3100-1EC4-4CA1-8073-DBF9AE2DE022}"/>
+                <a16:creationId xmlns:a16="http://schemas.microsoft.com/office/drawing/2014/main" xmlns="" id="{E42A3100-1EC4-4CA1-8073-DBF9AE2DE022}"/>
               </a:ext>
             </a:extLst>
           </p:cNvPr>
@@ -10711,7 +10829,7 @@
           <p:cNvPr id="2" name="Titel 1">
             <a:extLst>
               <a:ext uri="{FF2B5EF4-FFF2-40B4-BE49-F238E27FC236}">
-                <a16:creationId xmlns="" xmlns:a16="http://schemas.microsoft.com/office/drawing/2014/main" id="{A6803A1C-048A-4BD5-BB5C-6AD0F129ECC9}"/>
+                <a16:creationId xmlns:a16="http://schemas.microsoft.com/office/drawing/2014/main" xmlns="" id="{A6803A1C-048A-4BD5-BB5C-6AD0F129ECC9}"/>
               </a:ext>
             </a:extLst>
           </p:cNvPr>
@@ -10739,7 +10857,7 @@
           <p:cNvPr id="3" name="Inhaltsplatzhalter 2">
             <a:extLst>
               <a:ext uri="{FF2B5EF4-FFF2-40B4-BE49-F238E27FC236}">
-                <a16:creationId xmlns="" xmlns:a16="http://schemas.microsoft.com/office/drawing/2014/main" id="{13708A06-7247-4796-B127-BA1268EFB4F0}"/>
+                <a16:creationId xmlns:a16="http://schemas.microsoft.com/office/drawing/2014/main" xmlns="" id="{13708A06-7247-4796-B127-BA1268EFB4F0}"/>
               </a:ext>
             </a:extLst>
           </p:cNvPr>
@@ -10810,7 +10928,7 @@
           <p:cNvPr id="2" name="Titel 1">
             <a:extLst>
               <a:ext uri="{FF2B5EF4-FFF2-40B4-BE49-F238E27FC236}">
-                <a16:creationId xmlns="" xmlns:a16="http://schemas.microsoft.com/office/drawing/2014/main" id="{D27A44A1-7D5C-4ED1-B1CC-16A1827DE5CE}"/>
+                <a16:creationId xmlns:a16="http://schemas.microsoft.com/office/drawing/2014/main" xmlns="" id="{D27A44A1-7D5C-4ED1-B1CC-16A1827DE5CE}"/>
               </a:ext>
             </a:extLst>
           </p:cNvPr>
@@ -10838,7 +10956,7 @@
           <p:cNvPr id="3" name="Inhaltsplatzhalter 2">
             <a:extLst>
               <a:ext uri="{FF2B5EF4-FFF2-40B4-BE49-F238E27FC236}">
-                <a16:creationId xmlns="" xmlns:a16="http://schemas.microsoft.com/office/drawing/2014/main" id="{0A11E94A-080C-4F4A-B9ED-FC1B878B8CE0}"/>
+                <a16:creationId xmlns:a16="http://schemas.microsoft.com/office/drawing/2014/main" xmlns="" id="{0A11E94A-080C-4F4A-B9ED-FC1B878B8CE0}"/>
               </a:ext>
             </a:extLst>
           </p:cNvPr>
@@ -11316,14 +11434,14 @@
                 <a:gridCol w="3411538">
                   <a:extLst>
                     <a:ext uri="{9D8B030D-6E8A-4147-A177-3AD203B41FA5}">
-                      <a16:colId xmlns="" xmlns:a16="http://schemas.microsoft.com/office/drawing/2014/main" val="20000"/>
+                      <a16:colId xmlns:a16="http://schemas.microsoft.com/office/drawing/2014/main" xmlns="" val="20000"/>
                     </a:ext>
                   </a:extLst>
                 </a:gridCol>
                 <a:gridCol w="3411538">
                   <a:extLst>
                     <a:ext uri="{9D8B030D-6E8A-4147-A177-3AD203B41FA5}">
-                      <a16:colId xmlns="" xmlns:a16="http://schemas.microsoft.com/office/drawing/2014/main" val="20001"/>
+                      <a16:colId xmlns:a16="http://schemas.microsoft.com/office/drawing/2014/main" xmlns="" val="20001"/>
                     </a:ext>
                   </a:extLst>
                 </a:gridCol>
@@ -11365,7 +11483,7 @@
                 </a:tc>
                 <a:extLst>
                   <a:ext uri="{0D108BD9-81ED-4DB2-BD59-A6C34878D82A}">
-                    <a16:rowId xmlns="" xmlns:a16="http://schemas.microsoft.com/office/drawing/2014/main" val="10000"/>
+                    <a16:rowId xmlns:a16="http://schemas.microsoft.com/office/drawing/2014/main" xmlns="" val="10000"/>
                   </a:ext>
                 </a:extLst>
               </a:tr>
@@ -11403,7 +11521,7 @@
                 </a:tc>
                 <a:extLst>
                   <a:ext uri="{0D108BD9-81ED-4DB2-BD59-A6C34878D82A}">
-                    <a16:rowId xmlns="" xmlns:a16="http://schemas.microsoft.com/office/drawing/2014/main" val="10001"/>
+                    <a16:rowId xmlns:a16="http://schemas.microsoft.com/office/drawing/2014/main" xmlns="" val="10001"/>
                   </a:ext>
                 </a:extLst>
               </a:tr>
@@ -11457,7 +11575,7 @@
                 </a:tc>
                 <a:extLst>
                   <a:ext uri="{0D108BD9-81ED-4DB2-BD59-A6C34878D82A}">
-                    <a16:rowId xmlns="" xmlns:a16="http://schemas.microsoft.com/office/drawing/2014/main" val="10002"/>
+                    <a16:rowId xmlns:a16="http://schemas.microsoft.com/office/drawing/2014/main" xmlns="" val="10002"/>
                   </a:ext>
                 </a:extLst>
               </a:tr>
@@ -11511,7 +11629,7 @@
                 </a:tc>
                 <a:extLst>
                   <a:ext uri="{0D108BD9-81ED-4DB2-BD59-A6C34878D82A}">
-                    <a16:rowId xmlns="" xmlns:a16="http://schemas.microsoft.com/office/drawing/2014/main" val="10003"/>
+                    <a16:rowId xmlns:a16="http://schemas.microsoft.com/office/drawing/2014/main" xmlns="" val="10003"/>
                   </a:ext>
                 </a:extLst>
               </a:tr>
@@ -11565,7 +11683,7 @@
                 </a:tc>
                 <a:extLst>
                   <a:ext uri="{0D108BD9-81ED-4DB2-BD59-A6C34878D82A}">
-                    <a16:rowId xmlns="" xmlns:a16="http://schemas.microsoft.com/office/drawing/2014/main" val="10004"/>
+                    <a16:rowId xmlns:a16="http://schemas.microsoft.com/office/drawing/2014/main" xmlns="" val="10004"/>
                   </a:ext>
                 </a:extLst>
               </a:tr>
@@ -11619,7 +11737,7 @@
                 </a:tc>
                 <a:extLst>
                   <a:ext uri="{0D108BD9-81ED-4DB2-BD59-A6C34878D82A}">
-                    <a16:rowId xmlns="" xmlns:a16="http://schemas.microsoft.com/office/drawing/2014/main" val="10005"/>
+                    <a16:rowId xmlns:a16="http://schemas.microsoft.com/office/drawing/2014/main" xmlns="" val="10005"/>
                   </a:ext>
                 </a:extLst>
               </a:tr>
@@ -11673,7 +11791,7 @@
                 </a:tc>
                 <a:extLst>
                   <a:ext uri="{0D108BD9-81ED-4DB2-BD59-A6C34878D82A}">
-                    <a16:rowId xmlns="" xmlns:a16="http://schemas.microsoft.com/office/drawing/2014/main" val="10006"/>
+                    <a16:rowId xmlns:a16="http://schemas.microsoft.com/office/drawing/2014/main" xmlns="" val="10006"/>
                   </a:ext>
                 </a:extLst>
               </a:tr>
@@ -11727,7 +11845,7 @@
                 </a:tc>
                 <a:extLst>
                   <a:ext uri="{0D108BD9-81ED-4DB2-BD59-A6C34878D82A}">
-                    <a16:rowId xmlns="" xmlns:a16="http://schemas.microsoft.com/office/drawing/2014/main" val="10007"/>
+                    <a16:rowId xmlns:a16="http://schemas.microsoft.com/office/drawing/2014/main" xmlns="" val="10007"/>
                   </a:ext>
                 </a:extLst>
               </a:tr>
@@ -11957,7 +12075,7 @@
           <p:cNvPr id="2" name="Titel 1">
             <a:extLst>
               <a:ext uri="{FF2B5EF4-FFF2-40B4-BE49-F238E27FC236}">
-                <a16:creationId xmlns="" xmlns:a16="http://schemas.microsoft.com/office/drawing/2014/main" id="{097E6A6D-464E-4766-AAF3-C4FECB9FA991}"/>
+                <a16:creationId xmlns:a16="http://schemas.microsoft.com/office/drawing/2014/main" xmlns="" id="{097E6A6D-464E-4766-AAF3-C4FECB9FA991}"/>
               </a:ext>
             </a:extLst>
           </p:cNvPr>
@@ -11985,7 +12103,7 @@
           <p:cNvPr id="3" name="Inhaltsplatzhalter 2">
             <a:extLst>
               <a:ext uri="{FF2B5EF4-FFF2-40B4-BE49-F238E27FC236}">
-                <a16:creationId xmlns="" xmlns:a16="http://schemas.microsoft.com/office/drawing/2014/main" id="{0E9598F0-1E7C-41F5-AC85-FE84123CF1DA}"/>
+                <a16:creationId xmlns:a16="http://schemas.microsoft.com/office/drawing/2014/main" xmlns="" id="{0E9598F0-1E7C-41F5-AC85-FE84123CF1DA}"/>
               </a:ext>
             </a:extLst>
           </p:cNvPr>
@@ -12071,7 +12189,7 @@
           <p:cNvPr id="2" name="Titel 1">
             <a:extLst>
               <a:ext uri="{FF2B5EF4-FFF2-40B4-BE49-F238E27FC236}">
-                <a16:creationId xmlns="" xmlns:a16="http://schemas.microsoft.com/office/drawing/2014/main" id="{2466B14E-2CAE-450A-835B-07642C6772FC}"/>
+                <a16:creationId xmlns:a16="http://schemas.microsoft.com/office/drawing/2014/main" xmlns="" id="{2466B14E-2CAE-450A-835B-07642C6772FC}"/>
               </a:ext>
             </a:extLst>
           </p:cNvPr>
@@ -12100,7 +12218,7 @@
           <p:cNvPr id="3" name="Inhaltsplatzhalter 2">
             <a:extLst>
               <a:ext uri="{FF2B5EF4-FFF2-40B4-BE49-F238E27FC236}">
-                <a16:creationId xmlns="" xmlns:a16="http://schemas.microsoft.com/office/drawing/2014/main" id="{CCE11E07-3335-434C-8B03-5B1BAEAEC7C5}"/>
+                <a16:creationId xmlns:a16="http://schemas.microsoft.com/office/drawing/2014/main" xmlns="" id="{CCE11E07-3335-434C-8B03-5B1BAEAEC7C5}"/>
               </a:ext>
             </a:extLst>
           </p:cNvPr>
@@ -12391,7 +12509,7 @@
           <p:cNvPr id="2" name="Titel 1">
             <a:extLst>
               <a:ext uri="{FF2B5EF4-FFF2-40B4-BE49-F238E27FC236}">
-                <a16:creationId xmlns="" xmlns:a16="http://schemas.microsoft.com/office/drawing/2014/main" id="{B0EB02CB-0053-457A-BB5F-5D64278141CC}"/>
+                <a16:creationId xmlns:a16="http://schemas.microsoft.com/office/drawing/2014/main" xmlns="" id="{B0EB02CB-0053-457A-BB5F-5D64278141CC}"/>
               </a:ext>
             </a:extLst>
           </p:cNvPr>
@@ -12420,7 +12538,7 @@
           <p:cNvPr id="3" name="Inhaltsplatzhalter 2">
             <a:extLst>
               <a:ext uri="{FF2B5EF4-FFF2-40B4-BE49-F238E27FC236}">
-                <a16:creationId xmlns="" xmlns:a16="http://schemas.microsoft.com/office/drawing/2014/main" id="{756355A6-13F9-40C1-8AD3-1534717E7B09}"/>
+                <a16:creationId xmlns:a16="http://schemas.microsoft.com/office/drawing/2014/main" xmlns="" id="{756355A6-13F9-40C1-8AD3-1534717E7B09}"/>
               </a:ext>
             </a:extLst>
           </p:cNvPr>
@@ -13073,7 +13191,7 @@
           <p:cNvPr id="2" name="Titel 1">
             <a:extLst>
               <a:ext uri="{FF2B5EF4-FFF2-40B4-BE49-F238E27FC236}">
-                <a16:creationId xmlns="" xmlns:a16="http://schemas.microsoft.com/office/drawing/2014/main" id="{8DE61EE4-0A2E-4DFD-BE73-F3D4D2210025}"/>
+                <a16:creationId xmlns:a16="http://schemas.microsoft.com/office/drawing/2014/main" xmlns="" id="{8DE61EE4-0A2E-4DFD-BE73-F3D4D2210025}"/>
               </a:ext>
             </a:extLst>
           </p:cNvPr>
@@ -13101,7 +13219,7 @@
           <p:cNvPr id="3" name="Inhaltsplatzhalter 2">
             <a:extLst>
               <a:ext uri="{FF2B5EF4-FFF2-40B4-BE49-F238E27FC236}">
-                <a16:creationId xmlns="" xmlns:a16="http://schemas.microsoft.com/office/drawing/2014/main" id="{D3AA39F9-9931-48BD-9CE6-A9A42797156C}"/>
+                <a16:creationId xmlns:a16="http://schemas.microsoft.com/office/drawing/2014/main" xmlns="" id="{D3AA39F9-9931-48BD-9CE6-A9A42797156C}"/>
               </a:ext>
             </a:extLst>
           </p:cNvPr>
@@ -13163,7 +13281,7 @@
           <p:cNvPr id="2" name="Titel 1">
             <a:extLst>
               <a:ext uri="{FF2B5EF4-FFF2-40B4-BE49-F238E27FC236}">
-                <a16:creationId xmlns="" xmlns:a16="http://schemas.microsoft.com/office/drawing/2014/main" id="{5468A21C-5F1B-49A9-9615-E49303F1DFD8}"/>
+                <a16:creationId xmlns:a16="http://schemas.microsoft.com/office/drawing/2014/main" xmlns="" id="{5468A21C-5F1B-49A9-9615-E49303F1DFD8}"/>
               </a:ext>
             </a:extLst>
           </p:cNvPr>
@@ -13191,7 +13309,7 @@
           <p:cNvPr id="3" name="Inhaltsplatzhalter 2">
             <a:extLst>
               <a:ext uri="{FF2B5EF4-FFF2-40B4-BE49-F238E27FC236}">
-                <a16:creationId xmlns="" xmlns:a16="http://schemas.microsoft.com/office/drawing/2014/main" id="{71D6F8BC-B1F4-4464-B16C-BE0C1ED3F521}"/>
+                <a16:creationId xmlns:a16="http://schemas.microsoft.com/office/drawing/2014/main" xmlns="" id="{71D6F8BC-B1F4-4464-B16C-BE0C1ED3F521}"/>
               </a:ext>
             </a:extLst>
           </p:cNvPr>
@@ -13278,7 +13396,7 @@
           <p:cNvPr id="2" name="Titel 1">
             <a:extLst>
               <a:ext uri="{FF2B5EF4-FFF2-40B4-BE49-F238E27FC236}">
-                <a16:creationId xmlns="" xmlns:a16="http://schemas.microsoft.com/office/drawing/2014/main" id="{094F379C-23F4-4D35-86D6-1D1C29CAB88B}"/>
+                <a16:creationId xmlns:a16="http://schemas.microsoft.com/office/drawing/2014/main" xmlns="" id="{094F379C-23F4-4D35-86D6-1D1C29CAB88B}"/>
               </a:ext>
             </a:extLst>
           </p:cNvPr>
@@ -13306,7 +13424,7 @@
           <p:cNvPr id="3" name="Inhaltsplatzhalter 2">
             <a:extLst>
               <a:ext uri="{FF2B5EF4-FFF2-40B4-BE49-F238E27FC236}">
-                <a16:creationId xmlns="" xmlns:a16="http://schemas.microsoft.com/office/drawing/2014/main" id="{1C3E671A-136E-4360-89A9-AD9DB1ED1606}"/>
+                <a16:creationId xmlns:a16="http://schemas.microsoft.com/office/drawing/2014/main" xmlns="" id="{1C3E671A-136E-4360-89A9-AD9DB1ED1606}"/>
               </a:ext>
             </a:extLst>
           </p:cNvPr>

--- a/Präsentation/Abschluss_Präsentation_Keijo.pptx
+++ b/Präsentation/Abschluss_Präsentation_Keijo.pptx
@@ -5,10 +5,10 @@
     <p:sldMasterId id="2147483648" r:id="rId2"/>
   </p:sldMasterIdLst>
   <p:notesMasterIdLst>
-    <p:notesMasterId r:id="rId25"/>
+    <p:notesMasterId r:id="rId26"/>
   </p:notesMasterIdLst>
   <p:handoutMasterIdLst>
-    <p:handoutMasterId r:id="rId26"/>
+    <p:handoutMasterId r:id="rId27"/>
   </p:handoutMasterIdLst>
   <p:sldIdLst>
     <p:sldId id="281" r:id="rId3"/>
@@ -31,8 +31,9 @@
     <p:sldId id="278" r:id="rId20"/>
     <p:sldId id="279" r:id="rId21"/>
     <p:sldId id="280" r:id="rId22"/>
-    <p:sldId id="257" r:id="rId23"/>
-    <p:sldId id="265" r:id="rId24"/>
+    <p:sldId id="289" r:id="rId23"/>
+    <p:sldId id="257" r:id="rId24"/>
+    <p:sldId id="265" r:id="rId25"/>
   </p:sldIdLst>
   <p:sldSz cx="9144000" cy="6858000" type="screen4x3"/>
   <p:notesSz cx="6858000" cy="9144000"/>
@@ -304,7 +305,7 @@
             <a:fld id="{A32DC80D-291A-4ABB-A78B-0417274A267C}" type="datetime4">
               <a:rPr lang="de-DE"/>
               <a:pPr/>
-              <a:t>8. Juli 2017</a:t>
+              <a:t>10. Juli 2017</a:t>
             </a:fld>
             <a:endParaRPr lang="de-DE"/>
           </a:p>
@@ -687,7 +688,7 @@
             <a:fld id="{065B079B-E513-489A-8A1B-D7C78493EA86}" type="datetime4">
               <a:rPr lang="de-DE"/>
               <a:pPr/>
-              <a:t>8. Juli 2017</a:t>
+              <a:t>10. Juli 2017</a:t>
             </a:fld>
             <a:endParaRPr lang="de-DE"/>
           </a:p>
@@ -1325,7 +1326,7 @@
             <a:fld id="{065B079B-E513-489A-8A1B-D7C78493EA86}" type="datetime4">
               <a:rPr lang="de-DE" smtClean="0"/>
               <a:pPr/>
-              <a:t>8. Juli 2017</a:t>
+              <a:t>10. Juli 2017</a:t>
             </a:fld>
             <a:endParaRPr lang="de-DE"/>
           </a:p>
@@ -1469,7 +1470,7 @@
             <a:fld id="{065B079B-E513-489A-8A1B-D7C78493EA86}" type="datetime4">
               <a:rPr lang="de-DE" smtClean="0"/>
               <a:pPr/>
-              <a:t>8. Juli 2017</a:t>
+              <a:t>10. Juli 2017</a:t>
             </a:fld>
             <a:endParaRPr lang="de-DE"/>
           </a:p>
@@ -1637,7 +1638,7 @@
             <a:fld id="{065B079B-E513-489A-8A1B-D7C78493EA86}" type="datetime4">
               <a:rPr lang="de-DE" smtClean="0"/>
               <a:pPr/>
-              <a:t>8. Juli 2017</a:t>
+              <a:t>10. Juli 2017</a:t>
             </a:fld>
             <a:endParaRPr lang="de-DE"/>
           </a:p>
@@ -1780,7 +1781,7 @@
             <a:fld id="{065B079B-E513-489A-8A1B-D7C78493EA86}" type="datetime4">
               <a:rPr lang="de-DE" smtClean="0"/>
               <a:pPr/>
-              <a:t>8. Juli 2017</a:t>
+              <a:t>10. Juli 2017</a:t>
             </a:fld>
             <a:endParaRPr lang="de-DE"/>
           </a:p>
@@ -1923,7 +1924,7 @@
             <a:fld id="{065B079B-E513-489A-8A1B-D7C78493EA86}" type="datetime4">
               <a:rPr lang="de-DE" smtClean="0"/>
               <a:pPr/>
-              <a:t>8. Juli 2017</a:t>
+              <a:t>10. Juli 2017</a:t>
             </a:fld>
             <a:endParaRPr lang="de-DE"/>
           </a:p>
@@ -2066,7 +2067,7 @@
             <a:fld id="{065B079B-E513-489A-8A1B-D7C78493EA86}" type="datetime4">
               <a:rPr lang="de-DE" smtClean="0"/>
               <a:pPr/>
-              <a:t>8. Juli 2017</a:t>
+              <a:t>10. Juli 2017</a:t>
             </a:fld>
             <a:endParaRPr lang="de-DE"/>
           </a:p>
@@ -2215,7 +2216,7 @@
             <a:fld id="{065B079B-E513-489A-8A1B-D7C78493EA86}" type="datetime4">
               <a:rPr lang="de-DE" smtClean="0"/>
               <a:pPr/>
-              <a:t>8. Juli 2017</a:t>
+              <a:t>10. Juli 2017</a:t>
             </a:fld>
             <a:endParaRPr lang="de-DE"/>
           </a:p>
@@ -2358,7 +2359,7 @@
             <a:fld id="{065B079B-E513-489A-8A1B-D7C78493EA86}" type="datetime4">
               <a:rPr lang="de-DE" smtClean="0"/>
               <a:pPr/>
-              <a:t>8. Juli 2017</a:t>
+              <a:t>10. Juli 2017</a:t>
             </a:fld>
             <a:endParaRPr lang="de-DE"/>
           </a:p>
@@ -2501,7 +2502,7 @@
             <a:fld id="{065B079B-E513-489A-8A1B-D7C78493EA86}" type="datetime4">
               <a:rPr lang="de-DE" smtClean="0"/>
               <a:pPr/>
-              <a:t>8. Juli 2017</a:t>
+              <a:t>10. Juli 2017</a:t>
             </a:fld>
             <a:endParaRPr lang="de-DE"/>
           </a:p>
@@ -2645,7 +2646,7 @@
             <a:fld id="{065B079B-E513-489A-8A1B-D7C78493EA86}" type="datetime4">
               <a:rPr lang="de-DE" smtClean="0"/>
               <a:pPr/>
-              <a:t>8. Juli 2017</a:t>
+              <a:t>10. Juli 2017</a:t>
             </a:fld>
             <a:endParaRPr lang="de-DE"/>
           </a:p>
@@ -2789,7 +2790,7 @@
             <a:fld id="{065B079B-E513-489A-8A1B-D7C78493EA86}" type="datetime4">
               <a:rPr lang="de-DE" smtClean="0"/>
               <a:pPr/>
-              <a:t>8. Juli 2017</a:t>
+              <a:t>10. Juli 2017</a:t>
             </a:fld>
             <a:endParaRPr lang="de-DE"/>
           </a:p>
@@ -2932,7 +2933,7 @@
             <a:fld id="{065B079B-E513-489A-8A1B-D7C78493EA86}" type="datetime4">
               <a:rPr lang="de-DE" smtClean="0"/>
               <a:pPr/>
-              <a:t>8. Juli 2017</a:t>
+              <a:t>10. Juli 2017</a:t>
             </a:fld>
             <a:endParaRPr lang="de-DE"/>
           </a:p>
@@ -3075,7 +3076,7 @@
             <a:fld id="{065B079B-E513-489A-8A1B-D7C78493EA86}" type="datetime4">
               <a:rPr lang="de-DE" smtClean="0"/>
               <a:pPr/>
-              <a:t>8. Juli 2017</a:t>
+              <a:t>10. Juli 2017</a:t>
             </a:fld>
             <a:endParaRPr lang="de-DE"/>
           </a:p>
@@ -3218,7 +3219,7 @@
             <a:fld id="{065B079B-E513-489A-8A1B-D7C78493EA86}" type="datetime4">
               <a:rPr lang="de-DE" smtClean="0"/>
               <a:pPr/>
-              <a:t>8. Juli 2017</a:t>
+              <a:t>10. Juli 2017</a:t>
             </a:fld>
             <a:endParaRPr lang="de-DE"/>
           </a:p>
@@ -3358,7 +3359,7 @@
             <a:fld id="{065B079B-E513-489A-8A1B-D7C78493EA86}" type="datetime4">
               <a:rPr lang="de-DE" smtClean="0"/>
               <a:pPr/>
-              <a:t>8. Juli 2017</a:t>
+              <a:t>10. Juli 2017</a:t>
             </a:fld>
             <a:endParaRPr lang="de-DE"/>
           </a:p>
@@ -3794,7 +3795,7 @@
                 <a:tabLst/>
                 <a:defRPr/>
               </a:pPr>
-              <a:t>08.07.2017</a:t>
+              <a:t>10.07.2017</a:t>
             </a:fld>
             <a:r>
               <a:rPr kumimoji="0" lang="de-DE" sz="1000" b="0" i="0" u="none" strike="noStrike" kern="1200" cap="none" spc="0" normalizeH="0" baseline="0" noProof="0" dirty="0">
@@ -4240,7 +4241,7 @@
                 <a:tabLst/>
                 <a:defRPr/>
               </a:pPr>
-              <a:t>08.07.2017</a:t>
+              <a:t>10.07.2017</a:t>
             </a:fld>
             <a:r>
               <a:rPr kumimoji="0" lang="de-DE" sz="1000" b="0" i="0" u="none" strike="noStrike" kern="1200" cap="none" spc="0" normalizeH="0" baseline="0" noProof="0" dirty="0">
@@ -5943,7 +5944,7 @@
                 <a:tabLst/>
                 <a:defRPr/>
               </a:pPr>
-              <a:t>08.07.2017</a:t>
+              <a:t>10.07.2017</a:t>
             </a:fld>
             <a:r>
               <a:rPr kumimoji="0" lang="de-DE" sz="1000" b="0" i="0" u="none" strike="noStrike" kern="1200" cap="none" spc="0" normalizeH="0" baseline="0" noProof="0" dirty="0">
@@ -6662,7 +6663,7 @@
           <p:cNvPr id="4" name="Grafik 3">
             <a:extLst>
               <a:ext uri="{FF2B5EF4-FFF2-40B4-BE49-F238E27FC236}">
-                <a16:creationId xmlns:a16="http://schemas.microsoft.com/office/drawing/2014/main" xmlns="" id="{18A4F8C9-BC47-4597-A341-7BD061B63621}"/>
+                <a16:creationId xmlns="" xmlns:a16="http://schemas.microsoft.com/office/drawing/2014/main" id="{18A4F8C9-BC47-4597-A341-7BD061B63621}"/>
               </a:ext>
             </a:extLst>
           </p:cNvPr>
@@ -6692,7 +6693,7 @@
           <p:cNvPr id="8" name="Gerade Verbindung mit Pfeil 7">
             <a:extLst>
               <a:ext uri="{FF2B5EF4-FFF2-40B4-BE49-F238E27FC236}">
-                <a16:creationId xmlns:a16="http://schemas.microsoft.com/office/drawing/2014/main" xmlns="" id="{6AEE5332-9F2B-40A4-B03C-0CA4C32B5711}"/>
+                <a16:creationId xmlns="" xmlns:a16="http://schemas.microsoft.com/office/drawing/2014/main" id="{6AEE5332-9F2B-40A4-B03C-0CA4C32B5711}"/>
               </a:ext>
             </a:extLst>
           </p:cNvPr>
@@ -6736,7 +6737,7 @@
           <p:cNvPr id="9" name="Rechteck 8">
             <a:extLst>
               <a:ext uri="{FF2B5EF4-FFF2-40B4-BE49-F238E27FC236}">
-                <a16:creationId xmlns:a16="http://schemas.microsoft.com/office/drawing/2014/main" xmlns="" id="{3778A54C-BCC7-4667-8D22-D645A2858F58}"/>
+                <a16:creationId xmlns="" xmlns:a16="http://schemas.microsoft.com/office/drawing/2014/main" id="{3778A54C-BCC7-4667-8D22-D645A2858F58}"/>
               </a:ext>
             </a:extLst>
           </p:cNvPr>
@@ -6832,7 +6833,7 @@
           <p:cNvPr id="2" name="Titel 1">
             <a:extLst>
               <a:ext uri="{FF2B5EF4-FFF2-40B4-BE49-F238E27FC236}">
-                <a16:creationId xmlns:a16="http://schemas.microsoft.com/office/drawing/2014/main" xmlns="" id="{E94AB448-E08C-4FC1-AAC0-98431019A5B8}"/>
+                <a16:creationId xmlns="" xmlns:a16="http://schemas.microsoft.com/office/drawing/2014/main" id="{E94AB448-E08C-4FC1-AAC0-98431019A5B8}"/>
               </a:ext>
             </a:extLst>
           </p:cNvPr>
@@ -6865,7 +6866,7 @@
           <p:cNvPr id="3" name="Inhaltsplatzhalter 2">
             <a:extLst>
               <a:ext uri="{FF2B5EF4-FFF2-40B4-BE49-F238E27FC236}">
-                <a16:creationId xmlns:a16="http://schemas.microsoft.com/office/drawing/2014/main" xmlns="" id="{EE905004-B708-4F44-A14B-50934B89FAB0}"/>
+                <a16:creationId xmlns="" xmlns:a16="http://schemas.microsoft.com/office/drawing/2014/main" id="{EE905004-B708-4F44-A14B-50934B89FAB0}"/>
               </a:ext>
             </a:extLst>
           </p:cNvPr>
@@ -6990,7 +6991,7 @@
           <p:cNvPr id="2" name="Titel 1">
             <a:extLst>
               <a:ext uri="{FF2B5EF4-FFF2-40B4-BE49-F238E27FC236}">
-                <a16:creationId xmlns:a16="http://schemas.microsoft.com/office/drawing/2014/main" xmlns="" id="{98E30EB0-62A0-4D55-AF97-782AB848AE3B}"/>
+                <a16:creationId xmlns="" xmlns:a16="http://schemas.microsoft.com/office/drawing/2014/main" id="{98E30EB0-62A0-4D55-AF97-782AB848AE3B}"/>
               </a:ext>
             </a:extLst>
           </p:cNvPr>
@@ -7018,7 +7019,7 @@
           <p:cNvPr id="3" name="Inhaltsplatzhalter 2">
             <a:extLst>
               <a:ext uri="{FF2B5EF4-FFF2-40B4-BE49-F238E27FC236}">
-                <a16:creationId xmlns:a16="http://schemas.microsoft.com/office/drawing/2014/main" xmlns="" id="{5CE73134-BC2B-467B-B2FE-58257A89BDB4}"/>
+                <a16:creationId xmlns="" xmlns:a16="http://schemas.microsoft.com/office/drawing/2014/main" id="{5CE73134-BC2B-467B-B2FE-58257A89BDB4}"/>
               </a:ext>
             </a:extLst>
           </p:cNvPr>
@@ -8815,8 +8816,8 @@
           </a:p>
         </p:txBody>
       </p:sp>
-      <mc:AlternateContent xmlns:mc="http://schemas.openxmlformats.org/markup-compatibility/2006">
-        <mc:Choice xmlns:a14="http://schemas.microsoft.com/office/drawing/2010/main" Requires="a14">
+      <mc:AlternateContent xmlns:mc="http://schemas.openxmlformats.org/markup-compatibility/2006" xmlns:a14="http://schemas.microsoft.com/office/drawing/2010/main">
+        <mc:Choice Requires="a14">
           <p:sp>
             <p:nvSpPr>
               <p:cNvPr id="3" name="Inhaltsplatzhalter 2"/>
@@ -8960,7 +8961,7 @@
             </p:txBody>
           </p:sp>
         </mc:Choice>
-        <mc:Fallback>
+        <mc:Fallback xmlns="">
           <p:sp>
             <p:nvSpPr>
               <p:cNvPr id="3" name="Inhaltsplatzhalter 2"/>
@@ -9126,7 +9127,7 @@
           <p:cNvPr id="2" name="Titel 1">
             <a:extLst>
               <a:ext uri="{FF2B5EF4-FFF2-40B4-BE49-F238E27FC236}">
-                <a16:creationId xmlns:a16="http://schemas.microsoft.com/office/drawing/2014/main" xmlns="" id="{B021C1F3-433C-41E3-8587-65D5BDA4F317}"/>
+                <a16:creationId xmlns="" xmlns:a16="http://schemas.microsoft.com/office/drawing/2014/main" id="{B021C1F3-433C-41E3-8587-65D5BDA4F317}"/>
               </a:ext>
             </a:extLst>
           </p:cNvPr>
@@ -9205,14 +9206,14 @@
                     <a:gridCol w="2880320">
                       <a:extLst>
                         <a:ext uri="{9D8B030D-6E8A-4147-A177-3AD203B41FA5}">
-                          <a16:colId xmlns:a16="http://schemas.microsoft.com/office/drawing/2014/main" xmlns="" val="20000"/>
+                          <a16:colId xmlns="" xmlns:a16="http://schemas.microsoft.com/office/drawing/2014/main" val="20000"/>
                         </a:ext>
                       </a:extLst>
                     </a:gridCol>
                     <a:gridCol w="2016224">
                       <a:extLst>
                         <a:ext uri="{9D8B030D-6E8A-4147-A177-3AD203B41FA5}">
-                          <a16:colId xmlns:a16="http://schemas.microsoft.com/office/drawing/2014/main" xmlns="" val="20001"/>
+                          <a16:colId xmlns="" xmlns:a16="http://schemas.microsoft.com/office/drawing/2014/main" val="20001"/>
                         </a:ext>
                       </a:extLst>
                     </a:gridCol>
@@ -9486,7 +9487,7 @@
                     </a:tc>
                     <a:extLst>
                       <a:ext uri="{0D108BD9-81ED-4DB2-BD59-A6C34878D82A}">
-                        <a16:rowId xmlns:a16="http://schemas.microsoft.com/office/drawing/2014/main" xmlns="" val="10000"/>
+                        <a16:rowId xmlns="" xmlns:a16="http://schemas.microsoft.com/office/drawing/2014/main" val="10000"/>
                       </a:ext>
                     </a:extLst>
                   </a:tr>
@@ -9553,7 +9554,7 @@
                     </a:tc>
                     <a:extLst>
                       <a:ext uri="{0D108BD9-81ED-4DB2-BD59-A6C34878D82A}">
-                        <a16:rowId xmlns:a16="http://schemas.microsoft.com/office/drawing/2014/main" xmlns="" val="10001"/>
+                        <a16:rowId xmlns="" xmlns:a16="http://schemas.microsoft.com/office/drawing/2014/main" val="10001"/>
                       </a:ext>
                     </a:extLst>
                   </a:tr>
@@ -9628,7 +9629,7 @@
                     </a:tc>
                     <a:extLst>
                       <a:ext uri="{0D108BD9-81ED-4DB2-BD59-A6C34878D82A}">
-                        <a16:rowId xmlns:a16="http://schemas.microsoft.com/office/drawing/2014/main" xmlns="" val="10002"/>
+                        <a16:rowId xmlns="" xmlns:a16="http://schemas.microsoft.com/office/drawing/2014/main" val="10002"/>
                       </a:ext>
                     </a:extLst>
                   </a:tr>
@@ -9707,7 +9708,7 @@
                     </a:tc>
                     <a:extLst>
                       <a:ext uri="{0D108BD9-81ED-4DB2-BD59-A6C34878D82A}">
-                        <a16:rowId xmlns:a16="http://schemas.microsoft.com/office/drawing/2014/main" xmlns="" val="10003"/>
+                        <a16:rowId xmlns="" xmlns:a16="http://schemas.microsoft.com/office/drawing/2014/main" val="10003"/>
                       </a:ext>
                     </a:extLst>
                   </a:tr>
@@ -9782,7 +9783,7 @@
                     </a:tc>
                     <a:extLst>
                       <a:ext uri="{0D108BD9-81ED-4DB2-BD59-A6C34878D82A}">
-                        <a16:rowId xmlns:a16="http://schemas.microsoft.com/office/drawing/2014/main" xmlns="" val="10004"/>
+                        <a16:rowId xmlns="" xmlns:a16="http://schemas.microsoft.com/office/drawing/2014/main" val="10004"/>
                       </a:ext>
                     </a:extLst>
                   </a:tr>
@@ -9861,7 +9862,7 @@
                     </a:tc>
                     <a:extLst>
                       <a:ext uri="{0D108BD9-81ED-4DB2-BD59-A6C34878D82A}">
-                        <a16:rowId xmlns:a16="http://schemas.microsoft.com/office/drawing/2014/main" xmlns="" val="10005"/>
+                        <a16:rowId xmlns="" xmlns:a16="http://schemas.microsoft.com/office/drawing/2014/main" val="10005"/>
                       </a:ext>
                     </a:extLst>
                   </a:tr>
@@ -10629,7 +10630,7 @@
           <p:cNvPr id="2" name="Titel 1">
             <a:extLst>
               <a:ext uri="{FF2B5EF4-FFF2-40B4-BE49-F238E27FC236}">
-                <a16:creationId xmlns:a16="http://schemas.microsoft.com/office/drawing/2014/main" xmlns="" id="{D329A526-CE1D-48AD-8C37-10B31DD1A94A}"/>
+                <a16:creationId xmlns="" xmlns:a16="http://schemas.microsoft.com/office/drawing/2014/main" id="{D329A526-CE1D-48AD-8C37-10B31DD1A94A}"/>
               </a:ext>
             </a:extLst>
           </p:cNvPr>
@@ -10657,7 +10658,7 @@
           <p:cNvPr id="3" name="Inhaltsplatzhalter 2">
             <a:extLst>
               <a:ext uri="{FF2B5EF4-FFF2-40B4-BE49-F238E27FC236}">
-                <a16:creationId xmlns:a16="http://schemas.microsoft.com/office/drawing/2014/main" xmlns="" id="{BA4C428F-6F17-477B-9503-2C9FE4D7286D}"/>
+                <a16:creationId xmlns="" xmlns:a16="http://schemas.microsoft.com/office/drawing/2014/main" id="{BA4C428F-6F17-477B-9503-2C9FE4D7286D}"/>
               </a:ext>
             </a:extLst>
           </p:cNvPr>
@@ -10736,7 +10737,7 @@
           <p:cNvPr id="2" name="Titel 1">
             <a:extLst>
               <a:ext uri="{FF2B5EF4-FFF2-40B4-BE49-F238E27FC236}">
-                <a16:creationId xmlns:a16="http://schemas.microsoft.com/office/drawing/2014/main" xmlns="" id="{8643BECD-9FC8-4139-AF9D-AAB9BD9ABF1F}"/>
+                <a16:creationId xmlns="" xmlns:a16="http://schemas.microsoft.com/office/drawing/2014/main" id="{8643BECD-9FC8-4139-AF9D-AAB9BD9ABF1F}"/>
               </a:ext>
             </a:extLst>
           </p:cNvPr>
@@ -10764,7 +10765,7 @@
           <p:cNvPr id="3" name="Inhaltsplatzhalter 2">
             <a:extLst>
               <a:ext uri="{FF2B5EF4-FFF2-40B4-BE49-F238E27FC236}">
-                <a16:creationId xmlns:a16="http://schemas.microsoft.com/office/drawing/2014/main" xmlns="" id="{E42A3100-1EC4-4CA1-8073-DBF9AE2DE022}"/>
+                <a16:creationId xmlns="" xmlns:a16="http://schemas.microsoft.com/office/drawing/2014/main" id="{E42A3100-1EC4-4CA1-8073-DBF9AE2DE022}"/>
               </a:ext>
             </a:extLst>
           </p:cNvPr>
@@ -10829,7 +10830,7 @@
           <p:cNvPr id="2" name="Titel 1">
             <a:extLst>
               <a:ext uri="{FF2B5EF4-FFF2-40B4-BE49-F238E27FC236}">
-                <a16:creationId xmlns:a16="http://schemas.microsoft.com/office/drawing/2014/main" xmlns="" id="{A6803A1C-048A-4BD5-BB5C-6AD0F129ECC9}"/>
+                <a16:creationId xmlns="" xmlns:a16="http://schemas.microsoft.com/office/drawing/2014/main" id="{A6803A1C-048A-4BD5-BB5C-6AD0F129ECC9}"/>
               </a:ext>
             </a:extLst>
           </p:cNvPr>
@@ -10857,7 +10858,7 @@
           <p:cNvPr id="3" name="Inhaltsplatzhalter 2">
             <a:extLst>
               <a:ext uri="{FF2B5EF4-FFF2-40B4-BE49-F238E27FC236}">
-                <a16:creationId xmlns:a16="http://schemas.microsoft.com/office/drawing/2014/main" xmlns="" id="{13708A06-7247-4796-B127-BA1268EFB4F0}"/>
+                <a16:creationId xmlns="" xmlns:a16="http://schemas.microsoft.com/office/drawing/2014/main" id="{13708A06-7247-4796-B127-BA1268EFB4F0}"/>
               </a:ext>
             </a:extLst>
           </p:cNvPr>
@@ -10928,7 +10929,7 @@
           <p:cNvPr id="2" name="Titel 1">
             <a:extLst>
               <a:ext uri="{FF2B5EF4-FFF2-40B4-BE49-F238E27FC236}">
-                <a16:creationId xmlns:a16="http://schemas.microsoft.com/office/drawing/2014/main" xmlns="" id="{D27A44A1-7D5C-4ED1-B1CC-16A1827DE5CE}"/>
+                <a16:creationId xmlns="" xmlns:a16="http://schemas.microsoft.com/office/drawing/2014/main" id="{D27A44A1-7D5C-4ED1-B1CC-16A1827DE5CE}"/>
               </a:ext>
             </a:extLst>
           </p:cNvPr>
@@ -10956,7 +10957,7 @@
           <p:cNvPr id="3" name="Inhaltsplatzhalter 2">
             <a:extLst>
               <a:ext uri="{FF2B5EF4-FFF2-40B4-BE49-F238E27FC236}">
-                <a16:creationId xmlns:a16="http://schemas.microsoft.com/office/drawing/2014/main" xmlns="" id="{0A11E94A-080C-4F4A-B9ED-FC1B878B8CE0}"/>
+                <a16:creationId xmlns="" xmlns:a16="http://schemas.microsoft.com/office/drawing/2014/main" id="{0A11E94A-080C-4F4A-B9ED-FC1B878B8CE0}"/>
               </a:ext>
             </a:extLst>
           </p:cNvPr>
@@ -11070,6 +11071,158 @@
 </file>
 
 <file path=ppt/slides/slide21.xml><?xml version="1.0" encoding="utf-8"?>
+<p:sld xmlns:a="http://schemas.openxmlformats.org/drawingml/2006/main" xmlns:r="http://schemas.openxmlformats.org/officeDocument/2006/relationships" xmlns:p="http://schemas.openxmlformats.org/presentationml/2006/main">
+  <p:cSld>
+    <p:spTree>
+      <p:nvGrpSpPr>
+        <p:cNvPr id="1" name=""/>
+        <p:cNvGrpSpPr/>
+        <p:nvPr/>
+      </p:nvGrpSpPr>
+      <p:grpSpPr>
+        <a:xfrm>
+          <a:off x="0" y="0"/>
+          <a:ext cx="0" cy="0"/>
+          <a:chOff x="0" y="0"/>
+          <a:chExt cx="0" cy="0"/>
+        </a:xfrm>
+      </p:grpSpPr>
+      <p:sp>
+        <p:nvSpPr>
+          <p:cNvPr id="2" name="Titel 1">
+            <a:extLst>
+              <a:ext uri="{FF2B5EF4-FFF2-40B4-BE49-F238E27FC236}">
+                <a16:creationId xmlns:a16="http://schemas.microsoft.com/office/drawing/2014/main" xmlns="" id="{FA9156A4-7871-49C6-9E96-77DAB068FFDA}"/>
+              </a:ext>
+            </a:extLst>
+          </p:cNvPr>
+          <p:cNvSpPr>
+            <a:spLocks noGrp="1"/>
+          </p:cNvSpPr>
+          <p:nvPr>
+            <p:ph type="title"/>
+          </p:nvPr>
+        </p:nvSpPr>
+        <p:spPr/>
+        <p:txBody>
+          <a:bodyPr/>
+          <a:lstStyle/>
+          <a:p>
+            <a:r>
+              <a:rPr lang="de-DE" dirty="0"/>
+              <a:t>Temperaturabhängiges </a:t>
+            </a:r>
+            <a:r>
+              <a:rPr lang="de-DE" dirty="0" err="1"/>
+              <a:t>cp</a:t>
+            </a:r>
+            <a:endParaRPr lang="de-DE" dirty="0"/>
+          </a:p>
+        </p:txBody>
+      </p:sp>
+      <p:sp>
+        <p:nvSpPr>
+          <p:cNvPr id="124" name="Rechteck 123">
+            <a:extLst>
+              <a:ext uri="{FF2B5EF4-FFF2-40B4-BE49-F238E27FC236}">
+                <a16:creationId xmlns:a16="http://schemas.microsoft.com/office/drawing/2014/main" xmlns="" id="{244BC332-0601-446D-9A1A-4A8B4BA101D4}"/>
+              </a:ext>
+            </a:extLst>
+          </p:cNvPr>
+          <p:cNvSpPr/>
+          <p:nvPr/>
+        </p:nvSpPr>
+        <p:spPr>
+          <a:xfrm>
+            <a:off x="251520" y="488950"/>
+            <a:ext cx="8712968" cy="1499890"/>
+          </a:xfrm>
+          <a:prstGeom prst="rect">
+            <a:avLst/>
+          </a:prstGeom>
+          <a:solidFill>
+            <a:srgbClr val="FFFFFF"/>
+          </a:solidFill>
+          <a:ln>
+            <a:noFill/>
+          </a:ln>
+        </p:spPr>
+        <p:style>
+          <a:lnRef idx="2">
+            <a:schemeClr val="accent1">
+              <a:shade val="50000"/>
+            </a:schemeClr>
+          </a:lnRef>
+          <a:fillRef idx="1">
+            <a:schemeClr val="accent1"/>
+          </a:fillRef>
+          <a:effectRef idx="0">
+            <a:schemeClr val="accent1"/>
+          </a:effectRef>
+          <a:fontRef idx="minor">
+            <a:schemeClr val="lt1"/>
+          </a:fontRef>
+        </p:style>
+        <p:txBody>
+          <a:bodyPr rtlCol="0" anchor="ctr"/>
+          <a:lstStyle/>
+          <a:p>
+            <a:pPr algn="ctr"/>
+            <a:endParaRPr lang="de-DE"/>
+          </a:p>
+        </p:txBody>
+      </p:sp>
+      <p:pic>
+        <p:nvPicPr>
+          <p:cNvPr id="4" name="Grafik 3"/>
+          <p:cNvPicPr>
+            <a:picLocks noChangeAspect="1"/>
+          </p:cNvPicPr>
+          <p:nvPr/>
+        </p:nvPicPr>
+        <p:blipFill>
+          <a:blip r:embed="rId2" cstate="print">
+            <a:extLst>
+              <a:ext uri="{28A0092B-C50C-407E-A947-70E740481C1C}">
+                <a14:useLocalDpi xmlns:a14="http://schemas.microsoft.com/office/drawing/2010/main" val="0"/>
+              </a:ext>
+            </a:extLst>
+          </a:blip>
+          <a:stretch>
+            <a:fillRect/>
+          </a:stretch>
+        </p:blipFill>
+        <p:spPr>
+          <a:xfrm>
+            <a:off x="1151281" y="1196752"/>
+            <a:ext cx="6805095" cy="5115600"/>
+          </a:xfrm>
+          <a:prstGeom prst="rect">
+            <a:avLst/>
+          </a:prstGeom>
+        </p:spPr>
+      </p:pic>
+    </p:spTree>
+    <p:extLst>
+      <p:ext uri="{BB962C8B-B14F-4D97-AF65-F5344CB8AC3E}">
+        <p14:creationId xmlns:p14="http://schemas.microsoft.com/office/powerpoint/2010/main" val="2809139922"/>
+      </p:ext>
+    </p:extLst>
+  </p:cSld>
+  <p:clrMapOvr>
+    <a:masterClrMapping/>
+  </p:clrMapOvr>
+  <p:timing>
+    <p:tnLst>
+      <p:par>
+        <p:cTn id="1" dur="indefinite" restart="never" nodeType="tmRoot"/>
+      </p:par>
+    </p:tnLst>
+  </p:timing>
+</p:sld>
+</file>
+
+<file path=ppt/slides/slide22.xml><?xml version="1.0" encoding="utf-8"?>
 <p:sld xmlns:a="http://schemas.openxmlformats.org/drawingml/2006/main" xmlns:r="http://schemas.openxmlformats.org/officeDocument/2006/relationships" xmlns:p="http://schemas.openxmlformats.org/presentationml/2006/main">
   <p:cSld>
     <p:spTree>
@@ -11366,7 +11519,7 @@
 </p:sld>
 </file>
 
-<file path=ppt/slides/slide22.xml><?xml version="1.0" encoding="utf-8"?>
+<file path=ppt/slides/slide23.xml><?xml version="1.0" encoding="utf-8"?>
 <p:sld xmlns:a="http://schemas.openxmlformats.org/drawingml/2006/main" xmlns:r="http://schemas.openxmlformats.org/officeDocument/2006/relationships" xmlns:p="http://schemas.openxmlformats.org/presentationml/2006/main">
   <p:cSld>
     <p:spTree>
@@ -11434,14 +11587,14 @@
                 <a:gridCol w="3411538">
                   <a:extLst>
                     <a:ext uri="{9D8B030D-6E8A-4147-A177-3AD203B41FA5}">
-                      <a16:colId xmlns:a16="http://schemas.microsoft.com/office/drawing/2014/main" xmlns="" val="20000"/>
+                      <a16:colId xmlns="" xmlns:a16="http://schemas.microsoft.com/office/drawing/2014/main" val="20000"/>
                     </a:ext>
                   </a:extLst>
                 </a:gridCol>
                 <a:gridCol w="3411538">
                   <a:extLst>
                     <a:ext uri="{9D8B030D-6E8A-4147-A177-3AD203B41FA5}">
-                      <a16:colId xmlns:a16="http://schemas.microsoft.com/office/drawing/2014/main" xmlns="" val="20001"/>
+                      <a16:colId xmlns="" xmlns:a16="http://schemas.microsoft.com/office/drawing/2014/main" val="20001"/>
                     </a:ext>
                   </a:extLst>
                 </a:gridCol>
@@ -11483,7 +11636,7 @@
                 </a:tc>
                 <a:extLst>
                   <a:ext uri="{0D108BD9-81ED-4DB2-BD59-A6C34878D82A}">
-                    <a16:rowId xmlns:a16="http://schemas.microsoft.com/office/drawing/2014/main" xmlns="" val="10000"/>
+                    <a16:rowId xmlns="" xmlns:a16="http://schemas.microsoft.com/office/drawing/2014/main" val="10000"/>
                   </a:ext>
                 </a:extLst>
               </a:tr>
@@ -11521,7 +11674,7 @@
                 </a:tc>
                 <a:extLst>
                   <a:ext uri="{0D108BD9-81ED-4DB2-BD59-A6C34878D82A}">
-                    <a16:rowId xmlns:a16="http://schemas.microsoft.com/office/drawing/2014/main" xmlns="" val="10001"/>
+                    <a16:rowId xmlns="" xmlns:a16="http://schemas.microsoft.com/office/drawing/2014/main" val="10001"/>
                   </a:ext>
                 </a:extLst>
               </a:tr>
@@ -11575,7 +11728,7 @@
                 </a:tc>
                 <a:extLst>
                   <a:ext uri="{0D108BD9-81ED-4DB2-BD59-A6C34878D82A}">
-                    <a16:rowId xmlns:a16="http://schemas.microsoft.com/office/drawing/2014/main" xmlns="" val="10002"/>
+                    <a16:rowId xmlns="" xmlns:a16="http://schemas.microsoft.com/office/drawing/2014/main" val="10002"/>
                   </a:ext>
                 </a:extLst>
               </a:tr>
@@ -11629,7 +11782,7 @@
                 </a:tc>
                 <a:extLst>
                   <a:ext uri="{0D108BD9-81ED-4DB2-BD59-A6C34878D82A}">
-                    <a16:rowId xmlns:a16="http://schemas.microsoft.com/office/drawing/2014/main" xmlns="" val="10003"/>
+                    <a16:rowId xmlns="" xmlns:a16="http://schemas.microsoft.com/office/drawing/2014/main" val="10003"/>
                   </a:ext>
                 </a:extLst>
               </a:tr>
@@ -11683,7 +11836,7 @@
                 </a:tc>
                 <a:extLst>
                   <a:ext uri="{0D108BD9-81ED-4DB2-BD59-A6C34878D82A}">
-                    <a16:rowId xmlns:a16="http://schemas.microsoft.com/office/drawing/2014/main" xmlns="" val="10004"/>
+                    <a16:rowId xmlns="" xmlns:a16="http://schemas.microsoft.com/office/drawing/2014/main" val="10004"/>
                   </a:ext>
                 </a:extLst>
               </a:tr>
@@ -11737,7 +11890,7 @@
                 </a:tc>
                 <a:extLst>
                   <a:ext uri="{0D108BD9-81ED-4DB2-BD59-A6C34878D82A}">
-                    <a16:rowId xmlns:a16="http://schemas.microsoft.com/office/drawing/2014/main" xmlns="" val="10005"/>
+                    <a16:rowId xmlns="" xmlns:a16="http://schemas.microsoft.com/office/drawing/2014/main" val="10005"/>
                   </a:ext>
                 </a:extLst>
               </a:tr>
@@ -11791,7 +11944,7 @@
                 </a:tc>
                 <a:extLst>
                   <a:ext uri="{0D108BD9-81ED-4DB2-BD59-A6C34878D82A}">
-                    <a16:rowId xmlns:a16="http://schemas.microsoft.com/office/drawing/2014/main" xmlns="" val="10006"/>
+                    <a16:rowId xmlns="" xmlns:a16="http://schemas.microsoft.com/office/drawing/2014/main" val="10006"/>
                   </a:ext>
                 </a:extLst>
               </a:tr>
@@ -11845,7 +11998,7 @@
                 </a:tc>
                 <a:extLst>
                   <a:ext uri="{0D108BD9-81ED-4DB2-BD59-A6C34878D82A}">
-                    <a16:rowId xmlns:a16="http://schemas.microsoft.com/office/drawing/2014/main" xmlns="" val="10007"/>
+                    <a16:rowId xmlns="" xmlns:a16="http://schemas.microsoft.com/office/drawing/2014/main" val="10007"/>
                   </a:ext>
                 </a:extLst>
               </a:tr>
@@ -12075,7 +12228,7 @@
           <p:cNvPr id="2" name="Titel 1">
             <a:extLst>
               <a:ext uri="{FF2B5EF4-FFF2-40B4-BE49-F238E27FC236}">
-                <a16:creationId xmlns:a16="http://schemas.microsoft.com/office/drawing/2014/main" xmlns="" id="{097E6A6D-464E-4766-AAF3-C4FECB9FA991}"/>
+                <a16:creationId xmlns="" xmlns:a16="http://schemas.microsoft.com/office/drawing/2014/main" id="{097E6A6D-464E-4766-AAF3-C4FECB9FA991}"/>
               </a:ext>
             </a:extLst>
           </p:cNvPr>
@@ -12103,7 +12256,7 @@
           <p:cNvPr id="3" name="Inhaltsplatzhalter 2">
             <a:extLst>
               <a:ext uri="{FF2B5EF4-FFF2-40B4-BE49-F238E27FC236}">
-                <a16:creationId xmlns:a16="http://schemas.microsoft.com/office/drawing/2014/main" xmlns="" id="{0E9598F0-1E7C-41F5-AC85-FE84123CF1DA}"/>
+                <a16:creationId xmlns="" xmlns:a16="http://schemas.microsoft.com/office/drawing/2014/main" id="{0E9598F0-1E7C-41F5-AC85-FE84123CF1DA}"/>
               </a:ext>
             </a:extLst>
           </p:cNvPr>
@@ -12189,7 +12342,7 @@
           <p:cNvPr id="2" name="Titel 1">
             <a:extLst>
               <a:ext uri="{FF2B5EF4-FFF2-40B4-BE49-F238E27FC236}">
-                <a16:creationId xmlns:a16="http://schemas.microsoft.com/office/drawing/2014/main" xmlns="" id="{2466B14E-2CAE-450A-835B-07642C6772FC}"/>
+                <a16:creationId xmlns="" xmlns:a16="http://schemas.microsoft.com/office/drawing/2014/main" id="{2466B14E-2CAE-450A-835B-07642C6772FC}"/>
               </a:ext>
             </a:extLst>
           </p:cNvPr>
@@ -12218,7 +12371,7 @@
           <p:cNvPr id="3" name="Inhaltsplatzhalter 2">
             <a:extLst>
               <a:ext uri="{FF2B5EF4-FFF2-40B4-BE49-F238E27FC236}">
-                <a16:creationId xmlns:a16="http://schemas.microsoft.com/office/drawing/2014/main" xmlns="" id="{CCE11E07-3335-434C-8B03-5B1BAEAEC7C5}"/>
+                <a16:creationId xmlns="" xmlns:a16="http://schemas.microsoft.com/office/drawing/2014/main" id="{CCE11E07-3335-434C-8B03-5B1BAEAEC7C5}"/>
               </a:ext>
             </a:extLst>
           </p:cNvPr>
@@ -12509,7 +12662,7 @@
           <p:cNvPr id="2" name="Titel 1">
             <a:extLst>
               <a:ext uri="{FF2B5EF4-FFF2-40B4-BE49-F238E27FC236}">
-                <a16:creationId xmlns:a16="http://schemas.microsoft.com/office/drawing/2014/main" xmlns="" id="{B0EB02CB-0053-457A-BB5F-5D64278141CC}"/>
+                <a16:creationId xmlns="" xmlns:a16="http://schemas.microsoft.com/office/drawing/2014/main" id="{B0EB02CB-0053-457A-BB5F-5D64278141CC}"/>
               </a:ext>
             </a:extLst>
           </p:cNvPr>
@@ -12538,7 +12691,7 @@
           <p:cNvPr id="3" name="Inhaltsplatzhalter 2">
             <a:extLst>
               <a:ext uri="{FF2B5EF4-FFF2-40B4-BE49-F238E27FC236}">
-                <a16:creationId xmlns:a16="http://schemas.microsoft.com/office/drawing/2014/main" xmlns="" id="{756355A6-13F9-40C1-8AD3-1534717E7B09}"/>
+                <a16:creationId xmlns="" xmlns:a16="http://schemas.microsoft.com/office/drawing/2014/main" id="{756355A6-13F9-40C1-8AD3-1534717E7B09}"/>
               </a:ext>
             </a:extLst>
           </p:cNvPr>
@@ -13191,7 +13344,7 @@
           <p:cNvPr id="2" name="Titel 1">
             <a:extLst>
               <a:ext uri="{FF2B5EF4-FFF2-40B4-BE49-F238E27FC236}">
-                <a16:creationId xmlns:a16="http://schemas.microsoft.com/office/drawing/2014/main" xmlns="" id="{8DE61EE4-0A2E-4DFD-BE73-F3D4D2210025}"/>
+                <a16:creationId xmlns="" xmlns:a16="http://schemas.microsoft.com/office/drawing/2014/main" id="{8DE61EE4-0A2E-4DFD-BE73-F3D4D2210025}"/>
               </a:ext>
             </a:extLst>
           </p:cNvPr>
@@ -13219,7 +13372,7 @@
           <p:cNvPr id="3" name="Inhaltsplatzhalter 2">
             <a:extLst>
               <a:ext uri="{FF2B5EF4-FFF2-40B4-BE49-F238E27FC236}">
-                <a16:creationId xmlns:a16="http://schemas.microsoft.com/office/drawing/2014/main" xmlns="" id="{D3AA39F9-9931-48BD-9CE6-A9A42797156C}"/>
+                <a16:creationId xmlns="" xmlns:a16="http://schemas.microsoft.com/office/drawing/2014/main" id="{D3AA39F9-9931-48BD-9CE6-A9A42797156C}"/>
               </a:ext>
             </a:extLst>
           </p:cNvPr>
@@ -13281,7 +13434,7 @@
           <p:cNvPr id="2" name="Titel 1">
             <a:extLst>
               <a:ext uri="{FF2B5EF4-FFF2-40B4-BE49-F238E27FC236}">
-                <a16:creationId xmlns:a16="http://schemas.microsoft.com/office/drawing/2014/main" xmlns="" id="{5468A21C-5F1B-49A9-9615-E49303F1DFD8}"/>
+                <a16:creationId xmlns="" xmlns:a16="http://schemas.microsoft.com/office/drawing/2014/main" id="{5468A21C-5F1B-49A9-9615-E49303F1DFD8}"/>
               </a:ext>
             </a:extLst>
           </p:cNvPr>
@@ -13309,7 +13462,7 @@
           <p:cNvPr id="3" name="Inhaltsplatzhalter 2">
             <a:extLst>
               <a:ext uri="{FF2B5EF4-FFF2-40B4-BE49-F238E27FC236}">
-                <a16:creationId xmlns:a16="http://schemas.microsoft.com/office/drawing/2014/main" xmlns="" id="{71D6F8BC-B1F4-4464-B16C-BE0C1ED3F521}"/>
+                <a16:creationId xmlns="" xmlns:a16="http://schemas.microsoft.com/office/drawing/2014/main" id="{71D6F8BC-B1F4-4464-B16C-BE0C1ED3F521}"/>
               </a:ext>
             </a:extLst>
           </p:cNvPr>
@@ -13396,7 +13549,7 @@
           <p:cNvPr id="2" name="Titel 1">
             <a:extLst>
               <a:ext uri="{FF2B5EF4-FFF2-40B4-BE49-F238E27FC236}">
-                <a16:creationId xmlns:a16="http://schemas.microsoft.com/office/drawing/2014/main" xmlns="" id="{094F379C-23F4-4D35-86D6-1D1C29CAB88B}"/>
+                <a16:creationId xmlns="" xmlns:a16="http://schemas.microsoft.com/office/drawing/2014/main" id="{094F379C-23F4-4D35-86D6-1D1C29CAB88B}"/>
               </a:ext>
             </a:extLst>
           </p:cNvPr>
@@ -13424,7 +13577,7 @@
           <p:cNvPr id="3" name="Inhaltsplatzhalter 2">
             <a:extLst>
               <a:ext uri="{FF2B5EF4-FFF2-40B4-BE49-F238E27FC236}">
-                <a16:creationId xmlns:a16="http://schemas.microsoft.com/office/drawing/2014/main" xmlns="" id="{1C3E671A-136E-4360-89A9-AD9DB1ED1606}"/>
+                <a16:creationId xmlns="" xmlns:a16="http://schemas.microsoft.com/office/drawing/2014/main" id="{1C3E671A-136E-4360-89A9-AD9DB1ED1606}"/>
               </a:ext>
             </a:extLst>
           </p:cNvPr>
